--- a/03-writing_a_test_first.pptx
+++ b/03-writing_a_test_first.pptx
@@ -5003,7 +5003,6 @@
               <a:rPr lang="en-US" dirty="0" smtClean="0"/>
               <a:t>cookbook's default recipe.</a:t>
             </a:r>
-            <a:endParaRPr lang="en-US" dirty="0" smtClean="0"/>
           </a:p>
         </p:txBody>
       </p:sp>
@@ -5657,11 +5656,7 @@
           <a:p>
             <a:r>
               <a:rPr lang="en-US" dirty="0" smtClean="0"/>
-              <a:t>Run </a:t>
-            </a:r>
-            <a:r>
-              <a:rPr lang="en-US" dirty="0" smtClean="0"/>
-              <a:t>the</a:t>
+              <a:t>Run the</a:t>
             </a:r>
             <a:r>
               <a:rPr lang="en-US" baseline="0" dirty="0" smtClean="0"/>
@@ -6846,11 +6841,7 @@
             </a:r>
             <a:r>
               <a:rPr lang="en-US" baseline="0" dirty="0" smtClean="0"/>
-              <a:t> the platform or assist with troubleshooting your recipes they fail in perplexing ways. Right now, we are interested in writing a test so logout of the instance with the 'exit' command and we will return to the </a:t>
-            </a:r>
-            <a:r>
-              <a:rPr lang="en-US" baseline="0" dirty="0" smtClean="0"/>
-              <a:t>workstation.</a:t>
+              <a:t> the platform or assist with troubleshooting your recipes they fail in perplexing ways. Right now, we are interested in writing a test so logout of the instance with the 'exit' command and we will return to the workstation.</a:t>
             </a:r>
             <a:endParaRPr lang="en-US" dirty="0"/>
           </a:p>
@@ -10895,14 +10886,14 @@
           </a:ln>
           <a:extLst>
             <a:ext uri="{909E8E84-426E-40dd-AFC4-6F175D3DCCD1}">
-              <a14:hiddenFill xmlns:a14="http://schemas.microsoft.com/office/drawing/2010/main" xmlns="">
+              <a14:hiddenFill xmlns="" xmlns:a14="http://schemas.microsoft.com/office/drawing/2010/main">
                 <a:solidFill>
                   <a:srgbClr val="FFFFFF"/>
                 </a:solidFill>
               </a14:hiddenFill>
             </a:ext>
             <a:ext uri="{91240B29-F687-4f45-9708-019B960494DF}">
-              <a14:hiddenLine xmlns:a14="http://schemas.microsoft.com/office/drawing/2010/main" xmlns="" w="9525">
+              <a14:hiddenLine xmlns="" xmlns:a14="http://schemas.microsoft.com/office/drawing/2010/main" w="9525">
                 <a:solidFill>
                   <a:srgbClr val="000000"/>
                 </a:solidFill>
@@ -11050,14 +11041,14 @@
           </a:ln>
           <a:extLst>
             <a:ext uri="{909E8E84-426E-40dd-AFC4-6F175D3DCCD1}">
-              <a14:hiddenFill xmlns:a14="http://schemas.microsoft.com/office/drawing/2010/main" xmlns="">
+              <a14:hiddenFill xmlns="" xmlns:a14="http://schemas.microsoft.com/office/drawing/2010/main">
                 <a:solidFill>
                   <a:srgbClr val="FFFFFF"/>
                 </a:solidFill>
               </a14:hiddenFill>
             </a:ext>
             <a:ext uri="{91240B29-F687-4f45-9708-019B960494DF}">
-              <a14:hiddenLine xmlns:a14="http://schemas.microsoft.com/office/drawing/2010/main" xmlns="" w="9525">
+              <a14:hiddenLine xmlns="" xmlns:a14="http://schemas.microsoft.com/office/drawing/2010/main" w="9525">
                 <a:solidFill>
                   <a:srgbClr val="000000"/>
                 </a:solidFill>
@@ -11548,14 +11539,14 @@
           </a:ln>
           <a:extLst>
             <a:ext uri="{909E8E84-426E-40dd-AFC4-6F175D3DCCD1}">
-              <a14:hiddenFill xmlns:a14="http://schemas.microsoft.com/office/drawing/2010/main" xmlns="">
+              <a14:hiddenFill xmlns="" xmlns:a14="http://schemas.microsoft.com/office/drawing/2010/main">
                 <a:solidFill>
                   <a:srgbClr val="FFFFFF"/>
                 </a:solidFill>
               </a14:hiddenFill>
             </a:ext>
             <a:ext uri="{91240B29-F687-4f45-9708-019B960494DF}">
-              <a14:hiddenLine xmlns:a14="http://schemas.microsoft.com/office/drawing/2010/main" xmlns="" w="9525">
+              <a14:hiddenLine xmlns="" xmlns:a14="http://schemas.microsoft.com/office/drawing/2010/main" w="9525">
                 <a:solidFill>
                   <a:srgbClr val="000000"/>
                 </a:solidFill>
@@ -13004,14 +12995,14 @@
           </a:ln>
           <a:extLst>
             <a:ext uri="{909E8E84-426E-40dd-AFC4-6F175D3DCCD1}">
-              <a14:hiddenFill xmlns:a14="http://schemas.microsoft.com/office/drawing/2010/main" xmlns="">
+              <a14:hiddenFill xmlns="" xmlns:a14="http://schemas.microsoft.com/office/drawing/2010/main">
                 <a:solidFill>
                   <a:srgbClr val="FFFFFF"/>
                 </a:solidFill>
               </a14:hiddenFill>
             </a:ext>
             <a:ext uri="{91240B29-F687-4f45-9708-019B960494DF}">
-              <a14:hiddenLine xmlns:a14="http://schemas.microsoft.com/office/drawing/2010/main" xmlns="" w="9525">
+              <a14:hiddenLine xmlns="" xmlns:a14="http://schemas.microsoft.com/office/drawing/2010/main" w="9525">
                 <a:solidFill>
                   <a:srgbClr val="000000"/>
                 </a:solidFill>
@@ -14365,14 +14356,14 @@
           </a:ln>
           <a:extLst>
             <a:ext uri="{909E8E84-426E-40dd-AFC4-6F175D3DCCD1}">
-              <a14:hiddenFill xmlns:a14="http://schemas.microsoft.com/office/drawing/2010/main" xmlns="">
+              <a14:hiddenFill xmlns="" xmlns:a14="http://schemas.microsoft.com/office/drawing/2010/main">
                 <a:solidFill>
                   <a:srgbClr val="FFFFFF"/>
                 </a:solidFill>
               </a14:hiddenFill>
             </a:ext>
             <a:ext uri="{91240B29-F687-4f45-9708-019B960494DF}">
-              <a14:hiddenLine xmlns:a14="http://schemas.microsoft.com/office/drawing/2010/main" xmlns="" w="9525">
+              <a14:hiddenLine xmlns="" xmlns:a14="http://schemas.microsoft.com/office/drawing/2010/main" w="9525">
                 <a:solidFill>
                   <a:srgbClr val="000000"/>
                 </a:solidFill>
@@ -14790,14 +14781,14 @@
           </a:ln>
           <a:extLst>
             <a:ext uri="{909E8E84-426E-40dd-AFC4-6F175D3DCCD1}">
-              <a14:hiddenFill xmlns:a14="http://schemas.microsoft.com/office/drawing/2010/main" xmlns="">
+              <a14:hiddenFill xmlns="" xmlns:a14="http://schemas.microsoft.com/office/drawing/2010/main">
                 <a:solidFill>
                   <a:srgbClr val="FFFFFF"/>
                 </a:solidFill>
               </a14:hiddenFill>
             </a:ext>
             <a:ext uri="{91240B29-F687-4f45-9708-019B960494DF}">
-              <a14:hiddenLine xmlns:a14="http://schemas.microsoft.com/office/drawing/2010/main" xmlns="" w="9525">
+              <a14:hiddenLine xmlns="" xmlns:a14="http://schemas.microsoft.com/office/drawing/2010/main" w="9525">
                 <a:solidFill>
                   <a:srgbClr val="000000"/>
                 </a:solidFill>
@@ -14945,14 +14936,14 @@
           </a:ln>
           <a:extLst>
             <a:ext uri="{909E8E84-426E-40dd-AFC4-6F175D3DCCD1}">
-              <a14:hiddenFill xmlns:a14="http://schemas.microsoft.com/office/drawing/2010/main" xmlns="">
+              <a14:hiddenFill xmlns="" xmlns:a14="http://schemas.microsoft.com/office/drawing/2010/main">
                 <a:solidFill>
                   <a:srgbClr val="FFFFFF"/>
                 </a:solidFill>
               </a14:hiddenFill>
             </a:ext>
             <a:ext uri="{91240B29-F687-4f45-9708-019B960494DF}">
-              <a14:hiddenLine xmlns:a14="http://schemas.microsoft.com/office/drawing/2010/main" xmlns="" w="9525">
+              <a14:hiddenLine xmlns="" xmlns:a14="http://schemas.microsoft.com/office/drawing/2010/main" w="9525">
                 <a:solidFill>
                   <a:srgbClr val="000000"/>
                 </a:solidFill>
@@ -15438,14 +15429,14 @@
           </a:ln>
           <a:extLst>
             <a:ext uri="{909E8E84-426E-40dd-AFC4-6F175D3DCCD1}">
-              <a14:hiddenFill xmlns:a14="http://schemas.microsoft.com/office/drawing/2010/main" xmlns="">
+              <a14:hiddenFill xmlns="" xmlns:a14="http://schemas.microsoft.com/office/drawing/2010/main">
                 <a:solidFill>
                   <a:srgbClr val="FFFFFF"/>
                 </a:solidFill>
               </a14:hiddenFill>
             </a:ext>
             <a:ext uri="{91240B29-F687-4f45-9708-019B960494DF}">
-              <a14:hiddenLine xmlns:a14="http://schemas.microsoft.com/office/drawing/2010/main" xmlns="" w="9525">
+              <a14:hiddenLine xmlns="" xmlns:a14="http://schemas.microsoft.com/office/drawing/2010/main" w="9525">
                 <a:solidFill>
                   <a:srgbClr val="000000"/>
                 </a:solidFill>
@@ -16003,14 +15994,14 @@
           </a:ln>
           <a:extLst>
             <a:ext uri="{909E8E84-426E-40dd-AFC4-6F175D3DCCD1}">
-              <a14:hiddenFill xmlns:a14="http://schemas.microsoft.com/office/drawing/2010/main" xmlns="">
+              <a14:hiddenFill xmlns="" xmlns:a14="http://schemas.microsoft.com/office/drawing/2010/main">
                 <a:solidFill>
                   <a:srgbClr val="FFFFFF"/>
                 </a:solidFill>
               </a14:hiddenFill>
             </a:ext>
             <a:ext uri="{91240B29-F687-4f45-9708-019B960494DF}">
-              <a14:hiddenLine xmlns:a14="http://schemas.microsoft.com/office/drawing/2010/main" xmlns="" w="9525">
+              <a14:hiddenLine xmlns="" xmlns:a14="http://schemas.microsoft.com/office/drawing/2010/main" w="9525">
                 <a:solidFill>
                   <a:srgbClr val="000000"/>
                 </a:solidFill>
@@ -16577,14 +16568,14 @@
           </a:ln>
           <a:extLst>
             <a:ext uri="{909E8E84-426E-40dd-AFC4-6F175D3DCCD1}">
-              <a14:hiddenFill xmlns:a14="http://schemas.microsoft.com/office/drawing/2010/main" xmlns="">
+              <a14:hiddenFill xmlns="" xmlns:a14="http://schemas.microsoft.com/office/drawing/2010/main">
                 <a:solidFill>
                   <a:srgbClr val="FFFFFF"/>
                 </a:solidFill>
               </a14:hiddenFill>
             </a:ext>
             <a:ext uri="{91240B29-F687-4f45-9708-019B960494DF}">
-              <a14:hiddenLine xmlns:a14="http://schemas.microsoft.com/office/drawing/2010/main" xmlns="" w="9525">
+              <a14:hiddenLine xmlns="" xmlns:a14="http://schemas.microsoft.com/office/drawing/2010/main" w="9525">
                 <a:solidFill>
                   <a:srgbClr val="000000"/>
                 </a:solidFill>
@@ -17524,14 +17515,14 @@
           </a:ln>
           <a:extLst>
             <a:ext uri="{909E8E84-426E-40dd-AFC4-6F175D3DCCD1}">
-              <a14:hiddenFill xmlns:a14="http://schemas.microsoft.com/office/drawing/2010/main" xmlns="">
+              <a14:hiddenFill xmlns="" xmlns:a14="http://schemas.microsoft.com/office/drawing/2010/main">
                 <a:solidFill>
                   <a:srgbClr val="FFFFFF"/>
                 </a:solidFill>
               </a14:hiddenFill>
             </a:ext>
             <a:ext uri="{91240B29-F687-4f45-9708-019B960494DF}">
-              <a14:hiddenLine xmlns:a14="http://schemas.microsoft.com/office/drawing/2010/main" xmlns="" w="9525">
+              <a14:hiddenLine xmlns="" xmlns:a14="http://schemas.microsoft.com/office/drawing/2010/main" w="9525">
                 <a:solidFill>
                   <a:srgbClr val="000000"/>
                 </a:solidFill>
@@ -17611,7 +17602,7 @@
               <a:defRPr/>
             </a:pPr>
             <a:r>
-              <a:rPr lang="en-US" dirty="0">
+              <a:rPr lang="en-US">
                 <a:solidFill>
                   <a:srgbClr val="7D868C"/>
                 </a:solidFill>
@@ -17619,7 +17610,29 @@
                 <a:ea typeface="+mn-ea"/>
                 <a:cs typeface="+mn-cs"/>
               </a:rPr>
-              <a:t>©2015 Chef Software Inc</a:t>
+              <a:t>©</a:t>
+            </a:r>
+            <a:r>
+              <a:rPr lang="en-US" smtClean="0">
+                <a:solidFill>
+                  <a:srgbClr val="7D868C"/>
+                </a:solidFill>
+                <a:latin typeface="+mn-lt"/>
+                <a:ea typeface="+mn-ea"/>
+                <a:cs typeface="+mn-cs"/>
+              </a:rPr>
+              <a:t>2016 </a:t>
+            </a:r>
+            <a:r>
+              <a:rPr lang="en-US" dirty="0">
+                <a:solidFill>
+                  <a:srgbClr val="7D868C"/>
+                </a:solidFill>
+                <a:latin typeface="+mn-lt"/>
+                <a:ea typeface="+mn-ea"/>
+                <a:cs typeface="+mn-cs"/>
+              </a:rPr>
+              <a:t>Chef Software Inc</a:t>
             </a:r>
             <a:r>
               <a:rPr lang="en-US" dirty="0">
@@ -18282,14 +18295,14 @@
           </a:ln>
           <a:extLst>
             <a:ext uri="{909E8E84-426E-40dd-AFC4-6F175D3DCCD1}">
-              <a14:hiddenFill xmlns:a14="http://schemas.microsoft.com/office/drawing/2010/main" xmlns="">
+              <a14:hiddenFill xmlns="" xmlns:a14="http://schemas.microsoft.com/office/drawing/2010/main">
                 <a:solidFill>
                   <a:srgbClr val="FFFFFF"/>
                 </a:solidFill>
               </a14:hiddenFill>
             </a:ext>
             <a:ext uri="{91240B29-F687-4f45-9708-019B960494DF}">
-              <a14:hiddenLine xmlns:a14="http://schemas.microsoft.com/office/drawing/2010/main" xmlns="" w="9525">
+              <a14:hiddenLine xmlns="" xmlns:a14="http://schemas.microsoft.com/office/drawing/2010/main" w="9525">
                 <a:solidFill>
                   <a:srgbClr val="000000"/>
                 </a:solidFill>
@@ -18377,7 +18390,29 @@
                 <a:ea typeface="+mn-ea"/>
                 <a:cs typeface="+mn-cs"/>
               </a:rPr>
-              <a:t>©2015 Chef Software Inc</a:t>
+              <a:t>©</a:t>
+            </a:r>
+            <a:r>
+              <a:rPr lang="en-US" dirty="0" smtClean="0">
+                <a:solidFill>
+                  <a:srgbClr val="7D868C"/>
+                </a:solidFill>
+                <a:latin typeface="+mn-lt"/>
+                <a:ea typeface="+mn-ea"/>
+                <a:cs typeface="+mn-cs"/>
+              </a:rPr>
+              <a:t>2016 </a:t>
+            </a:r>
+            <a:r>
+              <a:rPr lang="en-US" dirty="0">
+                <a:solidFill>
+                  <a:srgbClr val="7D868C"/>
+                </a:solidFill>
+                <a:latin typeface="+mn-lt"/>
+                <a:ea typeface="+mn-ea"/>
+                <a:cs typeface="+mn-cs"/>
+              </a:rPr>
+              <a:t>Chef Software Inc</a:t>
             </a:r>
             <a:r>
               <a:rPr lang="en-US" dirty="0">
@@ -18445,10 +18480,21 @@
                 <a:ea typeface="+mn-ea"/>
                 <a:cs typeface="+mn-cs"/>
               </a:rPr>
-              <a:t>1-</a:t>
+              <a:t>3</a:t>
+            </a:r>
+            <a:r>
+              <a:rPr lang="en-US" dirty="0" smtClean="0">
+                <a:solidFill>
+                  <a:srgbClr val="7F7F7F"/>
+                </a:solidFill>
+                <a:latin typeface="+mn-lt"/>
+                <a:ea typeface="+mn-ea"/>
+                <a:cs typeface="+mn-cs"/>
+              </a:rPr>
+              <a:t>-</a:t>
             </a:r>
             <a:fld id="{F0B79B2F-E1DD-4D43-95B3-EA08C411D807}" type="slidenum">
-              <a:rPr lang="en-US">
+              <a:rPr lang="en-US" smtClean="0">
                 <a:solidFill>
                   <a:srgbClr val="7F7F7F"/>
                 </a:solidFill>
@@ -19563,15 +19609,7 @@
           <a:p>
             <a:r>
               <a:rPr lang="en-US" dirty="0" smtClean="0"/>
-              <a:t>&gt; chef generate </a:t>
-            </a:r>
-            <a:r>
-              <a:rPr lang="en-US" dirty="0" smtClean="0"/>
-              <a:t>--</a:t>
-            </a:r>
-            <a:r>
-              <a:rPr lang="en-US" dirty="0" smtClean="0"/>
-              <a:t>help</a:t>
+              <a:t>&gt; chef generate --help</a:t>
             </a:r>
             <a:endParaRPr lang="en-US" dirty="0"/>
           </a:p>
@@ -22447,7 +22485,6 @@
               <a:rPr lang="en-US" dirty="0"/>
               <a:t>This tells Test Kitchen (and Busser) which Busser runner plugin needs to be installed on the remote instance.</a:t>
             </a:r>
-            <a:endParaRPr lang="en-US" dirty="0"/>
           </a:p>
         </p:txBody>
       </p:sp>
@@ -23088,7 +23125,6 @@
               <a:rPr lang="en-US" dirty="0"/>
               <a:t>.</a:t>
             </a:r>
-            <a:endParaRPr lang="en-US" dirty="0"/>
           </a:p>
         </p:txBody>
       </p:sp>
@@ -23971,11 +24007,6 @@
               </a:rPr>
               <a:t>example groups</a:t>
             </a:r>
-            <a:endParaRPr lang="en-US" dirty="0" smtClean="0">
-              <a:solidFill>
-                <a:schemeClr val="bg1"/>
-              </a:solidFill>
-            </a:endParaRPr>
           </a:p>
         </p:txBody>
       </p:sp>
@@ -24512,11 +24543,6 @@
               </a:rPr>
               <a:t> resource</a:t>
             </a:r>
-            <a:endParaRPr lang="en-US" dirty="0" smtClean="0">
-              <a:solidFill>
-                <a:schemeClr val="bg1"/>
-              </a:solidFill>
-            </a:endParaRPr>
           </a:p>
         </p:txBody>
       </p:sp>
@@ -24917,11 +24943,6 @@
               </a:rPr>
               <a:t>attribute of resource</a:t>
             </a:r>
-            <a:endParaRPr lang="en-US" sz="2800" dirty="0" smtClean="0">
-              <a:solidFill>
-                <a:schemeClr val="bg1"/>
-              </a:solidFill>
-            </a:endParaRPr>
           </a:p>
         </p:txBody>
       </p:sp>
@@ -25118,11 +25139,6 @@
               </a:rPr>
               <a:t>expectation</a:t>
             </a:r>
-            <a:endParaRPr lang="en-US" sz="2800" dirty="0" smtClean="0">
-              <a:solidFill>
-                <a:schemeClr val="bg1"/>
-              </a:solidFill>
-            </a:endParaRPr>
           </a:p>
         </p:txBody>
       </p:sp>
@@ -27335,7 +27351,6 @@
               <a:rPr lang="en-US" dirty="0"/>
               <a:t>We define a single suite named "default".</a:t>
             </a:r>
-            <a:endParaRPr lang="en-US" dirty="0"/>
           </a:p>
         </p:txBody>
       </p:sp>
@@ -28439,13 +28454,7 @@
               <a:rPr lang="en-US" dirty="0">
                 <a:cs typeface="Courier New" panose="02070309020205020404" pitchFamily="49" charset="0"/>
               </a:rPr>
-              <a:t> </a:t>
-            </a:r>
-            <a:r>
-              <a:rPr lang="en-US" dirty="0">
-                <a:cs typeface="Courier New" panose="02070309020205020404" pitchFamily="49" charset="0"/>
-              </a:rPr>
-              <a:t>will show that matrix.</a:t>
+              <a:t> will show that matrix.</a:t>
             </a:r>
             <a:endParaRPr lang="en-US" dirty="0">
               <a:latin typeface="Courier New" panose="02070309020205020404" pitchFamily="49" charset="0"/>
@@ -29111,10 +29120,6 @@
               </a:rPr>
               <a:t>one or more instances.</a:t>
             </a:r>
-            <a:endParaRPr lang="en-US" b="1" dirty="0">
-              <a:latin typeface="Courier New" panose="02070309020205020404" pitchFamily="49" charset="0"/>
-              <a:cs typeface="Courier New" panose="02070309020205020404" pitchFamily="49" charset="0"/>
-            </a:endParaRPr>
           </a:p>
         </p:txBody>
       </p:sp>
@@ -29236,13 +29241,6 @@
               </a:rPr>
               <a:t>]</a:t>
             </a:r>
-            <a:endParaRPr lang="en-US" b="1" dirty="0">
-              <a:solidFill>
-                <a:schemeClr val="bg1"/>
-              </a:solidFill>
-              <a:latin typeface="Courier New" panose="02070309020205020404" pitchFamily="49" charset="0"/>
-              <a:cs typeface="Courier New" panose="02070309020205020404" pitchFamily="49" charset="0"/>
-            </a:endParaRPr>
           </a:p>
         </p:txBody>
       </p:sp>
@@ -29490,10 +29488,6 @@
               </a:rPr>
               <a:t>the run list to one or more instances.</a:t>
             </a:r>
-            <a:endParaRPr lang="en-US" b="1" dirty="0">
-              <a:latin typeface="Courier New" panose="02070309020205020404" pitchFamily="49" charset="0"/>
-              <a:cs typeface="Courier New" panose="02070309020205020404" pitchFamily="49" charset="0"/>
-            </a:endParaRPr>
           </a:p>
         </p:txBody>
       </p:sp>
@@ -30058,13 +30052,6 @@
               </a:rPr>
               <a:t>]</a:t>
             </a:r>
-            <a:endParaRPr lang="en-US" b="1" dirty="0">
-              <a:solidFill>
-                <a:schemeClr val="bg1"/>
-              </a:solidFill>
-              <a:latin typeface="Courier New" panose="02070309020205020404" pitchFamily="49" charset="0"/>
-              <a:cs typeface="Courier New" panose="02070309020205020404" pitchFamily="49" charset="0"/>
-            </a:endParaRPr>
           </a:p>
         </p:txBody>
       </p:sp>
@@ -30429,10 +30416,6 @@
               </a:rPr>
               <a:t>instances.</a:t>
             </a:r>
-            <a:endParaRPr lang="en-US" b="1" dirty="0">
-              <a:latin typeface="Courier New" panose="02070309020205020404" pitchFamily="49" charset="0"/>
-              <a:cs typeface="Courier New" panose="02070309020205020404" pitchFamily="49" charset="0"/>
-            </a:endParaRPr>
           </a:p>
         </p:txBody>
       </p:sp>
@@ -32984,11 +32967,6 @@
               </a:rPr>
               <a:t>kitchen failure</a:t>
             </a:r>
-            <a:endParaRPr lang="en-US" dirty="0" smtClean="0">
-              <a:solidFill>
-                <a:schemeClr val="bg1"/>
-              </a:solidFill>
-            </a:endParaRPr>
           </a:p>
         </p:txBody>
       </p:sp>

--- a/03-writing_a_test_first.pptx
+++ b/03-writing_a_test_first.pptx
@@ -333,7 +333,7 @@
               <a:pPr>
                 <a:defRPr/>
               </a:pPr>
-              <a:t>2016-02-19</a:t>
+              <a:t>2016-02-21</a:t>
             </a:fld>
             <a:endParaRPr lang="en-US" dirty="0"/>
           </a:p>
@@ -516,7 +516,7 @@
               <a:pPr>
                 <a:defRPr/>
               </a:pPr>
-              <a:t>2016-02-19</a:t>
+              <a:t>2016-02-21</a:t>
             </a:fld>
             <a:endParaRPr lang="en-US" dirty="0"/>
           </a:p>
@@ -8091,19 +8091,7 @@
                 <a:ea typeface="ＭＳ Ｐゴシック" charset="0"/>
                 <a:cs typeface="Arial" panose="020B0604020202020204" pitchFamily="34" charset="0"/>
               </a:rPr>
-              <a:t> to generate a cookbook, write an integration test first, use Test Kitchen to execute that test, and then implement a solution to make </a:t>
-            </a:r>
-            <a:r>
-              <a:rPr lang="en-US" sz="1200" kern="1200" baseline="0" smtClean="0">
-                <a:solidFill>
-                  <a:schemeClr val="tx1"/>
-                </a:solidFill>
-                <a:effectLst/>
-                <a:latin typeface="Arial" panose="020B0604020202020204" pitchFamily="34" charset="0"/>
-                <a:ea typeface="ＭＳ Ｐゴシック" charset="0"/>
-                <a:cs typeface="Arial" panose="020B0604020202020204" pitchFamily="34" charset="0"/>
-              </a:rPr>
-              <a:t>that test pass.</a:t>
+              <a:t> to generate a cookbook, write an integration test first, use Test Kitchen to execute that test, and then implement a solution to make that test pass.</a:t>
             </a:r>
             <a:endParaRPr lang="en-US" sz="1200" kern="1200" dirty="0" smtClean="0">
               <a:solidFill>
@@ -9275,10 +9263,19 @@
           <a:lstStyle/>
           <a:p>
             <a:r>
-              <a:rPr lang="en-US" dirty="0" smtClean="0"/>
-              <a:t>A</a:t>
-            </a:r>
-            <a:endParaRPr lang="en-US" dirty="0"/>
+              <a:rPr lang="en-US" baseline="0" dirty="0" smtClean="0"/>
+              <a:t>Now that you participated in writing a test and then the recipe let's have a discussion.</a:t>
+            </a:r>
+          </a:p>
+          <a:p>
+            <a:endParaRPr lang="en-US" baseline="0" dirty="0" smtClean="0"/>
+          </a:p>
+          <a:p>
+            <a:r>
+              <a:rPr lang="en-US" baseline="0" dirty="0" smtClean="0"/>
+              <a:t>Instructor Note: With large groups I often find it better to have individuals turn to the individuals around them, form groups of whatever size they feel comfortable, and have them take turns asking and answering the questions. When all the groups are done I then open the discussion up to the entire group allowing each group or individuals to share their answers.</a:t>
+            </a:r>
+            <a:endParaRPr lang="en-US" dirty="0" smtClean="0"/>
           </a:p>
         </p:txBody>
       </p:sp>
@@ -9435,7 +9432,7 @@
             </a:r>
             <a:r>
               <a:rPr lang="en-US" baseline="0" dirty="0" smtClean="0"/>
-              <a:t> we complete this discussion and start learning some of these new tools and languages let us pause for questions.</a:t>
+              <a:t> we complete this section, let us pause for questions.</a:t>
             </a:r>
             <a:endParaRPr lang="en-US" dirty="0" smtClean="0"/>
           </a:p>
@@ -9589,12 +9586,24 @@
               <a:defRPr/>
             </a:pPr>
             <a:r>
-              <a:rPr lang="en-US" dirty="0" smtClean="0"/>
-              <a:t>You've</a:t>
+              <a:rPr lang="en-US" smtClean="0"/>
+              <a:t>You</a:t>
+            </a:r>
+            <a:r>
+              <a:rPr lang="en-US" baseline="0" smtClean="0"/>
+              <a:t> have </a:t>
             </a:r>
             <a:r>
               <a:rPr lang="en-US" baseline="0" dirty="0" smtClean="0"/>
-              <a:t> performed TDD. Next we are going to use the tests to help us refactor the recipe we wrote. In a series of group exercises we will explore some of the important nuances of Test Kitchen's subcommands: converge and verify. And explore another subcommand named: test.</a:t>
+              <a:t>performed </a:t>
+            </a:r>
+            <a:r>
+              <a:rPr lang="en-US" baseline="0" dirty="0" smtClean="0"/>
+              <a:t>almost all of the steps of TDD</a:t>
+            </a:r>
+            <a:r>
+              <a:rPr lang="en-US" baseline="0" dirty="0" smtClean="0"/>
+              <a:t>. Next we are going to use the tests to help us refactor the recipe we wrote. In a series of group exercises we will explore some of the important nuances of Test Kitchen's subcommands: converge and verify. And explore another subcommand named: test.</a:t>
             </a:r>
           </a:p>
         </p:txBody>
@@ -14279,1079 +14288,6 @@
   </p:cSld>
   <p:clrMapOvr>
     <a:masterClrMapping/>
-  </p:clrMapOvr>
-  <p:transition spd="med">
-    <p:fade/>
-  </p:transition>
-</p:sldLayout>
-</file>
-
-<file path=ppt/slideLayouts/slideLayout21.xml><?xml version="1.0" encoding="utf-8"?>
-<p:sldLayout xmlns:a="http://schemas.openxmlformats.org/drawingml/2006/main" xmlns:r="http://schemas.openxmlformats.org/officeDocument/2006/relationships" xmlns:p="http://schemas.openxmlformats.org/presentationml/2006/main" userDrawn="1">
-  <p:cSld name="Command - Black">
-    <p:bg>
-      <p:bgPr>
-        <a:gradFill>
-          <a:gsLst>
-            <a:gs pos="0">
-              <a:schemeClr val="bg2">
-                <a:lumMod val="95000"/>
-              </a:schemeClr>
-            </a:gs>
-            <a:gs pos="100000">
-              <a:schemeClr val="bg2"/>
-            </a:gs>
-          </a:gsLst>
-          <a:lin ang="5400000" scaled="1"/>
-        </a:gradFill>
-        <a:effectLst/>
-      </p:bgPr>
-    </p:bg>
-    <p:spTree>
-      <p:nvGrpSpPr>
-        <p:cNvPr id="1" name=""/>
-        <p:cNvGrpSpPr/>
-        <p:nvPr/>
-      </p:nvGrpSpPr>
-      <p:grpSpPr>
-        <a:xfrm>
-          <a:off x="0" y="0"/>
-          <a:ext cx="0" cy="0"/>
-          <a:chOff x="0" y="0"/>
-          <a:chExt cx="0" cy="0"/>
-        </a:xfrm>
-      </p:grpSpPr>
-      <p:pic>
-        <p:nvPicPr>
-          <p:cNvPr id="7" name="Picture 8"/>
-          <p:cNvPicPr>
-            <a:picLocks noChangeAspect="1"/>
-          </p:cNvPicPr>
-          <p:nvPr/>
-        </p:nvPicPr>
-        <p:blipFill>
-          <a:blip r:embed="rId2">
-            <a:extLst>
-              <a:ext uri="{28A0092B-C50C-407E-A947-70E740481C1C}">
-                <a14:useLocalDpi xmlns:a14="http://schemas.microsoft.com/office/drawing/2010/main" val="0"/>
-              </a:ext>
-            </a:extLst>
-          </a:blip>
-          <a:srcRect/>
-          <a:stretch>
-            <a:fillRect/>
-          </a:stretch>
-        </p:blipFill>
-        <p:spPr bwMode="auto">
-          <a:xfrm>
-            <a:off x="246063" y="1433513"/>
-            <a:ext cx="703262" cy="538162"/>
-          </a:xfrm>
-          <a:prstGeom prst="rect">
-            <a:avLst/>
-          </a:prstGeom>
-          <a:noFill/>
-          <a:ln>
-            <a:noFill/>
-          </a:ln>
-          <a:extLst>
-            <a:ext uri="{909E8E84-426E-40dd-AFC4-6F175D3DCCD1}">
-              <a14:hiddenFill xmlns="" xmlns:a14="http://schemas.microsoft.com/office/drawing/2010/main">
-                <a:solidFill>
-                  <a:srgbClr val="FFFFFF"/>
-                </a:solidFill>
-              </a14:hiddenFill>
-            </a:ext>
-            <a:ext uri="{91240B29-F687-4f45-9708-019B960494DF}">
-              <a14:hiddenLine xmlns="" xmlns:a14="http://schemas.microsoft.com/office/drawing/2010/main" w="9525">
-                <a:solidFill>
-                  <a:srgbClr val="000000"/>
-                </a:solidFill>
-                <a:miter lim="800000"/>
-                <a:headEnd/>
-                <a:tailEnd/>
-              </a14:hiddenLine>
-            </a:ext>
-          </a:extLst>
-        </p:spPr>
-      </p:pic>
-      <p:cxnSp>
-        <p:nvCxnSpPr>
-          <p:cNvPr id="8" name="Straight Connector 7"/>
-          <p:cNvCxnSpPr/>
-          <p:nvPr/>
-        </p:nvCxnSpPr>
-        <p:spPr>
-          <a:xfrm flipH="1">
-            <a:off x="0" y="8164513"/>
-            <a:ext cx="16256000" cy="36512"/>
-          </a:xfrm>
-          <a:prstGeom prst="line">
-            <a:avLst/>
-          </a:prstGeom>
-          <a:ln>
-            <a:solidFill>
-              <a:schemeClr val="accent1"/>
-            </a:solidFill>
-          </a:ln>
-        </p:spPr>
-        <p:style>
-          <a:lnRef idx="3">
-            <a:schemeClr val="accent1"/>
-          </a:lnRef>
-          <a:fillRef idx="0">
-            <a:schemeClr val="accent1"/>
-          </a:fillRef>
-          <a:effectRef idx="2">
-            <a:schemeClr val="accent1"/>
-          </a:effectRef>
-          <a:fontRef idx="minor">
-            <a:schemeClr val="tx1"/>
-          </a:fontRef>
-        </p:style>
-      </p:cxnSp>
-      <p:sp>
-        <p:nvSpPr>
-          <p:cNvPr id="16" name="Content Placeholder 3"/>
-          <p:cNvSpPr>
-            <a:spLocks noGrp="1"/>
-          </p:cNvSpPr>
-          <p:nvPr>
-            <p:ph sz="quarter" idx="10" hasCustomPrompt="1"/>
-          </p:nvPr>
-        </p:nvSpPr>
-        <p:spPr>
-          <a:xfrm>
-            <a:off x="1121104" y="2315963"/>
-            <a:ext cx="14423693" cy="5580480"/>
-          </a:xfrm>
-          <a:prstGeom prst="rect">
-            <a:avLst/>
-          </a:prstGeom>
-          <a:solidFill>
-            <a:schemeClr val="tx2"/>
-          </a:solidFill>
-          <a:ln w="12700">
-            <a:solidFill>
-              <a:schemeClr val="tx2"/>
-            </a:solidFill>
-            <a:prstDash val="dash"/>
-          </a:ln>
-        </p:spPr>
-        <p:txBody>
-          <a:bodyPr lIns="91440" tIns="45720" rIns="91440" bIns="45720">
-            <a:noAutofit/>
-          </a:bodyPr>
-          <a:lstStyle>
-            <a:lvl1pPr marL="0" marR="0" indent="0" algn="l" defTabSz="1219120" rtl="0" eaLnBrk="1" fontAlgn="auto" latinLnBrk="0" hangingPunct="1">
-              <a:lnSpc>
-                <a:spcPct val="100000"/>
-              </a:lnSpc>
-              <a:spcBef>
-                <a:spcPts val="800"/>
-              </a:spcBef>
-              <a:spcAft>
-                <a:spcPts val="0"/>
-              </a:spcAft>
-              <a:buClrTx/>
-              <a:buSzPct val="90000"/>
-              <a:buFont typeface="Arial" pitchFamily="34" charset="0"/>
-              <a:buNone/>
-              <a:tabLst/>
-              <a:defRPr sz="2800">
-                <a:solidFill>
-                  <a:srgbClr val="FFFFFF"/>
-                </a:solidFill>
-                <a:latin typeface="Courier New"/>
-                <a:cs typeface="Courier New"/>
-              </a:defRPr>
-            </a:lvl1pPr>
-            <a:lvl2pPr>
-              <a:defRPr>
-                <a:solidFill>
-                  <a:srgbClr val="FFFFFF"/>
-                </a:solidFill>
-              </a:defRPr>
-            </a:lvl2pPr>
-            <a:lvl3pPr>
-              <a:defRPr>
-                <a:solidFill>
-                  <a:srgbClr val="FFFFFF"/>
-                </a:solidFill>
-              </a:defRPr>
-            </a:lvl3pPr>
-            <a:lvl4pPr>
-              <a:defRPr>
-                <a:solidFill>
-                  <a:srgbClr val="FFFFFF"/>
-                </a:solidFill>
-              </a:defRPr>
-            </a:lvl4pPr>
-            <a:lvl5pPr>
-              <a:defRPr>
-                <a:solidFill>
-                  <a:srgbClr val="FFFFFF"/>
-                </a:solidFill>
-              </a:defRPr>
-            </a:lvl5pPr>
-          </a:lstStyle>
-          <a:p>
-            <a:pPr lvl="0"/>
-            <a:r>
-              <a:rPr lang="en-US" dirty="0" smtClean="0"/>
-              <a:t>RESULT</a:t>
-            </a:r>
-          </a:p>
-        </p:txBody>
-      </p:sp>
-      <p:sp>
-        <p:nvSpPr>
-          <p:cNvPr id="5" name="Text Placeholder 4"/>
-          <p:cNvSpPr>
-            <a:spLocks noGrp="1"/>
-          </p:cNvSpPr>
-          <p:nvPr>
-            <p:ph type="body" sz="quarter" idx="11" hasCustomPrompt="1"/>
-          </p:nvPr>
-        </p:nvSpPr>
-        <p:spPr>
-          <a:xfrm>
-            <a:off x="1121104" y="1337149"/>
-            <a:ext cx="14422528" cy="729785"/>
-          </a:xfrm>
-          <a:prstGeom prst="rect">
-            <a:avLst/>
-          </a:prstGeom>
-          <a:solidFill>
-            <a:schemeClr val="tx2"/>
-          </a:solidFill>
-        </p:spPr>
-        <p:txBody>
-          <a:bodyPr lIns="91440" anchor="ctr" anchorCtr="0">
-            <a:noAutofit/>
-          </a:bodyPr>
-          <a:lstStyle>
-            <a:lvl1pPr marL="0" indent="0">
-              <a:lnSpc>
-                <a:spcPct val="100000"/>
-              </a:lnSpc>
-              <a:buNone/>
-              <a:defRPr sz="2800" b="1">
-                <a:solidFill>
-                  <a:schemeClr val="bg1"/>
-                </a:solidFill>
-                <a:latin typeface="Courier New"/>
-                <a:cs typeface="Courier New"/>
-              </a:defRPr>
-            </a:lvl1pPr>
-          </a:lstStyle>
-          <a:p>
-            <a:pPr lvl="0"/>
-            <a:r>
-              <a:rPr lang="en-US" dirty="0" smtClean="0"/>
-              <a:t>&gt; command</a:t>
-            </a:r>
-          </a:p>
-        </p:txBody>
-      </p:sp>
-      <p:sp>
-        <p:nvSpPr>
-          <p:cNvPr id="6" name="Content Placeholder 5"/>
-          <p:cNvSpPr>
-            <a:spLocks noGrp="1"/>
-          </p:cNvSpPr>
-          <p:nvPr>
-            <p:ph sz="quarter" idx="12" hasCustomPrompt="1"/>
-          </p:nvPr>
-        </p:nvSpPr>
-        <p:spPr>
-          <a:xfrm>
-            <a:off x="1127883" y="3228515"/>
-            <a:ext cx="14420850" cy="557213"/>
-          </a:xfrm>
-          <a:prstGeom prst="rect">
-            <a:avLst/>
-          </a:prstGeom>
-          <a:solidFill>
-            <a:schemeClr val="accent1">
-              <a:alpha val="60000"/>
-            </a:schemeClr>
-          </a:solidFill>
-          <a:ln>
-            <a:solidFill>
-              <a:schemeClr val="accent1">
-                <a:lumMod val="75000"/>
-              </a:schemeClr>
-            </a:solidFill>
-          </a:ln>
-        </p:spPr>
-        <p:txBody>
-          <a:bodyPr anchor="ctr">
-            <a:noAutofit/>
-          </a:bodyPr>
-          <a:lstStyle>
-            <a:lvl1pPr algn="l">
-              <a:defRPr sz="4200" baseline="0">
-                <a:solidFill>
-                  <a:schemeClr val="bg2"/>
-                </a:solidFill>
-                <a:latin typeface="Courier New"/>
-                <a:cs typeface="Courier New"/>
-              </a:defRPr>
-            </a:lvl1pPr>
-          </a:lstStyle>
-          <a:p>
-            <a:pPr lvl="0"/>
-            <a:r>
-              <a:rPr lang="en-US" dirty="0" smtClean="0"/>
-              <a:t> </a:t>
-            </a:r>
-          </a:p>
-        </p:txBody>
-      </p:sp>
-      <p:sp>
-        <p:nvSpPr>
-          <p:cNvPr id="2" name="Title 1"/>
-          <p:cNvSpPr>
-            <a:spLocks noGrp="1"/>
-          </p:cNvSpPr>
-          <p:nvPr>
-            <p:ph type="title"/>
-          </p:nvPr>
-        </p:nvSpPr>
-        <p:spPr/>
-        <p:txBody>
-          <a:bodyPr>
-            <a:normAutofit/>
-          </a:bodyPr>
-          <a:lstStyle>
-            <a:lvl1pPr>
-              <a:defRPr sz="5870"/>
-            </a:lvl1pPr>
-          </a:lstStyle>
-          <a:p>
-            <a:r>
-              <a:rPr lang="en-US" smtClean="0"/>
-              <a:t>Click to edit Master title style</a:t>
-            </a:r>
-            <a:endParaRPr lang="en-US" dirty="0"/>
-          </a:p>
-        </p:txBody>
-      </p:sp>
-    </p:spTree>
-    <p:extLst>
-      <p:ext uri="{BB962C8B-B14F-4D97-AF65-F5344CB8AC3E}">
-        <p14:creationId xmlns:p14="http://schemas.microsoft.com/office/powerpoint/2010/main" val="135731681"/>
-      </p:ext>
-    </p:extLst>
-  </p:cSld>
-  <p:clrMapOvr>
-    <a:overrideClrMapping bg1="lt1" tx1="dk1" bg2="lt2" tx2="dk2" accent1="accent1" accent2="accent2" accent3="accent3" accent4="accent4" accent5="accent5" accent6="accent6" hlink="hlink" folHlink="folHlink"/>
-  </p:clrMapOvr>
-  <p:transition spd="med">
-    <p:fade/>
-  </p:transition>
-</p:sldLayout>
-</file>
-
-<file path=ppt/slideLayouts/slideLayout22.xml><?xml version="1.0" encoding="utf-8"?>
-<p:sldLayout xmlns:a="http://schemas.openxmlformats.org/drawingml/2006/main" xmlns:r="http://schemas.openxmlformats.org/officeDocument/2006/relationships" xmlns:p="http://schemas.openxmlformats.org/presentationml/2006/main" userDrawn="1">
-  <p:cSld name="Comparison">
-    <p:bg>
-      <p:bgPr>
-        <a:gradFill>
-          <a:gsLst>
-            <a:gs pos="0">
-              <a:schemeClr val="bg2">
-                <a:lumMod val="95000"/>
-              </a:schemeClr>
-            </a:gs>
-            <a:gs pos="100000">
-              <a:schemeClr val="bg2"/>
-            </a:gs>
-          </a:gsLst>
-          <a:lin ang="5400000" scaled="1"/>
-        </a:gradFill>
-        <a:effectLst/>
-      </p:bgPr>
-    </p:bg>
-    <p:spTree>
-      <p:nvGrpSpPr>
-        <p:cNvPr id="1" name=""/>
-        <p:cNvGrpSpPr/>
-        <p:nvPr/>
-      </p:nvGrpSpPr>
-      <p:grpSpPr>
-        <a:xfrm>
-          <a:off x="0" y="0"/>
-          <a:ext cx="0" cy="0"/>
-          <a:chOff x="0" y="0"/>
-          <a:chExt cx="0" cy="0"/>
-        </a:xfrm>
-      </p:grpSpPr>
-      <p:sp>
-        <p:nvSpPr>
-          <p:cNvPr id="6" name="Rectangle 5"/>
-          <p:cNvSpPr/>
-          <p:nvPr/>
-        </p:nvSpPr>
-        <p:spPr bwMode="auto">
-          <a:xfrm>
-            <a:off x="0" y="0"/>
-            <a:ext cx="8089900" cy="9144000"/>
-          </a:xfrm>
-          <a:prstGeom prst="rect">
-            <a:avLst/>
-          </a:prstGeom>
-          <a:solidFill>
-            <a:schemeClr val="bg1">
-              <a:lumMod val="85000"/>
-              <a:alpha val="25000"/>
-            </a:schemeClr>
-          </a:solidFill>
-          <a:ln>
-            <a:noFill/>
-            <a:headEnd type="none" w="med" len="med"/>
-            <a:tailEnd type="none" w="med" len="med"/>
-          </a:ln>
-          <a:effectLst/>
-        </p:spPr>
-        <p:style>
-          <a:lnRef idx="1">
-            <a:schemeClr val="accent4"/>
-          </a:lnRef>
-          <a:fillRef idx="3">
-            <a:schemeClr val="accent4"/>
-          </a:fillRef>
-          <a:effectRef idx="2">
-            <a:schemeClr val="accent4"/>
-          </a:effectRef>
-          <a:fontRef idx="minor">
-            <a:schemeClr val="lt1"/>
-          </a:fontRef>
-        </p:style>
-        <p:txBody>
-          <a:bodyPr lIns="121915" tIns="60957" rIns="121915" bIns="60957" anchor="ctr"/>
-          <a:lstStyle/>
-          <a:p>
-            <a:pPr algn="ctr" defTabSz="1218768" fontAlgn="auto">
-              <a:spcBef>
-                <a:spcPts val="0"/>
-              </a:spcBef>
-              <a:spcAft>
-                <a:spcPts val="0"/>
-              </a:spcAft>
-              <a:defRPr/>
-            </a:pPr>
-            <a:endParaRPr lang="en-US" sz="3200" dirty="0">
-              <a:gradFill>
-                <a:gsLst>
-                  <a:gs pos="0">
-                    <a:srgbClr val="FFFFFF"/>
-                  </a:gs>
-                  <a:gs pos="100000">
-                    <a:srgbClr val="FFFFFF"/>
-                  </a:gs>
-                </a:gsLst>
-                <a:lin ang="5400000" scaled="0"/>
-              </a:gradFill>
-            </a:endParaRPr>
-          </a:p>
-        </p:txBody>
-      </p:sp>
-      <p:sp>
-        <p:nvSpPr>
-          <p:cNvPr id="8" name="TextBox 9"/>
-          <p:cNvSpPr txBox="1">
-            <a:spLocks noChangeArrowheads="1"/>
-          </p:cNvSpPr>
-          <p:nvPr/>
-        </p:nvSpPr>
-        <p:spPr bwMode="white">
-          <a:xfrm>
-            <a:off x="5602288" y="554038"/>
-            <a:ext cx="1219200" cy="1219200"/>
-          </a:xfrm>
-          <a:prstGeom prst="rect">
-            <a:avLst/>
-          </a:prstGeom>
-          <a:noFill/>
-          <a:ln>
-            <a:noFill/>
-          </a:ln>
-          <a:extLst>
-            <a:ext uri="{909E8E84-426E-40dd-AFC4-6F175D3DCCD1}">
-              <a14:hiddenFill xmlns="" xmlns:a14="http://schemas.microsoft.com/office/drawing/2010/main">
-                <a:solidFill>
-                  <a:srgbClr val="FFFFFF"/>
-                </a:solidFill>
-              </a14:hiddenFill>
-            </a:ext>
-            <a:ext uri="{91240B29-F687-4f45-9708-019B960494DF}">
-              <a14:hiddenLine xmlns="" xmlns:a14="http://schemas.microsoft.com/office/drawing/2010/main" w="9525">
-                <a:solidFill>
-                  <a:srgbClr val="000000"/>
-                </a:solidFill>
-                <a:miter lim="800000"/>
-                <a:headEnd/>
-                <a:tailEnd/>
-              </a14:hiddenLine>
-            </a:ext>
-          </a:extLst>
-        </p:spPr>
-        <p:txBody>
-          <a:bodyPr wrap="none" lIns="121920" tIns="121920" rIns="121920" bIns="121920"/>
-          <a:lstStyle>
-            <a:lvl1pPr>
-              <a:defRPr sz="2400">
-                <a:solidFill>
-                  <a:schemeClr val="tx1"/>
-                </a:solidFill>
-                <a:latin typeface="Arial" charset="0"/>
-                <a:ea typeface="ＭＳ Ｐゴシック" charset="0"/>
-                <a:cs typeface="ＭＳ Ｐゴシック" charset="0"/>
-              </a:defRPr>
-            </a:lvl1pPr>
-            <a:lvl2pPr marL="742950" indent="-285750">
-              <a:defRPr sz="2400">
-                <a:solidFill>
-                  <a:schemeClr val="tx1"/>
-                </a:solidFill>
-                <a:latin typeface="Arial" charset="0"/>
-                <a:ea typeface="ＭＳ Ｐゴシック" charset="0"/>
-              </a:defRPr>
-            </a:lvl2pPr>
-            <a:lvl3pPr marL="1143000" indent="-228600">
-              <a:defRPr sz="2400">
-                <a:solidFill>
-                  <a:schemeClr val="tx1"/>
-                </a:solidFill>
-                <a:latin typeface="Arial" charset="0"/>
-                <a:ea typeface="ＭＳ Ｐゴシック" charset="0"/>
-              </a:defRPr>
-            </a:lvl3pPr>
-            <a:lvl4pPr marL="1600200" indent="-228600">
-              <a:defRPr sz="2400">
-                <a:solidFill>
-                  <a:schemeClr val="tx1"/>
-                </a:solidFill>
-                <a:latin typeface="Arial" charset="0"/>
-                <a:ea typeface="ＭＳ Ｐゴシック" charset="0"/>
-              </a:defRPr>
-            </a:lvl4pPr>
-            <a:lvl5pPr marL="2057400" indent="-228600">
-              <a:defRPr sz="2400">
-                <a:solidFill>
-                  <a:schemeClr val="tx1"/>
-                </a:solidFill>
-                <a:latin typeface="Arial" charset="0"/>
-                <a:ea typeface="ＭＳ Ｐゴシック" charset="0"/>
-              </a:defRPr>
-            </a:lvl5pPr>
-            <a:lvl6pPr marL="2514600" indent="-228600" defTabSz="1217613" fontAlgn="base">
-              <a:spcBef>
-                <a:spcPct val="0"/>
-              </a:spcBef>
-              <a:spcAft>
-                <a:spcPct val="0"/>
-              </a:spcAft>
-              <a:defRPr sz="2400">
-                <a:solidFill>
-                  <a:schemeClr val="tx1"/>
-                </a:solidFill>
-                <a:latin typeface="Arial" charset="0"/>
-                <a:ea typeface="ＭＳ Ｐゴシック" charset="0"/>
-              </a:defRPr>
-            </a:lvl6pPr>
-            <a:lvl7pPr marL="2971800" indent="-228600" defTabSz="1217613" fontAlgn="base">
-              <a:spcBef>
-                <a:spcPct val="0"/>
-              </a:spcBef>
-              <a:spcAft>
-                <a:spcPct val="0"/>
-              </a:spcAft>
-              <a:defRPr sz="2400">
-                <a:solidFill>
-                  <a:schemeClr val="tx1"/>
-                </a:solidFill>
-                <a:latin typeface="Arial" charset="0"/>
-                <a:ea typeface="ＭＳ Ｐゴシック" charset="0"/>
-              </a:defRPr>
-            </a:lvl7pPr>
-            <a:lvl8pPr marL="3429000" indent="-228600" defTabSz="1217613" fontAlgn="base">
-              <a:spcBef>
-                <a:spcPct val="0"/>
-              </a:spcBef>
-              <a:spcAft>
-                <a:spcPct val="0"/>
-              </a:spcAft>
-              <a:defRPr sz="2400">
-                <a:solidFill>
-                  <a:schemeClr val="tx1"/>
-                </a:solidFill>
-                <a:latin typeface="Arial" charset="0"/>
-                <a:ea typeface="ＭＳ Ｐゴシック" charset="0"/>
-              </a:defRPr>
-            </a:lvl8pPr>
-            <a:lvl9pPr marL="3886200" indent="-228600" defTabSz="1217613" fontAlgn="base">
-              <a:spcBef>
-                <a:spcPct val="0"/>
-              </a:spcBef>
-              <a:spcAft>
-                <a:spcPct val="0"/>
-              </a:spcAft>
-              <a:defRPr sz="2400">
-                <a:solidFill>
-                  <a:schemeClr val="tx1"/>
-                </a:solidFill>
-                <a:latin typeface="Arial" charset="0"/>
-                <a:ea typeface="ＭＳ Ｐゴシック" charset="0"/>
-              </a:defRPr>
-            </a:lvl9pPr>
-          </a:lstStyle>
-          <a:p>
-            <a:endParaRPr lang="en-US" sz="3200"/>
-          </a:p>
-        </p:txBody>
-      </p:sp>
-      <p:sp>
-        <p:nvSpPr>
-          <p:cNvPr id="10" name="TextBox 10"/>
-          <p:cNvSpPr txBox="1">
-            <a:spLocks noChangeArrowheads="1"/>
-          </p:cNvSpPr>
-          <p:nvPr/>
-        </p:nvSpPr>
-        <p:spPr bwMode="white">
-          <a:xfrm>
-            <a:off x="8610600" y="530225"/>
-            <a:ext cx="1219200" cy="1219200"/>
-          </a:xfrm>
-          <a:prstGeom prst="rect">
-            <a:avLst/>
-          </a:prstGeom>
-          <a:noFill/>
-          <a:ln>
-            <a:noFill/>
-          </a:ln>
-          <a:extLst>
-            <a:ext uri="{909E8E84-426E-40dd-AFC4-6F175D3DCCD1}">
-              <a14:hiddenFill xmlns="" xmlns:a14="http://schemas.microsoft.com/office/drawing/2010/main">
-                <a:solidFill>
-                  <a:srgbClr val="FFFFFF"/>
-                </a:solidFill>
-              </a14:hiddenFill>
-            </a:ext>
-            <a:ext uri="{91240B29-F687-4f45-9708-019B960494DF}">
-              <a14:hiddenLine xmlns="" xmlns:a14="http://schemas.microsoft.com/office/drawing/2010/main" w="9525">
-                <a:solidFill>
-                  <a:srgbClr val="000000"/>
-                </a:solidFill>
-                <a:miter lim="800000"/>
-                <a:headEnd/>
-                <a:tailEnd/>
-              </a14:hiddenLine>
-            </a:ext>
-          </a:extLst>
-        </p:spPr>
-        <p:txBody>
-          <a:bodyPr wrap="none" lIns="121920" tIns="121920" rIns="121920" bIns="121920"/>
-          <a:lstStyle>
-            <a:lvl1pPr>
-              <a:defRPr sz="2400">
-                <a:solidFill>
-                  <a:schemeClr val="tx1"/>
-                </a:solidFill>
-                <a:latin typeface="Arial" charset="0"/>
-                <a:ea typeface="ＭＳ Ｐゴシック" charset="0"/>
-                <a:cs typeface="ＭＳ Ｐゴシック" charset="0"/>
-              </a:defRPr>
-            </a:lvl1pPr>
-            <a:lvl2pPr marL="742950" indent="-285750">
-              <a:defRPr sz="2400">
-                <a:solidFill>
-                  <a:schemeClr val="tx1"/>
-                </a:solidFill>
-                <a:latin typeface="Arial" charset="0"/>
-                <a:ea typeface="ＭＳ Ｐゴシック" charset="0"/>
-              </a:defRPr>
-            </a:lvl2pPr>
-            <a:lvl3pPr marL="1143000" indent="-228600">
-              <a:defRPr sz="2400">
-                <a:solidFill>
-                  <a:schemeClr val="tx1"/>
-                </a:solidFill>
-                <a:latin typeface="Arial" charset="0"/>
-                <a:ea typeface="ＭＳ Ｐゴシック" charset="0"/>
-              </a:defRPr>
-            </a:lvl3pPr>
-            <a:lvl4pPr marL="1600200" indent="-228600">
-              <a:defRPr sz="2400">
-                <a:solidFill>
-                  <a:schemeClr val="tx1"/>
-                </a:solidFill>
-                <a:latin typeface="Arial" charset="0"/>
-                <a:ea typeface="ＭＳ Ｐゴシック" charset="0"/>
-              </a:defRPr>
-            </a:lvl4pPr>
-            <a:lvl5pPr marL="2057400" indent="-228600">
-              <a:defRPr sz="2400">
-                <a:solidFill>
-                  <a:schemeClr val="tx1"/>
-                </a:solidFill>
-                <a:latin typeface="Arial" charset="0"/>
-                <a:ea typeface="ＭＳ Ｐゴシック" charset="0"/>
-              </a:defRPr>
-            </a:lvl5pPr>
-            <a:lvl6pPr marL="2514600" indent="-228600" defTabSz="1217613" fontAlgn="base">
-              <a:spcBef>
-                <a:spcPct val="0"/>
-              </a:spcBef>
-              <a:spcAft>
-                <a:spcPct val="0"/>
-              </a:spcAft>
-              <a:defRPr sz="2400">
-                <a:solidFill>
-                  <a:schemeClr val="tx1"/>
-                </a:solidFill>
-                <a:latin typeface="Arial" charset="0"/>
-                <a:ea typeface="ＭＳ Ｐゴシック" charset="0"/>
-              </a:defRPr>
-            </a:lvl6pPr>
-            <a:lvl7pPr marL="2971800" indent="-228600" defTabSz="1217613" fontAlgn="base">
-              <a:spcBef>
-                <a:spcPct val="0"/>
-              </a:spcBef>
-              <a:spcAft>
-                <a:spcPct val="0"/>
-              </a:spcAft>
-              <a:defRPr sz="2400">
-                <a:solidFill>
-                  <a:schemeClr val="tx1"/>
-                </a:solidFill>
-                <a:latin typeface="Arial" charset="0"/>
-                <a:ea typeface="ＭＳ Ｐゴシック" charset="0"/>
-              </a:defRPr>
-            </a:lvl7pPr>
-            <a:lvl8pPr marL="3429000" indent="-228600" defTabSz="1217613" fontAlgn="base">
-              <a:spcBef>
-                <a:spcPct val="0"/>
-              </a:spcBef>
-              <a:spcAft>
-                <a:spcPct val="0"/>
-              </a:spcAft>
-              <a:defRPr sz="2400">
-                <a:solidFill>
-                  <a:schemeClr val="tx1"/>
-                </a:solidFill>
-                <a:latin typeface="Arial" charset="0"/>
-                <a:ea typeface="ＭＳ Ｐゴシック" charset="0"/>
-              </a:defRPr>
-            </a:lvl8pPr>
-            <a:lvl9pPr marL="3886200" indent="-228600" defTabSz="1217613" fontAlgn="base">
-              <a:spcBef>
-                <a:spcPct val="0"/>
-              </a:spcBef>
-              <a:spcAft>
-                <a:spcPct val="0"/>
-              </a:spcAft>
-              <a:defRPr sz="2400">
-                <a:solidFill>
-                  <a:schemeClr val="tx1"/>
-                </a:solidFill>
-                <a:latin typeface="Arial" charset="0"/>
-                <a:ea typeface="ＭＳ Ｐゴシック" charset="0"/>
-              </a:defRPr>
-            </a:lvl9pPr>
-          </a:lstStyle>
-          <a:p>
-            <a:endParaRPr lang="en-US" sz="3200"/>
-          </a:p>
-        </p:txBody>
-      </p:sp>
-      <p:cxnSp>
-        <p:nvCxnSpPr>
-          <p:cNvPr id="11" name="Straight Connector 10"/>
-          <p:cNvCxnSpPr/>
-          <p:nvPr/>
-        </p:nvCxnSpPr>
-        <p:spPr>
-          <a:xfrm flipV="1">
-            <a:off x="617538" y="1171575"/>
-            <a:ext cx="7312025" cy="9525"/>
-          </a:xfrm>
-          <a:prstGeom prst="line">
-            <a:avLst/>
-          </a:prstGeom>
-          <a:effectLst/>
-        </p:spPr>
-        <p:style>
-          <a:lnRef idx="2">
-            <a:schemeClr val="accent1"/>
-          </a:lnRef>
-          <a:fillRef idx="0">
-            <a:schemeClr val="accent1"/>
-          </a:fillRef>
-          <a:effectRef idx="1">
-            <a:schemeClr val="accent1"/>
-          </a:effectRef>
-          <a:fontRef idx="minor">
-            <a:schemeClr val="tx1"/>
-          </a:fontRef>
-        </p:style>
-      </p:cxnSp>
-      <p:cxnSp>
-        <p:nvCxnSpPr>
-          <p:cNvPr id="12" name="Straight Connector 11"/>
-          <p:cNvCxnSpPr/>
-          <p:nvPr/>
-        </p:nvCxnSpPr>
-        <p:spPr>
-          <a:xfrm flipV="1">
-            <a:off x="8235950" y="1179513"/>
-            <a:ext cx="7308850" cy="1587"/>
-          </a:xfrm>
-          <a:prstGeom prst="line">
-            <a:avLst/>
-          </a:prstGeom>
-          <a:effectLst/>
-        </p:spPr>
-        <p:style>
-          <a:lnRef idx="2">
-            <a:schemeClr val="accent1"/>
-          </a:lnRef>
-          <a:fillRef idx="0">
-            <a:schemeClr val="accent1"/>
-          </a:fillRef>
-          <a:effectRef idx="1">
-            <a:schemeClr val="accent1"/>
-          </a:effectRef>
-          <a:fontRef idx="minor">
-            <a:schemeClr val="tx1"/>
-          </a:fontRef>
-        </p:style>
-      </p:cxnSp>
-      <p:sp>
-        <p:nvSpPr>
-          <p:cNvPr id="7" name="Content Placeholder 5"/>
-          <p:cNvSpPr>
-            <a:spLocks noGrp="1"/>
-          </p:cNvSpPr>
-          <p:nvPr>
-            <p:ph sz="quarter" idx="14"/>
-          </p:nvPr>
-        </p:nvSpPr>
-        <p:spPr>
-          <a:xfrm>
-            <a:off x="612485" y="1358867"/>
-            <a:ext cx="7310968" cy="6667827"/>
-          </a:xfrm>
-          <a:prstGeom prst="rect">
-            <a:avLst/>
-          </a:prstGeom>
-        </p:spPr>
-        <p:txBody>
-          <a:bodyPr lIns="91440" tIns="91440">
-            <a:normAutofit/>
-          </a:bodyPr>
-          <a:lstStyle>
-            <a:lvl1pPr>
-              <a:defRPr sz="3200"/>
-            </a:lvl1pPr>
-            <a:lvl2pPr>
-              <a:defRPr sz="2800"/>
-            </a:lvl2pPr>
-            <a:lvl3pPr>
-              <a:defRPr sz="2400"/>
-            </a:lvl3pPr>
-            <a:lvl4pPr>
-              <a:defRPr sz="3200"/>
-            </a:lvl4pPr>
-            <a:lvl5pPr>
-              <a:defRPr sz="3200"/>
-            </a:lvl5pPr>
-          </a:lstStyle>
-          <a:p>
-            <a:pPr lvl="0"/>
-            <a:r>
-              <a:rPr lang="en-US" smtClean="0"/>
-              <a:t>Click to edit Master text styles</a:t>
-            </a:r>
-          </a:p>
-          <a:p>
-            <a:pPr lvl="1"/>
-            <a:r>
-              <a:rPr lang="en-US" smtClean="0"/>
-              <a:t>Second level</a:t>
-            </a:r>
-          </a:p>
-          <a:p>
-            <a:pPr lvl="2"/>
-            <a:r>
-              <a:rPr lang="en-US" smtClean="0"/>
-              <a:t>Third level</a:t>
-            </a:r>
-          </a:p>
-        </p:txBody>
-      </p:sp>
-      <p:sp>
-        <p:nvSpPr>
-          <p:cNvPr id="9" name="Content Placeholder 5"/>
-          <p:cNvSpPr>
-            <a:spLocks noGrp="1"/>
-          </p:cNvSpPr>
-          <p:nvPr>
-            <p:ph sz="quarter" idx="12"/>
-          </p:nvPr>
-        </p:nvSpPr>
-        <p:spPr>
-          <a:xfrm>
-            <a:off x="8233833" y="1348277"/>
-            <a:ext cx="7310968" cy="6662136"/>
-          </a:xfrm>
-          <a:prstGeom prst="rect">
-            <a:avLst/>
-          </a:prstGeom>
-        </p:spPr>
-        <p:txBody>
-          <a:bodyPr lIns="91440" tIns="91440">
-            <a:normAutofit/>
-          </a:bodyPr>
-          <a:lstStyle>
-            <a:lvl1pPr>
-              <a:defRPr sz="3200"/>
-            </a:lvl1pPr>
-            <a:lvl2pPr>
-              <a:defRPr sz="2800"/>
-            </a:lvl2pPr>
-            <a:lvl3pPr>
-              <a:defRPr sz="2400"/>
-            </a:lvl3pPr>
-            <a:lvl4pPr>
-              <a:defRPr sz="3200"/>
-            </a:lvl4pPr>
-            <a:lvl5pPr>
-              <a:defRPr sz="3200"/>
-            </a:lvl5pPr>
-          </a:lstStyle>
-          <a:p>
-            <a:pPr lvl="0"/>
-            <a:r>
-              <a:rPr lang="en-US" smtClean="0"/>
-              <a:t>Click to edit Master text styles</a:t>
-            </a:r>
-          </a:p>
-          <a:p>
-            <a:pPr lvl="1"/>
-            <a:r>
-              <a:rPr lang="en-US" smtClean="0"/>
-              <a:t>Second level</a:t>
-            </a:r>
-          </a:p>
-          <a:p>
-            <a:pPr lvl="2"/>
-            <a:r>
-              <a:rPr lang="en-US" smtClean="0"/>
-              <a:t>Third level</a:t>
-            </a:r>
-          </a:p>
-        </p:txBody>
-      </p:sp>
-      <p:sp>
-        <p:nvSpPr>
-          <p:cNvPr id="15" name="Text Placeholder 14"/>
-          <p:cNvSpPr>
-            <a:spLocks noGrp="1"/>
-          </p:cNvSpPr>
-          <p:nvPr>
-            <p:ph type="body" sz="quarter" idx="15" hasCustomPrompt="1"/>
-          </p:nvPr>
-        </p:nvSpPr>
-        <p:spPr>
-          <a:xfrm>
-            <a:off x="593330" y="268017"/>
-            <a:ext cx="7376583" cy="836083"/>
-          </a:xfrm>
-          <a:prstGeom prst="rect">
-            <a:avLst/>
-          </a:prstGeom>
-        </p:spPr>
-        <p:txBody>
-          <a:bodyPr anchor="ctr">
-            <a:noAutofit/>
-          </a:bodyPr>
-          <a:lstStyle>
-            <a:lvl1pPr marL="0" indent="0" algn="ctr">
-              <a:buFontTx/>
-              <a:buNone/>
-              <a:defRPr sz="5867" b="1" i="0" baseline="0">
-                <a:solidFill>
-                  <a:schemeClr val="accent1"/>
-                </a:solidFill>
-              </a:defRPr>
-            </a:lvl1pPr>
-          </a:lstStyle>
-          <a:p>
-            <a:pPr lvl="0"/>
-            <a:r>
-              <a:rPr lang="en-US" dirty="0" smtClean="0"/>
-              <a:t>A</a:t>
-            </a:r>
-          </a:p>
-        </p:txBody>
-      </p:sp>
-      <p:sp>
-        <p:nvSpPr>
-          <p:cNvPr id="19" name="Text Placeholder 14"/>
-          <p:cNvSpPr>
-            <a:spLocks noGrp="1"/>
-          </p:cNvSpPr>
-          <p:nvPr>
-            <p:ph type="body" sz="quarter" idx="16" hasCustomPrompt="1"/>
-          </p:nvPr>
-        </p:nvSpPr>
-        <p:spPr>
-          <a:xfrm>
-            <a:off x="8204722" y="259541"/>
-            <a:ext cx="7376583" cy="836083"/>
-          </a:xfrm>
-          <a:prstGeom prst="rect">
-            <a:avLst/>
-          </a:prstGeom>
-        </p:spPr>
-        <p:txBody>
-          <a:bodyPr anchor="ctr">
-            <a:noAutofit/>
-          </a:bodyPr>
-          <a:lstStyle>
-            <a:lvl1pPr marL="0" indent="0" algn="ctr">
-              <a:buFontTx/>
-              <a:buNone/>
-              <a:defRPr sz="5867" b="1" i="0" baseline="0">
-                <a:solidFill>
-                  <a:schemeClr val="accent1"/>
-                </a:solidFill>
-              </a:defRPr>
-            </a:lvl1pPr>
-          </a:lstStyle>
-          <a:p>
-            <a:pPr lvl="0"/>
-            <a:r>
-              <a:rPr lang="en-US" dirty="0" smtClean="0"/>
-              <a:t>B</a:t>
-            </a:r>
-          </a:p>
-        </p:txBody>
-      </p:sp>
-    </p:spTree>
-    <p:extLst>
-      <p:ext uri="{BB962C8B-B14F-4D97-AF65-F5344CB8AC3E}">
-        <p14:creationId xmlns:p14="http://schemas.microsoft.com/office/powerpoint/2010/main" val="1973906561"/>
-      </p:ext>
-    </p:extLst>
-  </p:cSld>
-  <p:clrMapOvr>
-    <a:overrideClrMapping bg1="lt1" tx1="dk1" bg2="lt2" tx2="dk2" accent1="accent1" accent2="accent2" accent3="accent3" accent4="accent4" accent5="accent5" accent6="accent6" hlink="hlink" folHlink="folHlink"/>
   </p:clrMapOvr>
   <p:transition spd="med">
     <p:fade/>
@@ -18269,7 +17205,7 @@
           <p:nvPr/>
         </p:nvPicPr>
         <p:blipFill>
-          <a:blip r:embed="rId12">
+          <a:blip r:embed="rId10">
             <a:extLst>
               <a:ext uri="{28A0092B-C50C-407E-A947-70E740481C1C}">
                 <a14:useLocalDpi xmlns:a14="http://schemas.microsoft.com/office/drawing/2010/main" val="0"/>
@@ -18611,8 +17547,6 @@
     <p:sldLayoutId id="2147483855" r:id="rId6"/>
     <p:sldLayoutId id="2147483856" r:id="rId7"/>
     <p:sldLayoutId id="2147483866" r:id="rId8"/>
-    <p:sldLayoutId id="2147483867" r:id="rId9"/>
-    <p:sldLayoutId id="2147483868" r:id="rId10"/>
   </p:sldLayoutIdLst>
   <p:transition spd="med">
     <p:fade/>
@@ -19078,8 +18012,12 @@
           <a:lstStyle/>
           <a:p>
             <a:r>
+              <a:rPr lang="en-US" smtClean="0"/>
+              <a:t>Writing </a:t>
+            </a:r>
+            <a:r>
               <a:rPr lang="en-US" dirty="0" smtClean="0"/>
-              <a:t>Writing a Test First</a:t>
+              <a:t>a Test First</a:t>
             </a:r>
             <a:endParaRPr lang="en-US" dirty="0"/>
           </a:p>
@@ -22385,12 +21323,22 @@
               <a:buAutoNum type="arabicPeriod"/>
             </a:pPr>
             <a:r>
-              <a:rPr lang="en-US" dirty="0"/>
-              <a:t>F</a:t>
-            </a:r>
-            <a:r>
               <a:rPr lang="en-US" dirty="0" smtClean="0"/>
-              <a:t>inally verify that the implementation of the unit makes the tests succeed.</a:t>
+              <a:t>Finally verify that the implementation of the unit makes the tests </a:t>
+            </a:r>
+            <a:r>
+              <a:rPr lang="en-US" smtClean="0"/>
+              <a:t>succeed.</a:t>
+            </a:r>
+          </a:p>
+          <a:p>
+            <a:pPr marL="514350" indent="-514350">
+              <a:buFont typeface="+mj-lt"/>
+              <a:buAutoNum type="arabicPeriod"/>
+            </a:pPr>
+            <a:r>
+              <a:rPr lang="en-US" smtClean="0"/>
+              <a:t>Refactor</a:t>
             </a:r>
             <a:endParaRPr lang="en-US" dirty="0"/>
           </a:p>
@@ -37797,7 +36745,7 @@
       </p:sp>
       <p:sp>
         <p:nvSpPr>
-          <p:cNvPr id="4" name="Content Placeholder 3"/>
+          <p:cNvPr id="7" name="Content Placeholder 6"/>
           <p:cNvSpPr>
             <a:spLocks noGrp="1"/>
           </p:cNvSpPr>
@@ -37807,15 +36755,15 @@
         </p:nvSpPr>
         <p:spPr>
           <a:xfrm>
-            <a:off x="1127883" y="3941542"/>
-            <a:ext cx="14420850" cy="3954901"/>
+            <a:off x="1127883" y="3865330"/>
+            <a:ext cx="14420850" cy="4031113"/>
           </a:xfrm>
         </p:spPr>
         <p:txBody>
           <a:bodyPr/>
           <a:lstStyle/>
           <a:p>
-            <a:endParaRPr lang="en-US" dirty="0"/>
+            <a:endParaRPr lang="en-US"/>
           </a:p>
         </p:txBody>
       </p:sp>
@@ -38138,7 +37086,7 @@
       </p:sp>
       <p:sp>
         <p:nvSpPr>
-          <p:cNvPr id="4" name="Content Placeholder 3"/>
+          <p:cNvPr id="6" name="Content Placeholder 5"/>
           <p:cNvSpPr>
             <a:spLocks noGrp="1"/>
           </p:cNvSpPr>
@@ -38148,15 +37096,15 @@
         </p:nvSpPr>
         <p:spPr>
           <a:xfrm>
-            <a:off x="1127883" y="3941543"/>
-            <a:ext cx="14420850" cy="492588"/>
+            <a:off x="1127883" y="3865329"/>
+            <a:ext cx="14420850" cy="557213"/>
           </a:xfrm>
         </p:spPr>
         <p:txBody>
           <a:bodyPr/>
           <a:lstStyle/>
           <a:p>
-            <a:endParaRPr lang="en-US" dirty="0"/>
+            <a:endParaRPr lang="en-US"/>
           </a:p>
         </p:txBody>
       </p:sp>

--- a/03-writing_a_test_first.pptx
+++ b/03-writing_a_test_first.pptx
@@ -333,7 +333,7 @@
               <a:pPr>
                 <a:defRPr/>
               </a:pPr>
-              <a:t>2016-02-21</a:t>
+              <a:t>2016-02-27</a:t>
             </a:fld>
             <a:endParaRPr lang="en-US" dirty="0"/>
           </a:p>
@@ -516,7 +516,7 @@
               <a:pPr>
                 <a:defRPr/>
               </a:pPr>
-              <a:t>2016-02-21</a:t>
+              <a:t>2016-02-27</a:t>
             </a:fld>
             <a:endParaRPr lang="en-US" dirty="0"/>
           </a:p>
@@ -6387,7 +6387,15 @@
           <a:p>
             <a:r>
               <a:rPr lang="en-US" dirty="0" smtClean="0"/>
-              <a:t>BDD influences the language we use to write the tests and how we focus on test that matter. The activities within this module focus on the process of taking requirements, expressing them as expectations, choosing one implementation to meet these expectations, and then verifying we have met these expectations.</a:t>
+              <a:t>BDD influences the language we use to write the tests and how we focus </a:t>
+            </a:r>
+            <a:r>
+              <a:rPr lang="en-US" smtClean="0"/>
+              <a:t>on tests </a:t>
+            </a:r>
+            <a:r>
+              <a:rPr lang="en-US" dirty="0" smtClean="0"/>
+              <a:t>that matter. The activities within this module focus on the process of taking requirements, expressing them as expectations, choosing one implementation to meet these expectations, and then verifying we have met these expectations.</a:t>
             </a:r>
             <a:endParaRPr lang="en-US" dirty="0"/>
           </a:p>
@@ -9595,15 +9603,7 @@
             </a:r>
             <a:r>
               <a:rPr lang="en-US" baseline="0" dirty="0" smtClean="0"/>
-              <a:t>performed </a:t>
-            </a:r>
-            <a:r>
-              <a:rPr lang="en-US" baseline="0" dirty="0" smtClean="0"/>
-              <a:t>almost all of the steps of TDD</a:t>
-            </a:r>
-            <a:r>
-              <a:rPr lang="en-US" baseline="0" dirty="0" smtClean="0"/>
-              <a:t>. Next we are going to use the tests to help us refactor the recipe we wrote. In a series of group exercises we will explore some of the important nuances of Test Kitchen's subcommands: converge and verify. And explore another subcommand named: test.</a:t>
+              <a:t>performed almost all of the steps of TDD. Next we are going to use the tests to help us refactor the recipe we wrote. In a series of group exercises we will explore some of the important nuances of Test Kitchen's subcommands: converge and verify. And explore another subcommand named: test.</a:t>
             </a:r>
           </a:p>
         </p:txBody>
@@ -10075,7 +10075,15 @@
           <a:p>
             <a:r>
               <a:rPr lang="en-US" dirty="0" smtClean="0"/>
-              <a:t>Often times the why will raise more questions which you continue to ask why. You should do that. Asking why enough times will lead you to the true reason why you are taking action. The interesting thing is that know the true reason why may help reinforce your course or action or change it entirely.</a:t>
+              <a:t>Often times the why will raise more questions which you continue to ask why. You should do that. Asking why enough times will lead you to the true reason why you are taking action. The interesting thing is that knowing the true reason why will</a:t>
+            </a:r>
+            <a:r>
+              <a:rPr lang="en-US" baseline="0" dirty="0" smtClean="0"/>
+              <a:t> </a:t>
+            </a:r>
+            <a:r>
+              <a:rPr lang="en-US" dirty="0" smtClean="0"/>
+              <a:t>help reinforce your course of action or maybe change it entirely.</a:t>
             </a:r>
           </a:p>
         </p:txBody>
@@ -10582,7 +10590,7 @@
               <a:buFont typeface="Arial" pitchFamily="34" charset="0"/>
               <a:buNone/>
               <a:tabLst/>
-              <a:defRPr sz="2800">
+              <a:defRPr sz="2800" b="1">
                 <a:latin typeface="Courier New" panose="02070309020205020404" pitchFamily="49" charset="0"/>
                 <a:cs typeface="Courier New" panose="02070309020205020404" pitchFamily="49" charset="0"/>
               </a:defRPr>
@@ -10895,14 +10903,14 @@
           </a:ln>
           <a:extLst>
             <a:ext uri="{909E8E84-426E-40dd-AFC4-6F175D3DCCD1}">
-              <a14:hiddenFill xmlns="" xmlns:a14="http://schemas.microsoft.com/office/drawing/2010/main">
+              <a14:hiddenFill xmlns:a14="http://schemas.microsoft.com/office/drawing/2010/main" xmlns="">
                 <a:solidFill>
                   <a:srgbClr val="FFFFFF"/>
                 </a:solidFill>
               </a14:hiddenFill>
             </a:ext>
             <a:ext uri="{91240B29-F687-4f45-9708-019B960494DF}">
-              <a14:hiddenLine xmlns="" xmlns:a14="http://schemas.microsoft.com/office/drawing/2010/main" w="9525">
+              <a14:hiddenLine xmlns:a14="http://schemas.microsoft.com/office/drawing/2010/main" xmlns="" w="9525">
                 <a:solidFill>
                   <a:srgbClr val="000000"/>
                 </a:solidFill>
@@ -11050,14 +11058,14 @@
           </a:ln>
           <a:extLst>
             <a:ext uri="{909E8E84-426E-40dd-AFC4-6F175D3DCCD1}">
-              <a14:hiddenFill xmlns="" xmlns:a14="http://schemas.microsoft.com/office/drawing/2010/main">
+              <a14:hiddenFill xmlns:a14="http://schemas.microsoft.com/office/drawing/2010/main" xmlns="">
                 <a:solidFill>
                   <a:srgbClr val="FFFFFF"/>
                 </a:solidFill>
               </a14:hiddenFill>
             </a:ext>
             <a:ext uri="{91240B29-F687-4f45-9708-019B960494DF}">
-              <a14:hiddenLine xmlns="" xmlns:a14="http://schemas.microsoft.com/office/drawing/2010/main" w="9525">
+              <a14:hiddenLine xmlns:a14="http://schemas.microsoft.com/office/drawing/2010/main" xmlns="" w="9525">
                 <a:solidFill>
                   <a:srgbClr val="000000"/>
                 </a:solidFill>
@@ -11548,14 +11556,14 @@
           </a:ln>
           <a:extLst>
             <a:ext uri="{909E8E84-426E-40dd-AFC4-6F175D3DCCD1}">
-              <a14:hiddenFill xmlns="" xmlns:a14="http://schemas.microsoft.com/office/drawing/2010/main">
+              <a14:hiddenFill xmlns:a14="http://schemas.microsoft.com/office/drawing/2010/main" xmlns="">
                 <a:solidFill>
                   <a:srgbClr val="FFFFFF"/>
                 </a:solidFill>
               </a14:hiddenFill>
             </a:ext>
             <a:ext uri="{91240B29-F687-4f45-9708-019B960494DF}">
-              <a14:hiddenLine xmlns="" xmlns:a14="http://schemas.microsoft.com/office/drawing/2010/main" w="9525">
+              <a14:hiddenLine xmlns:a14="http://schemas.microsoft.com/office/drawing/2010/main" xmlns="" w="9525">
                 <a:solidFill>
                   <a:srgbClr val="000000"/>
                 </a:solidFill>
@@ -13004,14 +13012,14 @@
           </a:ln>
           <a:extLst>
             <a:ext uri="{909E8E84-426E-40dd-AFC4-6F175D3DCCD1}">
-              <a14:hiddenFill xmlns="" xmlns:a14="http://schemas.microsoft.com/office/drawing/2010/main">
+              <a14:hiddenFill xmlns:a14="http://schemas.microsoft.com/office/drawing/2010/main" xmlns="">
                 <a:solidFill>
                   <a:srgbClr val="FFFFFF"/>
                 </a:solidFill>
               </a14:hiddenFill>
             </a:ext>
             <a:ext uri="{91240B29-F687-4f45-9708-019B960494DF}">
-              <a14:hiddenLine xmlns="" xmlns:a14="http://schemas.microsoft.com/office/drawing/2010/main" w="9525">
+              <a14:hiddenLine xmlns:a14="http://schemas.microsoft.com/office/drawing/2010/main" xmlns="" w="9525">
                 <a:solidFill>
                   <a:srgbClr val="000000"/>
                 </a:solidFill>
@@ -14365,14 +14373,14 @@
           </a:ln>
           <a:extLst>
             <a:ext uri="{909E8E84-426E-40dd-AFC4-6F175D3DCCD1}">
-              <a14:hiddenFill xmlns="" xmlns:a14="http://schemas.microsoft.com/office/drawing/2010/main">
+              <a14:hiddenFill xmlns:a14="http://schemas.microsoft.com/office/drawing/2010/main" xmlns="">
                 <a:solidFill>
                   <a:srgbClr val="FFFFFF"/>
                 </a:solidFill>
               </a14:hiddenFill>
             </a:ext>
             <a:ext uri="{91240B29-F687-4f45-9708-019B960494DF}">
-              <a14:hiddenLine xmlns="" xmlns:a14="http://schemas.microsoft.com/office/drawing/2010/main" w="9525">
+              <a14:hiddenLine xmlns:a14="http://schemas.microsoft.com/office/drawing/2010/main" xmlns="" w="9525">
                 <a:solidFill>
                   <a:srgbClr val="000000"/>
                 </a:solidFill>
@@ -14464,7 +14472,7 @@
               <a:buFont typeface="Arial" pitchFamily="34" charset="0"/>
               <a:buNone/>
               <a:tabLst/>
-              <a:defRPr sz="2800">
+              <a:defRPr sz="2800" b="1">
                 <a:solidFill>
                   <a:srgbClr val="FFFFFF"/>
                 </a:solidFill>
@@ -14766,7 +14774,7 @@
               <a:buFont typeface="Wingdings" charset="0"/>
               <a:buNone/>
               <a:tabLst/>
-              <a:defRPr sz="2800" baseline="0">
+              <a:defRPr sz="2800" b="1" baseline="0">
                 <a:solidFill>
                   <a:schemeClr val="bg1"/>
                 </a:solidFill>
@@ -14930,14 +14938,14 @@
           </a:ln>
           <a:extLst>
             <a:ext uri="{909E8E84-426E-40dd-AFC4-6F175D3DCCD1}">
-              <a14:hiddenFill xmlns="" xmlns:a14="http://schemas.microsoft.com/office/drawing/2010/main">
+              <a14:hiddenFill xmlns:a14="http://schemas.microsoft.com/office/drawing/2010/main" xmlns="">
                 <a:solidFill>
                   <a:srgbClr val="FFFFFF"/>
                 </a:solidFill>
               </a14:hiddenFill>
             </a:ext>
             <a:ext uri="{91240B29-F687-4f45-9708-019B960494DF}">
-              <a14:hiddenLine xmlns="" xmlns:a14="http://schemas.microsoft.com/office/drawing/2010/main" w="9525">
+              <a14:hiddenLine xmlns:a14="http://schemas.microsoft.com/office/drawing/2010/main" xmlns="" w="9525">
                 <a:solidFill>
                   <a:srgbClr val="000000"/>
                 </a:solidFill>
@@ -15063,7 +15071,7 @@
               <a:buFont typeface="Arial" pitchFamily="34" charset="0"/>
               <a:buNone/>
               <a:tabLst/>
-              <a:defRPr sz="2800">
+              <a:defRPr sz="2800" b="1">
                 <a:solidFill>
                   <a:srgbClr val="FFFFFF"/>
                 </a:solidFill>
@@ -15340,7 +15348,7 @@
               <a:buFont typeface="Arial" pitchFamily="34" charset="0"/>
               <a:buNone/>
               <a:tabLst/>
-              <a:defRPr sz="3200" baseline="0">
+              <a:defRPr sz="3200" b="1" baseline="0">
                 <a:solidFill>
                   <a:schemeClr val="bg1"/>
                 </a:solidFill>
@@ -15504,14 +15512,14 @@
           </a:ln>
           <a:extLst>
             <a:ext uri="{909E8E84-426E-40dd-AFC4-6F175D3DCCD1}">
-              <a14:hiddenFill xmlns="" xmlns:a14="http://schemas.microsoft.com/office/drawing/2010/main">
+              <a14:hiddenFill xmlns:a14="http://schemas.microsoft.com/office/drawing/2010/main" xmlns="">
                 <a:solidFill>
                   <a:srgbClr val="FFFFFF"/>
                 </a:solidFill>
               </a14:hiddenFill>
             </a:ext>
             <a:ext uri="{91240B29-F687-4f45-9708-019B960494DF}">
-              <a14:hiddenLine xmlns="" xmlns:a14="http://schemas.microsoft.com/office/drawing/2010/main" w="9525">
+              <a14:hiddenLine xmlns:a14="http://schemas.microsoft.com/office/drawing/2010/main" xmlns="" w="9525">
                 <a:solidFill>
                   <a:srgbClr val="000000"/>
                 </a:solidFill>
@@ -15597,7 +15605,7 @@
               <a:buFont typeface="Arial" pitchFamily="34" charset="0"/>
               <a:buNone/>
               <a:tabLst/>
-              <a:defRPr sz="2800">
+              <a:defRPr sz="2800" b="1">
                 <a:latin typeface="Courier New" panose="02070309020205020404" pitchFamily="49" charset="0"/>
                 <a:cs typeface="Courier New" panose="02070309020205020404" pitchFamily="49" charset="0"/>
               </a:defRPr>
@@ -15894,7 +15902,7 @@
               <a:buFont typeface="Arial" pitchFamily="34" charset="0"/>
               <a:buNone/>
               <a:tabLst/>
-              <a:defRPr sz="2800" baseline="0">
+              <a:defRPr sz="2800" b="1" baseline="0">
                 <a:latin typeface="Courier New" panose="02070309020205020404" pitchFamily="49" charset="0"/>
                 <a:cs typeface="Courier New" panose="02070309020205020404" pitchFamily="49" charset="0"/>
               </a:defRPr>
@@ -16122,7 +16130,7 @@
               <a:buFont typeface="Arial" pitchFamily="34" charset="0"/>
               <a:buNone/>
               <a:tabLst/>
-              <a:defRPr sz="2800">
+              <a:defRPr sz="2800" b="1">
                 <a:latin typeface="Courier New" panose="02070309020205020404" pitchFamily="49" charset="0"/>
                 <a:cs typeface="Courier New" panose="02070309020205020404" pitchFamily="49" charset="0"/>
               </a:defRPr>
@@ -16451,14 +16459,14 @@
           </a:ln>
           <a:extLst>
             <a:ext uri="{909E8E84-426E-40dd-AFC4-6F175D3DCCD1}">
-              <a14:hiddenFill xmlns="" xmlns:a14="http://schemas.microsoft.com/office/drawing/2010/main">
+              <a14:hiddenFill xmlns:a14="http://schemas.microsoft.com/office/drawing/2010/main" xmlns="">
                 <a:solidFill>
                   <a:srgbClr val="FFFFFF"/>
                 </a:solidFill>
               </a14:hiddenFill>
             </a:ext>
             <a:ext uri="{91240B29-F687-4f45-9708-019B960494DF}">
-              <a14:hiddenLine xmlns="" xmlns:a14="http://schemas.microsoft.com/office/drawing/2010/main" w="9525">
+              <a14:hiddenLine xmlns:a14="http://schemas.microsoft.com/office/drawing/2010/main" xmlns="" w="9525">
                 <a:solidFill>
                   <a:srgbClr val="000000"/>
                 </a:solidFill>
@@ -17231,14 +17239,14 @@
           </a:ln>
           <a:extLst>
             <a:ext uri="{909E8E84-426E-40dd-AFC4-6F175D3DCCD1}">
-              <a14:hiddenFill xmlns="" xmlns:a14="http://schemas.microsoft.com/office/drawing/2010/main">
+              <a14:hiddenFill xmlns:a14="http://schemas.microsoft.com/office/drawing/2010/main" xmlns="">
                 <a:solidFill>
                   <a:srgbClr val="FFFFFF"/>
                 </a:solidFill>
               </a14:hiddenFill>
             </a:ext>
             <a:ext uri="{91240B29-F687-4f45-9708-019B960494DF}">
-              <a14:hiddenLine xmlns="" xmlns:a14="http://schemas.microsoft.com/office/drawing/2010/main" w="9525">
+              <a14:hiddenLine xmlns:a14="http://schemas.microsoft.com/office/drawing/2010/main" xmlns="" w="9525">
                 <a:solidFill>
                   <a:srgbClr val="000000"/>
                 </a:solidFill>
@@ -23683,12 +23691,20 @@
           <a:p>
             <a:pPr algn="ctr"/>
             <a:r>
+              <a:rPr lang="en-US" dirty="0" smtClean="0">
+                <a:solidFill>
+                  <a:schemeClr val="bg1"/>
+                </a:solidFill>
+              </a:rPr>
+              <a:t>cookbook name</a:t>
+            </a:r>
+            <a:r>
               <a:rPr lang="en-US" smtClean="0">
                 <a:solidFill>
                   <a:schemeClr val="bg1"/>
                 </a:solidFill>
               </a:rPr>
-              <a:t>cookbook name::recipe name</a:t>
+              <a:t>::suite name</a:t>
             </a:r>
             <a:endParaRPr lang="en-US" dirty="0" smtClean="0">
               <a:solidFill>
@@ -26816,8 +26832,17 @@
           <a:p>
             <a:r>
               <a:rPr lang="en-US" dirty="0"/>
-              <a:t>  - name: centos-7.1</a:t>
-            </a:r>
+              <a:t>  - name</a:t>
+            </a:r>
+            <a:r>
+              <a:rPr lang="en-US"/>
+              <a:t>: </a:t>
+            </a:r>
+            <a:r>
+              <a:rPr lang="en-US" smtClean="0"/>
+              <a:t>centos-7.1</a:t>
+            </a:r>
+            <a:endParaRPr lang="en-US" dirty="0"/>
           </a:p>
           <a:p>
             <a:endParaRPr lang="en-US" dirty="0"/>
@@ -38155,6 +38180,14 @@
           <a:bodyPr/>
           <a:lstStyle/>
           <a:p>
+            <a:r>
+              <a:rPr lang="en-US" dirty="0" smtClean="0"/>
+              <a:t>Scenario: Potential User </a:t>
+            </a:r>
+            <a:r>
+              <a:rPr lang="en-US" smtClean="0"/>
+              <a:t>Visits Website</a:t>
+            </a:r>
             <a:endParaRPr lang="en-US" dirty="0"/>
           </a:p>
         </p:txBody>

--- a/03-writing_a_test_first.pptx
+++ b/03-writing_a_test_first.pptx
@@ -6,10 +6,10 @@
     <p:sldMasterId id="2147483847" r:id="rId6"/>
   </p:sldMasterIdLst>
   <p:notesMasterIdLst>
-    <p:notesMasterId r:id="rId67"/>
+    <p:notesMasterId r:id="rId68"/>
   </p:notesMasterIdLst>
   <p:handoutMasterIdLst>
-    <p:handoutMasterId r:id="rId68"/>
+    <p:handoutMasterId r:id="rId69"/>
   </p:handoutMasterIdLst>
   <p:sldIdLst>
     <p:sldId id="256" r:id="rId7"/>
@@ -39,39 +39,40 @@
     <p:sldId id="272" r:id="rId31"/>
     <p:sldId id="260" r:id="rId32"/>
     <p:sldId id="273" r:id="rId33"/>
-    <p:sldId id="318" r:id="rId34"/>
-    <p:sldId id="319" r:id="rId35"/>
-    <p:sldId id="320" r:id="rId36"/>
-    <p:sldId id="321" r:id="rId37"/>
-    <p:sldId id="322" r:id="rId38"/>
-    <p:sldId id="284" r:id="rId39"/>
-    <p:sldId id="274" r:id="rId40"/>
-    <p:sldId id="317" r:id="rId41"/>
-    <p:sldId id="275" r:id="rId42"/>
-    <p:sldId id="325" r:id="rId43"/>
-    <p:sldId id="326" r:id="rId44"/>
-    <p:sldId id="327" r:id="rId45"/>
-    <p:sldId id="276" r:id="rId46"/>
-    <p:sldId id="303" r:id="rId47"/>
-    <p:sldId id="304" r:id="rId48"/>
-    <p:sldId id="277" r:id="rId49"/>
-    <p:sldId id="278" r:id="rId50"/>
-    <p:sldId id="305" r:id="rId51"/>
-    <p:sldId id="279" r:id="rId52"/>
-    <p:sldId id="306" r:id="rId53"/>
-    <p:sldId id="285" r:id="rId54"/>
-    <p:sldId id="286" r:id="rId55"/>
-    <p:sldId id="287" r:id="rId56"/>
-    <p:sldId id="261" r:id="rId57"/>
-    <p:sldId id="280" r:id="rId58"/>
-    <p:sldId id="281" r:id="rId59"/>
-    <p:sldId id="262" r:id="rId60"/>
-    <p:sldId id="292" r:id="rId61"/>
-    <p:sldId id="263" r:id="rId62"/>
-    <p:sldId id="264" r:id="rId63"/>
-    <p:sldId id="266" r:id="rId64"/>
-    <p:sldId id="307" r:id="rId65"/>
-    <p:sldId id="265" r:id="rId66"/>
+    <p:sldId id="328" r:id="rId34"/>
+    <p:sldId id="318" r:id="rId35"/>
+    <p:sldId id="319" r:id="rId36"/>
+    <p:sldId id="320" r:id="rId37"/>
+    <p:sldId id="321" r:id="rId38"/>
+    <p:sldId id="322" r:id="rId39"/>
+    <p:sldId id="284" r:id="rId40"/>
+    <p:sldId id="274" r:id="rId41"/>
+    <p:sldId id="317" r:id="rId42"/>
+    <p:sldId id="275" r:id="rId43"/>
+    <p:sldId id="325" r:id="rId44"/>
+    <p:sldId id="326" r:id="rId45"/>
+    <p:sldId id="327" r:id="rId46"/>
+    <p:sldId id="276" r:id="rId47"/>
+    <p:sldId id="303" r:id="rId48"/>
+    <p:sldId id="304" r:id="rId49"/>
+    <p:sldId id="277" r:id="rId50"/>
+    <p:sldId id="278" r:id="rId51"/>
+    <p:sldId id="305" r:id="rId52"/>
+    <p:sldId id="279" r:id="rId53"/>
+    <p:sldId id="306" r:id="rId54"/>
+    <p:sldId id="285" r:id="rId55"/>
+    <p:sldId id="286" r:id="rId56"/>
+    <p:sldId id="287" r:id="rId57"/>
+    <p:sldId id="261" r:id="rId58"/>
+    <p:sldId id="280" r:id="rId59"/>
+    <p:sldId id="281" r:id="rId60"/>
+    <p:sldId id="262" r:id="rId61"/>
+    <p:sldId id="292" r:id="rId62"/>
+    <p:sldId id="263" r:id="rId63"/>
+    <p:sldId id="264" r:id="rId64"/>
+    <p:sldId id="266" r:id="rId65"/>
+    <p:sldId id="307" r:id="rId66"/>
+    <p:sldId id="265" r:id="rId67"/>
   </p:sldIdLst>
   <p:sldSz cx="16256000" cy="9144000"/>
   <p:notesSz cx="6858000" cy="9144000"/>
@@ -333,7 +334,7 @@
               <a:pPr>
                 <a:defRPr/>
               </a:pPr>
-              <a:t>2016-02-27</a:t>
+              <a:t>2016-02-28</a:t>
             </a:fld>
             <a:endParaRPr lang="en-US" dirty="0"/>
           </a:p>
@@ -516,7 +517,7 @@
               <a:pPr>
                 <a:defRPr/>
               </a:pPr>
-              <a:t>2016-02-27</a:t>
+              <a:t>2016-02-28</a:t>
             </a:fld>
             <a:endParaRPr lang="en-US" dirty="0"/>
           </a:p>
@@ -1100,7 +1101,15 @@
           <a:p>
             <a:r>
               <a:rPr lang="en-US" dirty="0" smtClean="0"/>
-              <a:t>With the first scenario defined it is now time for us to develop the cookbook. We are going to move through the following steps together to accomplish this task.</a:t>
+              <a:t>With the </a:t>
+            </a:r>
+            <a:r>
+              <a:rPr lang="en-US" dirty="0" smtClean="0"/>
+              <a:t>scenario </a:t>
+            </a:r>
+            <a:r>
+              <a:rPr lang="en-US" dirty="0" smtClean="0"/>
+              <a:t>defined it is now time for us to develop the cookbook. We are going to move through the following steps together to accomplish this task.</a:t>
             </a:r>
             <a:endParaRPr lang="en-US" dirty="0"/>
           </a:p>
@@ -1379,20 +1388,20 @@
               <a:t>There are a number of tools installed with the Chef Development Kit (</a:t>
             </a:r>
             <a:r>
-              <a:rPr lang="en-US" baseline="0" dirty="0" err="1" smtClean="0"/>
-              <a:t>ChefDK</a:t>
+              <a:rPr lang="en-US" baseline="0" dirty="0" smtClean="0"/>
+              <a:t>Chef DK</a:t>
             </a:r>
             <a:r>
               <a:rPr lang="en-US" baseline="0" dirty="0" smtClean="0"/>
               <a:t>). One of those tools included in the </a:t>
             </a:r>
             <a:r>
-              <a:rPr lang="en-US" baseline="0" dirty="0" err="1" smtClean="0"/>
-              <a:t>ChefDK</a:t>
-            </a:r>
-            <a:r>
               <a:rPr lang="en-US" baseline="0" dirty="0" smtClean="0"/>
-              <a:t> is a tool called 'chef'. The generators provided with the tool will allow us to quickly generate the a cookbook. You can see help about the command with the '--help' flag.</a:t>
+              <a:t>Chef DK </a:t>
+            </a:r>
+            <a:r>
+              <a:rPr lang="en-US" baseline="0" dirty="0" smtClean="0"/>
+              <a:t>is a tool called 'chef'. The generators provided with the tool will allow us to quickly generate the a cookbook. You can see help about the command with the '--help' flag.</a:t>
             </a:r>
           </a:p>
           <a:p>
@@ -3385,7 +3394,15 @@
             </a:r>
             <a:r>
               <a:rPr lang="en-US" baseline="0" dirty="0" smtClean="0"/>
-              <a:t> here represents the cookbook name and the recipe name. The inner expectation is using a </a:t>
+              <a:t> here represents the cookbook name and the </a:t>
+            </a:r>
+            <a:r>
+              <a:rPr lang="en-US" baseline="0" dirty="0" smtClean="0"/>
+              <a:t>suite name</a:t>
+            </a:r>
+            <a:r>
+              <a:rPr lang="en-US" baseline="0" dirty="0" smtClean="0"/>
+              <a:t>. The inner expectation is using a </a:t>
             </a:r>
             <a:r>
               <a:rPr lang="en-US" baseline="0" dirty="0" err="1" smtClean="0"/>
@@ -3393,7 +3410,15 @@
             </a:r>
             <a:r>
               <a:rPr lang="en-US" baseline="0" dirty="0" smtClean="0"/>
-              <a:t> resource named command. This command resource takes a parameter which is the command it will run. Within the inner example group we are asking for an attribute on the </a:t>
+              <a:t> resource named command. This command resource takes a parameter which is the </a:t>
+            </a:r>
+            <a:r>
+              <a:rPr lang="en-US" baseline="0" dirty="0" smtClean="0"/>
+              <a:t>system command </a:t>
+            </a:r>
+            <a:r>
+              <a:rPr lang="en-US" baseline="0" dirty="0" smtClean="0"/>
+              <a:t>it will run. Within the inner example group we are asking for an attribute on the </a:t>
             </a:r>
             <a:r>
               <a:rPr lang="en-US" baseline="0" dirty="0" err="1" smtClean="0"/>
@@ -3409,26 +3434,13 @@
             </a:r>
             <a:r>
               <a:rPr lang="en-US" baseline="0" dirty="0" smtClean="0"/>
-              <a:t>'. Lastly we express an expectation that we expect the actual result returned from the standard out to contain the text 'Welcome Home'.</a:t>
-            </a:r>
-          </a:p>
-          <a:p>
+              <a:t>'. Lastly we express an expectation that we expect the actual result returned from the standard out to contain the text 'Welcome Home</a:t>
+            </a:r>
+            <a:r>
+              <a:rPr lang="en-US" baseline="0" dirty="0" smtClean="0"/>
+              <a:t>'.</a:t>
+            </a:r>
             <a:endParaRPr lang="en-US" baseline="0" dirty="0" smtClean="0"/>
-          </a:p>
-          <a:p>
-            <a:r>
-              <a:rPr lang="en-US" baseline="0" dirty="0" smtClean="0"/>
-              <a:t>Instructor Note: You are not actually testing against the recipe with Test Kitchen. You are testing against the test suite, defined in the kitchen configuration, which has the name default. That test suite defines a run list and that could contain a number of different recipes. </a:t>
-            </a:r>
-            <a:r>
-              <a:rPr lang="en-US" baseline="0" dirty="0" err="1" smtClean="0"/>
-              <a:t>ServerSpec</a:t>
-            </a:r>
-            <a:r>
-              <a:rPr lang="en-US" baseline="0" dirty="0" smtClean="0"/>
-              <a:t> choosing 'cookbook name'::'recipe name' seems misleading.</a:t>
-            </a:r>
-            <a:endParaRPr lang="en-US" dirty="0"/>
           </a:p>
         </p:txBody>
       </p:sp>
@@ -3568,7 +3580,19 @@
             </a:r>
             <a:r>
               <a:rPr lang="en-US" baseline="0" dirty="0" smtClean="0"/>
-              <a:t> the test file found at the following path you will find that it is already populated some initial code. The first two lines are comments to the </a:t>
+              <a:t> the test file found at the following path you will find that it is already populated </a:t>
+            </a:r>
+            <a:r>
+              <a:rPr lang="en-US" baseline="0" dirty="0" smtClean="0"/>
+              <a:t>with some </a:t>
+            </a:r>
+            <a:r>
+              <a:rPr lang="en-US" baseline="0" dirty="0" smtClean="0"/>
+              <a:t>initial code. The first two lines are comments </a:t>
+            </a:r>
+            <a:r>
+              <a:rPr lang="en-US" baseline="0" dirty="0" smtClean="0"/>
+              <a:t>that provide a link to the </a:t>
             </a:r>
             <a:r>
               <a:rPr lang="en-US" baseline="0" dirty="0" err="1" smtClean="0"/>
@@ -3576,7 +3600,15 @@
             </a:r>
             <a:r>
               <a:rPr lang="en-US" baseline="0" dirty="0" smtClean="0"/>
-              <a:t> documentation. The next three lines are a placeholder test that when executed notifies you that this test is skipped.</a:t>
+              <a:t> </a:t>
+            </a:r>
+            <a:r>
+              <a:rPr lang="en-US" baseline="0" dirty="0" smtClean="0"/>
+              <a:t>documentation. The </a:t>
+            </a:r>
+            <a:r>
+              <a:rPr lang="en-US" baseline="0" dirty="0" smtClean="0"/>
+              <a:t>next three lines are a placeholder test that when executed notifies you that this test is skipped.</a:t>
             </a:r>
           </a:p>
           <a:p>
@@ -3585,8 +3617,13 @@
           <a:p>
             <a:r>
               <a:rPr lang="en-US" baseline="0" dirty="0" smtClean="0"/>
-              <a:t>We do not need these comments or the placeholder test so let's remove it from the test file.</a:t>
-            </a:r>
+              <a:t>We do not need these comments or the placeholder test so let's remove it from the </a:t>
+            </a:r>
+            <a:r>
+              <a:rPr lang="en-US" baseline="0" dirty="0" smtClean="0"/>
+              <a:t>specification.</a:t>
+            </a:r>
+            <a:endParaRPr lang="en-US" baseline="0" dirty="0" smtClean="0"/>
           </a:p>
         </p:txBody>
       </p:sp>
@@ -4023,7 +4060,19 @@
             </a:r>
             <a:r>
               <a:rPr lang="en-US" baseline="0" dirty="0" smtClean="0"/>
-              <a:t> execute our tests using the tool Test Kitchen we need to be within the directory of the cookbook.</a:t>
+              <a:t> execute our tests using the tool Test </a:t>
+            </a:r>
+            <a:r>
+              <a:rPr lang="en-US" baseline="0" dirty="0" smtClean="0"/>
+              <a:t>Kitchen </a:t>
+            </a:r>
+            <a:r>
+              <a:rPr lang="en-US" baseline="0" dirty="0" smtClean="0"/>
+              <a:t>we need to be within the directory of the cookbook</a:t>
+            </a:r>
+            <a:r>
+              <a:rPr lang="en-US" baseline="0" dirty="0" smtClean="0"/>
+              <a:t>.</a:t>
             </a:r>
             <a:endParaRPr lang="en-US" dirty="0"/>
           </a:p>
@@ -4161,45 +4210,19 @@
           <a:p>
             <a:r>
               <a:rPr lang="en-US" dirty="0" smtClean="0"/>
-              <a:t>The first key is driver, which has a single key-value pair that specifies the name of the driver Kitchen will use when executed. </a:t>
-            </a:r>
-          </a:p>
-          <a:p>
-            <a:endParaRPr lang="en-US" dirty="0" smtClean="0"/>
-          </a:p>
-          <a:p>
-            <a:r>
-              <a:rPr lang="en-US" dirty="0" smtClean="0"/>
-              <a:t>The driver is responsible for creating the instance that we will use to test our cookbook. There are lots of different drivers available--two very popular ones are the </a:t>
-            </a:r>
-            <a:r>
-              <a:rPr lang="en-US" dirty="0" err="1" smtClean="0"/>
-              <a:t>docker</a:t>
-            </a:r>
-            <a:r>
-              <a:rPr lang="en-US" dirty="0" smtClean="0"/>
-              <a:t> and vagrant driver.</a:t>
-            </a:r>
-          </a:p>
-          <a:p>
-            <a:endParaRPr lang="en-US" dirty="0" smtClean="0"/>
-          </a:p>
-          <a:p>
-            <a:r>
-              <a:rPr lang="en-US" dirty="0" smtClean="0"/>
-              <a:t>Instructor Note: Testing</a:t>
+              <a:t>Before we</a:t>
             </a:r>
             <a:r>
               <a:rPr lang="en-US" baseline="0" dirty="0" smtClean="0"/>
-              <a:t> on this remote workstation requires that we use </a:t>
+              <a:t> employ Test Kitchen to execute the tests we need make changes to the existing Test Kitchen configuration file. The cookbook was automatically generated with a '.</a:t>
             </a:r>
             <a:r>
               <a:rPr lang="en-US" baseline="0" dirty="0" err="1" smtClean="0"/>
-              <a:t>Docker</a:t>
+              <a:t>kitchen.yml</a:t>
             </a:r>
             <a:r>
               <a:rPr lang="en-US" baseline="0" dirty="0" smtClean="0"/>
-              <a:t> because Vagrant does not work within a virtual environment. Vagrant is the standard choice when working on your local workstation.</a:t>
+              <a:t>'.</a:t>
             </a:r>
             <a:endParaRPr lang="en-US" dirty="0"/>
           </a:p>
@@ -4281,7 +4304,7 @@
     </p:spTree>
     <p:extLst>
       <p:ext uri="{BB962C8B-B14F-4D97-AF65-F5344CB8AC3E}">
-        <p14:creationId xmlns:p14="http://schemas.microsoft.com/office/powerpoint/2010/main" val="361521924"/>
+        <p14:creationId xmlns:p14="http://schemas.microsoft.com/office/powerpoint/2010/main" val="251042599"/>
       </p:ext>
     </p:extLst>
   </p:cSld>
@@ -4337,39 +4360,45 @@
           <a:p>
             <a:r>
               <a:rPr lang="en-US" dirty="0" smtClean="0"/>
-              <a:t>The second key is </a:t>
+              <a:t>The first key is driver, which has a single key-value pair that specifies the name of the driver Kitchen will use when executed. </a:t>
+            </a:r>
+          </a:p>
+          <a:p>
+            <a:endParaRPr lang="en-US" dirty="0" smtClean="0"/>
+          </a:p>
+          <a:p>
+            <a:r>
+              <a:rPr lang="en-US" dirty="0" smtClean="0"/>
+              <a:t>The driver is responsible for creating the instance that we will use to test our cookbook. There are lots of different drivers available--two very popular ones are the </a:t>
             </a:r>
             <a:r>
               <a:rPr lang="en-US" dirty="0" err="1" smtClean="0"/>
-              <a:t>provisioner</a:t>
+              <a:t>docker</a:t>
             </a:r>
             <a:r>
               <a:rPr lang="en-US" dirty="0" smtClean="0"/>
-              <a:t>, which also has a single key-value pair which is the name of the </a:t>
-            </a:r>
-            <a:r>
-              <a:rPr lang="en-US" dirty="0" err="1" smtClean="0"/>
-              <a:t>provisioner</a:t>
-            </a:r>
+              <a:t> and vagrant driver.</a:t>
+            </a:r>
+          </a:p>
+          <a:p>
+            <a:endParaRPr lang="en-US" dirty="0" smtClean="0"/>
+          </a:p>
+          <a:p>
             <a:r>
               <a:rPr lang="en-US" dirty="0" smtClean="0"/>
-              <a:t> Kitchen will use when executed. This </a:t>
-            </a:r>
-            <a:r>
-              <a:rPr lang="en-US" dirty="0" err="1" smtClean="0"/>
-              <a:t>provisioner</a:t>
-            </a:r>
-            <a:r>
-              <a:rPr lang="en-US" dirty="0" smtClean="0"/>
-              <a:t> is responsible for how it applies code to the instance that the driver created. Here the default value is </a:t>
-            </a:r>
-            <a:r>
-              <a:rPr lang="en-US" dirty="0" err="1" smtClean="0"/>
-              <a:t>chef_zero</a:t>
-            </a:r>
-            <a:r>
-              <a:rPr lang="en-US" dirty="0" smtClean="0"/>
-              <a:t>.</a:t>
+              <a:t>Instructor Note: Testing</a:t>
+            </a:r>
+            <a:r>
+              <a:rPr lang="en-US" baseline="0" dirty="0" smtClean="0"/>
+              <a:t> on this remote workstation requires that we use </a:t>
+            </a:r>
+            <a:r>
+              <a:rPr lang="en-US" baseline="0" dirty="0" err="1" smtClean="0"/>
+              <a:t>Docker</a:t>
+            </a:r>
+            <a:r>
+              <a:rPr lang="en-US" baseline="0" dirty="0" smtClean="0"/>
+              <a:t> because Vagrant does not work within a virtual environment. Vagrant is the standard choice when working on your local workstation.</a:t>
             </a:r>
             <a:endParaRPr lang="en-US" dirty="0"/>
           </a:p>
@@ -4451,7 +4480,7 @@
     </p:spTree>
     <p:extLst>
       <p:ext uri="{BB962C8B-B14F-4D97-AF65-F5344CB8AC3E}">
-        <p14:creationId xmlns:p14="http://schemas.microsoft.com/office/powerpoint/2010/main" val="867739305"/>
+        <p14:creationId xmlns:p14="http://schemas.microsoft.com/office/powerpoint/2010/main" val="361521924"/>
       </p:ext>
     </p:extLst>
   </p:cSld>
@@ -4704,7 +4733,39 @@
           <a:p>
             <a:r>
               <a:rPr lang="en-US" dirty="0" smtClean="0"/>
-              <a:t>The third key is platforms, which contains a list of all the platforms that Kitchen will test against when executed. This should be a list of all the platforms that you want your cookbook to support.</a:t>
+              <a:t>The second key is </a:t>
+            </a:r>
+            <a:r>
+              <a:rPr lang="en-US" dirty="0" err="1" smtClean="0"/>
+              <a:t>provisioner</a:t>
+            </a:r>
+            <a:r>
+              <a:rPr lang="en-US" dirty="0" smtClean="0"/>
+              <a:t>, which also has a single key-value pair which is the name of the </a:t>
+            </a:r>
+            <a:r>
+              <a:rPr lang="en-US" dirty="0" err="1" smtClean="0"/>
+              <a:t>provisioner</a:t>
+            </a:r>
+            <a:r>
+              <a:rPr lang="en-US" dirty="0" smtClean="0"/>
+              <a:t> Kitchen will use when executed. This </a:t>
+            </a:r>
+            <a:r>
+              <a:rPr lang="en-US" dirty="0" err="1" smtClean="0"/>
+              <a:t>provisioner</a:t>
+            </a:r>
+            <a:r>
+              <a:rPr lang="en-US" dirty="0" smtClean="0"/>
+              <a:t> is responsible for how it applies code to the instance that the driver created. Here the default value is </a:t>
+            </a:r>
+            <a:r>
+              <a:rPr lang="en-US" dirty="0" err="1" smtClean="0"/>
+              <a:t>chef_zero</a:t>
+            </a:r>
+            <a:r>
+              <a:rPr lang="en-US" dirty="0" smtClean="0"/>
+              <a:t>.</a:t>
             </a:r>
             <a:endParaRPr lang="en-US" dirty="0"/>
           </a:p>
@@ -4786,7 +4847,7 @@
     </p:spTree>
     <p:extLst>
       <p:ext uri="{BB962C8B-B14F-4D97-AF65-F5344CB8AC3E}">
-        <p14:creationId xmlns:p14="http://schemas.microsoft.com/office/powerpoint/2010/main" val="346781197"/>
+        <p14:creationId xmlns:p14="http://schemas.microsoft.com/office/powerpoint/2010/main" val="867739305"/>
       </p:ext>
     </p:extLst>
   </p:cSld>
@@ -4842,16 +4903,7 @@
           <a:p>
             <a:r>
               <a:rPr lang="en-US" dirty="0" smtClean="0"/>
-              <a:t>The fourth key is suites, which contains a list of all the test suites that Kitchen will test against when executed. Each suite usually defines a unique combination of run lists that exercise all the recipes within a cookbook.</a:t>
-            </a:r>
-          </a:p>
-          <a:p>
-            <a:endParaRPr lang="en-US" dirty="0" smtClean="0"/>
-          </a:p>
-          <a:p>
-            <a:r>
-              <a:rPr lang="en-US" dirty="0" smtClean="0"/>
-              <a:t>In this example, this suite is named 'default'.</a:t>
+              <a:t>The third key is platforms, which contains a list of all the platforms that Kitchen will test against when executed. This should be a list of all the platforms that you want your cookbook to support.</a:t>
             </a:r>
             <a:endParaRPr lang="en-US" dirty="0"/>
           </a:p>
@@ -4933,7 +4985,7 @@
     </p:spTree>
     <p:extLst>
       <p:ext uri="{BB962C8B-B14F-4D97-AF65-F5344CB8AC3E}">
-        <p14:creationId xmlns:p14="http://schemas.microsoft.com/office/powerpoint/2010/main" val="1229751593"/>
+        <p14:creationId xmlns:p14="http://schemas.microsoft.com/office/powerpoint/2010/main" val="346781197"/>
       </p:ext>
     </p:extLst>
   </p:cSld>
@@ -4989,20 +5041,18 @@
           <a:p>
             <a:r>
               <a:rPr lang="en-US" dirty="0" smtClean="0"/>
-              <a:t>This default suite will execute the run list containing: The </a:t>
-            </a:r>
-            <a:r>
-              <a:rPr lang="en-US" dirty="0" err="1" smtClean="0"/>
-              <a:t>httpd</a:t>
-            </a:r>
-            <a:r>
-              <a:rPr lang="en-US" baseline="0" dirty="0" smtClean="0"/>
-              <a:t> </a:t>
-            </a:r>
+              <a:t>The fourth key is suites, which contains a list of all the test suites that Kitchen will test against when executed. Each suite usually defines a unique combination of run lists that exercise all the recipes within a cookbook.</a:t>
+            </a:r>
+          </a:p>
+          <a:p>
+            <a:endParaRPr lang="en-US" dirty="0" smtClean="0"/>
+          </a:p>
+          <a:p>
             <a:r>
               <a:rPr lang="en-US" dirty="0" smtClean="0"/>
-              <a:t>cookbook's default recipe.</a:t>
-            </a:r>
+              <a:t>In this example, this suite is named 'default'.</a:t>
+            </a:r>
+            <a:endParaRPr lang="en-US" dirty="0"/>
           </a:p>
         </p:txBody>
       </p:sp>
@@ -5082,7 +5132,7 @@
     </p:spTree>
     <p:extLst>
       <p:ext uri="{BB962C8B-B14F-4D97-AF65-F5344CB8AC3E}">
-        <p14:creationId xmlns:p14="http://schemas.microsoft.com/office/powerpoint/2010/main" val="886556239"/>
+        <p14:creationId xmlns:p14="http://schemas.microsoft.com/office/powerpoint/2010/main" val="1229751593"/>
       </p:ext>
     </p:extLst>
   </p:cSld>
@@ -5138,13 +5188,20 @@
           <a:p>
             <a:r>
               <a:rPr lang="en-US" dirty="0" smtClean="0"/>
-              <a:t>The initial</a:t>
+              <a:t>This default suite will execute the run list containing: The </a:t>
+            </a:r>
+            <a:r>
+              <a:rPr lang="en-US" dirty="0" err="1" smtClean="0"/>
+              <a:t>httpd</a:t>
             </a:r>
             <a:r>
               <a:rPr lang="en-US" baseline="0" dirty="0" smtClean="0"/>
-              <a:t> Test Kitchen configuration is set up in way for local development on non-virtual machine. Because we are currently on a virtual machine we cannot use vagrant. We are also not interested in those following platforms.</a:t>
-            </a:r>
-            <a:endParaRPr lang="en-US" dirty="0"/>
+              <a:t> </a:t>
+            </a:r>
+            <a:r>
+              <a:rPr lang="en-US" dirty="0" smtClean="0"/>
+              <a:t>cookbook's default recipe.</a:t>
+            </a:r>
           </a:p>
         </p:txBody>
       </p:sp>
@@ -5224,7 +5281,7 @@
     </p:spTree>
     <p:extLst>
       <p:ext uri="{BB962C8B-B14F-4D97-AF65-F5344CB8AC3E}">
-        <p14:creationId xmlns:p14="http://schemas.microsoft.com/office/powerpoint/2010/main" val="1051739611"/>
+        <p14:creationId xmlns:p14="http://schemas.microsoft.com/office/powerpoint/2010/main" val="886556239"/>
       </p:ext>
     </p:extLst>
   </p:cSld>
@@ -5280,28 +5337,11 @@
           <a:p>
             <a:r>
               <a:rPr lang="en-US" dirty="0" smtClean="0"/>
-              <a:t>There are</a:t>
+              <a:t>The initial</a:t>
             </a:r>
             <a:r>
               <a:rPr lang="en-US" baseline="0" dirty="0" smtClean="0"/>
-              <a:t> many different drivers that Test Kitchen supports. The </a:t>
-            </a:r>
-            <a:r>
-              <a:rPr lang="en-US" baseline="0" dirty="0" err="1" smtClean="0"/>
-              <a:t>docker</a:t>
-            </a:r>
-            <a:r>
-              <a:rPr lang="en-US" baseline="0" dirty="0" smtClean="0"/>
-              <a:t> driver is configured to work on this virtual machine. At this moment we are only interested in verifying that the cookbook we develop works on this current platform.</a:t>
-            </a:r>
-          </a:p>
-          <a:p>
-            <a:endParaRPr lang="en-US" baseline="0" dirty="0" smtClean="0"/>
-          </a:p>
-          <a:p>
-            <a:r>
-              <a:rPr lang="en-US" baseline="0" dirty="0" smtClean="0"/>
-              <a:t>Later we will return to this configuration file and add an additional platform.</a:t>
+              <a:t> Test Kitchen configuration is set up in way for local development on non-virtual machine. Because we are currently on a virtual machine we cannot use vagrant. We are also not interested in those following platforms.</a:t>
             </a:r>
             <a:endParaRPr lang="en-US" dirty="0"/>
           </a:p>
@@ -5383,7 +5423,7 @@
     </p:spTree>
     <p:extLst>
       <p:ext uri="{BB962C8B-B14F-4D97-AF65-F5344CB8AC3E}">
-        <p14:creationId xmlns:p14="http://schemas.microsoft.com/office/powerpoint/2010/main" val="241039959"/>
+        <p14:creationId xmlns:p14="http://schemas.microsoft.com/office/powerpoint/2010/main" val="1051739611"/>
       </p:ext>
     </p:extLst>
   </p:cSld>
@@ -5437,43 +5477,32 @@
           <a:bodyPr/>
           <a:lstStyle/>
           <a:p>
-            <a:pPr marL="0" marR="0" indent="0" algn="l" defTabSz="1219120" rtl="0" eaLnBrk="1" fontAlgn="auto" latinLnBrk="0" hangingPunct="1">
-              <a:lnSpc>
-                <a:spcPct val="90000"/>
-              </a:lnSpc>
-              <a:spcBef>
-                <a:spcPts val="0"/>
-              </a:spcBef>
-              <a:spcAft>
-                <a:spcPts val="444"/>
-              </a:spcAft>
-              <a:buClrTx/>
-              <a:buSzTx/>
-              <a:buFontTx/>
-              <a:buNone/>
-              <a:tabLst/>
-              <a:defRPr/>
-            </a:pPr>
             <a:r>
               <a:rPr lang="en-US" dirty="0" smtClean="0"/>
-              <a:t>It is important to recognize that within the .</a:t>
-            </a:r>
-            <a:r>
-              <a:rPr lang="en-US" dirty="0" err="1" smtClean="0"/>
-              <a:t>kitchen.yml</a:t>
-            </a:r>
-            <a:r>
-              <a:rPr lang="en-US" dirty="0" smtClean="0"/>
-              <a:t> file we defined two fields that create a test matrix;</a:t>
+              <a:t>There are</a:t>
             </a:r>
             <a:r>
               <a:rPr lang="en-US" baseline="0" dirty="0" smtClean="0"/>
-              <a:t> t</a:t>
-            </a:r>
-            <a:r>
-              <a:rPr lang="en-US" dirty="0" smtClean="0"/>
-              <a:t>he number of platforms we want to support multiplied by the number of test suites that we defined.</a:t>
-            </a:r>
+              <a:t> many different drivers that Test Kitchen supports. The </a:t>
+            </a:r>
+            <a:r>
+              <a:rPr lang="en-US" baseline="0" dirty="0" err="1" smtClean="0"/>
+              <a:t>docker</a:t>
+            </a:r>
+            <a:r>
+              <a:rPr lang="en-US" baseline="0" dirty="0" smtClean="0"/>
+              <a:t> driver is configured to work on this virtual machine. At this moment we are only interested in verifying that the cookbook we develop works on this current platform.</a:t>
+            </a:r>
+          </a:p>
+          <a:p>
+            <a:endParaRPr lang="en-US" baseline="0" dirty="0" smtClean="0"/>
+          </a:p>
+          <a:p>
+            <a:r>
+              <a:rPr lang="en-US" baseline="0" dirty="0" smtClean="0"/>
+              <a:t>Later we will return to this configuration file and add an additional platform.</a:t>
+            </a:r>
+            <a:endParaRPr lang="en-US" dirty="0"/>
           </a:p>
         </p:txBody>
       </p:sp>
@@ -5553,7 +5582,7 @@
     </p:spTree>
     <p:extLst>
       <p:ext uri="{BB962C8B-B14F-4D97-AF65-F5344CB8AC3E}">
-        <p14:creationId xmlns:p14="http://schemas.microsoft.com/office/powerpoint/2010/main" val="132430265"/>
+        <p14:creationId xmlns:p14="http://schemas.microsoft.com/office/powerpoint/2010/main" val="241039959"/>
       </p:ext>
     </p:extLst>
   </p:cSld>
@@ -5607,60 +5636,42 @@
           <a:bodyPr/>
           <a:lstStyle/>
           <a:p>
+            <a:pPr marL="0" marR="0" indent="0" algn="l" defTabSz="1219120" rtl="0" eaLnBrk="1" fontAlgn="auto" latinLnBrk="0" hangingPunct="1">
+              <a:lnSpc>
+                <a:spcPct val="90000"/>
+              </a:lnSpc>
+              <a:spcBef>
+                <a:spcPts val="0"/>
+              </a:spcBef>
+              <a:spcAft>
+                <a:spcPts val="444"/>
+              </a:spcAft>
+              <a:buClrTx/>
+              <a:buSzTx/>
+              <a:buFontTx/>
+              <a:buNone/>
+              <a:tabLst/>
+              <a:defRPr/>
+            </a:pPr>
             <a:r>
               <a:rPr lang="en-US" dirty="0" smtClean="0"/>
-              <a:t>We can visualize this test matrix by running the command `kitchen list`. </a:t>
-            </a:r>
-          </a:p>
-          <a:p>
-            <a:endParaRPr lang="en-US" dirty="0" smtClean="0"/>
-          </a:p>
-          <a:p>
+              <a:t>It is important to recognize that within the .</a:t>
+            </a:r>
+            <a:r>
+              <a:rPr lang="en-US" dirty="0" err="1" smtClean="0"/>
+              <a:t>kitchen.yml</a:t>
+            </a:r>
             <a:r>
               <a:rPr lang="en-US" dirty="0" smtClean="0"/>
-              <a:t>In the output you can see that an instance is created in the list for every test</a:t>
+              <a:t> file we defined two fields that create a test matrix;</a:t>
             </a:r>
             <a:r>
               <a:rPr lang="en-US" baseline="0" dirty="0" smtClean="0"/>
-              <a:t> </a:t>
+              <a:t> t</a:t>
             </a:r>
             <a:r>
               <a:rPr lang="en-US" dirty="0" smtClean="0"/>
-              <a:t>suite and every platform. In our current file we have one suite, named 'default'</a:t>
-            </a:r>
-            <a:r>
-              <a:rPr lang="en-US" baseline="0" dirty="0" smtClean="0"/>
-              <a:t> and </a:t>
-            </a:r>
-            <a:r>
-              <a:rPr lang="en-US" dirty="0" smtClean="0"/>
-              <a:t>one platform</a:t>
-            </a:r>
-            <a:r>
-              <a:rPr lang="en-US" baseline="0" dirty="0" smtClean="0"/>
-              <a:t> </a:t>
-            </a:r>
-            <a:r>
-              <a:rPr lang="en-US" baseline="0" dirty="0" err="1" smtClean="0"/>
-              <a:t>CentOS</a:t>
-            </a:r>
-            <a:r>
-              <a:rPr lang="en-US" baseline="0" dirty="0" smtClean="0"/>
-              <a:t>.</a:t>
-            </a:r>
-            <a:endParaRPr lang="en-US" dirty="0" smtClean="0"/>
-          </a:p>
-          <a:p>
-            <a:endParaRPr lang="en-US" dirty="0" smtClean="0"/>
-          </a:p>
-          <a:p>
-            <a:r>
-              <a:rPr lang="en-US" dirty="0" smtClean="0"/>
-              <a:t>Run the</a:t>
-            </a:r>
-            <a:r>
-              <a:rPr lang="en-US" baseline="0" dirty="0" smtClean="0"/>
-              <a:t> following command to verify that the Test Kitchen configuration file had been set up correctly.</a:t>
+              <a:t>he number of platforms we want to support multiplied by the number of test suites that we defined.</a:t>
             </a:r>
           </a:p>
         </p:txBody>
@@ -5741,7 +5752,7 @@
     </p:spTree>
     <p:extLst>
       <p:ext uri="{BB962C8B-B14F-4D97-AF65-F5344CB8AC3E}">
-        <p14:creationId xmlns:p14="http://schemas.microsoft.com/office/powerpoint/2010/main" val="67880753"/>
+        <p14:creationId xmlns:p14="http://schemas.microsoft.com/office/powerpoint/2010/main" val="132430265"/>
       </p:ext>
     </p:extLst>
   </p:cSld>
@@ -5797,7 +5808,16 @@
           <a:p>
             <a:r>
               <a:rPr lang="en-US" dirty="0" smtClean="0"/>
-              <a:t>Create or turn on a</a:t>
+              <a:t>We can visualize this test matrix by running the command `kitchen list`. </a:t>
+            </a:r>
+          </a:p>
+          <a:p>
+            <a:endParaRPr lang="en-US" dirty="0" smtClean="0"/>
+          </a:p>
+          <a:p>
+            <a:r>
+              <a:rPr lang="en-US" dirty="0" smtClean="0"/>
+              <a:t>In the output you can see that an instance is created in the list for every test</a:t>
             </a:r>
             <a:r>
               <a:rPr lang="en-US" baseline="0" dirty="0" smtClean="0"/>
@@ -5805,75 +5825,42 @@
             </a:r>
             <a:r>
               <a:rPr lang="en-US" dirty="0" smtClean="0"/>
-              <a:t>virtual or cloud instance</a:t>
+              <a:t>suite and every platform. In our current file we have one suite, named 'default'</a:t>
+            </a:r>
+            <a:r>
+              <a:rPr lang="en-US" baseline="0" dirty="0" smtClean="0"/>
+              <a:t> and </a:t>
+            </a:r>
+            <a:r>
+              <a:rPr lang="en-US" dirty="0" smtClean="0"/>
+              <a:t>one platform</a:t>
             </a:r>
             <a:r>
               <a:rPr lang="en-US" baseline="0" dirty="0" smtClean="0"/>
               <a:t> </a:t>
             </a:r>
             <a:r>
+              <a:rPr lang="en-US" baseline="0" dirty="0" err="1" smtClean="0"/>
+              <a:t>CentOS</a:t>
+            </a:r>
+            <a:r>
+              <a:rPr lang="en-US" baseline="0" dirty="0" smtClean="0"/>
+              <a:t>.</a:t>
+            </a:r>
+            <a:endParaRPr lang="en-US" dirty="0" smtClean="0"/>
+          </a:p>
+          <a:p>
+            <a:endParaRPr lang="en-US" dirty="0" smtClean="0"/>
+          </a:p>
+          <a:p>
+            <a:r>
               <a:rPr lang="en-US" dirty="0" smtClean="0"/>
-              <a:t>for the platforms specified in the kitchen configuration.</a:t>
-            </a:r>
-          </a:p>
-          <a:p>
-            <a:endParaRPr lang="en-US" dirty="0" smtClean="0"/>
-          </a:p>
-          <a:p>
-            <a:r>
-              <a:rPr lang="en-US" dirty="0" smtClean="0"/>
-              <a:t>Running 'kitchen create default-centos-67' would create</a:t>
+              <a:t>Run the</a:t>
             </a:r>
             <a:r>
               <a:rPr lang="en-US" baseline="0" dirty="0" smtClean="0"/>
-              <a:t> the the one instance that uses the test suite on the platform we want.</a:t>
-            </a:r>
-          </a:p>
-          <a:p>
-            <a:endParaRPr lang="en-US" baseline="0" dirty="0" smtClean="0"/>
-          </a:p>
-          <a:p>
-            <a:r>
-              <a:rPr lang="en-US" baseline="0" dirty="0" smtClean="0"/>
-              <a:t>Typing in that name would be tiring if you had a lot of instances. A shortcut can be used to target the same system 'kitchen create default' or 'kitchen create centos' or even 'kitchen create 67'. This is an example of using the Regular Expression (REGEXP) to specify an instance.</a:t>
-            </a:r>
-          </a:p>
-          <a:p>
-            <a:endParaRPr lang="en-US" baseline="0" dirty="0" smtClean="0"/>
-          </a:p>
-          <a:p>
-            <a:r>
-              <a:rPr lang="en-US" baseline="0" dirty="0" smtClean="0"/>
-              <a:t>When you want to target all of the instances you can run 'kitchen create' without any parameters. This will create all instances. Seeing as how there is only one instance this will work well.</a:t>
-            </a:r>
-          </a:p>
-          <a:p>
-            <a:endParaRPr lang="en-US" dirty="0" smtClean="0"/>
-          </a:p>
-          <a:p>
-            <a:r>
-              <a:rPr lang="en-US" dirty="0" smtClean="0"/>
-              <a:t>In our case, this command would use the </a:t>
-            </a:r>
-            <a:r>
-              <a:rPr lang="en-US" dirty="0" err="1" smtClean="0"/>
-              <a:t>Docker</a:t>
-            </a:r>
-            <a:r>
-              <a:rPr lang="en-US" dirty="0" smtClean="0"/>
-              <a:t> driver to create a </a:t>
-            </a:r>
-            <a:r>
-              <a:rPr lang="en-US" dirty="0" err="1" smtClean="0"/>
-              <a:t>docker</a:t>
-            </a:r>
-            <a:r>
-              <a:rPr lang="en-US" dirty="0" smtClean="0"/>
-              <a:t> image based on centos-6.7.</a:t>
-            </a:r>
-          </a:p>
-          <a:p>
-            <a:endParaRPr lang="en-US" dirty="0"/>
+              <a:t> following command to verify that the Test Kitchen configuration file had been set up correctly.</a:t>
+            </a:r>
           </a:p>
         </p:txBody>
       </p:sp>
@@ -5953,7 +5940,7 @@
     </p:spTree>
     <p:extLst>
       <p:ext uri="{BB962C8B-B14F-4D97-AF65-F5344CB8AC3E}">
-        <p14:creationId xmlns:p14="http://schemas.microsoft.com/office/powerpoint/2010/main" val="1927919507"/>
+        <p14:creationId xmlns:p14="http://schemas.microsoft.com/office/powerpoint/2010/main" val="67880753"/>
       </p:ext>
     </p:extLst>
   </p:cSld>
@@ -6009,24 +5996,7 @@
           <a:p>
             <a:r>
               <a:rPr lang="en-US" dirty="0" smtClean="0"/>
-              <a:t>Creating an image gives us a instance to test our cookbooks but it still would leave us with the work of installing chef and applying the cookbook defined in our .</a:t>
-            </a:r>
-            <a:r>
-              <a:rPr lang="en-US" dirty="0" err="1" smtClean="0"/>
-              <a:t>kitchen.yml</a:t>
-            </a:r>
-            <a:r>
-              <a:rPr lang="en-US" dirty="0" smtClean="0"/>
-              <a:t> run list.</a:t>
-            </a:r>
-          </a:p>
-          <a:p>
-            <a:endParaRPr lang="en-US" dirty="0" smtClean="0"/>
-          </a:p>
-          <a:p>
-            <a:r>
-              <a:rPr lang="en-US" dirty="0" smtClean="0"/>
-              <a:t>So let's</a:t>
+              <a:t>Create or turn on a</a:t>
             </a:r>
             <a:r>
               <a:rPr lang="en-US" baseline="0" dirty="0" smtClean="0"/>
@@ -6034,33 +6004,7 @@
             </a:r>
             <a:r>
               <a:rPr lang="en-US" dirty="0" smtClean="0"/>
-              <a:t>introduce you to the second kitchen command: 'kitchen converge'.</a:t>
-            </a:r>
-          </a:p>
-          <a:p>
-            <a:endParaRPr lang="en-US" dirty="0" smtClean="0"/>
-          </a:p>
-          <a:p>
-            <a:r>
-              <a:rPr lang="en-US" dirty="0" smtClean="0"/>
-              <a:t>Converging an instance will create the instance if it has not already been created. Then it will install chef and apply that cookbook to that instance.</a:t>
-            </a:r>
-          </a:p>
-          <a:p>
-            <a:endParaRPr lang="en-US" dirty="0" smtClean="0"/>
-          </a:p>
-          <a:p>
-            <a:r>
-              <a:rPr lang="en-US" dirty="0" smtClean="0"/>
-              <a:t>In our case, this command would take our image and install chef and apply the </a:t>
-            </a:r>
-            <a:r>
-              <a:rPr lang="en-US" dirty="0" err="1" smtClean="0"/>
-              <a:t>http</a:t>
-            </a:r>
-            <a:r>
-              <a:rPr lang="en-US" baseline="0" dirty="0" err="1" smtClean="0"/>
-              <a:t>d</a:t>
+              <a:t>virtual or cloud instance</a:t>
             </a:r>
             <a:r>
               <a:rPr lang="en-US" baseline="0" dirty="0" smtClean="0"/>
@@ -6068,7 +6012,63 @@
             </a:r>
             <a:r>
               <a:rPr lang="en-US" dirty="0" smtClean="0"/>
-              <a:t>cookbook's default recipe.</a:t>
+              <a:t>for the platforms specified in the kitchen configuration.</a:t>
+            </a:r>
+          </a:p>
+          <a:p>
+            <a:endParaRPr lang="en-US" dirty="0" smtClean="0"/>
+          </a:p>
+          <a:p>
+            <a:r>
+              <a:rPr lang="en-US" dirty="0" smtClean="0"/>
+              <a:t>Running 'kitchen create default-centos-67' would create</a:t>
+            </a:r>
+            <a:r>
+              <a:rPr lang="en-US" baseline="0" dirty="0" smtClean="0"/>
+              <a:t> the the one instance that uses the test suite on the platform we want.</a:t>
+            </a:r>
+          </a:p>
+          <a:p>
+            <a:endParaRPr lang="en-US" baseline="0" dirty="0" smtClean="0"/>
+          </a:p>
+          <a:p>
+            <a:r>
+              <a:rPr lang="en-US" baseline="0" dirty="0" smtClean="0"/>
+              <a:t>Typing in that name would be tiring if you had a lot of instances. A shortcut can be used to target the same system 'kitchen create default' or 'kitchen create centos' or even 'kitchen create 67'. This is an example of using the Regular Expression (REGEXP) to specify an instance.</a:t>
+            </a:r>
+          </a:p>
+          <a:p>
+            <a:endParaRPr lang="en-US" baseline="0" dirty="0" smtClean="0"/>
+          </a:p>
+          <a:p>
+            <a:r>
+              <a:rPr lang="en-US" baseline="0" dirty="0" smtClean="0"/>
+              <a:t>When you want to target all of the instances you can run 'kitchen create' without any parameters. This will create all instances. Seeing as how there is only one instance this will work well.</a:t>
+            </a:r>
+          </a:p>
+          <a:p>
+            <a:endParaRPr lang="en-US" dirty="0" smtClean="0"/>
+          </a:p>
+          <a:p>
+            <a:r>
+              <a:rPr lang="en-US" dirty="0" smtClean="0"/>
+              <a:t>In our case, this command would use the </a:t>
+            </a:r>
+            <a:r>
+              <a:rPr lang="en-US" dirty="0" err="1" smtClean="0"/>
+              <a:t>Docker</a:t>
+            </a:r>
+            <a:r>
+              <a:rPr lang="en-US" dirty="0" smtClean="0"/>
+              <a:t> driver to create a </a:t>
+            </a:r>
+            <a:r>
+              <a:rPr lang="en-US" dirty="0" err="1" smtClean="0"/>
+              <a:t>docker</a:t>
+            </a:r>
+            <a:r>
+              <a:rPr lang="en-US" dirty="0" smtClean="0"/>
+              <a:t> image based on centos-6.7.</a:t>
             </a:r>
           </a:p>
           <a:p>
@@ -6152,7 +6152,7 @@
     </p:spTree>
     <p:extLst>
       <p:ext uri="{BB962C8B-B14F-4D97-AF65-F5344CB8AC3E}">
-        <p14:creationId xmlns:p14="http://schemas.microsoft.com/office/powerpoint/2010/main" val="2068763462"/>
+        <p14:creationId xmlns:p14="http://schemas.microsoft.com/office/powerpoint/2010/main" val="1927919507"/>
       </p:ext>
     </p:extLst>
   </p:cSld>
@@ -6208,41 +6208,70 @@
           <a:p>
             <a:r>
               <a:rPr lang="en-US" dirty="0" smtClean="0"/>
-              <a:t>To verify an instance means to:</a:t>
+              <a:t>Creating an image gives us a instance to test our cookbooks but it still would leave us with the work of installing chef and applying the cookbook defined in our .</a:t>
+            </a:r>
+            <a:r>
+              <a:rPr lang="en-US" dirty="0" err="1" smtClean="0"/>
+              <a:t>kitchen.yml</a:t>
+            </a:r>
+            <a:r>
+              <a:rPr lang="en-US" dirty="0" smtClean="0"/>
+              <a:t> run list.</a:t>
             </a:r>
           </a:p>
           <a:p>
             <a:endParaRPr lang="en-US" dirty="0" smtClean="0"/>
           </a:p>
           <a:p>
-            <a:pPr marL="171450" indent="-171450">
-              <a:buFont typeface="Arial" panose="020B0604020202020204" pitchFamily="34" charset="0"/>
-              <a:buChar char="•"/>
-            </a:pPr>
             <a:r>
               <a:rPr lang="en-US" dirty="0" smtClean="0"/>
-              <a:t>Create a virtual or cloud instances, if needed</a:t>
-            </a:r>
-          </a:p>
-          <a:p>
-            <a:pPr marL="171450" indent="-171450">
-              <a:buFont typeface="Arial" panose="020B0604020202020204" pitchFamily="34" charset="0"/>
-              <a:buChar char="•"/>
-            </a:pPr>
+              <a:t>So let's</a:t>
+            </a:r>
+            <a:r>
+              <a:rPr lang="en-US" baseline="0" dirty="0" smtClean="0"/>
+              <a:t> </a:t>
+            </a:r>
             <a:r>
               <a:rPr lang="en-US" dirty="0" smtClean="0"/>
-              <a:t>Converge the instance, if needed</a:t>
-            </a:r>
-          </a:p>
-          <a:p>
-            <a:pPr marL="171450" indent="-171450">
-              <a:buFont typeface="Arial" panose="020B0604020202020204" pitchFamily="34" charset="0"/>
-              <a:buChar char="•"/>
-            </a:pPr>
+              <a:t>introduce you to the second kitchen command: 'kitchen converge'.</a:t>
+            </a:r>
+          </a:p>
+          <a:p>
+            <a:endParaRPr lang="en-US" dirty="0" smtClean="0"/>
+          </a:p>
+          <a:p>
             <a:r>
               <a:rPr lang="en-US" dirty="0" smtClean="0"/>
-              <a:t>And then execute a collection of defined tests against the instance</a:t>
-            </a:r>
+              <a:t>Converging an instance will create the instance if it has not already been created. Then it will install chef and apply that cookbook to that instance.</a:t>
+            </a:r>
+          </a:p>
+          <a:p>
+            <a:endParaRPr lang="en-US" dirty="0" smtClean="0"/>
+          </a:p>
+          <a:p>
+            <a:r>
+              <a:rPr lang="en-US" dirty="0" smtClean="0"/>
+              <a:t>In our case, this command would take our image and install chef and apply the </a:t>
+            </a:r>
+            <a:r>
+              <a:rPr lang="en-US" dirty="0" err="1" smtClean="0"/>
+              <a:t>http</a:t>
+            </a:r>
+            <a:r>
+              <a:rPr lang="en-US" baseline="0" dirty="0" err="1" smtClean="0"/>
+              <a:t>d</a:t>
+            </a:r>
+            <a:r>
+              <a:rPr lang="en-US" baseline="0" dirty="0" smtClean="0"/>
+              <a:t> </a:t>
+            </a:r>
+            <a:r>
+              <a:rPr lang="en-US" dirty="0" smtClean="0"/>
+              <a:t>cookbook's default recipe.</a:t>
+            </a:r>
+          </a:p>
+          <a:p>
+            <a:endParaRPr lang="en-US" dirty="0"/>
           </a:p>
         </p:txBody>
       </p:sp>
@@ -6322,7 +6351,7 @@
     </p:spTree>
     <p:extLst>
       <p:ext uri="{BB962C8B-B14F-4D97-AF65-F5344CB8AC3E}">
-        <p14:creationId xmlns:p14="http://schemas.microsoft.com/office/powerpoint/2010/main" val="1834167000"/>
+        <p14:creationId xmlns:p14="http://schemas.microsoft.com/office/powerpoint/2010/main" val="2068763462"/>
       </p:ext>
     </p:extLst>
   </p:cSld>
@@ -6387,15 +6416,7 @@
           <a:p>
             <a:r>
               <a:rPr lang="en-US" dirty="0" smtClean="0"/>
-              <a:t>BDD influences the language we use to write the tests and how we focus </a:t>
-            </a:r>
-            <a:r>
-              <a:rPr lang="en-US" smtClean="0"/>
-              <a:t>on tests </a:t>
-            </a:r>
-            <a:r>
-              <a:rPr lang="en-US" dirty="0" smtClean="0"/>
-              <a:t>that matter. The activities within this module focus on the process of taking requirements, expressing them as expectations, choosing one implementation to meet these expectations, and then verifying we have met these expectations.</a:t>
+              <a:t>BDD influences the language we use to write the tests and how we focus on tests that matter. The activities within this module focus on the process of taking requirements, expressing them as expectations, choosing one implementation to meet these expectations, and then verifying we have met these expectations.</a:t>
             </a:r>
             <a:endParaRPr lang="en-US" dirty="0"/>
           </a:p>
@@ -6533,13 +6554,41 @@
           <a:p>
             <a:r>
               <a:rPr lang="en-US" dirty="0" smtClean="0"/>
-              <a:t>Create</a:t>
-            </a:r>
-            <a:r>
-              <a:rPr lang="en-US" baseline="0" dirty="0" smtClean="0"/>
-              <a:t> the instance with the following command. Here Test Kitchen will ask the driver specified in the kitchen configuration file to provision an instance for us.</a:t>
-            </a:r>
-            <a:endParaRPr lang="en-US" dirty="0"/>
+              <a:t>To verify an instance means to:</a:t>
+            </a:r>
+          </a:p>
+          <a:p>
+            <a:endParaRPr lang="en-US" dirty="0" smtClean="0"/>
+          </a:p>
+          <a:p>
+            <a:pPr marL="171450" indent="-171450">
+              <a:buFont typeface="Arial" panose="020B0604020202020204" pitchFamily="34" charset="0"/>
+              <a:buChar char="•"/>
+            </a:pPr>
+            <a:r>
+              <a:rPr lang="en-US" dirty="0" smtClean="0"/>
+              <a:t>Create a virtual or cloud instances, if needed</a:t>
+            </a:r>
+          </a:p>
+          <a:p>
+            <a:pPr marL="171450" indent="-171450">
+              <a:buFont typeface="Arial" panose="020B0604020202020204" pitchFamily="34" charset="0"/>
+              <a:buChar char="•"/>
+            </a:pPr>
+            <a:r>
+              <a:rPr lang="en-US" dirty="0" smtClean="0"/>
+              <a:t>Converge the instance, if needed</a:t>
+            </a:r>
+          </a:p>
+          <a:p>
+            <a:pPr marL="171450" indent="-171450">
+              <a:buFont typeface="Arial" panose="020B0604020202020204" pitchFamily="34" charset="0"/>
+              <a:buChar char="•"/>
+            </a:pPr>
+            <a:r>
+              <a:rPr lang="en-US" dirty="0" smtClean="0"/>
+              <a:t>And then execute a collection of defined tests against the instance</a:t>
+            </a:r>
           </a:p>
         </p:txBody>
       </p:sp>
@@ -6619,7 +6668,7 @@
     </p:spTree>
     <p:extLst>
       <p:ext uri="{BB962C8B-B14F-4D97-AF65-F5344CB8AC3E}">
-        <p14:creationId xmlns:p14="http://schemas.microsoft.com/office/powerpoint/2010/main" val="2112813314"/>
+        <p14:creationId xmlns:p14="http://schemas.microsoft.com/office/powerpoint/2010/main" val="1834167000"/>
       </p:ext>
     </p:extLst>
   </p:cSld>
@@ -6673,43 +6722,15 @@
           <a:bodyPr/>
           <a:lstStyle/>
           <a:p>
-            <a:pPr marL="0" marR="0" indent="0" algn="l" defTabSz="1217613" rtl="0" eaLnBrk="1" fontAlgn="base" latinLnBrk="0" hangingPunct="1">
-              <a:lnSpc>
-                <a:spcPct val="90000"/>
-              </a:lnSpc>
-              <a:spcBef>
-                <a:spcPct val="30000"/>
-              </a:spcBef>
-              <a:spcAft>
-                <a:spcPts val="450"/>
-              </a:spcAft>
-              <a:buClrTx/>
-              <a:buSzTx/>
-              <a:buFontTx/>
-              <a:buNone/>
-              <a:tabLst/>
-              <a:defRPr/>
-            </a:pPr>
             <a:r>
               <a:rPr lang="en-US" dirty="0" smtClean="0"/>
-              <a:t>You can</a:t>
+              <a:t>Create</a:t>
             </a:r>
             <a:r>
               <a:rPr lang="en-US" baseline="0" dirty="0" smtClean="0"/>
-              <a:t> gain access to this virtual instance that we have created through the specified command. The login subcommand allows you to specify a parameter, which is the name of the instance that you want to log into. In your case, you only have one instance so Test Kitchen assumes you want to log into that one.</a:t>
-            </a:r>
-          </a:p>
-          <a:p>
-            <a:endParaRPr lang="en-US" baseline="0" dirty="0" smtClean="0"/>
-          </a:p>
-          <a:p>
-            <a:r>
-              <a:rPr lang="en-US" baseline="0" dirty="0" smtClean="0"/>
-              <a:t>You are in now logged into a virtual instance on a virtual instance.</a:t>
-            </a:r>
-          </a:p>
-          <a:p>
-            <a:endParaRPr lang="en-US" baseline="0" dirty="0" smtClean="0"/>
+              <a:t> the instance with the following command. Here Test Kitchen will ask the driver specified in the kitchen configuration file to provision an instance for us.</a:t>
+            </a:r>
+            <a:endParaRPr lang="en-US" dirty="0"/>
           </a:p>
         </p:txBody>
       </p:sp>
@@ -6789,7 +6810,7 @@
     </p:spTree>
     <p:extLst>
       <p:ext uri="{BB962C8B-B14F-4D97-AF65-F5344CB8AC3E}">
-        <p14:creationId xmlns:p14="http://schemas.microsoft.com/office/powerpoint/2010/main" val="1144549385"/>
+        <p14:creationId xmlns:p14="http://schemas.microsoft.com/office/powerpoint/2010/main" val="2112813314"/>
       </p:ext>
     </p:extLst>
   </p:cSld>
@@ -6843,15 +6864,43 @@
           <a:bodyPr/>
           <a:lstStyle/>
           <a:p>
+            <a:pPr marL="0" marR="0" indent="0" algn="l" defTabSz="1217613" rtl="0" eaLnBrk="1" fontAlgn="base" latinLnBrk="0" hangingPunct="1">
+              <a:lnSpc>
+                <a:spcPct val="90000"/>
+              </a:lnSpc>
+              <a:spcBef>
+                <a:spcPct val="30000"/>
+              </a:spcBef>
+              <a:spcAft>
+                <a:spcPts val="450"/>
+              </a:spcAft>
+              <a:buClrTx/>
+              <a:buSzTx/>
+              <a:buFontTx/>
+              <a:buNone/>
+              <a:tabLst/>
+              <a:defRPr/>
+            </a:pPr>
             <a:r>
               <a:rPr lang="en-US" dirty="0" smtClean="0"/>
-              <a:t>Logging in to the virtual instance is useful to explore</a:t>
+              <a:t>You can</a:t>
             </a:r>
             <a:r>
               <a:rPr lang="en-US" baseline="0" dirty="0" smtClean="0"/>
-              <a:t> the platform or assist with troubleshooting your recipes they fail in perplexing ways. Right now, we are interested in writing a test so logout of the instance with the 'exit' command and we will return to the workstation.</a:t>
-            </a:r>
-            <a:endParaRPr lang="en-US" dirty="0"/>
+              <a:t> gain access to this virtual instance that we have created through the specified command. The login subcommand allows you to specify a parameter, which is the name of the instance that you want to log into. In your case, you only have one instance so Test Kitchen assumes you want to log into that one.</a:t>
+            </a:r>
+          </a:p>
+          <a:p>
+            <a:endParaRPr lang="en-US" baseline="0" dirty="0" smtClean="0"/>
+          </a:p>
+          <a:p>
+            <a:r>
+              <a:rPr lang="en-US" baseline="0" dirty="0" smtClean="0"/>
+              <a:t>You are in now logged into a virtual instance on a virtual instance.</a:t>
+            </a:r>
+          </a:p>
+          <a:p>
+            <a:endParaRPr lang="en-US" baseline="0" dirty="0" smtClean="0"/>
           </a:p>
         </p:txBody>
       </p:sp>
@@ -6931,7 +6980,7 @@
     </p:spTree>
     <p:extLst>
       <p:ext uri="{BB962C8B-B14F-4D97-AF65-F5344CB8AC3E}">
-        <p14:creationId xmlns:p14="http://schemas.microsoft.com/office/powerpoint/2010/main" val="862541711"/>
+        <p14:creationId xmlns:p14="http://schemas.microsoft.com/office/powerpoint/2010/main" val="1144549385"/>
       </p:ext>
     </p:extLst>
   </p:cSld>
@@ -6987,31 +7036,20 @@
           <a:p>
             <a:r>
               <a:rPr lang="en-US" dirty="0" smtClean="0"/>
-              <a:t>Creating</a:t>
+              <a:t>Logging in to the virtual instance is useful to explore</a:t>
             </a:r>
             <a:r>
               <a:rPr lang="en-US" baseline="0" dirty="0" smtClean="0"/>
-              <a:t> the instance allows us to view the operating system but Chef is not installed and the cookbook recipe, defined in the run list of the default test suite, has not been applied to the system. To do that you need to run 'kitchen converge'. Converge will take care of all of that.</a:t>
-            </a:r>
-          </a:p>
-          <a:p>
-            <a:endParaRPr lang="en-US" baseline="0" dirty="0" smtClean="0"/>
-          </a:p>
-          <a:p>
+              <a:t> the platform or assist with troubleshooting your recipes they fail in perplexing ways. Right now, we are interested in </a:t>
+            </a:r>
             <a:r>
               <a:rPr lang="en-US" baseline="0" dirty="0" smtClean="0"/>
-              <a:t>In this instance the default recipe of the </a:t>
-            </a:r>
-            <a:r>
-              <a:rPr lang="en-US" baseline="0" dirty="0" err="1" smtClean="0"/>
-              <a:t>httpd</a:t>
+              <a:t>executing the tests </a:t>
             </a:r>
             <a:r>
               <a:rPr lang="en-US" baseline="0" dirty="0" smtClean="0"/>
-              <a:t> cookbook contains no resources. You have not written a single resource that defines your desired state. Before we do that we want to ensure the instance is not already in a state that perhaps already meets the expectations that we defined.</a:t>
-            </a:r>
-          </a:p>
-          <a:p>
+              <a:t>so logout of the instance with the 'exit' command and we will return to the workstation.</a:t>
+            </a:r>
             <a:endParaRPr lang="en-US" dirty="0"/>
           </a:p>
         </p:txBody>
@@ -7092,7 +7130,7 @@
     </p:spTree>
     <p:extLst>
       <p:ext uri="{BB962C8B-B14F-4D97-AF65-F5344CB8AC3E}">
-        <p14:creationId xmlns:p14="http://schemas.microsoft.com/office/powerpoint/2010/main" val="1343579553"/>
+        <p14:creationId xmlns:p14="http://schemas.microsoft.com/office/powerpoint/2010/main" val="862541711"/>
       </p:ext>
     </p:extLst>
   </p:cSld>
@@ -7148,11 +7186,11 @@
           <a:p>
             <a:r>
               <a:rPr lang="en-US" dirty="0" smtClean="0"/>
-              <a:t>To verify the state</a:t>
+              <a:t>Creating</a:t>
             </a:r>
             <a:r>
               <a:rPr lang="en-US" baseline="0" dirty="0" smtClean="0"/>
-              <a:t> of the instance with specification that we defined we use the 'kitchen verify' command. This command will install all the necessary testing tools, configure them, and then execute the test suite, and return to us the results.</a:t>
+              <a:t> the instance allows us to view the operating system but Chef is not installed and the cookbook recipe, defined in the run list of the default test suite, has not been applied to the system. To do that you need to run 'kitchen converge'. Converge will take care of all of that.</a:t>
             </a:r>
           </a:p>
           <a:p>
@@ -7161,8 +7199,18 @@
           <a:p>
             <a:r>
               <a:rPr lang="en-US" baseline="0" dirty="0" smtClean="0"/>
-              <a:t>Something that is important to mention is that we could have simply run this command from the start. When no previous instance exists, no instance has been created or converged, this command will automatically perform those two steps. When the instance is running, however, the verification step is only run.</a:t>
-            </a:r>
+              <a:t>In this instance the default recipe of the </a:t>
+            </a:r>
+            <a:r>
+              <a:rPr lang="en-US" baseline="0" dirty="0" err="1" smtClean="0"/>
+              <a:t>httpd</a:t>
+            </a:r>
+            <a:r>
+              <a:rPr lang="en-US" baseline="0" dirty="0" smtClean="0"/>
+              <a:t> cookbook contains no resources. You have not written a single resource that defines your desired state. Before we do that we want to ensure the instance is not already in a state that perhaps already meets the expectations that we defined.</a:t>
+            </a:r>
+          </a:p>
+          <a:p>
             <a:endParaRPr lang="en-US" dirty="0"/>
           </a:p>
         </p:txBody>
@@ -7243,7 +7291,7 @@
     </p:spTree>
     <p:extLst>
       <p:ext uri="{BB962C8B-B14F-4D97-AF65-F5344CB8AC3E}">
-        <p14:creationId xmlns:p14="http://schemas.microsoft.com/office/powerpoint/2010/main" val="1715749550"/>
+        <p14:creationId xmlns:p14="http://schemas.microsoft.com/office/powerpoint/2010/main" val="1343579553"/>
       </p:ext>
     </p:extLst>
   </p:cSld>
@@ -7299,11 +7347,11 @@
           <a:p>
             <a:r>
               <a:rPr lang="en-US" dirty="0" smtClean="0"/>
-              <a:t>Now,</a:t>
+              <a:t>To verify the state</a:t>
             </a:r>
             <a:r>
               <a:rPr lang="en-US" baseline="0" dirty="0" smtClean="0"/>
-              <a:t> let's read the results from the kitchen verification to ensure that our expectations failed to be met.</a:t>
+              <a:t> of the instance with specification that we defined we use the 'kitchen verify' command. This command will install all the necessary testing tools, configure them, and then execute the test suite, and return to us the results.</a:t>
             </a:r>
           </a:p>
           <a:p>
@@ -7312,7 +7360,7 @@
           <a:p>
             <a:r>
               <a:rPr lang="en-US" baseline="0" dirty="0" smtClean="0"/>
-              <a:t>When the command completes you will see a block of code that tells you that the verification failed and that an exception has occurred. Immediately your eyes will start to scan this block of text for some information about the failure and unfortunately you will not see anything to help you understand what is happening. Because what you are looking at is the test command executed by the Busser on the test instance but not the results of the command. To see those results you will need to scroll back up in your history.</a:t>
+              <a:t>Something that is important to mention is that we could have simply run this command from the start. When no previous instance exists, no instance has been created or converged, this command will automatically perform those two steps. When the instance is running, however, the verification step is only run.</a:t>
             </a:r>
             <a:endParaRPr lang="en-US" dirty="0"/>
           </a:p>
@@ -7394,7 +7442,7 @@
     </p:spTree>
     <p:extLst>
       <p:ext uri="{BB962C8B-B14F-4D97-AF65-F5344CB8AC3E}">
-        <p14:creationId xmlns:p14="http://schemas.microsoft.com/office/powerpoint/2010/main" val="1473770949"/>
+        <p14:creationId xmlns:p14="http://schemas.microsoft.com/office/powerpoint/2010/main" val="1715749550"/>
       </p:ext>
     </p:extLst>
   </p:cSld>
@@ -7450,15 +7498,20 @@
           <a:p>
             <a:r>
               <a:rPr lang="en-US" dirty="0" smtClean="0"/>
-              <a:t>Scroll back until you can find the message that tells you that </a:t>
-            </a:r>
-            <a:r>
-              <a:rPr lang="en-US" dirty="0" err="1" smtClean="0"/>
-              <a:t>serverspec</a:t>
-            </a:r>
-            <a:r>
-              <a:rPr lang="en-US" dirty="0" smtClean="0"/>
-              <a:t> is installed.</a:t>
+              <a:t>Now,</a:t>
+            </a:r>
+            <a:r>
+              <a:rPr lang="en-US" baseline="0" dirty="0" smtClean="0"/>
+              <a:t> let's read the results from the kitchen verification to ensure that our expectations failed to be met.</a:t>
+            </a:r>
+          </a:p>
+          <a:p>
+            <a:endParaRPr lang="en-US" baseline="0" dirty="0" smtClean="0"/>
+          </a:p>
+          <a:p>
+            <a:r>
+              <a:rPr lang="en-US" baseline="0" dirty="0" smtClean="0"/>
+              <a:t>When the command completes you will see a block of code that tells you that the verification failed and that an exception has occurred. Immediately your eyes will start to scan this block of text for some information about the failure and unfortunately you will not see anything to help you understand what is happening. Because what you are looking at is the test command executed by the Busser on the test instance but not the results of the command. To see those results you will need to scroll back up in your history.</a:t>
             </a:r>
             <a:endParaRPr lang="en-US" dirty="0"/>
           </a:p>
@@ -7540,7 +7593,7 @@
     </p:spTree>
     <p:extLst>
       <p:ext uri="{BB962C8B-B14F-4D97-AF65-F5344CB8AC3E}">
-        <p14:creationId xmlns:p14="http://schemas.microsoft.com/office/powerpoint/2010/main" val="2082766872"/>
+        <p14:creationId xmlns:p14="http://schemas.microsoft.com/office/powerpoint/2010/main" val="1473770949"/>
       </p:ext>
     </p:extLst>
   </p:cSld>
@@ -7596,35 +7649,15 @@
           <a:p>
             <a:r>
               <a:rPr lang="en-US" dirty="0" smtClean="0"/>
-              <a:t>The</a:t>
-            </a:r>
-            <a:r>
-              <a:rPr lang="en-US" baseline="0" dirty="0" smtClean="0"/>
-              <a:t> line that immediately follows it is the command that is executed on the system. The </a:t>
-            </a:r>
-            <a:r>
-              <a:rPr lang="en-US" baseline="0" dirty="0" err="1" smtClean="0"/>
-              <a:t>ServerSpec</a:t>
-            </a:r>
-            <a:r>
-              <a:rPr lang="en-US" baseline="0" dirty="0" smtClean="0"/>
-              <a:t> verifier is running ruby, loading up the test suite libraries, executing the command </a:t>
-            </a:r>
-            <a:r>
-              <a:rPr lang="en-US" baseline="0" dirty="0" err="1" smtClean="0"/>
-              <a:t>rspec</a:t>
-            </a:r>
-            <a:r>
-              <a:rPr lang="en-US" baseline="0" dirty="0" smtClean="0"/>
-              <a:t>. The </a:t>
-            </a:r>
-            <a:r>
-              <a:rPr lang="en-US" baseline="0" dirty="0" err="1" smtClean="0"/>
-              <a:t>rspec</a:t>
-            </a:r>
-            <a:r>
-              <a:rPr lang="en-US" baseline="0" dirty="0" smtClean="0"/>
-              <a:t> command is being provided a number of command-line parameters that tell it: where to find the test files and what they look like; to colorize the output; and how to output the results.</a:t>
+              <a:t>Scroll back until you can find the message that tells you that </a:t>
+            </a:r>
+            <a:r>
+              <a:rPr lang="en-US" dirty="0" err="1" smtClean="0"/>
+              <a:t>serverspec</a:t>
+            </a:r>
+            <a:r>
+              <a:rPr lang="en-US" dirty="0" smtClean="0"/>
+              <a:t> is installed.</a:t>
             </a:r>
             <a:endParaRPr lang="en-US" dirty="0"/>
           </a:p>
@@ -7706,7 +7739,7 @@
     </p:spTree>
     <p:extLst>
       <p:ext uri="{BB962C8B-B14F-4D97-AF65-F5344CB8AC3E}">
-        <p14:creationId xmlns:p14="http://schemas.microsoft.com/office/powerpoint/2010/main" val="1677211781"/>
+        <p14:creationId xmlns:p14="http://schemas.microsoft.com/office/powerpoint/2010/main" val="2082766872"/>
       </p:ext>
     </p:extLst>
   </p:cSld>
@@ -7766,15 +7799,31 @@
             </a:r>
             <a:r>
               <a:rPr lang="en-US" baseline="0" dirty="0" smtClean="0"/>
-              <a:t> results are displayed in color and in </a:t>
+              <a:t> line that immediately follows it is the command that is executed on the system. The </a:t>
             </a:r>
             <a:r>
               <a:rPr lang="en-US" baseline="0" dirty="0" err="1" smtClean="0"/>
-              <a:t>RSpec's</a:t>
+              <a:t>ServerSpec</a:t>
             </a:r>
             <a:r>
               <a:rPr lang="en-US" baseline="0" dirty="0" smtClean="0"/>
-              <a:t> documentation format. This shows us the example that we wrote in a hierarchal view. The indention is intentional to show the nested relationships of the example groups and the example. The expectation in the example you defined failed, as we expected. The text will be displayed in red and provide a failure number. Details about the failure will be displayed below.</a:t>
+              <a:t> verifier is running ruby, loading up the test suite libraries, executing the command </a:t>
+            </a:r>
+            <a:r>
+              <a:rPr lang="en-US" baseline="0" dirty="0" err="1" smtClean="0"/>
+              <a:t>rspec</a:t>
+            </a:r>
+            <a:r>
+              <a:rPr lang="en-US" baseline="0" dirty="0" smtClean="0"/>
+              <a:t>. The </a:t>
+            </a:r>
+            <a:r>
+              <a:rPr lang="en-US" baseline="0" dirty="0" err="1" smtClean="0"/>
+              <a:t>rspec</a:t>
+            </a:r>
+            <a:r>
+              <a:rPr lang="en-US" baseline="0" dirty="0" smtClean="0"/>
+              <a:t> command is being provided a number of command-line parameters that tell it: where to find the test files and what they look like; to colorize the output; and how to output the results.</a:t>
             </a:r>
             <a:endParaRPr lang="en-US" dirty="0"/>
           </a:p>
@@ -7856,7 +7905,7 @@
     </p:spTree>
     <p:extLst>
       <p:ext uri="{BB962C8B-B14F-4D97-AF65-F5344CB8AC3E}">
-        <p14:creationId xmlns:p14="http://schemas.microsoft.com/office/powerpoint/2010/main" val="1608448629"/>
+        <p14:creationId xmlns:p14="http://schemas.microsoft.com/office/powerpoint/2010/main" val="1677211781"/>
       </p:ext>
     </p:extLst>
   </p:cSld>
@@ -7912,21 +7961,21 @@
           <a:p>
             <a:r>
               <a:rPr lang="en-US" dirty="0" smtClean="0"/>
-              <a:t>Each</a:t>
+              <a:t>The</a:t>
             </a:r>
             <a:r>
               <a:rPr lang="en-US" baseline="0" dirty="0" smtClean="0"/>
-              <a:t> failure is displayed with their failure number, in order, in more detail in a failures section. A failure contains a number of details about the failure.</a:t>
-            </a:r>
-          </a:p>
-          <a:p>
-            <a:endParaRPr lang="en-US" baseline="0" dirty="0" smtClean="0"/>
-          </a:p>
-          <a:p>
+              <a:t> results are displayed in color and in </a:t>
+            </a:r>
+            <a:r>
+              <a:rPr lang="en-US" baseline="0" dirty="0" err="1" smtClean="0"/>
+              <a:t>RSpec's</a:t>
+            </a:r>
             <a:r>
               <a:rPr lang="en-US" baseline="0" dirty="0" smtClean="0"/>
-              <a:t>First it will display a sentence created out of the example groups and example that we defined. Below that it will display all the details about the failure that include: the actual results that were received; the difference between the actual and the expected results; the command run against the virtual instance; and the spec file and line number within that spec file where the failing expectation can be found.</a:t>
-            </a:r>
+              <a:t> documentation format. This shows us the example that we wrote in a hierarchal view. The indention is intentional to show the nested relationships of the example groups and the example. The expectation in the example you defined failed, as we expected. The text will be displayed in red and provide a failure number. Details about the failure will be displayed below.</a:t>
+            </a:r>
+            <a:endParaRPr lang="en-US" dirty="0"/>
           </a:p>
         </p:txBody>
       </p:sp>
@@ -8006,7 +8055,7 @@
     </p:spTree>
     <p:extLst>
       <p:ext uri="{BB962C8B-B14F-4D97-AF65-F5344CB8AC3E}">
-        <p14:creationId xmlns:p14="http://schemas.microsoft.com/office/powerpoint/2010/main" val="1958142728"/>
+        <p14:creationId xmlns:p14="http://schemas.microsoft.com/office/powerpoint/2010/main" val="1608448629"/>
       </p:ext>
     </p:extLst>
   </p:cSld>
@@ -8248,13 +8297,21 @@
           <a:p>
             <a:r>
               <a:rPr lang="en-US" dirty="0" smtClean="0"/>
-              <a:t>After all the</a:t>
+              <a:t>Each</a:t>
             </a:r>
             <a:r>
               <a:rPr lang="en-US" baseline="0" dirty="0" smtClean="0"/>
-              <a:t> failures a final summary of the results will be displayed which shows us that our test suite contains 1 example and that 1 example failed to meet expectations.</a:t>
-            </a:r>
-            <a:endParaRPr lang="en-US" dirty="0"/>
+              <a:t> failure is displayed with their failure number, in order, in more detail in a failures section. A failure contains a number of details about the failure.</a:t>
+            </a:r>
+          </a:p>
+          <a:p>
+            <a:endParaRPr lang="en-US" baseline="0" dirty="0" smtClean="0"/>
+          </a:p>
+          <a:p>
+            <a:r>
+              <a:rPr lang="en-US" baseline="0" dirty="0" smtClean="0"/>
+              <a:t>First it will display a sentence created out of the example groups and example that we defined. Below that it will display all the details about the failure that include: the actual results that were received; the difference between the actual and the expected results; the command run against the virtual instance; and the spec file and line number within that spec file where the failing expectation can be found.</a:t>
+            </a:r>
           </a:p>
         </p:txBody>
       </p:sp>
@@ -8334,7 +8391,7 @@
     </p:spTree>
     <p:extLst>
       <p:ext uri="{BB962C8B-B14F-4D97-AF65-F5344CB8AC3E}">
-        <p14:creationId xmlns:p14="http://schemas.microsoft.com/office/powerpoint/2010/main" val="885244036"/>
+        <p14:creationId xmlns:p14="http://schemas.microsoft.com/office/powerpoint/2010/main" val="1958142728"/>
       </p:ext>
     </p:extLst>
   </p:cSld>
@@ -8390,11 +8447,11 @@
           <a:p>
             <a:r>
               <a:rPr lang="en-US" dirty="0" smtClean="0"/>
-              <a:t>Now</a:t>
+              <a:t>After all the</a:t>
             </a:r>
             <a:r>
               <a:rPr lang="en-US" baseline="0" dirty="0" smtClean="0"/>
-              <a:t> we know for certain that the test instance is not in our desired state. When we write the resources now in the default recipe to bring the instance to the desired state we can be certain that we have done it in a way that meets the expectations that we have established.</a:t>
+              <a:t> failures a final summary of the results will be displayed which shows us that our test suite contains 1 example and that 1 example failed to meet expectations.</a:t>
             </a:r>
             <a:endParaRPr lang="en-US" dirty="0"/>
           </a:p>
@@ -8476,7 +8533,7 @@
     </p:spTree>
     <p:extLst>
       <p:ext uri="{BB962C8B-B14F-4D97-AF65-F5344CB8AC3E}">
-        <p14:creationId xmlns:p14="http://schemas.microsoft.com/office/powerpoint/2010/main" val="2021095532"/>
+        <p14:creationId xmlns:p14="http://schemas.microsoft.com/office/powerpoint/2010/main" val="885244036"/>
       </p:ext>
     </p:extLst>
   </p:cSld>
@@ -8532,21 +8589,13 @@
           <a:p>
             <a:r>
               <a:rPr lang="en-US" dirty="0" smtClean="0"/>
-              <a:t>The</a:t>
+              <a:t>Now</a:t>
             </a:r>
             <a:r>
               <a:rPr lang="en-US" baseline="0" dirty="0" smtClean="0"/>
-              <a:t> following recipe defines three resources. These three resources express the desired state of an apache server that will serve up a simple page that contains the text 'Welcome Home!'.</a:t>
-            </a:r>
-          </a:p>
-          <a:p>
-            <a:endParaRPr lang="en-US" baseline="0" dirty="0" smtClean="0"/>
-          </a:p>
-          <a:p>
-            <a:r>
-              <a:rPr lang="en-US" baseline="0" dirty="0" smtClean="0"/>
-              <a:t>The package will install all the necessary software on the operating system. The file will create an HTML file with the desired content at a location pre-defined by the web server. The service resource will start the web server and then ensure that if we reboot the system the web server will start up.</a:t>
-            </a:r>
+              <a:t> we know for certain that the test instance is not in our desired state. When we write the resources now in the default recipe to bring the instance to the desired state we can be certain that we have done it in a way that meets the expectations that we have established.</a:t>
+            </a:r>
+            <a:endParaRPr lang="en-US" dirty="0"/>
           </a:p>
         </p:txBody>
       </p:sp>
@@ -8626,7 +8675,7 @@
     </p:spTree>
     <p:extLst>
       <p:ext uri="{BB962C8B-B14F-4D97-AF65-F5344CB8AC3E}">
-        <p14:creationId xmlns:p14="http://schemas.microsoft.com/office/powerpoint/2010/main" val="1194595561"/>
+        <p14:creationId xmlns:p14="http://schemas.microsoft.com/office/powerpoint/2010/main" val="2021095532"/>
       </p:ext>
     </p:extLst>
   </p:cSld>
@@ -8682,11 +8731,11 @@
           <a:p>
             <a:r>
               <a:rPr lang="en-US" dirty="0" smtClean="0"/>
-              <a:t>Whenever you make</a:t>
+              <a:t>The</a:t>
             </a:r>
             <a:r>
               <a:rPr lang="en-US" baseline="0" dirty="0" smtClean="0"/>
-              <a:t> a change to the recipe it is important to run 'kitchen converge'. This command will apply the updated recipe to the state of the virtual instance. </a:t>
+              <a:t> following recipe defines three resources. These three resources express the desired state of an apache server that will serve up a simple page that contains the text 'Welcome Home!'.</a:t>
             </a:r>
           </a:p>
           <a:p>
@@ -8695,7 +8744,7 @@
           <a:p>
             <a:r>
               <a:rPr lang="en-US" baseline="0" dirty="0" smtClean="0"/>
-              <a:t>In the output, you should see the resources that you defined being applied to the instance. The package, the file, and the actions of the service.</a:t>
+              <a:t>The package will install all the necessary software on the operating system. The file will create an HTML file with the desired content at a location pre-defined by the web server. The service resource will start the web server and then ensure that if we reboot the system the web server will start up.</a:t>
             </a:r>
           </a:p>
         </p:txBody>
@@ -8776,7 +8825,7 @@
     </p:spTree>
     <p:extLst>
       <p:ext uri="{BB962C8B-B14F-4D97-AF65-F5344CB8AC3E}">
-        <p14:creationId xmlns:p14="http://schemas.microsoft.com/office/powerpoint/2010/main" val="737183245"/>
+        <p14:creationId xmlns:p14="http://schemas.microsoft.com/office/powerpoint/2010/main" val="1194595561"/>
       </p:ext>
     </p:extLst>
   </p:cSld>
@@ -8832,13 +8881,21 @@
           <a:p>
             <a:r>
               <a:rPr lang="en-US" dirty="0" smtClean="0"/>
-              <a:t>Now with</a:t>
+              <a:t>Whenever you make</a:t>
             </a:r>
             <a:r>
               <a:rPr lang="en-US" baseline="0" dirty="0" smtClean="0"/>
-              <a:t> the desired state expressed in the default recipe and applied to the virtual instance it is time to see if the test we wrote initially will now pass. If it does, that means we got everything right in the configuration we wrote in the recipe. We can declare victory!</a:t>
-            </a:r>
-            <a:endParaRPr lang="en-US" dirty="0"/>
+              <a:t> a change to the recipe it is important to run 'kitchen converge'. This command will apply the updated recipe to the state of the virtual instance. </a:t>
+            </a:r>
+          </a:p>
+          <a:p>
+            <a:endParaRPr lang="en-US" baseline="0" dirty="0" smtClean="0"/>
+          </a:p>
+          <a:p>
+            <a:r>
+              <a:rPr lang="en-US" baseline="0" dirty="0" smtClean="0"/>
+              <a:t>In the output, you should see the resources that you defined being applied to the instance. The package, the file, and the actions of the service.</a:t>
+            </a:r>
           </a:p>
         </p:txBody>
       </p:sp>
@@ -8918,7 +8975,7 @@
     </p:spTree>
     <p:extLst>
       <p:ext uri="{BB962C8B-B14F-4D97-AF65-F5344CB8AC3E}">
-        <p14:creationId xmlns:p14="http://schemas.microsoft.com/office/powerpoint/2010/main" val="1956052385"/>
+        <p14:creationId xmlns:p14="http://schemas.microsoft.com/office/powerpoint/2010/main" val="737183245"/>
       </p:ext>
     </p:extLst>
   </p:cSld>
@@ -8973,17 +9030,12 @@
           <a:lstStyle/>
           <a:p>
             <a:r>
+              <a:rPr lang="en-US" dirty="0" smtClean="0"/>
+              <a:t>Now with</a:t>
+            </a:r>
+            <a:r>
               <a:rPr lang="en-US" baseline="0" dirty="0" smtClean="0"/>
-              <a:t>To verify the state of the virtual instance you run the 'kitchen verify' command. In the summary you should find the failing expectation no longer fails.</a:t>
-            </a:r>
-          </a:p>
-          <a:p>
-            <a:endParaRPr lang="en-US" baseline="0" dirty="0" smtClean="0"/>
-          </a:p>
-          <a:p>
-            <a:r>
-              <a:rPr lang="en-US" baseline="0" dirty="0" smtClean="0"/>
-              <a:t>If it does, it is time to review the code you wrote in the recipe file and the spec file. When it was failing did you get a different failure than the one that we walked through? That probably means there is an error in the spec file. Did the test instance actually converge successfully? Sometimes output will scroll by and we don't have time to read it. I get it. Scroll back up and see if there was an error message tucked into the 'kitchen converge' you ran.</a:t>
+              <a:t> the desired state expressed in the default recipe and applied to the virtual instance it is time to see if the test we wrote initially will now pass. If it does, that means we got everything right in the configuration we wrote in the recipe. We can declare victory!</a:t>
             </a:r>
             <a:endParaRPr lang="en-US" dirty="0"/>
           </a:p>
@@ -9065,7 +9117,7 @@
     </p:spTree>
     <p:extLst>
       <p:ext uri="{BB962C8B-B14F-4D97-AF65-F5344CB8AC3E}">
-        <p14:creationId xmlns:p14="http://schemas.microsoft.com/office/powerpoint/2010/main" val="2017876196"/>
+        <p14:creationId xmlns:p14="http://schemas.microsoft.com/office/powerpoint/2010/main" val="1956052385"/>
       </p:ext>
     </p:extLst>
   </p:cSld>
@@ -9120,12 +9172,8 @@
           <a:lstStyle/>
           <a:p>
             <a:r>
-              <a:rPr lang="en-US" dirty="0" smtClean="0"/>
-              <a:t>So</a:t>
-            </a:r>
-            <a:r>
               <a:rPr lang="en-US" baseline="0" dirty="0" smtClean="0"/>
-              <a:t> you've done it. You have done Test Driven Development (TDD). Wrote a test. Saw it fail. Wrote a unit of code. Saw it pass.</a:t>
+              <a:t>To verify the state of the virtual instance you run the 'kitchen verify' command. In the summary you should find the failing expectation no longer fails.</a:t>
             </a:r>
           </a:p>
           <a:p>
@@ -9134,7 +9182,15 @@
           <a:p>
             <a:r>
               <a:rPr lang="en-US" baseline="0" dirty="0" smtClean="0"/>
-              <a:t>You created a cookbook. Wrote an expectation in the spec file. Saw the test fail. Wrote a recipe. Applied the recipe. Ran the tests and saw them pass.</a:t>
+              <a:t>If it </a:t>
+            </a:r>
+            <a:r>
+              <a:rPr lang="en-US" baseline="0" dirty="0" smtClean="0"/>
+              <a:t>does fail, </a:t>
+            </a:r>
+            <a:r>
+              <a:rPr lang="en-US" baseline="0" dirty="0" smtClean="0"/>
+              <a:t>it is time to review the code you wrote in the recipe file and the spec file. When it was failing did you get a different failure than the one that we walked through? That probably means there is an error in the spec file. Did the test instance actually converge successfully? Sometimes output will scroll by and we don't have time to read it. I get it. Scroll back up and see if there was an error message tucked into the 'kitchen converge' you ran.</a:t>
             </a:r>
             <a:endParaRPr lang="en-US" dirty="0"/>
           </a:p>
@@ -9216,7 +9272,7 @@
     </p:spTree>
     <p:extLst>
       <p:ext uri="{BB962C8B-B14F-4D97-AF65-F5344CB8AC3E}">
-        <p14:creationId xmlns:p14="http://schemas.microsoft.com/office/powerpoint/2010/main" val="1033730624"/>
+        <p14:creationId xmlns:p14="http://schemas.microsoft.com/office/powerpoint/2010/main" val="2017876196"/>
       </p:ext>
     </p:extLst>
   </p:cSld>
@@ -9271,8 +9327,12 @@
           <a:lstStyle/>
           <a:p>
             <a:r>
+              <a:rPr lang="en-US" dirty="0" smtClean="0"/>
+              <a:t>So</a:t>
+            </a:r>
+            <a:r>
               <a:rPr lang="en-US" baseline="0" dirty="0" smtClean="0"/>
-              <a:t>Now that you participated in writing a test and then the recipe let's have a discussion.</a:t>
+              <a:t> you've done it. You have done Test Driven Development (TDD). Wrote a test. Saw it fail. Wrote a unit of code. Saw it pass.</a:t>
             </a:r>
           </a:p>
           <a:p>
@@ -9281,9 +9341,21 @@
           <a:p>
             <a:r>
               <a:rPr lang="en-US" baseline="0" dirty="0" smtClean="0"/>
-              <a:t>Instructor Note: With large groups I often find it better to have individuals turn to the individuals around them, form groups of whatever size they feel comfortable, and have them take turns asking and answering the questions. When all the groups are done I then open the discussion up to the entire group allowing each group or individuals to share their answers.</a:t>
-            </a:r>
-            <a:endParaRPr lang="en-US" dirty="0" smtClean="0"/>
+              <a:t>You created a cookbook. Wrote </a:t>
+            </a:r>
+            <a:r>
+              <a:rPr lang="en-US" baseline="0" smtClean="0"/>
+              <a:t>an </a:t>
+            </a:r>
+            <a:r>
+              <a:rPr lang="en-US" baseline="0" smtClean="0"/>
+              <a:t>expectation in </a:t>
+            </a:r>
+            <a:r>
+              <a:rPr lang="en-US" baseline="0" dirty="0" smtClean="0"/>
+              <a:t>the spec file. Saw the test fail. Wrote a recipe. Applied the recipe. Ran the tests and saw them pass.</a:t>
+            </a:r>
+            <a:endParaRPr lang="en-US" dirty="0"/>
           </a:p>
         </p:txBody>
       </p:sp>
@@ -9363,7 +9435,7 @@
     </p:spTree>
     <p:extLst>
       <p:ext uri="{BB962C8B-B14F-4D97-AF65-F5344CB8AC3E}">
-        <p14:creationId xmlns:p14="http://schemas.microsoft.com/office/powerpoint/2010/main" val="1304531188"/>
+        <p14:creationId xmlns:p14="http://schemas.microsoft.com/office/powerpoint/2010/main" val="1033730624"/>
       </p:ext>
     </p:extLst>
   </p:cSld>
@@ -9417,30 +9489,18 @@
           <a:bodyPr/>
           <a:lstStyle/>
           <a:p>
-            <a:pPr marL="0" marR="0" indent="0" algn="l" defTabSz="1217613" rtl="0" eaLnBrk="1" fontAlgn="base" latinLnBrk="0" hangingPunct="1">
-              <a:lnSpc>
-                <a:spcPct val="90000"/>
-              </a:lnSpc>
-              <a:spcBef>
-                <a:spcPct val="30000"/>
-              </a:spcBef>
-              <a:spcAft>
-                <a:spcPts val="450"/>
-              </a:spcAft>
-              <a:buClrTx/>
-              <a:buSzTx/>
-              <a:buFontTx/>
-              <a:buNone/>
-              <a:tabLst/>
-              <a:defRPr/>
-            </a:pPr>
-            <a:r>
-              <a:rPr lang="en-US" dirty="0" smtClean="0"/>
-              <a:t>Before</a:t>
-            </a:r>
             <a:r>
               <a:rPr lang="en-US" baseline="0" dirty="0" smtClean="0"/>
-              <a:t> we complete this section, let us pause for questions.</a:t>
+              <a:t>Now that you participated in writing a test and then the recipe let's have a discussion.</a:t>
+            </a:r>
+          </a:p>
+          <a:p>
+            <a:endParaRPr lang="en-US" baseline="0" dirty="0" smtClean="0"/>
+          </a:p>
+          <a:p>
+            <a:r>
+              <a:rPr lang="en-US" baseline="0" dirty="0" smtClean="0"/>
+              <a:t>Instructor Note: With large groups I often find it better to have individuals turn to the individuals around them, form groups of whatever size they feel comfortable, and have them take turns asking and answering the questions. When all the groups are done I then open the discussion up to the entire group allowing each group or individuals to share their answers.</a:t>
             </a:r>
             <a:endParaRPr lang="en-US" dirty="0" smtClean="0"/>
           </a:p>
@@ -9522,7 +9582,7 @@
     </p:spTree>
     <p:extLst>
       <p:ext uri="{BB962C8B-B14F-4D97-AF65-F5344CB8AC3E}">
-        <p14:creationId xmlns:p14="http://schemas.microsoft.com/office/powerpoint/2010/main" val="1833660369"/>
+        <p14:creationId xmlns:p14="http://schemas.microsoft.com/office/powerpoint/2010/main" val="1304531188"/>
       </p:ext>
     </p:extLst>
   </p:cSld>
@@ -9594,17 +9654,14 @@
               <a:defRPr/>
             </a:pPr>
             <a:r>
-              <a:rPr lang="en-US" smtClean="0"/>
-              <a:t>You</a:t>
-            </a:r>
-            <a:r>
-              <a:rPr lang="en-US" baseline="0" smtClean="0"/>
-              <a:t> have </a:t>
+              <a:rPr lang="en-US" dirty="0" smtClean="0"/>
+              <a:t>Before</a:t>
             </a:r>
             <a:r>
               <a:rPr lang="en-US" baseline="0" dirty="0" smtClean="0"/>
-              <a:t>performed almost all of the steps of TDD. Next we are going to use the tests to help us refactor the recipe we wrote. In a series of group exercises we will explore some of the important nuances of Test Kitchen's subcommands: converge and verify. And explore another subcommand named: test.</a:t>
-            </a:r>
+              <a:t> we complete this section, let us pause for questions.</a:t>
+            </a:r>
+            <a:endParaRPr lang="en-US" dirty="0" smtClean="0"/>
           </a:p>
         </p:txBody>
       </p:sp>
@@ -9684,7 +9741,7 @@
     </p:spTree>
     <p:extLst>
       <p:ext uri="{BB962C8B-B14F-4D97-AF65-F5344CB8AC3E}">
-        <p14:creationId xmlns:p14="http://schemas.microsoft.com/office/powerpoint/2010/main" val="75642648"/>
+        <p14:creationId xmlns:p14="http://schemas.microsoft.com/office/powerpoint/2010/main" val="1833660369"/>
       </p:ext>
     </p:extLst>
   </p:cSld>
@@ -9841,6 +9898,168 @@
     <p:extLst>
       <p:ext uri="{BB962C8B-B14F-4D97-AF65-F5344CB8AC3E}">
         <p14:creationId xmlns:p14="http://schemas.microsoft.com/office/powerpoint/2010/main" val="923134601"/>
+      </p:ext>
+    </p:extLst>
+  </p:cSld>
+  <p:clrMapOvr>
+    <a:masterClrMapping/>
+  </p:clrMapOvr>
+</p:notes>
+</file>
+
+<file path=ppt/notesSlides/notesSlide60.xml><?xml version="1.0" encoding="utf-8"?>
+<p:notes xmlns:a="http://schemas.openxmlformats.org/drawingml/2006/main" xmlns:r="http://schemas.openxmlformats.org/officeDocument/2006/relationships" xmlns:p="http://schemas.openxmlformats.org/presentationml/2006/main">
+  <p:cSld>
+    <p:spTree>
+      <p:nvGrpSpPr>
+        <p:cNvPr id="1" name=""/>
+        <p:cNvGrpSpPr/>
+        <p:nvPr/>
+      </p:nvGrpSpPr>
+      <p:grpSpPr>
+        <a:xfrm>
+          <a:off x="0" y="0"/>
+          <a:ext cx="0" cy="0"/>
+          <a:chOff x="0" y="0"/>
+          <a:chExt cx="0" cy="0"/>
+        </a:xfrm>
+      </p:grpSpPr>
+      <p:sp>
+        <p:nvSpPr>
+          <p:cNvPr id="2" name="Slide Image Placeholder 1"/>
+          <p:cNvSpPr>
+            <a:spLocks noGrp="1" noRot="1" noChangeAspect="1"/>
+          </p:cNvSpPr>
+          <p:nvPr>
+            <p:ph type="sldImg"/>
+          </p:nvPr>
+        </p:nvSpPr>
+        <p:spPr/>
+      </p:sp>
+      <p:sp>
+        <p:nvSpPr>
+          <p:cNvPr id="3" name="Notes Placeholder 2"/>
+          <p:cNvSpPr>
+            <a:spLocks noGrp="1"/>
+          </p:cNvSpPr>
+          <p:nvPr>
+            <p:ph type="body" idx="1"/>
+          </p:nvPr>
+        </p:nvSpPr>
+        <p:spPr/>
+        <p:txBody>
+          <a:bodyPr/>
+          <a:lstStyle/>
+          <a:p>
+            <a:pPr marL="0" marR="0" indent="0" algn="l" defTabSz="1217613" rtl="0" eaLnBrk="1" fontAlgn="base" latinLnBrk="0" hangingPunct="1">
+              <a:lnSpc>
+                <a:spcPct val="90000"/>
+              </a:lnSpc>
+              <a:spcBef>
+                <a:spcPct val="30000"/>
+              </a:spcBef>
+              <a:spcAft>
+                <a:spcPts val="450"/>
+              </a:spcAft>
+              <a:buClrTx/>
+              <a:buSzTx/>
+              <a:buFontTx/>
+              <a:buNone/>
+              <a:tabLst/>
+              <a:defRPr/>
+            </a:pPr>
+            <a:r>
+              <a:rPr lang="en-US" smtClean="0"/>
+              <a:t>You</a:t>
+            </a:r>
+            <a:r>
+              <a:rPr lang="en-US" baseline="0" smtClean="0"/>
+              <a:t> have </a:t>
+            </a:r>
+            <a:r>
+              <a:rPr lang="en-US" baseline="0" dirty="0" smtClean="0"/>
+              <a:t>performed almost all of the steps of TDD. Next we are going to use the tests to help us refactor the recipe we wrote. In a series of group exercises we will explore some of the important nuances of Test Kitchen's subcommands: converge and verify. And explore another subcommand named: test.</a:t>
+            </a:r>
+          </a:p>
+        </p:txBody>
+      </p:sp>
+      <p:sp>
+        <p:nvSpPr>
+          <p:cNvPr id="4" name="Slide Number Placeholder 3"/>
+          <p:cNvSpPr>
+            <a:spLocks noGrp="1"/>
+          </p:cNvSpPr>
+          <p:nvPr>
+            <p:ph type="sldNum" sz="quarter" idx="10"/>
+          </p:nvPr>
+        </p:nvSpPr>
+        <p:spPr/>
+        <p:txBody>
+          <a:bodyPr/>
+          <a:lstStyle/>
+          <a:p>
+            <a:pPr>
+              <a:defRPr/>
+            </a:pPr>
+            <a:fld id="{DC3734AA-3150-D947-AC52-2F5DF48BFCD5}" type="slidenum">
+              <a:rPr lang="en-US" smtClean="0"/>
+              <a:pPr>
+                <a:defRPr/>
+              </a:pPr>
+              <a:t>60</a:t>
+            </a:fld>
+            <a:endParaRPr lang="en-US" dirty="0"/>
+          </a:p>
+        </p:txBody>
+      </p:sp>
+      <p:sp>
+        <p:nvSpPr>
+          <p:cNvPr id="5" name="Header Placeholder 4"/>
+          <p:cNvSpPr>
+            <a:spLocks noGrp="1"/>
+          </p:cNvSpPr>
+          <p:nvPr>
+            <p:ph type="hdr" sz="quarter" idx="11"/>
+          </p:nvPr>
+        </p:nvSpPr>
+        <p:spPr/>
+        <p:txBody>
+          <a:bodyPr/>
+          <a:lstStyle/>
+          <a:p>
+            <a:pPr>
+              <a:defRPr/>
+            </a:pPr>
+            <a:endParaRPr lang="en-US"/>
+          </a:p>
+        </p:txBody>
+      </p:sp>
+      <p:sp>
+        <p:nvSpPr>
+          <p:cNvPr id="6" name="Footer Placeholder 5"/>
+          <p:cNvSpPr>
+            <a:spLocks noGrp="1"/>
+          </p:cNvSpPr>
+          <p:nvPr>
+            <p:ph type="ftr" sz="quarter" idx="12"/>
+          </p:nvPr>
+        </p:nvSpPr>
+        <p:spPr/>
+        <p:txBody>
+          <a:bodyPr/>
+          <a:lstStyle/>
+          <a:p>
+            <a:pPr>
+              <a:defRPr/>
+            </a:pPr>
+            <a:endParaRPr lang="en-US"/>
+          </a:p>
+        </p:txBody>
+      </p:sp>
+    </p:spTree>
+    <p:extLst>
+      <p:ext uri="{BB962C8B-B14F-4D97-AF65-F5344CB8AC3E}">
+        <p14:creationId xmlns:p14="http://schemas.microsoft.com/office/powerpoint/2010/main" val="75642648"/>
       </p:ext>
     </p:extLst>
   </p:cSld>
@@ -10903,14 +11122,14 @@
           </a:ln>
           <a:extLst>
             <a:ext uri="{909E8E84-426E-40dd-AFC4-6F175D3DCCD1}">
-              <a14:hiddenFill xmlns:a14="http://schemas.microsoft.com/office/drawing/2010/main" xmlns="">
+              <a14:hiddenFill xmlns="" xmlns:a14="http://schemas.microsoft.com/office/drawing/2010/main">
                 <a:solidFill>
                   <a:srgbClr val="FFFFFF"/>
                 </a:solidFill>
               </a14:hiddenFill>
             </a:ext>
             <a:ext uri="{91240B29-F687-4f45-9708-019B960494DF}">
-              <a14:hiddenLine xmlns:a14="http://schemas.microsoft.com/office/drawing/2010/main" xmlns="" w="9525">
+              <a14:hiddenLine xmlns="" xmlns:a14="http://schemas.microsoft.com/office/drawing/2010/main" w="9525">
                 <a:solidFill>
                   <a:srgbClr val="000000"/>
                 </a:solidFill>
@@ -11058,14 +11277,14 @@
           </a:ln>
           <a:extLst>
             <a:ext uri="{909E8E84-426E-40dd-AFC4-6F175D3DCCD1}">
-              <a14:hiddenFill xmlns:a14="http://schemas.microsoft.com/office/drawing/2010/main" xmlns="">
+              <a14:hiddenFill xmlns="" xmlns:a14="http://schemas.microsoft.com/office/drawing/2010/main">
                 <a:solidFill>
                   <a:srgbClr val="FFFFFF"/>
                 </a:solidFill>
               </a14:hiddenFill>
             </a:ext>
             <a:ext uri="{91240B29-F687-4f45-9708-019B960494DF}">
-              <a14:hiddenLine xmlns:a14="http://schemas.microsoft.com/office/drawing/2010/main" xmlns="" w="9525">
+              <a14:hiddenLine xmlns="" xmlns:a14="http://schemas.microsoft.com/office/drawing/2010/main" w="9525">
                 <a:solidFill>
                   <a:srgbClr val="000000"/>
                 </a:solidFill>
@@ -11556,14 +11775,14 @@
           </a:ln>
           <a:extLst>
             <a:ext uri="{909E8E84-426E-40dd-AFC4-6F175D3DCCD1}">
-              <a14:hiddenFill xmlns:a14="http://schemas.microsoft.com/office/drawing/2010/main" xmlns="">
+              <a14:hiddenFill xmlns="" xmlns:a14="http://schemas.microsoft.com/office/drawing/2010/main">
                 <a:solidFill>
                   <a:srgbClr val="FFFFFF"/>
                 </a:solidFill>
               </a14:hiddenFill>
             </a:ext>
             <a:ext uri="{91240B29-F687-4f45-9708-019B960494DF}">
-              <a14:hiddenLine xmlns:a14="http://schemas.microsoft.com/office/drawing/2010/main" xmlns="" w="9525">
+              <a14:hiddenLine xmlns="" xmlns:a14="http://schemas.microsoft.com/office/drawing/2010/main" w="9525">
                 <a:solidFill>
                   <a:srgbClr val="000000"/>
                 </a:solidFill>
@@ -13012,14 +13231,14 @@
           </a:ln>
           <a:extLst>
             <a:ext uri="{909E8E84-426E-40dd-AFC4-6F175D3DCCD1}">
-              <a14:hiddenFill xmlns:a14="http://schemas.microsoft.com/office/drawing/2010/main" xmlns="">
+              <a14:hiddenFill xmlns="" xmlns:a14="http://schemas.microsoft.com/office/drawing/2010/main">
                 <a:solidFill>
                   <a:srgbClr val="FFFFFF"/>
                 </a:solidFill>
               </a14:hiddenFill>
             </a:ext>
             <a:ext uri="{91240B29-F687-4f45-9708-019B960494DF}">
-              <a14:hiddenLine xmlns:a14="http://schemas.microsoft.com/office/drawing/2010/main" xmlns="" w="9525">
+              <a14:hiddenLine xmlns="" xmlns:a14="http://schemas.microsoft.com/office/drawing/2010/main" w="9525">
                 <a:solidFill>
                   <a:srgbClr val="000000"/>
                 </a:solidFill>
@@ -14373,14 +14592,14 @@
           </a:ln>
           <a:extLst>
             <a:ext uri="{909E8E84-426E-40dd-AFC4-6F175D3DCCD1}">
-              <a14:hiddenFill xmlns:a14="http://schemas.microsoft.com/office/drawing/2010/main" xmlns="">
+              <a14:hiddenFill xmlns="" xmlns:a14="http://schemas.microsoft.com/office/drawing/2010/main">
                 <a:solidFill>
                   <a:srgbClr val="FFFFFF"/>
                 </a:solidFill>
               </a14:hiddenFill>
             </a:ext>
             <a:ext uri="{91240B29-F687-4f45-9708-019B960494DF}">
-              <a14:hiddenLine xmlns:a14="http://schemas.microsoft.com/office/drawing/2010/main" xmlns="" w="9525">
+              <a14:hiddenLine xmlns="" xmlns:a14="http://schemas.microsoft.com/office/drawing/2010/main" w="9525">
                 <a:solidFill>
                   <a:srgbClr val="000000"/>
                 </a:solidFill>
@@ -14938,14 +15157,14 @@
           </a:ln>
           <a:extLst>
             <a:ext uri="{909E8E84-426E-40dd-AFC4-6F175D3DCCD1}">
-              <a14:hiddenFill xmlns:a14="http://schemas.microsoft.com/office/drawing/2010/main" xmlns="">
+              <a14:hiddenFill xmlns="" xmlns:a14="http://schemas.microsoft.com/office/drawing/2010/main">
                 <a:solidFill>
                   <a:srgbClr val="FFFFFF"/>
                 </a:solidFill>
               </a14:hiddenFill>
             </a:ext>
             <a:ext uri="{91240B29-F687-4f45-9708-019B960494DF}">
-              <a14:hiddenLine xmlns:a14="http://schemas.microsoft.com/office/drawing/2010/main" xmlns="" w="9525">
+              <a14:hiddenLine xmlns="" xmlns:a14="http://schemas.microsoft.com/office/drawing/2010/main" w="9525">
                 <a:solidFill>
                   <a:srgbClr val="000000"/>
                 </a:solidFill>
@@ -15512,14 +15731,14 @@
           </a:ln>
           <a:extLst>
             <a:ext uri="{909E8E84-426E-40dd-AFC4-6F175D3DCCD1}">
-              <a14:hiddenFill xmlns:a14="http://schemas.microsoft.com/office/drawing/2010/main" xmlns="">
+              <a14:hiddenFill xmlns="" xmlns:a14="http://schemas.microsoft.com/office/drawing/2010/main">
                 <a:solidFill>
                   <a:srgbClr val="FFFFFF"/>
                 </a:solidFill>
               </a14:hiddenFill>
             </a:ext>
             <a:ext uri="{91240B29-F687-4f45-9708-019B960494DF}">
-              <a14:hiddenLine xmlns:a14="http://schemas.microsoft.com/office/drawing/2010/main" xmlns="" w="9525">
+              <a14:hiddenLine xmlns="" xmlns:a14="http://schemas.microsoft.com/office/drawing/2010/main" w="9525">
                 <a:solidFill>
                   <a:srgbClr val="000000"/>
                 </a:solidFill>
@@ -16459,14 +16678,14 @@
           </a:ln>
           <a:extLst>
             <a:ext uri="{909E8E84-426E-40dd-AFC4-6F175D3DCCD1}">
-              <a14:hiddenFill xmlns:a14="http://schemas.microsoft.com/office/drawing/2010/main" xmlns="">
+              <a14:hiddenFill xmlns="" xmlns:a14="http://schemas.microsoft.com/office/drawing/2010/main">
                 <a:solidFill>
                   <a:srgbClr val="FFFFFF"/>
                 </a:solidFill>
               </a14:hiddenFill>
             </a:ext>
             <a:ext uri="{91240B29-F687-4f45-9708-019B960494DF}">
-              <a14:hiddenLine xmlns:a14="http://schemas.microsoft.com/office/drawing/2010/main" xmlns="" w="9525">
+              <a14:hiddenLine xmlns="" xmlns:a14="http://schemas.microsoft.com/office/drawing/2010/main" w="9525">
                 <a:solidFill>
                   <a:srgbClr val="000000"/>
                 </a:solidFill>
@@ -17239,14 +17458,14 @@
           </a:ln>
           <a:extLst>
             <a:ext uri="{909E8E84-426E-40dd-AFC4-6F175D3DCCD1}">
-              <a14:hiddenFill xmlns:a14="http://schemas.microsoft.com/office/drawing/2010/main" xmlns="">
+              <a14:hiddenFill xmlns="" xmlns:a14="http://schemas.microsoft.com/office/drawing/2010/main">
                 <a:solidFill>
                   <a:srgbClr val="FFFFFF"/>
                 </a:solidFill>
               </a14:hiddenFill>
             </a:ext>
             <a:ext uri="{91240B29-F687-4f45-9708-019B960494DF}">
-              <a14:hiddenLine xmlns:a14="http://schemas.microsoft.com/office/drawing/2010/main" xmlns="" w="9525">
+              <a14:hiddenLine xmlns="" xmlns:a14="http://schemas.microsoft.com/office/drawing/2010/main" w="9525">
                 <a:solidFill>
                   <a:srgbClr val="000000"/>
                 </a:solidFill>
@@ -25196,6 +25415,237 @@
       </p:grpSpPr>
       <p:sp>
         <p:nvSpPr>
+          <p:cNvPr id="2" name="Content Placeholder 1"/>
+          <p:cNvSpPr>
+            <a:spLocks noGrp="1"/>
+          </p:cNvSpPr>
+          <p:nvPr>
+            <p:ph sz="quarter" idx="10"/>
+          </p:nvPr>
+        </p:nvSpPr>
+        <p:spPr/>
+        <p:txBody>
+          <a:bodyPr/>
+          <a:lstStyle/>
+          <a:p>
+            <a:r>
+              <a:rPr lang="en-US" dirty="0" smtClean="0"/>
+              <a:t>---</a:t>
+            </a:r>
+          </a:p>
+          <a:p>
+            <a:r>
+              <a:rPr lang="en-US" dirty="0" smtClean="0"/>
+              <a:t>driver:</a:t>
+            </a:r>
+          </a:p>
+          <a:p>
+            <a:r>
+              <a:rPr lang="en-US" dirty="0" smtClean="0"/>
+              <a:t>  </a:t>
+            </a:r>
+            <a:r>
+              <a:rPr lang="en-US" dirty="0"/>
+              <a:t>name: </a:t>
+            </a:r>
+            <a:r>
+              <a:rPr lang="en-US" dirty="0" smtClean="0"/>
+              <a:t>vagrant</a:t>
+            </a:r>
+          </a:p>
+          <a:p>
+            <a:endParaRPr lang="en-US" dirty="0" smtClean="0"/>
+          </a:p>
+          <a:p>
+            <a:r>
+              <a:rPr lang="en-US" dirty="0" err="1" smtClean="0"/>
+              <a:t>provisioner</a:t>
+            </a:r>
+            <a:r>
+              <a:rPr lang="en-US" dirty="0" smtClean="0"/>
+              <a:t>:</a:t>
+            </a:r>
+          </a:p>
+          <a:p>
+            <a:r>
+              <a:rPr lang="en-US" dirty="0" smtClean="0"/>
+              <a:t>  </a:t>
+            </a:r>
+            <a:r>
+              <a:rPr lang="en-US" dirty="0"/>
+              <a:t>name: </a:t>
+            </a:r>
+            <a:r>
+              <a:rPr lang="en-US" dirty="0" err="1" smtClean="0"/>
+              <a:t>chef_zero</a:t>
+            </a:r>
+            <a:endParaRPr lang="en-US" dirty="0" smtClean="0"/>
+          </a:p>
+          <a:p>
+            <a:endParaRPr lang="en-US" dirty="0"/>
+          </a:p>
+          <a:p>
+            <a:r>
+              <a:rPr lang="en-US" dirty="0" smtClean="0"/>
+              <a:t># </a:t>
+            </a:r>
+            <a:r>
+              <a:rPr lang="en-US" dirty="0"/>
+              <a:t>Uncomment the following verifier to </a:t>
+            </a:r>
+            <a:r>
+              <a:rPr lang="en-US" dirty="0" smtClean="0"/>
+              <a:t>leverage </a:t>
+            </a:r>
+            <a:r>
+              <a:rPr lang="en-US" dirty="0" err="1"/>
+              <a:t>Inspec</a:t>
+            </a:r>
+            <a:r>
+              <a:rPr lang="en-US" dirty="0"/>
+              <a:t> instead of </a:t>
+            </a:r>
+            <a:endParaRPr lang="en-US" dirty="0" smtClean="0"/>
+          </a:p>
+          <a:p>
+            <a:r>
+              <a:rPr lang="en-US" dirty="0" smtClean="0"/>
+              <a:t># </a:t>
+            </a:r>
+            <a:r>
+              <a:rPr lang="en-US" dirty="0"/>
+              <a:t>default verifier</a:t>
+            </a:r>
+            <a:r>
+              <a:rPr lang="en-US" dirty="0" smtClean="0"/>
+              <a:t>)</a:t>
+            </a:r>
+          </a:p>
+          <a:p>
+            <a:r>
+              <a:rPr lang="en-US" dirty="0" smtClean="0"/>
+              <a:t># </a:t>
+            </a:r>
+            <a:r>
+              <a:rPr lang="en-US" dirty="0"/>
+              <a:t>verifier</a:t>
+            </a:r>
+            <a:r>
+              <a:rPr lang="en-US" dirty="0" smtClean="0"/>
+              <a:t>:</a:t>
+            </a:r>
+          </a:p>
+          <a:p>
+            <a:r>
+              <a:rPr lang="en-US" dirty="0" smtClean="0"/>
+              <a:t>#   </a:t>
+            </a:r>
+            <a:r>
+              <a:rPr lang="en-US" dirty="0"/>
+              <a:t>name: </a:t>
+            </a:r>
+            <a:r>
+              <a:rPr lang="en-US" dirty="0" err="1" smtClean="0"/>
+              <a:t>inspec</a:t>
+            </a:r>
+            <a:endParaRPr lang="en-US" dirty="0"/>
+          </a:p>
+        </p:txBody>
+      </p:sp>
+      <p:sp>
+        <p:nvSpPr>
+          <p:cNvPr id="3" name="Text Placeholder 2"/>
+          <p:cNvSpPr>
+            <a:spLocks noGrp="1"/>
+          </p:cNvSpPr>
+          <p:nvPr>
+            <p:ph type="body" sz="quarter" idx="11"/>
+          </p:nvPr>
+        </p:nvSpPr>
+        <p:spPr/>
+        <p:txBody>
+          <a:bodyPr/>
+          <a:lstStyle/>
+          <a:p>
+            <a:r>
+              <a:rPr lang="en-US" dirty="0" smtClean="0"/>
+              <a:t>&gt; cat .</a:t>
+            </a:r>
+            <a:r>
+              <a:rPr lang="en-US" dirty="0" err="1" smtClean="0"/>
+              <a:t>kitchen.yml</a:t>
+            </a:r>
+            <a:endParaRPr lang="en-US" dirty="0"/>
+          </a:p>
+        </p:txBody>
+      </p:sp>
+      <p:sp>
+        <p:nvSpPr>
+          <p:cNvPr id="5" name="Title 4"/>
+          <p:cNvSpPr>
+            <a:spLocks noGrp="1"/>
+          </p:cNvSpPr>
+          <p:nvPr>
+            <p:ph type="title"/>
+          </p:nvPr>
+        </p:nvSpPr>
+        <p:spPr/>
+        <p:txBody>
+          <a:bodyPr>
+            <a:normAutofit fontScale="90000"/>
+          </a:bodyPr>
+          <a:lstStyle/>
+          <a:p>
+            <a:r>
+              <a:rPr lang="en-US" dirty="0" smtClean="0"/>
+              <a:t>Review the Existing Kitchen Configuration</a:t>
+            </a:r>
+            <a:endParaRPr lang="en-US" dirty="0"/>
+          </a:p>
+        </p:txBody>
+      </p:sp>
+    </p:spTree>
+    <p:extLst>
+      <p:ext uri="{BB962C8B-B14F-4D97-AF65-F5344CB8AC3E}">
+        <p14:creationId xmlns:p14="http://schemas.microsoft.com/office/powerpoint/2010/main" val="896727035"/>
+      </p:ext>
+    </p:extLst>
+  </p:cSld>
+  <p:clrMapOvr>
+    <a:masterClrMapping/>
+  </p:clrMapOvr>
+  <p:transition spd="med">
+    <p:fade/>
+  </p:transition>
+  <p:timing>
+    <p:tnLst>
+      <p:par>
+        <p:cTn id="1" dur="indefinite" restart="never" nodeType="tmRoot"/>
+      </p:par>
+    </p:tnLst>
+  </p:timing>
+</p:sld>
+</file>
+
+<file path=ppt/slides/slide29.xml><?xml version="1.0" encoding="utf-8"?>
+<p:sld xmlns:a="http://schemas.openxmlformats.org/drawingml/2006/main" xmlns:r="http://schemas.openxmlformats.org/officeDocument/2006/relationships" xmlns:p="http://schemas.openxmlformats.org/presentationml/2006/main">
+  <p:cSld>
+    <p:spTree>
+      <p:nvGrpSpPr>
+        <p:cNvPr id="1" name=""/>
+        <p:cNvGrpSpPr/>
+        <p:nvPr/>
+      </p:nvGrpSpPr>
+      <p:grpSpPr>
+        <a:xfrm>
+          <a:off x="0" y="0"/>
+          <a:ext cx="0" cy="0"/>
+          <a:chOff x="0" y="0"/>
+          <a:chExt cx="0" cy="0"/>
+        </a:xfrm>
+      </p:grpSpPr>
+      <p:sp>
+        <p:nvSpPr>
           <p:cNvPr id="2" name="Title 1"/>
           <p:cNvSpPr>
             <a:spLocks noGrp="1"/>
@@ -25439,273 +25889,6 @@
     <p:extLst>
       <p:ext uri="{BB962C8B-B14F-4D97-AF65-F5344CB8AC3E}">
         <p14:creationId xmlns:p14="http://schemas.microsoft.com/office/powerpoint/2010/main" val="741169283"/>
-      </p:ext>
-    </p:extLst>
-  </p:cSld>
-  <p:clrMapOvr>
-    <a:masterClrMapping/>
-  </p:clrMapOvr>
-  <p:transition spd="med">
-    <p:fade/>
-  </p:transition>
-  <p:timing>
-    <p:tnLst>
-      <p:par>
-        <p:cTn id="1" dur="indefinite" restart="never" nodeType="tmRoot"/>
-      </p:par>
-    </p:tnLst>
-  </p:timing>
-</p:sld>
-</file>
-
-<file path=ppt/slides/slide29.xml><?xml version="1.0" encoding="utf-8"?>
-<p:sld xmlns:a="http://schemas.openxmlformats.org/drawingml/2006/main" xmlns:r="http://schemas.openxmlformats.org/officeDocument/2006/relationships" xmlns:p="http://schemas.openxmlformats.org/presentationml/2006/main">
-  <p:cSld>
-    <p:spTree>
-      <p:nvGrpSpPr>
-        <p:cNvPr id="1" name=""/>
-        <p:cNvGrpSpPr/>
-        <p:nvPr/>
-      </p:nvGrpSpPr>
-      <p:grpSpPr>
-        <a:xfrm>
-          <a:off x="0" y="0"/>
-          <a:ext cx="0" cy="0"/>
-          <a:chOff x="0" y="0"/>
-          <a:chExt cx="0" cy="0"/>
-        </a:xfrm>
-      </p:grpSpPr>
-      <p:sp>
-        <p:nvSpPr>
-          <p:cNvPr id="2" name="Title 1"/>
-          <p:cNvSpPr>
-            <a:spLocks noGrp="1"/>
-          </p:cNvSpPr>
-          <p:nvPr>
-            <p:ph type="title"/>
-          </p:nvPr>
-        </p:nvSpPr>
-        <p:spPr/>
-        <p:txBody>
-          <a:bodyPr/>
-          <a:lstStyle/>
-          <a:p>
-            <a:r>
-              <a:rPr lang="en-US" dirty="0" smtClean="0"/>
-              <a:t>The Kitchen Driver</a:t>
-            </a:r>
-            <a:endParaRPr lang="en-US" dirty="0"/>
-          </a:p>
-        </p:txBody>
-      </p:sp>
-      <p:sp>
-        <p:nvSpPr>
-          <p:cNvPr id="3" name="Content Placeholder 2"/>
-          <p:cNvSpPr>
-            <a:spLocks noGrp="1"/>
-          </p:cNvSpPr>
-          <p:nvPr>
-            <p:ph sz="quarter" idx="10"/>
-          </p:nvPr>
-        </p:nvSpPr>
-        <p:spPr/>
-        <p:txBody>
-          <a:bodyPr/>
-          <a:lstStyle/>
-          <a:p>
-            <a:r>
-              <a:rPr lang="en-US" b="1" dirty="0"/>
-              <a:t>---</a:t>
-            </a:r>
-          </a:p>
-          <a:p>
-            <a:r>
-              <a:rPr lang="en-US" b="1" dirty="0"/>
-              <a:t>driver:</a:t>
-            </a:r>
-          </a:p>
-          <a:p>
-            <a:r>
-              <a:rPr lang="en-US" b="1" dirty="0"/>
-              <a:t>  name: vagrant</a:t>
-            </a:r>
-          </a:p>
-          <a:p>
-            <a:endParaRPr lang="en-US" b="1" dirty="0"/>
-          </a:p>
-          <a:p>
-            <a:r>
-              <a:rPr lang="en-US" b="1" dirty="0" err="1"/>
-              <a:t>provisioner</a:t>
-            </a:r>
-            <a:r>
-              <a:rPr lang="en-US" b="1" dirty="0"/>
-              <a:t>:</a:t>
-            </a:r>
-          </a:p>
-          <a:p>
-            <a:r>
-              <a:rPr lang="en-US" b="1" dirty="0"/>
-              <a:t>  name: </a:t>
-            </a:r>
-            <a:r>
-              <a:rPr lang="en-US" b="1" dirty="0" err="1"/>
-              <a:t>chef_zero</a:t>
-            </a:r>
-            <a:endParaRPr lang="en-US" b="1" dirty="0"/>
-          </a:p>
-          <a:p>
-            <a:endParaRPr lang="en-US" b="1" dirty="0"/>
-          </a:p>
-          <a:p>
-            <a:r>
-              <a:rPr lang="en-US" b="1" dirty="0"/>
-              <a:t>platforms:</a:t>
-            </a:r>
-          </a:p>
-          <a:p>
-            <a:r>
-              <a:rPr lang="en-US" b="1" dirty="0"/>
-              <a:t>  - name: ubuntu-12.04</a:t>
-            </a:r>
-          </a:p>
-          <a:p>
-            <a:r>
-              <a:rPr lang="en-US" b="1" dirty="0"/>
-              <a:t>  - name: centos-6.5</a:t>
-            </a:r>
-          </a:p>
-          <a:p>
-            <a:endParaRPr lang="en-US" b="1" dirty="0"/>
-          </a:p>
-          <a:p>
-            <a:r>
-              <a:rPr lang="en-US" b="1" dirty="0"/>
-              <a:t>...</a:t>
-            </a:r>
-          </a:p>
-          <a:p>
-            <a:endParaRPr lang="en-US" b="1" dirty="0"/>
-          </a:p>
-        </p:txBody>
-      </p:sp>
-      <p:sp>
-        <p:nvSpPr>
-          <p:cNvPr id="4" name="Content Placeholder 3"/>
-          <p:cNvSpPr>
-            <a:spLocks noGrp="1"/>
-          </p:cNvSpPr>
-          <p:nvPr>
-            <p:ph sz="quarter" idx="12"/>
-          </p:nvPr>
-        </p:nvSpPr>
-        <p:spPr/>
-        <p:txBody>
-          <a:bodyPr/>
-          <a:lstStyle/>
-          <a:p>
-            <a:r>
-              <a:rPr lang="en-US" dirty="0"/>
-              <a:t>This tells Test Kitchen how to run Chef, to apply the code in our cookbook to the machine under test.</a:t>
-            </a:r>
-          </a:p>
-          <a:p>
-            <a:endParaRPr lang="en-US" dirty="0"/>
-          </a:p>
-          <a:p>
-            <a:r>
-              <a:rPr lang="en-US" dirty="0"/>
-              <a:t>The default and simplest approach is to use </a:t>
-            </a:r>
-            <a:r>
-              <a:rPr lang="en-US" dirty="0" err="1">
-                <a:cs typeface="Courier New" panose="02070309020205020404" pitchFamily="49" charset="0"/>
-              </a:rPr>
-              <a:t>chef_zero</a:t>
-            </a:r>
-            <a:r>
-              <a:rPr lang="en-US" dirty="0"/>
-              <a:t>.</a:t>
-            </a:r>
-            <a:endParaRPr lang="en-US" dirty="0">
-              <a:cs typeface="Courier New" panose="02070309020205020404" pitchFamily="49" charset="0"/>
-            </a:endParaRPr>
-          </a:p>
-        </p:txBody>
-      </p:sp>
-      <p:sp>
-        <p:nvSpPr>
-          <p:cNvPr id="7" name="Rectangle 6"/>
-          <p:cNvSpPr/>
-          <p:nvPr/>
-        </p:nvSpPr>
-        <p:spPr bwMode="auto">
-          <a:xfrm>
-            <a:off x="609600" y="3929305"/>
-            <a:ext cx="7311251" cy="642784"/>
-          </a:xfrm>
-          <a:prstGeom prst="rect">
-            <a:avLst/>
-          </a:prstGeom>
-          <a:solidFill>
-            <a:schemeClr val="accent1">
-              <a:alpha val="60000"/>
-            </a:schemeClr>
-          </a:solidFill>
-          <a:ln>
-            <a:solidFill>
-              <a:schemeClr val="accent1">
-                <a:lumMod val="75000"/>
-              </a:schemeClr>
-            </a:solidFill>
-            <a:headEnd type="none" w="med" len="med"/>
-            <a:tailEnd type="none" w="med" len="med"/>
-          </a:ln>
-          <a:effectLst/>
-        </p:spPr>
-        <p:style>
-          <a:lnRef idx="1">
-            <a:schemeClr val="accent4"/>
-          </a:lnRef>
-          <a:fillRef idx="3">
-            <a:schemeClr val="accent4"/>
-          </a:fillRef>
-          <a:effectRef idx="2">
-            <a:schemeClr val="accent4"/>
-          </a:effectRef>
-          <a:fontRef idx="minor">
-            <a:schemeClr val="lt1"/>
-          </a:fontRef>
-        </p:style>
-        <p:txBody>
-          <a:bodyPr vert="horz" wrap="square" lIns="91436" tIns="45718" rIns="91436" bIns="45718" numCol="1" rtlCol="0" anchor="ctr" anchorCtr="0" compatLnSpc="1">
-            <a:prstTxWarp prst="textNoShape">
-              <a:avLst/>
-            </a:prstTxWarp>
-          </a:bodyPr>
-          <a:lstStyle/>
-          <a:p>
-            <a:pPr algn="ctr" defTabSz="914099"/>
-            <a:endParaRPr lang="en-US" sz="2400" dirty="0" err="1" smtClean="0">
-              <a:gradFill>
-                <a:gsLst>
-                  <a:gs pos="0">
-                    <a:srgbClr val="FFFFFF"/>
-                  </a:gs>
-                  <a:gs pos="100000">
-                    <a:srgbClr val="FFFFFF"/>
-                  </a:gs>
-                </a:gsLst>
-                <a:lin ang="5400000" scaled="0"/>
-              </a:gradFill>
-            </a:endParaRPr>
-          </a:p>
-        </p:txBody>
-      </p:sp>
-    </p:spTree>
-    <p:extLst>
-      <p:ext uri="{BB962C8B-B14F-4D97-AF65-F5344CB8AC3E}">
-        <p14:creationId xmlns:p14="http://schemas.microsoft.com/office/powerpoint/2010/main" val="1000789644"/>
       </p:ext>
     </p:extLst>
   </p:cSld>
@@ -26034,6 +26217,273 @@
           <a:p>
             <a:r>
               <a:rPr lang="en-US" dirty="0"/>
+              <a:t>This tells Test Kitchen how to run Chef, to apply the code in our cookbook to the machine under test.</a:t>
+            </a:r>
+          </a:p>
+          <a:p>
+            <a:endParaRPr lang="en-US" dirty="0"/>
+          </a:p>
+          <a:p>
+            <a:r>
+              <a:rPr lang="en-US" dirty="0"/>
+              <a:t>The default and simplest approach is to use </a:t>
+            </a:r>
+            <a:r>
+              <a:rPr lang="en-US" dirty="0" err="1">
+                <a:cs typeface="Courier New" panose="02070309020205020404" pitchFamily="49" charset="0"/>
+              </a:rPr>
+              <a:t>chef_zero</a:t>
+            </a:r>
+            <a:r>
+              <a:rPr lang="en-US" dirty="0"/>
+              <a:t>.</a:t>
+            </a:r>
+            <a:endParaRPr lang="en-US" dirty="0">
+              <a:cs typeface="Courier New" panose="02070309020205020404" pitchFamily="49" charset="0"/>
+            </a:endParaRPr>
+          </a:p>
+        </p:txBody>
+      </p:sp>
+      <p:sp>
+        <p:nvSpPr>
+          <p:cNvPr id="7" name="Rectangle 6"/>
+          <p:cNvSpPr/>
+          <p:nvPr/>
+        </p:nvSpPr>
+        <p:spPr bwMode="auto">
+          <a:xfrm>
+            <a:off x="609600" y="3929305"/>
+            <a:ext cx="7311251" cy="642784"/>
+          </a:xfrm>
+          <a:prstGeom prst="rect">
+            <a:avLst/>
+          </a:prstGeom>
+          <a:solidFill>
+            <a:schemeClr val="accent1">
+              <a:alpha val="60000"/>
+            </a:schemeClr>
+          </a:solidFill>
+          <a:ln>
+            <a:solidFill>
+              <a:schemeClr val="accent1">
+                <a:lumMod val="75000"/>
+              </a:schemeClr>
+            </a:solidFill>
+            <a:headEnd type="none" w="med" len="med"/>
+            <a:tailEnd type="none" w="med" len="med"/>
+          </a:ln>
+          <a:effectLst/>
+        </p:spPr>
+        <p:style>
+          <a:lnRef idx="1">
+            <a:schemeClr val="accent4"/>
+          </a:lnRef>
+          <a:fillRef idx="3">
+            <a:schemeClr val="accent4"/>
+          </a:fillRef>
+          <a:effectRef idx="2">
+            <a:schemeClr val="accent4"/>
+          </a:effectRef>
+          <a:fontRef idx="minor">
+            <a:schemeClr val="lt1"/>
+          </a:fontRef>
+        </p:style>
+        <p:txBody>
+          <a:bodyPr vert="horz" wrap="square" lIns="91436" tIns="45718" rIns="91436" bIns="45718" numCol="1" rtlCol="0" anchor="ctr" anchorCtr="0" compatLnSpc="1">
+            <a:prstTxWarp prst="textNoShape">
+              <a:avLst/>
+            </a:prstTxWarp>
+          </a:bodyPr>
+          <a:lstStyle/>
+          <a:p>
+            <a:pPr algn="ctr" defTabSz="914099"/>
+            <a:endParaRPr lang="en-US" sz="2400" dirty="0" err="1" smtClean="0">
+              <a:gradFill>
+                <a:gsLst>
+                  <a:gs pos="0">
+                    <a:srgbClr val="FFFFFF"/>
+                  </a:gs>
+                  <a:gs pos="100000">
+                    <a:srgbClr val="FFFFFF"/>
+                  </a:gs>
+                </a:gsLst>
+                <a:lin ang="5400000" scaled="0"/>
+              </a:gradFill>
+            </a:endParaRPr>
+          </a:p>
+        </p:txBody>
+      </p:sp>
+    </p:spTree>
+    <p:extLst>
+      <p:ext uri="{BB962C8B-B14F-4D97-AF65-F5344CB8AC3E}">
+        <p14:creationId xmlns:p14="http://schemas.microsoft.com/office/powerpoint/2010/main" val="1000789644"/>
+      </p:ext>
+    </p:extLst>
+  </p:cSld>
+  <p:clrMapOvr>
+    <a:masterClrMapping/>
+  </p:clrMapOvr>
+  <p:transition spd="med">
+    <p:fade/>
+  </p:transition>
+  <p:timing>
+    <p:tnLst>
+      <p:par>
+        <p:cTn id="1" dur="indefinite" restart="never" nodeType="tmRoot"/>
+      </p:par>
+    </p:tnLst>
+  </p:timing>
+</p:sld>
+</file>
+
+<file path=ppt/slides/slide31.xml><?xml version="1.0" encoding="utf-8"?>
+<p:sld xmlns:a="http://schemas.openxmlformats.org/drawingml/2006/main" xmlns:r="http://schemas.openxmlformats.org/officeDocument/2006/relationships" xmlns:p="http://schemas.openxmlformats.org/presentationml/2006/main">
+  <p:cSld>
+    <p:spTree>
+      <p:nvGrpSpPr>
+        <p:cNvPr id="1" name=""/>
+        <p:cNvGrpSpPr/>
+        <p:nvPr/>
+      </p:nvGrpSpPr>
+      <p:grpSpPr>
+        <a:xfrm>
+          <a:off x="0" y="0"/>
+          <a:ext cx="0" cy="0"/>
+          <a:chOff x="0" y="0"/>
+          <a:chExt cx="0" cy="0"/>
+        </a:xfrm>
+      </p:grpSpPr>
+      <p:sp>
+        <p:nvSpPr>
+          <p:cNvPr id="2" name="Title 1"/>
+          <p:cNvSpPr>
+            <a:spLocks noGrp="1"/>
+          </p:cNvSpPr>
+          <p:nvPr>
+            <p:ph type="title"/>
+          </p:nvPr>
+        </p:nvSpPr>
+        <p:spPr/>
+        <p:txBody>
+          <a:bodyPr/>
+          <a:lstStyle/>
+          <a:p>
+            <a:r>
+              <a:rPr lang="en-US" dirty="0" smtClean="0"/>
+              <a:t>The Kitchen Driver</a:t>
+            </a:r>
+            <a:endParaRPr lang="en-US" dirty="0"/>
+          </a:p>
+        </p:txBody>
+      </p:sp>
+      <p:sp>
+        <p:nvSpPr>
+          <p:cNvPr id="3" name="Content Placeholder 2"/>
+          <p:cNvSpPr>
+            <a:spLocks noGrp="1"/>
+          </p:cNvSpPr>
+          <p:nvPr>
+            <p:ph sz="quarter" idx="10"/>
+          </p:nvPr>
+        </p:nvSpPr>
+        <p:spPr/>
+        <p:txBody>
+          <a:bodyPr/>
+          <a:lstStyle/>
+          <a:p>
+            <a:r>
+              <a:rPr lang="en-US" b="1" dirty="0"/>
+              <a:t>---</a:t>
+            </a:r>
+          </a:p>
+          <a:p>
+            <a:r>
+              <a:rPr lang="en-US" b="1" dirty="0"/>
+              <a:t>driver:</a:t>
+            </a:r>
+          </a:p>
+          <a:p>
+            <a:r>
+              <a:rPr lang="en-US" b="1" dirty="0"/>
+              <a:t>  name: vagrant</a:t>
+            </a:r>
+          </a:p>
+          <a:p>
+            <a:endParaRPr lang="en-US" b="1" dirty="0"/>
+          </a:p>
+          <a:p>
+            <a:r>
+              <a:rPr lang="en-US" b="1" dirty="0" err="1"/>
+              <a:t>provisioner</a:t>
+            </a:r>
+            <a:r>
+              <a:rPr lang="en-US" b="1" dirty="0"/>
+              <a:t>:</a:t>
+            </a:r>
+          </a:p>
+          <a:p>
+            <a:r>
+              <a:rPr lang="en-US" b="1" dirty="0"/>
+              <a:t>  name: </a:t>
+            </a:r>
+            <a:r>
+              <a:rPr lang="en-US" b="1" dirty="0" err="1"/>
+              <a:t>chef_zero</a:t>
+            </a:r>
+            <a:endParaRPr lang="en-US" b="1" dirty="0"/>
+          </a:p>
+          <a:p>
+            <a:endParaRPr lang="en-US" b="1" dirty="0"/>
+          </a:p>
+          <a:p>
+            <a:r>
+              <a:rPr lang="en-US" b="1" dirty="0"/>
+              <a:t>platforms:</a:t>
+            </a:r>
+          </a:p>
+          <a:p>
+            <a:r>
+              <a:rPr lang="en-US" b="1" dirty="0"/>
+              <a:t>  - name: ubuntu-12.04</a:t>
+            </a:r>
+          </a:p>
+          <a:p>
+            <a:r>
+              <a:rPr lang="en-US" b="1" dirty="0"/>
+              <a:t>  - name: centos-6.5</a:t>
+            </a:r>
+          </a:p>
+          <a:p>
+            <a:endParaRPr lang="en-US" b="1" dirty="0"/>
+          </a:p>
+          <a:p>
+            <a:r>
+              <a:rPr lang="en-US" b="1" dirty="0"/>
+              <a:t>...</a:t>
+            </a:r>
+          </a:p>
+          <a:p>
+            <a:endParaRPr lang="en-US" b="1" dirty="0"/>
+          </a:p>
+        </p:txBody>
+      </p:sp>
+      <p:sp>
+        <p:nvSpPr>
+          <p:cNvPr id="4" name="Content Placeholder 3"/>
+          <p:cNvSpPr>
+            <a:spLocks noGrp="1"/>
+          </p:cNvSpPr>
+          <p:nvPr>
+            <p:ph sz="quarter" idx="12"/>
+          </p:nvPr>
+        </p:nvSpPr>
+        <p:spPr/>
+        <p:txBody>
+          <a:bodyPr/>
+          <a:lstStyle/>
+          <a:p>
+            <a:r>
+              <a:rPr lang="en-US" dirty="0"/>
               <a:t>This is a list of </a:t>
             </a:r>
             <a:r>
@@ -26147,7 +26597,7 @@
 </p:sld>
 </file>
 
-<file path=ppt/slides/slide31.xml><?xml version="1.0" encoding="utf-8"?>
+<file path=ppt/slides/slide32.xml><?xml version="1.0" encoding="utf-8"?>
 <p:sld xmlns:a="http://schemas.openxmlformats.org/drawingml/2006/main" xmlns:r="http://schemas.openxmlformats.org/officeDocument/2006/relationships" xmlns:p="http://schemas.openxmlformats.org/presentationml/2006/main">
   <p:cSld>
     <p:spTree>
@@ -26410,7 +26860,7 @@
 </p:sld>
 </file>
 
-<file path=ppt/slides/slide32.xml><?xml version="1.0" encoding="utf-8"?>
+<file path=ppt/slides/slide33.xml><?xml version="1.0" encoding="utf-8"?>
 <p:sld xmlns:a="http://schemas.openxmlformats.org/drawingml/2006/main" xmlns:r="http://schemas.openxmlformats.org/officeDocument/2006/relationships" xmlns:p="http://schemas.openxmlformats.org/presentationml/2006/main">
   <p:cSld>
     <p:spTree>
@@ -26714,7 +27164,7 @@
 </p:sld>
 </file>
 
-<file path=ppt/slides/slide33.xml><?xml version="1.0" encoding="utf-8"?>
+<file path=ppt/slides/slide34.xml><?xml version="1.0" encoding="utf-8"?>
 <p:sld xmlns:a="http://schemas.openxmlformats.org/drawingml/2006/main" xmlns:r="http://schemas.openxmlformats.org/officeDocument/2006/relationships" xmlns:p="http://schemas.openxmlformats.org/presentationml/2006/main">
   <p:cSld>
     <p:spTree>
@@ -26995,298 +27445,6 @@
     <p:extLst>
       <p:ext uri="{BB962C8B-B14F-4D97-AF65-F5344CB8AC3E}">
         <p14:creationId xmlns:p14="http://schemas.microsoft.com/office/powerpoint/2010/main" val="2536396625"/>
-      </p:ext>
-    </p:extLst>
-  </p:cSld>
-  <p:clrMapOvr>
-    <a:masterClrMapping/>
-  </p:clrMapOvr>
-  <p:transition spd="med">
-    <p:fade/>
-  </p:transition>
-  <p:timing>
-    <p:tnLst>
-      <p:par>
-        <p:cTn id="1" dur="indefinite" restart="never" nodeType="tmRoot"/>
-      </p:par>
-    </p:tnLst>
-  </p:timing>
-</p:sld>
-</file>
-
-<file path=ppt/slides/slide34.xml><?xml version="1.0" encoding="utf-8"?>
-<p:sld xmlns:a="http://schemas.openxmlformats.org/drawingml/2006/main" xmlns:r="http://schemas.openxmlformats.org/officeDocument/2006/relationships" xmlns:p="http://schemas.openxmlformats.org/presentationml/2006/main">
-  <p:cSld>
-    <p:spTree>
-      <p:nvGrpSpPr>
-        <p:cNvPr id="1" name=""/>
-        <p:cNvGrpSpPr/>
-        <p:nvPr/>
-      </p:nvGrpSpPr>
-      <p:grpSpPr>
-        <a:xfrm>
-          <a:off x="0" y="0"/>
-          <a:ext cx="0" cy="0"/>
-          <a:chOff x="0" y="0"/>
-          <a:chExt cx="0" cy="0"/>
-        </a:xfrm>
-      </p:grpSpPr>
-      <p:sp>
-        <p:nvSpPr>
-          <p:cNvPr id="2" name="Title 1"/>
-          <p:cNvSpPr>
-            <a:spLocks noGrp="1"/>
-          </p:cNvSpPr>
-          <p:nvPr>
-            <p:ph type="title"/>
-          </p:nvPr>
-        </p:nvSpPr>
-        <p:spPr/>
-        <p:txBody>
-          <a:bodyPr/>
-          <a:lstStyle/>
-          <a:p>
-            <a:r>
-              <a:rPr lang="en-US" dirty="0" smtClean="0"/>
-              <a:t>Add Settings to the Kitchen Configuration</a:t>
-            </a:r>
-            <a:endParaRPr lang="en-US" dirty="0"/>
-          </a:p>
-        </p:txBody>
-      </p:sp>
-      <p:sp>
-        <p:nvSpPr>
-          <p:cNvPr id="3" name="Content Placeholder 2"/>
-          <p:cNvSpPr>
-            <a:spLocks noGrp="1"/>
-          </p:cNvSpPr>
-          <p:nvPr>
-            <p:ph sz="quarter" idx="10"/>
-          </p:nvPr>
-        </p:nvSpPr>
-        <p:spPr/>
-        <p:txBody>
-          <a:bodyPr>
-            <a:normAutofit fontScale="92500" lnSpcReduction="10000"/>
-          </a:bodyPr>
-          <a:lstStyle/>
-          <a:p>
-            <a:r>
-              <a:rPr lang="en-US" dirty="0"/>
-              <a:t>---</a:t>
-            </a:r>
-          </a:p>
-          <a:p>
-            <a:r>
-              <a:rPr lang="en-US" dirty="0"/>
-              <a:t>driver:</a:t>
-            </a:r>
-          </a:p>
-          <a:p>
-            <a:r>
-              <a:rPr lang="en-US" dirty="0"/>
-              <a:t>  name: </a:t>
-            </a:r>
-            <a:r>
-              <a:rPr lang="en-US" dirty="0" err="1" smtClean="0"/>
-              <a:t>docker</a:t>
-            </a:r>
-            <a:endParaRPr lang="en-US" dirty="0"/>
-          </a:p>
-          <a:p>
-            <a:endParaRPr lang="en-US" dirty="0"/>
-          </a:p>
-          <a:p>
-            <a:r>
-              <a:rPr lang="en-US" dirty="0" err="1"/>
-              <a:t>provisioner</a:t>
-            </a:r>
-            <a:r>
-              <a:rPr lang="en-US" dirty="0"/>
-              <a:t>:</a:t>
-            </a:r>
-          </a:p>
-          <a:p>
-            <a:r>
-              <a:rPr lang="en-US" dirty="0"/>
-              <a:t>  name: </a:t>
-            </a:r>
-            <a:r>
-              <a:rPr lang="en-US" dirty="0" err="1"/>
-              <a:t>chef_zero</a:t>
-            </a:r>
-            <a:endParaRPr lang="en-US" dirty="0"/>
-          </a:p>
-          <a:p>
-            <a:endParaRPr lang="en-US" dirty="0"/>
-          </a:p>
-          <a:p>
-            <a:r>
-              <a:rPr lang="en-US" dirty="0"/>
-              <a:t>platforms:</a:t>
-            </a:r>
-          </a:p>
-          <a:p>
-            <a:r>
-              <a:rPr lang="en-US" dirty="0"/>
-              <a:t>  - name: </a:t>
-            </a:r>
-            <a:r>
-              <a:rPr lang="en-US" dirty="0" smtClean="0"/>
-              <a:t>centos-6.7</a:t>
-            </a:r>
-            <a:endParaRPr lang="en-US" dirty="0"/>
-          </a:p>
-          <a:p>
-            <a:endParaRPr lang="en-US" dirty="0"/>
-          </a:p>
-          <a:p>
-            <a:r>
-              <a:rPr lang="en-US" dirty="0"/>
-              <a:t>suites:</a:t>
-            </a:r>
-          </a:p>
-          <a:p>
-            <a:r>
-              <a:rPr lang="en-US" dirty="0"/>
-              <a:t># ... REMAINDER OF THE KITCHEN CONFIGURATION FILE ..</a:t>
-            </a:r>
-            <a:r>
-              <a:rPr lang="en-US" dirty="0" smtClean="0"/>
-              <a:t>.</a:t>
-            </a:r>
-            <a:endParaRPr lang="en-US" dirty="0"/>
-          </a:p>
-        </p:txBody>
-      </p:sp>
-      <p:sp>
-        <p:nvSpPr>
-          <p:cNvPr id="4" name="Text Placeholder 3"/>
-          <p:cNvSpPr>
-            <a:spLocks noGrp="1"/>
-          </p:cNvSpPr>
-          <p:nvPr>
-            <p:ph type="body" sz="quarter" idx="11"/>
-          </p:nvPr>
-        </p:nvSpPr>
-        <p:spPr/>
-        <p:txBody>
-          <a:bodyPr/>
-          <a:lstStyle/>
-          <a:p>
-            <a:r>
-              <a:rPr lang="en-US" dirty="0" smtClean="0"/>
-              <a:t>~/</a:t>
-            </a:r>
-            <a:r>
-              <a:rPr lang="en-US" dirty="0" err="1" smtClean="0"/>
-              <a:t>httpd</a:t>
-            </a:r>
-            <a:r>
-              <a:rPr lang="en-US" dirty="0" smtClean="0"/>
-              <a:t>/.</a:t>
-            </a:r>
-            <a:r>
-              <a:rPr lang="en-US" dirty="0" err="1" smtClean="0"/>
-              <a:t>kitchen.yml</a:t>
-            </a:r>
-            <a:endParaRPr lang="en-US" dirty="0"/>
-          </a:p>
-        </p:txBody>
-      </p:sp>
-      <p:sp>
-        <p:nvSpPr>
-          <p:cNvPr id="12" name="Text Placeholder 5"/>
-          <p:cNvSpPr>
-            <a:spLocks noGrp="1"/>
-          </p:cNvSpPr>
-          <p:nvPr>
-            <p:ph type="body" sz="quarter" idx="13"/>
-          </p:nvPr>
-        </p:nvSpPr>
-        <p:spPr>
-          <a:xfrm>
-            <a:off x="1112838" y="2981610"/>
-            <a:ext cx="14404975" cy="627063"/>
-          </a:xfrm>
-        </p:spPr>
-        <p:txBody>
-          <a:bodyPr/>
-          <a:lstStyle/>
-          <a:p>
-            <a:endParaRPr lang="en-US" dirty="0"/>
-          </a:p>
-        </p:txBody>
-      </p:sp>
-      <p:sp>
-        <p:nvSpPr>
-          <p:cNvPr id="13" name="Rectangle 12"/>
-          <p:cNvSpPr/>
-          <p:nvPr/>
-        </p:nvSpPr>
-        <p:spPr bwMode="auto">
-          <a:xfrm>
-            <a:off x="1128943" y="5739755"/>
-            <a:ext cx="14394028" cy="642784"/>
-          </a:xfrm>
-          <a:prstGeom prst="rect">
-            <a:avLst/>
-          </a:prstGeom>
-          <a:solidFill>
-            <a:srgbClr val="108001">
-              <a:alpha val="25000"/>
-            </a:srgbClr>
-          </a:solidFill>
-          <a:ln>
-            <a:noFill/>
-            <a:headEnd type="none" w="med" len="med"/>
-            <a:tailEnd type="none" w="med" len="med"/>
-          </a:ln>
-          <a:effectLst/>
-        </p:spPr>
-        <p:style>
-          <a:lnRef idx="1">
-            <a:schemeClr val="accent4"/>
-          </a:lnRef>
-          <a:fillRef idx="3">
-            <a:schemeClr val="accent4"/>
-          </a:fillRef>
-          <a:effectRef idx="2">
-            <a:schemeClr val="accent4"/>
-          </a:effectRef>
-          <a:fontRef idx="minor">
-            <a:schemeClr val="lt1"/>
-          </a:fontRef>
-        </p:style>
-        <p:txBody>
-          <a:bodyPr vert="horz" wrap="square" lIns="91436" tIns="45718" rIns="91436" bIns="45718" numCol="1" rtlCol="0" anchor="ctr" anchorCtr="0" compatLnSpc="1">
-            <a:prstTxWarp prst="textNoShape">
-              <a:avLst/>
-            </a:prstTxWarp>
-          </a:bodyPr>
-          <a:lstStyle/>
-          <a:p>
-            <a:pPr algn="ctr" defTabSz="914099"/>
-            <a:endParaRPr lang="en-US" sz="2400" dirty="0" err="1" smtClean="0">
-              <a:gradFill>
-                <a:gsLst>
-                  <a:gs pos="0">
-                    <a:srgbClr val="FFFFFF"/>
-                  </a:gs>
-                  <a:gs pos="100000">
-                    <a:srgbClr val="FFFFFF"/>
-                  </a:gs>
-                </a:gsLst>
-                <a:lin ang="5400000" scaled="0"/>
-              </a:gradFill>
-            </a:endParaRPr>
-          </a:p>
-        </p:txBody>
-      </p:sp>
-    </p:spTree>
-    <p:extLst>
-      <p:ext uri="{BB962C8B-B14F-4D97-AF65-F5344CB8AC3E}">
-        <p14:creationId xmlns:p14="http://schemas.microsoft.com/office/powerpoint/2010/main" val="2419589653"/>
       </p:ext>
     </p:extLst>
   </p:cSld>
@@ -27330,108 +27488,247 @@
             <a:spLocks noGrp="1"/>
           </p:cNvSpPr>
           <p:nvPr>
-            <p:ph type="ctrTitle"/>
+            <p:ph type="title"/>
+          </p:nvPr>
+        </p:nvSpPr>
+        <p:spPr/>
+        <p:txBody>
+          <a:bodyPr/>
+          <a:lstStyle/>
+          <a:p>
+            <a:r>
+              <a:rPr lang="en-US" dirty="0" smtClean="0"/>
+              <a:t>Add Settings to the Kitchen Configuration</a:t>
+            </a:r>
+            <a:endParaRPr lang="en-US" dirty="0"/>
+          </a:p>
+        </p:txBody>
+      </p:sp>
+      <p:sp>
+        <p:nvSpPr>
+          <p:cNvPr id="3" name="Content Placeholder 2"/>
+          <p:cNvSpPr>
+            <a:spLocks noGrp="1"/>
+          </p:cNvSpPr>
+          <p:nvPr>
+            <p:ph sz="quarter" idx="10"/>
           </p:nvPr>
         </p:nvSpPr>
         <p:spPr/>
         <p:txBody>
           <a:bodyPr>
-            <a:normAutofit fontScale="90000"/>
+            <a:normAutofit fontScale="92500" lnSpcReduction="10000"/>
           </a:bodyPr>
           <a:lstStyle/>
           <a:p>
             <a:r>
+              <a:rPr lang="en-US" dirty="0"/>
+              <a:t>---</a:t>
+            </a:r>
+          </a:p>
+          <a:p>
+            <a:r>
+              <a:rPr lang="en-US" dirty="0"/>
+              <a:t>driver:</a:t>
+            </a:r>
+          </a:p>
+          <a:p>
+            <a:r>
+              <a:rPr lang="en-US" dirty="0"/>
+              <a:t>  name: </a:t>
+            </a:r>
+            <a:r>
+              <a:rPr lang="en-US" dirty="0" err="1" smtClean="0"/>
+              <a:t>docker</a:t>
+            </a:r>
+            <a:endParaRPr lang="en-US" dirty="0"/>
+          </a:p>
+          <a:p>
+            <a:endParaRPr lang="en-US" dirty="0"/>
+          </a:p>
+          <a:p>
+            <a:r>
+              <a:rPr lang="en-US" dirty="0" err="1"/>
+              <a:t>provisioner</a:t>
+            </a:r>
+            <a:r>
+              <a:rPr lang="en-US" dirty="0"/>
+              <a:t>:</a:t>
+            </a:r>
+          </a:p>
+          <a:p>
+            <a:r>
+              <a:rPr lang="en-US" dirty="0"/>
+              <a:t>  name: </a:t>
+            </a:r>
+            <a:r>
+              <a:rPr lang="en-US" dirty="0" err="1"/>
+              <a:t>chef_zero</a:t>
+            </a:r>
+            <a:endParaRPr lang="en-US" dirty="0"/>
+          </a:p>
+          <a:p>
+            <a:endParaRPr lang="en-US" dirty="0"/>
+          </a:p>
+          <a:p>
+            <a:r>
+              <a:rPr lang="en-US" dirty="0"/>
+              <a:t>platforms:</a:t>
+            </a:r>
+          </a:p>
+          <a:p>
+            <a:r>
+              <a:rPr lang="en-US" dirty="0"/>
+              <a:t>  - name: </a:t>
+            </a:r>
+            <a:r>
               <a:rPr lang="en-US" dirty="0" smtClean="0"/>
-              <a:t>Kitchen List</a:t>
+              <a:t>centos-6.7</a:t>
             </a:r>
             <a:endParaRPr lang="en-US" dirty="0"/>
           </a:p>
-        </p:txBody>
-      </p:sp>
-      <p:sp>
-        <p:nvSpPr>
-          <p:cNvPr id="3" name="Content Placeholder 2"/>
-          <p:cNvSpPr>
-            <a:spLocks noGrp="1"/>
-          </p:cNvSpPr>
-          <p:nvPr>
-            <p:ph type="subTitle" idx="1"/>
+          <a:p>
+            <a:endParaRPr lang="en-US" dirty="0"/>
+          </a:p>
+          <a:p>
+            <a:r>
+              <a:rPr lang="en-US" dirty="0"/>
+              <a:t>suites:</a:t>
+            </a:r>
+          </a:p>
+          <a:p>
+            <a:r>
+              <a:rPr lang="en-US" dirty="0"/>
+              <a:t># ... REMAINDER OF THE KITCHEN CONFIGURATION FILE ..</a:t>
+            </a:r>
+            <a:r>
+              <a:rPr lang="en-US" dirty="0" smtClean="0"/>
+              <a:t>.</a:t>
+            </a:r>
+            <a:endParaRPr lang="en-US" dirty="0"/>
+          </a:p>
+        </p:txBody>
+      </p:sp>
+      <p:sp>
+        <p:nvSpPr>
+          <p:cNvPr id="4" name="Text Placeholder 3"/>
+          <p:cNvSpPr>
+            <a:spLocks noGrp="1"/>
+          </p:cNvSpPr>
+          <p:nvPr>
+            <p:ph type="body" sz="quarter" idx="11"/>
+          </p:nvPr>
+        </p:nvSpPr>
+        <p:spPr/>
+        <p:txBody>
+          <a:bodyPr/>
+          <a:lstStyle/>
+          <a:p>
+            <a:r>
+              <a:rPr lang="en-US" dirty="0" smtClean="0"/>
+              <a:t>~/</a:t>
+            </a:r>
+            <a:r>
+              <a:rPr lang="en-US" dirty="0" err="1" smtClean="0"/>
+              <a:t>httpd</a:t>
+            </a:r>
+            <a:r>
+              <a:rPr lang="en-US" dirty="0" smtClean="0"/>
+              <a:t>/.</a:t>
+            </a:r>
+            <a:r>
+              <a:rPr lang="en-US" dirty="0" err="1" smtClean="0"/>
+              <a:t>kitchen.yml</a:t>
+            </a:r>
+            <a:endParaRPr lang="en-US" dirty="0"/>
+          </a:p>
+        </p:txBody>
+      </p:sp>
+      <p:sp>
+        <p:nvSpPr>
+          <p:cNvPr id="12" name="Text Placeholder 5"/>
+          <p:cNvSpPr>
+            <a:spLocks noGrp="1"/>
+          </p:cNvSpPr>
+          <p:nvPr>
+            <p:ph type="body" sz="quarter" idx="13"/>
           </p:nvPr>
         </p:nvSpPr>
         <p:spPr>
           <a:xfrm>
-            <a:off x="1671638" y="3271838"/>
-            <a:ext cx="12319000" cy="4553028"/>
+            <a:off x="1112838" y="2981610"/>
+            <a:ext cx="14404975" cy="627063"/>
           </a:xfrm>
         </p:spPr>
         <p:txBody>
           <a:bodyPr/>
           <a:lstStyle/>
           <a:p>
-            <a:r>
-              <a:rPr lang="en-US" dirty="0" smtClean="0"/>
-              <a:t>Kitchen defines a list of instances, or test matrix, based on the </a:t>
-            </a:r>
-            <a:r>
-              <a:rPr lang="en-US" b="1" dirty="0" smtClean="0"/>
-              <a:t>platforms</a:t>
-            </a:r>
-            <a:r>
-              <a:rPr lang="en-US" dirty="0" smtClean="0"/>
-              <a:t> multiplied by the </a:t>
-            </a:r>
-            <a:r>
-              <a:rPr lang="en-US" b="1" dirty="0" smtClean="0"/>
-              <a:t>suites</a:t>
-            </a:r>
-            <a:r>
-              <a:rPr lang="en-US" dirty="0" smtClean="0"/>
-              <a:t>.</a:t>
-            </a:r>
-          </a:p>
-          <a:p>
             <a:endParaRPr lang="en-US" dirty="0"/>
           </a:p>
-          <a:p>
-            <a:pPr algn="ctr"/>
-            <a:r>
-              <a:rPr lang="en-US" dirty="0">
-                <a:cs typeface="Courier New" panose="02070309020205020404" pitchFamily="49" charset="0"/>
-              </a:rPr>
-              <a:t>PLATFORMS x SUITES</a:t>
-            </a:r>
-          </a:p>
-          <a:p>
-            <a:pPr algn="ctr"/>
-            <a:endParaRPr lang="en-US" dirty="0">
-              <a:latin typeface="Courier New" panose="02070309020205020404" pitchFamily="49" charset="0"/>
-              <a:cs typeface="Courier New" panose="02070309020205020404" pitchFamily="49" charset="0"/>
-            </a:endParaRPr>
-          </a:p>
-          <a:p>
-            <a:r>
-              <a:rPr lang="en-US" dirty="0">
-                <a:cs typeface="Courier New" panose="02070309020205020404" pitchFamily="49" charset="0"/>
-              </a:rPr>
-              <a:t>Running </a:t>
-            </a:r>
-            <a:r>
-              <a:rPr lang="en-US" b="1" dirty="0">
-                <a:latin typeface="Courier New" charset="0"/>
-                <a:ea typeface="Courier New" charset="0"/>
-                <a:cs typeface="Courier New" charset="0"/>
-              </a:rPr>
-              <a:t>kitchen list</a:t>
-            </a:r>
-            <a:r>
-              <a:rPr lang="en-US" dirty="0">
-                <a:cs typeface="Courier New" panose="02070309020205020404" pitchFamily="49" charset="0"/>
-              </a:rPr>
-              <a:t> will show that matrix.</a:t>
-            </a:r>
-            <a:endParaRPr lang="en-US" dirty="0">
-              <a:latin typeface="Courier New" panose="02070309020205020404" pitchFamily="49" charset="0"/>
-              <a:cs typeface="Courier New" panose="02070309020205020404" pitchFamily="49" charset="0"/>
+        </p:txBody>
+      </p:sp>
+      <p:sp>
+        <p:nvSpPr>
+          <p:cNvPr id="13" name="Rectangle 12"/>
+          <p:cNvSpPr/>
+          <p:nvPr/>
+        </p:nvSpPr>
+        <p:spPr bwMode="auto">
+          <a:xfrm>
+            <a:off x="1128943" y="5739755"/>
+            <a:ext cx="14394028" cy="642784"/>
+          </a:xfrm>
+          <a:prstGeom prst="rect">
+            <a:avLst/>
+          </a:prstGeom>
+          <a:solidFill>
+            <a:srgbClr val="108001">
+              <a:alpha val="25000"/>
+            </a:srgbClr>
+          </a:solidFill>
+          <a:ln>
+            <a:noFill/>
+            <a:headEnd type="none" w="med" len="med"/>
+            <a:tailEnd type="none" w="med" len="med"/>
+          </a:ln>
+          <a:effectLst/>
+        </p:spPr>
+        <p:style>
+          <a:lnRef idx="1">
+            <a:schemeClr val="accent4"/>
+          </a:lnRef>
+          <a:fillRef idx="3">
+            <a:schemeClr val="accent4"/>
+          </a:fillRef>
+          <a:effectRef idx="2">
+            <a:schemeClr val="accent4"/>
+          </a:effectRef>
+          <a:fontRef idx="minor">
+            <a:schemeClr val="lt1"/>
+          </a:fontRef>
+        </p:style>
+        <p:txBody>
+          <a:bodyPr vert="horz" wrap="square" lIns="91436" tIns="45718" rIns="91436" bIns="45718" numCol="1" rtlCol="0" anchor="ctr" anchorCtr="0" compatLnSpc="1">
+            <a:prstTxWarp prst="textNoShape">
+              <a:avLst/>
+            </a:prstTxWarp>
+          </a:bodyPr>
+          <a:lstStyle/>
+          <a:p>
+            <a:pPr algn="ctr" defTabSz="914099"/>
+            <a:endParaRPr lang="en-US" sz="2400" dirty="0" err="1" smtClean="0">
+              <a:gradFill>
+                <a:gsLst>
+                  <a:gs pos="0">
+                    <a:srgbClr val="FFFFFF"/>
+                  </a:gs>
+                  <a:gs pos="100000">
+                    <a:srgbClr val="FFFFFF"/>
+                  </a:gs>
+                </a:gsLst>
+                <a:lin ang="5400000" scaled="0"/>
+              </a:gradFill>
             </a:endParaRPr>
           </a:p>
         </p:txBody>
@@ -27439,7 +27736,7 @@
     </p:spTree>
     <p:extLst>
       <p:ext uri="{BB962C8B-B14F-4D97-AF65-F5344CB8AC3E}">
-        <p14:creationId xmlns:p14="http://schemas.microsoft.com/office/powerpoint/2010/main" val="784079630"/>
+        <p14:creationId xmlns:p14="http://schemas.microsoft.com/office/powerpoint/2010/main" val="2419589653"/>
       </p:ext>
     </p:extLst>
   </p:cSld>
@@ -27478,6 +27775,159 @@
       </p:grpSpPr>
       <p:sp>
         <p:nvSpPr>
+          <p:cNvPr id="2" name="Title 1"/>
+          <p:cNvSpPr>
+            <a:spLocks noGrp="1"/>
+          </p:cNvSpPr>
+          <p:nvPr>
+            <p:ph type="ctrTitle"/>
+          </p:nvPr>
+        </p:nvSpPr>
+        <p:spPr/>
+        <p:txBody>
+          <a:bodyPr>
+            <a:normAutofit fontScale="90000"/>
+          </a:bodyPr>
+          <a:lstStyle/>
+          <a:p>
+            <a:r>
+              <a:rPr lang="en-US" dirty="0" smtClean="0"/>
+              <a:t>Kitchen List</a:t>
+            </a:r>
+            <a:endParaRPr lang="en-US" dirty="0"/>
+          </a:p>
+        </p:txBody>
+      </p:sp>
+      <p:sp>
+        <p:nvSpPr>
+          <p:cNvPr id="3" name="Content Placeholder 2"/>
+          <p:cNvSpPr>
+            <a:spLocks noGrp="1"/>
+          </p:cNvSpPr>
+          <p:nvPr>
+            <p:ph type="subTitle" idx="1"/>
+          </p:nvPr>
+        </p:nvSpPr>
+        <p:spPr>
+          <a:xfrm>
+            <a:off x="1671638" y="3271838"/>
+            <a:ext cx="12319000" cy="4553028"/>
+          </a:xfrm>
+        </p:spPr>
+        <p:txBody>
+          <a:bodyPr/>
+          <a:lstStyle/>
+          <a:p>
+            <a:r>
+              <a:rPr lang="en-US" dirty="0" smtClean="0"/>
+              <a:t>Kitchen defines a list of instances, or test matrix, based on the </a:t>
+            </a:r>
+            <a:r>
+              <a:rPr lang="en-US" b="1" dirty="0" smtClean="0"/>
+              <a:t>platforms</a:t>
+            </a:r>
+            <a:r>
+              <a:rPr lang="en-US" dirty="0" smtClean="0"/>
+              <a:t> multiplied by the </a:t>
+            </a:r>
+            <a:r>
+              <a:rPr lang="en-US" b="1" dirty="0" smtClean="0"/>
+              <a:t>suites</a:t>
+            </a:r>
+            <a:r>
+              <a:rPr lang="en-US" dirty="0" smtClean="0"/>
+              <a:t>.</a:t>
+            </a:r>
+          </a:p>
+          <a:p>
+            <a:endParaRPr lang="en-US" dirty="0"/>
+          </a:p>
+          <a:p>
+            <a:pPr algn="ctr"/>
+            <a:r>
+              <a:rPr lang="en-US" dirty="0">
+                <a:cs typeface="Courier New" panose="02070309020205020404" pitchFamily="49" charset="0"/>
+              </a:rPr>
+              <a:t>PLATFORMS x SUITES</a:t>
+            </a:r>
+          </a:p>
+          <a:p>
+            <a:pPr algn="ctr"/>
+            <a:endParaRPr lang="en-US" dirty="0">
+              <a:latin typeface="Courier New" panose="02070309020205020404" pitchFamily="49" charset="0"/>
+              <a:cs typeface="Courier New" panose="02070309020205020404" pitchFamily="49" charset="0"/>
+            </a:endParaRPr>
+          </a:p>
+          <a:p>
+            <a:r>
+              <a:rPr lang="en-US" dirty="0">
+                <a:cs typeface="Courier New" panose="02070309020205020404" pitchFamily="49" charset="0"/>
+              </a:rPr>
+              <a:t>Running </a:t>
+            </a:r>
+            <a:r>
+              <a:rPr lang="en-US" b="1" dirty="0">
+                <a:latin typeface="Courier New" charset="0"/>
+                <a:ea typeface="Courier New" charset="0"/>
+                <a:cs typeface="Courier New" charset="0"/>
+              </a:rPr>
+              <a:t>kitchen list</a:t>
+            </a:r>
+            <a:r>
+              <a:rPr lang="en-US" dirty="0">
+                <a:cs typeface="Courier New" panose="02070309020205020404" pitchFamily="49" charset="0"/>
+              </a:rPr>
+              <a:t> will show that matrix.</a:t>
+            </a:r>
+            <a:endParaRPr lang="en-US" dirty="0">
+              <a:latin typeface="Courier New" panose="02070309020205020404" pitchFamily="49" charset="0"/>
+              <a:cs typeface="Courier New" panose="02070309020205020404" pitchFamily="49" charset="0"/>
+            </a:endParaRPr>
+          </a:p>
+        </p:txBody>
+      </p:sp>
+    </p:spTree>
+    <p:extLst>
+      <p:ext uri="{BB962C8B-B14F-4D97-AF65-F5344CB8AC3E}">
+        <p14:creationId xmlns:p14="http://schemas.microsoft.com/office/powerpoint/2010/main" val="784079630"/>
+      </p:ext>
+    </p:extLst>
+  </p:cSld>
+  <p:clrMapOvr>
+    <a:masterClrMapping/>
+  </p:clrMapOvr>
+  <p:transition spd="med">
+    <p:fade/>
+  </p:transition>
+  <p:timing>
+    <p:tnLst>
+      <p:par>
+        <p:cTn id="1" dur="indefinite" restart="never" nodeType="tmRoot"/>
+      </p:par>
+    </p:tnLst>
+  </p:timing>
+</p:sld>
+</file>
+
+<file path=ppt/slides/slide37.xml><?xml version="1.0" encoding="utf-8"?>
+<p:sld xmlns:a="http://schemas.openxmlformats.org/drawingml/2006/main" xmlns:r="http://schemas.openxmlformats.org/officeDocument/2006/relationships" xmlns:p="http://schemas.openxmlformats.org/presentationml/2006/main">
+  <p:cSld>
+    <p:spTree>
+      <p:nvGrpSpPr>
+        <p:cNvPr id="1" name=""/>
+        <p:cNvGrpSpPr/>
+        <p:nvPr/>
+      </p:nvGrpSpPr>
+      <p:grpSpPr>
+        <a:xfrm>
+          <a:off x="0" y="0"/>
+          <a:ext cx="0" cy="0"/>
+          <a:chOff x="0" y="0"/>
+          <a:chExt cx="0" cy="0"/>
+        </a:xfrm>
+      </p:grpSpPr>
+      <p:sp>
+        <p:nvSpPr>
           <p:cNvPr id="2" name="Content Placeholder 1"/>
           <p:cNvSpPr>
             <a:spLocks noGrp="1"/>
@@ -27629,7 +28079,7 @@
 </p:sld>
 </file>
 
-<file path=ppt/slides/slide37.xml><?xml version="1.0" encoding="utf-8"?>
+<file path=ppt/slides/slide38.xml><?xml version="1.0" encoding="utf-8"?>
 <p:sld xmlns:a="http://schemas.openxmlformats.org/drawingml/2006/main" xmlns:r="http://schemas.openxmlformats.org/officeDocument/2006/relationships" xmlns:p="http://schemas.openxmlformats.org/presentationml/2006/main">
   <p:cSld>
     <p:spTree>
@@ -28119,7 +28569,7 @@
 </p:sld>
 </file>
 
-<file path=ppt/slides/slide38.xml><?xml version="1.0" encoding="utf-8"?>
+<file path=ppt/slides/slide39.xml><?xml version="1.0" encoding="utf-8"?>
 <p:sld xmlns:a="http://schemas.openxmlformats.org/drawingml/2006/main" xmlns:r="http://schemas.openxmlformats.org/officeDocument/2006/relationships" xmlns:p="http://schemas.openxmlformats.org/presentationml/2006/main">
   <p:cSld>
     <p:spTree>
@@ -28920,7 +29370,112 @@
 </p:sld>
 </file>
 
-<file path=ppt/slides/slide39.xml><?xml version="1.0" encoding="utf-8"?>
+<file path=ppt/slides/slide4.xml><?xml version="1.0" encoding="utf-8"?>
+<p:sld xmlns:a="http://schemas.openxmlformats.org/drawingml/2006/main" xmlns:r="http://schemas.openxmlformats.org/officeDocument/2006/relationships" xmlns:p="http://schemas.openxmlformats.org/presentationml/2006/main">
+  <p:cSld>
+    <p:spTree>
+      <p:nvGrpSpPr>
+        <p:cNvPr id="1" name=""/>
+        <p:cNvGrpSpPr/>
+        <p:nvPr/>
+      </p:nvGrpSpPr>
+      <p:grpSpPr>
+        <a:xfrm>
+          <a:off x="0" y="0"/>
+          <a:ext cx="0" cy="0"/>
+          <a:chOff x="0" y="0"/>
+          <a:chExt cx="0" cy="0"/>
+        </a:xfrm>
+      </p:grpSpPr>
+      <p:sp>
+        <p:nvSpPr>
+          <p:cNvPr id="2" name="Title 1"/>
+          <p:cNvSpPr>
+            <a:spLocks noGrp="1"/>
+          </p:cNvSpPr>
+          <p:nvPr>
+            <p:ph type="ctrTitle"/>
+          </p:nvPr>
+        </p:nvSpPr>
+        <p:spPr/>
+        <p:txBody>
+          <a:bodyPr>
+            <a:normAutofit fontScale="90000"/>
+          </a:bodyPr>
+          <a:lstStyle/>
+          <a:p>
+            <a:r>
+              <a:rPr lang="en-US" dirty="0" smtClean="0"/>
+              <a:t>TDD and BDD</a:t>
+            </a:r>
+            <a:endParaRPr lang="en-US" dirty="0"/>
+          </a:p>
+        </p:txBody>
+      </p:sp>
+      <p:sp>
+        <p:nvSpPr>
+          <p:cNvPr id="3" name="Subtitle 2"/>
+          <p:cNvSpPr>
+            <a:spLocks noGrp="1"/>
+          </p:cNvSpPr>
+          <p:nvPr>
+            <p:ph type="subTitle" idx="1"/>
+          </p:nvPr>
+        </p:nvSpPr>
+        <p:spPr/>
+        <p:txBody>
+          <a:bodyPr/>
+          <a:lstStyle/>
+          <a:p>
+            <a:r>
+              <a:rPr lang="en-US" sz="3200" b="1" dirty="0"/>
+              <a:t>TDD </a:t>
+            </a:r>
+            <a:r>
+              <a:rPr lang="en-US" sz="3200" dirty="0"/>
+              <a:t>is a workflow process.</a:t>
+            </a:r>
+          </a:p>
+          <a:p>
+            <a:endParaRPr lang="en-US" sz="3200" b="1" dirty="0"/>
+          </a:p>
+          <a:p>
+            <a:r>
+              <a:rPr lang="en-US" sz="3200" b="1" dirty="0"/>
+              <a:t>BDD </a:t>
+            </a:r>
+            <a:r>
+              <a:rPr lang="en-US" sz="3200" dirty="0"/>
+              <a:t>influences the language we use to write tests and how we focus on the tests that matter.</a:t>
+            </a:r>
+            <a:endParaRPr lang="en-US" sz="3200" dirty="0"/>
+          </a:p>
+        </p:txBody>
+      </p:sp>
+    </p:spTree>
+    <p:extLst>
+      <p:ext uri="{BB962C8B-B14F-4D97-AF65-F5344CB8AC3E}">
+        <p14:creationId xmlns:p14="http://schemas.microsoft.com/office/powerpoint/2010/main" val="337108220"/>
+      </p:ext>
+    </p:extLst>
+  </p:cSld>
+  <p:clrMapOvr>
+    <a:masterClrMapping/>
+  </p:clrMapOvr>
+  <p:transition spd="med">
+    <p:fade/>
+  </p:transition>
+  <p:timing>
+    <p:tnLst>
+      <p:par>
+        <p:cTn id="1" dur="indefinite" restart="never" nodeType="tmRoot"/>
+      </p:par>
+    </p:tnLst>
+  </p:timing>
+</p:sld>
+</file>
+
+<file path=ppt/slides/slide40.xml><?xml version="1.0" encoding="utf-8"?>
 <p:sld xmlns:a="http://schemas.openxmlformats.org/drawingml/2006/main" xmlns:r="http://schemas.openxmlformats.org/officeDocument/2006/relationships" xmlns:p="http://schemas.openxmlformats.org/presentationml/2006/main">
   <p:cSld>
     <p:spTree>
@@ -29889,98 +30444,7 @@
 </p:sld>
 </file>
 
-<file path=ppt/slides/slide4.xml><?xml version="1.0" encoding="utf-8"?>
-<p:sld xmlns:a="http://schemas.openxmlformats.org/drawingml/2006/main" xmlns:r="http://schemas.openxmlformats.org/officeDocument/2006/relationships" xmlns:p="http://schemas.openxmlformats.org/presentationml/2006/main">
-  <p:cSld>
-    <p:spTree>
-      <p:nvGrpSpPr>
-        <p:cNvPr id="1" name=""/>
-        <p:cNvGrpSpPr/>
-        <p:nvPr/>
-      </p:nvGrpSpPr>
-      <p:grpSpPr>
-        <a:xfrm>
-          <a:off x="0" y="0"/>
-          <a:ext cx="0" cy="0"/>
-          <a:chOff x="0" y="0"/>
-          <a:chExt cx="0" cy="0"/>
-        </a:xfrm>
-      </p:grpSpPr>
-      <p:sp>
-        <p:nvSpPr>
-          <p:cNvPr id="2" name="Title 1"/>
-          <p:cNvSpPr>
-            <a:spLocks noGrp="1"/>
-          </p:cNvSpPr>
-          <p:nvPr>
-            <p:ph type="ctrTitle"/>
-          </p:nvPr>
-        </p:nvSpPr>
-        <p:spPr/>
-        <p:txBody>
-          <a:bodyPr>
-            <a:normAutofit fontScale="90000"/>
-          </a:bodyPr>
-          <a:lstStyle/>
-          <a:p>
-            <a:r>
-              <a:rPr lang="en-US" dirty="0" smtClean="0"/>
-              <a:t>BDD</a:t>
-            </a:r>
-            <a:endParaRPr lang="en-US" dirty="0"/>
-          </a:p>
-        </p:txBody>
-      </p:sp>
-      <p:sp>
-        <p:nvSpPr>
-          <p:cNvPr id="3" name="Subtitle 2"/>
-          <p:cNvSpPr>
-            <a:spLocks noGrp="1"/>
-          </p:cNvSpPr>
-          <p:nvPr>
-            <p:ph type="subTitle" idx="1"/>
-          </p:nvPr>
-        </p:nvSpPr>
-        <p:spPr/>
-        <p:txBody>
-          <a:bodyPr/>
-          <a:lstStyle/>
-          <a:p>
-            <a:r>
-              <a:rPr lang="en-US" sz="3200" i="1" dirty="0"/>
-              <a:t>BDD is a second-generation, outside-in, pull-based, multiple-stakeholder, multiple-scale, high-automation, agile methodology. It describes a cycle of interactions with well-defined outputs, resulting in the delivery of working, tested software that matters. </a:t>
-            </a:r>
-            <a:r>
-              <a:rPr lang="en-US" sz="3200" b="1" i="1" dirty="0"/>
-              <a:t>- Dan North</a:t>
-            </a:r>
-          </a:p>
-        </p:txBody>
-      </p:sp>
-    </p:spTree>
-    <p:extLst>
-      <p:ext uri="{BB962C8B-B14F-4D97-AF65-F5344CB8AC3E}">
-        <p14:creationId xmlns:p14="http://schemas.microsoft.com/office/powerpoint/2010/main" val="337108220"/>
-      </p:ext>
-    </p:extLst>
-  </p:cSld>
-  <p:clrMapOvr>
-    <a:masterClrMapping/>
-  </p:clrMapOvr>
-  <p:transition spd="med">
-    <p:fade/>
-  </p:transition>
-  <p:timing>
-    <p:tnLst>
-      <p:par>
-        <p:cTn id="1" dur="indefinite" restart="never" nodeType="tmRoot"/>
-      </p:par>
-    </p:tnLst>
-  </p:timing>
-</p:sld>
-</file>
-
-<file path=ppt/slides/slide40.xml><?xml version="1.0" encoding="utf-8"?>
+<file path=ppt/slides/slide41.xml><?xml version="1.0" encoding="utf-8"?>
 <p:sld xmlns:a="http://schemas.openxmlformats.org/drawingml/2006/main" xmlns:r="http://schemas.openxmlformats.org/officeDocument/2006/relationships" xmlns:p="http://schemas.openxmlformats.org/presentationml/2006/main">
   <p:cSld>
     <p:spTree>
@@ -30276,7 +30740,7 @@
 </p:sld>
 </file>
 
-<file path=ppt/slides/slide41.xml><?xml version="1.0" encoding="utf-8"?>
+<file path=ppt/slides/slide42.xml><?xml version="1.0" encoding="utf-8"?>
 <p:sld xmlns:a="http://schemas.openxmlformats.org/drawingml/2006/main" xmlns:r="http://schemas.openxmlformats.org/officeDocument/2006/relationships" xmlns:p="http://schemas.openxmlformats.org/presentationml/2006/main">
   <p:cSld>
     <p:spTree>
@@ -30448,7 +30912,7 @@
 </p:sld>
 </file>
 
-<file path=ppt/slides/slide42.xml><?xml version="1.0" encoding="utf-8"?>
+<file path=ppt/slides/slide43.xml><?xml version="1.0" encoding="utf-8"?>
 <p:sld xmlns:a="http://schemas.openxmlformats.org/drawingml/2006/main" xmlns:r="http://schemas.openxmlformats.org/officeDocument/2006/relationships" xmlns:p="http://schemas.openxmlformats.org/presentationml/2006/main">
   <p:cSld>
     <p:spTree>
@@ -30612,7 +31076,7 @@
 </p:sld>
 </file>
 
-<file path=ppt/slides/slide43.xml><?xml version="1.0" encoding="utf-8"?>
+<file path=ppt/slides/slide44.xml><?xml version="1.0" encoding="utf-8"?>
 <p:sld xmlns:a="http://schemas.openxmlformats.org/drawingml/2006/main" xmlns:r="http://schemas.openxmlformats.org/officeDocument/2006/relationships" xmlns:p="http://schemas.openxmlformats.org/presentationml/2006/main">
   <p:cSld>
     <p:spTree>
@@ -30997,7 +31461,7 @@
 </p:sld>
 </file>
 
-<file path=ppt/slides/slide44.xml><?xml version="1.0" encoding="utf-8"?>
+<file path=ppt/slides/slide45.xml><?xml version="1.0" encoding="utf-8"?>
 <p:sld xmlns:a="http://schemas.openxmlformats.org/drawingml/2006/main" xmlns:r="http://schemas.openxmlformats.org/officeDocument/2006/relationships" xmlns:p="http://schemas.openxmlformats.org/presentationml/2006/main">
   <p:cSld>
     <p:spTree>
@@ -31282,7 +31746,7 @@
 </p:sld>
 </file>
 
-<file path=ppt/slides/slide45.xml><?xml version="1.0" encoding="utf-8"?>
+<file path=ppt/slides/slide46.xml><?xml version="1.0" encoding="utf-8"?>
 <p:sld xmlns:a="http://schemas.openxmlformats.org/drawingml/2006/main" xmlns:r="http://schemas.openxmlformats.org/officeDocument/2006/relationships" xmlns:p="http://schemas.openxmlformats.org/presentationml/2006/main">
   <p:cSld>
     <p:spTree>
@@ -32323,7 +32787,7 @@
 </p:sld>
 </file>
 
-<file path=ppt/slides/slide46.xml><?xml version="1.0" encoding="utf-8"?>
+<file path=ppt/slides/slide47.xml><?xml version="1.0" encoding="utf-8"?>
 <p:sld xmlns:a="http://schemas.openxmlformats.org/drawingml/2006/main" xmlns:r="http://schemas.openxmlformats.org/officeDocument/2006/relationships" xmlns:p="http://schemas.openxmlformats.org/presentationml/2006/main">
   <p:cSld>
     <p:spTree>
@@ -32595,7 +33059,7 @@
 </p:sld>
 </file>
 
-<file path=ppt/slides/slide47.xml><?xml version="1.0" encoding="utf-8"?>
+<file path=ppt/slides/slide48.xml><?xml version="1.0" encoding="utf-8"?>
 <p:sld xmlns:a="http://schemas.openxmlformats.org/drawingml/2006/main" xmlns:r="http://schemas.openxmlformats.org/officeDocument/2006/relationships" xmlns:p="http://schemas.openxmlformats.org/presentationml/2006/main">
   <p:cSld>
     <p:spTree>
@@ -33965,7 +34429,7 @@
 </p:sld>
 </file>
 
-<file path=ppt/slides/slide48.xml><?xml version="1.0" encoding="utf-8"?>
+<file path=ppt/slides/slide49.xml><?xml version="1.0" encoding="utf-8"?>
 <p:sld xmlns:a="http://schemas.openxmlformats.org/drawingml/2006/main" xmlns:r="http://schemas.openxmlformats.org/officeDocument/2006/relationships" xmlns:p="http://schemas.openxmlformats.org/presentationml/2006/main">
   <p:cSld>
     <p:spTree>
@@ -34407,7 +34871,137 @@
 </p:sld>
 </file>
 
-<file path=ppt/slides/slide49.xml><?xml version="1.0" encoding="utf-8"?>
+<file path=ppt/slides/slide5.xml><?xml version="1.0" encoding="utf-8"?>
+<p:sld xmlns:a="http://schemas.openxmlformats.org/drawingml/2006/main" xmlns:r="http://schemas.openxmlformats.org/officeDocument/2006/relationships" xmlns:p="http://schemas.openxmlformats.org/presentationml/2006/main">
+  <p:cSld>
+    <p:spTree>
+      <p:nvGrpSpPr>
+        <p:cNvPr id="1" name=""/>
+        <p:cNvGrpSpPr/>
+        <p:nvPr/>
+      </p:nvGrpSpPr>
+      <p:grpSpPr>
+        <a:xfrm>
+          <a:off x="0" y="0"/>
+          <a:ext cx="0" cy="0"/>
+          <a:chOff x="0" y="0"/>
+          <a:chExt cx="0" cy="0"/>
+        </a:xfrm>
+      </p:grpSpPr>
+      <p:sp>
+        <p:nvSpPr>
+          <p:cNvPr id="2" name="Title 1"/>
+          <p:cNvSpPr>
+            <a:spLocks noGrp="1"/>
+          </p:cNvSpPr>
+          <p:nvPr>
+            <p:ph type="title"/>
+          </p:nvPr>
+        </p:nvSpPr>
+        <p:spPr/>
+        <p:txBody>
+          <a:bodyPr/>
+          <a:lstStyle/>
+          <a:p>
+            <a:r>
+              <a:rPr lang="en-US" dirty="0" smtClean="0"/>
+              <a:t>Objectives</a:t>
+            </a:r>
+            <a:endParaRPr lang="en-US" dirty="0"/>
+          </a:p>
+        </p:txBody>
+      </p:sp>
+      <p:sp>
+        <p:nvSpPr>
+          <p:cNvPr id="3" name="Text Placeholder 2"/>
+          <p:cNvSpPr>
+            <a:spLocks noGrp="1"/>
+          </p:cNvSpPr>
+          <p:nvPr>
+            <p:ph type="body" sz="quarter" idx="12"/>
+          </p:nvPr>
+        </p:nvSpPr>
+        <p:spPr/>
+        <p:txBody>
+          <a:bodyPr/>
+          <a:lstStyle/>
+          <a:p>
+            <a:r>
+              <a:rPr lang="en-US" dirty="0" smtClean="0"/>
+              <a:t>After completing this module, you should be able to:</a:t>
+            </a:r>
+          </a:p>
+          <a:p>
+            <a:endParaRPr lang="en-US" dirty="0"/>
+          </a:p>
+          <a:p>
+            <a:pPr marL="457200" indent="-457200">
+              <a:buFont typeface="Wingdings" charset="2"/>
+              <a:buChar char="Ø"/>
+            </a:pPr>
+            <a:r>
+              <a:rPr lang="en-US" dirty="0" smtClean="0"/>
+              <a:t>Use chef to generate a cookbook</a:t>
+            </a:r>
+          </a:p>
+          <a:p>
+            <a:pPr marL="457200" indent="-457200">
+              <a:buFont typeface="Wingdings" charset="2"/>
+              <a:buChar char="Ø"/>
+            </a:pPr>
+            <a:r>
+              <a:rPr lang="en-US" dirty="0" smtClean="0"/>
+              <a:t>Write an integration test</a:t>
+            </a:r>
+          </a:p>
+          <a:p>
+            <a:pPr marL="457200" indent="-457200">
+              <a:buFont typeface="Wingdings" charset="2"/>
+              <a:buChar char="Ø"/>
+            </a:pPr>
+            <a:r>
+              <a:rPr lang="en-US" dirty="0" smtClean="0"/>
+              <a:t>Use Test Kitchen to create, converge, and verify a recipe</a:t>
+            </a:r>
+            <a:endParaRPr lang="en-US" dirty="0"/>
+          </a:p>
+          <a:p>
+            <a:pPr marL="457200" indent="-457200">
+              <a:buFont typeface="Wingdings" charset="2"/>
+              <a:buChar char="Ø"/>
+            </a:pPr>
+            <a:r>
+              <a:rPr lang="en-US" dirty="0" smtClean="0"/>
+              <a:t>Develop a cookbook with a test-driven approach</a:t>
+            </a:r>
+            <a:endParaRPr lang="en-US" dirty="0"/>
+          </a:p>
+        </p:txBody>
+      </p:sp>
+    </p:spTree>
+    <p:extLst>
+      <p:ext uri="{BB962C8B-B14F-4D97-AF65-F5344CB8AC3E}">
+        <p14:creationId xmlns:p14="http://schemas.microsoft.com/office/powerpoint/2010/main" val="3816834146"/>
+      </p:ext>
+    </p:extLst>
+  </p:cSld>
+  <p:clrMapOvr>
+    <a:masterClrMapping/>
+  </p:clrMapOvr>
+  <p:transition spd="med">
+    <p:fade/>
+  </p:transition>
+  <p:timing>
+    <p:tnLst>
+      <p:par>
+        <p:cTn id="1" dur="indefinite" restart="never" nodeType="tmRoot"/>
+      </p:par>
+    </p:tnLst>
+  </p:timing>
+</p:sld>
+</file>
+
+<file path=ppt/slides/slide50.xml><?xml version="1.0" encoding="utf-8"?>
 <p:sld xmlns:a="http://schemas.openxmlformats.org/drawingml/2006/main" xmlns:r="http://schemas.openxmlformats.org/officeDocument/2006/relationships" xmlns:p="http://schemas.openxmlformats.org/presentationml/2006/main">
   <p:cSld>
     <p:spTree>
@@ -35866,264 +36460,6 @@
 </p:sld>
 </file>
 
-<file path=ppt/slides/slide5.xml><?xml version="1.0" encoding="utf-8"?>
-<p:sld xmlns:a="http://schemas.openxmlformats.org/drawingml/2006/main" xmlns:r="http://schemas.openxmlformats.org/officeDocument/2006/relationships" xmlns:p="http://schemas.openxmlformats.org/presentationml/2006/main">
-  <p:cSld>
-    <p:spTree>
-      <p:nvGrpSpPr>
-        <p:cNvPr id="1" name=""/>
-        <p:cNvGrpSpPr/>
-        <p:nvPr/>
-      </p:nvGrpSpPr>
-      <p:grpSpPr>
-        <a:xfrm>
-          <a:off x="0" y="0"/>
-          <a:ext cx="0" cy="0"/>
-          <a:chOff x="0" y="0"/>
-          <a:chExt cx="0" cy="0"/>
-        </a:xfrm>
-      </p:grpSpPr>
-      <p:sp>
-        <p:nvSpPr>
-          <p:cNvPr id="2" name="Title 1"/>
-          <p:cNvSpPr>
-            <a:spLocks noGrp="1"/>
-          </p:cNvSpPr>
-          <p:nvPr>
-            <p:ph type="title"/>
-          </p:nvPr>
-        </p:nvSpPr>
-        <p:spPr/>
-        <p:txBody>
-          <a:bodyPr/>
-          <a:lstStyle/>
-          <a:p>
-            <a:r>
-              <a:rPr lang="en-US" dirty="0" smtClean="0"/>
-              <a:t>Objectives</a:t>
-            </a:r>
-            <a:endParaRPr lang="en-US" dirty="0"/>
-          </a:p>
-        </p:txBody>
-      </p:sp>
-      <p:sp>
-        <p:nvSpPr>
-          <p:cNvPr id="3" name="Text Placeholder 2"/>
-          <p:cNvSpPr>
-            <a:spLocks noGrp="1"/>
-          </p:cNvSpPr>
-          <p:nvPr>
-            <p:ph type="body" sz="quarter" idx="12"/>
-          </p:nvPr>
-        </p:nvSpPr>
-        <p:spPr/>
-        <p:txBody>
-          <a:bodyPr/>
-          <a:lstStyle/>
-          <a:p>
-            <a:r>
-              <a:rPr lang="en-US" dirty="0" smtClean="0"/>
-              <a:t>After completing this module, you should be able to:</a:t>
-            </a:r>
-          </a:p>
-          <a:p>
-            <a:endParaRPr lang="en-US" dirty="0"/>
-          </a:p>
-          <a:p>
-            <a:pPr marL="457200" indent="-457200">
-              <a:buFont typeface="Wingdings" charset="2"/>
-              <a:buChar char="Ø"/>
-            </a:pPr>
-            <a:r>
-              <a:rPr lang="en-US" dirty="0" smtClean="0"/>
-              <a:t>Use chef to generate a cookbook</a:t>
-            </a:r>
-          </a:p>
-          <a:p>
-            <a:pPr marL="457200" indent="-457200">
-              <a:buFont typeface="Wingdings" charset="2"/>
-              <a:buChar char="Ø"/>
-            </a:pPr>
-            <a:r>
-              <a:rPr lang="en-US" dirty="0" smtClean="0"/>
-              <a:t>Write an integration test</a:t>
-            </a:r>
-          </a:p>
-          <a:p>
-            <a:pPr marL="457200" indent="-457200">
-              <a:buFont typeface="Wingdings" charset="2"/>
-              <a:buChar char="Ø"/>
-            </a:pPr>
-            <a:r>
-              <a:rPr lang="en-US" dirty="0" smtClean="0"/>
-              <a:t>Use Test Kitchen to create, converge, and verify a recipe</a:t>
-            </a:r>
-            <a:endParaRPr lang="en-US" dirty="0"/>
-          </a:p>
-          <a:p>
-            <a:pPr marL="457200" indent="-457200">
-              <a:buFont typeface="Wingdings" charset="2"/>
-              <a:buChar char="Ø"/>
-            </a:pPr>
-            <a:r>
-              <a:rPr lang="en-US" dirty="0" smtClean="0"/>
-              <a:t>Develop a cookbook with a test-driven approach</a:t>
-            </a:r>
-            <a:endParaRPr lang="en-US" dirty="0"/>
-          </a:p>
-        </p:txBody>
-      </p:sp>
-    </p:spTree>
-    <p:extLst>
-      <p:ext uri="{BB962C8B-B14F-4D97-AF65-F5344CB8AC3E}">
-        <p14:creationId xmlns:p14="http://schemas.microsoft.com/office/powerpoint/2010/main" val="3816834146"/>
-      </p:ext>
-    </p:extLst>
-  </p:cSld>
-  <p:clrMapOvr>
-    <a:masterClrMapping/>
-  </p:clrMapOvr>
-  <p:transition spd="med">
-    <p:fade/>
-  </p:transition>
-  <p:timing>
-    <p:tnLst>
-      <p:par>
-        <p:cTn id="1" dur="indefinite" restart="never" nodeType="tmRoot"/>
-      </p:par>
-    </p:tnLst>
-  </p:timing>
-</p:sld>
-</file>
-
-<file path=ppt/slides/slide50.xml><?xml version="1.0" encoding="utf-8"?>
-<p:sld xmlns:a="http://schemas.openxmlformats.org/drawingml/2006/main" xmlns:r="http://schemas.openxmlformats.org/officeDocument/2006/relationships" xmlns:p="http://schemas.openxmlformats.org/presentationml/2006/main">
-  <p:cSld>
-    <p:spTree>
-      <p:nvGrpSpPr>
-        <p:cNvPr id="1" name=""/>
-        <p:cNvGrpSpPr/>
-        <p:nvPr/>
-      </p:nvGrpSpPr>
-      <p:grpSpPr>
-        <a:xfrm>
-          <a:off x="0" y="0"/>
-          <a:ext cx="0" cy="0"/>
-          <a:chOff x="0" y="0"/>
-          <a:chExt cx="0" cy="0"/>
-        </a:xfrm>
-      </p:grpSpPr>
-      <p:sp>
-        <p:nvSpPr>
-          <p:cNvPr id="2" name="Title 1"/>
-          <p:cNvSpPr>
-            <a:spLocks noGrp="1"/>
-          </p:cNvSpPr>
-          <p:nvPr>
-            <p:ph type="title"/>
-          </p:nvPr>
-        </p:nvSpPr>
-        <p:spPr/>
-        <p:txBody>
-          <a:bodyPr/>
-          <a:lstStyle/>
-          <a:p>
-            <a:r>
-              <a:rPr lang="en-US" dirty="0" smtClean="0"/>
-              <a:t>Examine the Test Summary</a:t>
-            </a:r>
-            <a:endParaRPr lang="en-US" dirty="0"/>
-          </a:p>
-        </p:txBody>
-      </p:sp>
-      <p:sp>
-        <p:nvSpPr>
-          <p:cNvPr id="3" name="Content Placeholder 2"/>
-          <p:cNvSpPr>
-            <a:spLocks noGrp="1"/>
-          </p:cNvSpPr>
-          <p:nvPr>
-            <p:ph sz="quarter" idx="10"/>
-          </p:nvPr>
-        </p:nvSpPr>
-        <p:spPr/>
-        <p:txBody>
-          <a:bodyPr>
-            <a:normAutofit/>
-          </a:bodyPr>
-          <a:lstStyle/>
-          <a:p>
-            <a:r>
-              <a:rPr lang="en-US" dirty="0"/>
-              <a:t>Finished in 0.20256 seconds (files took 0.60564 seconds to load)</a:t>
-            </a:r>
-          </a:p>
-          <a:p>
-            <a:r>
-              <a:rPr lang="en-US" dirty="0" smtClean="0">
-                <a:solidFill>
-                  <a:srgbClr val="FF0000"/>
-                </a:solidFill>
-              </a:rPr>
-              <a:t>1 </a:t>
-            </a:r>
-            <a:r>
-              <a:rPr lang="en-US" dirty="0">
-                <a:solidFill>
-                  <a:srgbClr val="FF0000"/>
-                </a:solidFill>
-              </a:rPr>
-              <a:t>example, 1 failure</a:t>
-            </a:r>
-          </a:p>
-        </p:txBody>
-      </p:sp>
-      <p:sp>
-        <p:nvSpPr>
-          <p:cNvPr id="4" name="Content Placeholder 3"/>
-          <p:cNvSpPr>
-            <a:spLocks noGrp="1"/>
-          </p:cNvSpPr>
-          <p:nvPr>
-            <p:ph sz="quarter" idx="12"/>
-          </p:nvPr>
-        </p:nvSpPr>
-        <p:spPr/>
-        <p:txBody>
-          <a:bodyPr/>
-          <a:lstStyle/>
-          <a:p>
-            <a:r>
-              <a:rPr lang="en-US" dirty="0" smtClean="0"/>
-              <a:t>A final summary contains the length of execution time with the results shows that RSpec verified 1 example and found 1 failure.</a:t>
-            </a:r>
-            <a:endParaRPr lang="en-US" dirty="0"/>
-          </a:p>
-        </p:txBody>
-      </p:sp>
-    </p:spTree>
-    <p:extLst>
-      <p:ext uri="{BB962C8B-B14F-4D97-AF65-F5344CB8AC3E}">
-        <p14:creationId xmlns:p14="http://schemas.microsoft.com/office/powerpoint/2010/main" val="2421917063"/>
-      </p:ext>
-    </p:extLst>
-  </p:cSld>
-  <p:clrMapOvr>
-    <a:masterClrMapping/>
-  </p:clrMapOvr>
-  <p:transition spd="med">
-    <p:fade/>
-  </p:transition>
-  <p:timing>
-    <p:tnLst>
-      <p:par>
-        <p:cTn id="1" dur="indefinite" restart="never" nodeType="tmRoot"/>
-      </p:par>
-    </p:tnLst>
-  </p:timing>
-</p:sld>
-</file>
-
 <file path=ppt/slides/slide51.xml><?xml version="1.0" encoding="utf-8"?>
 <p:sld xmlns:a="http://schemas.openxmlformats.org/drawingml/2006/main" xmlns:r="http://schemas.openxmlformats.org/officeDocument/2006/relationships" xmlns:p="http://schemas.openxmlformats.org/presentationml/2006/main">
   <p:cSld>
@@ -36148,117 +36484,91 @@
             <a:spLocks noGrp="1"/>
           </p:cNvSpPr>
           <p:nvPr>
-            <p:ph type="ctrTitle"/>
+            <p:ph type="title"/>
+          </p:nvPr>
+        </p:nvSpPr>
+        <p:spPr/>
+        <p:txBody>
+          <a:bodyPr/>
+          <a:lstStyle/>
+          <a:p>
+            <a:r>
+              <a:rPr lang="en-US" dirty="0" smtClean="0"/>
+              <a:t>Examine the Test Summary</a:t>
+            </a:r>
+            <a:endParaRPr lang="en-US" dirty="0"/>
+          </a:p>
+        </p:txBody>
+      </p:sp>
+      <p:sp>
+        <p:nvSpPr>
+          <p:cNvPr id="3" name="Content Placeholder 2"/>
+          <p:cNvSpPr>
+            <a:spLocks noGrp="1"/>
+          </p:cNvSpPr>
+          <p:nvPr>
+            <p:ph sz="quarter" idx="10"/>
           </p:nvPr>
         </p:nvSpPr>
         <p:spPr/>
         <p:txBody>
           <a:bodyPr>
-            <a:normAutofit fontScale="90000"/>
+            <a:normAutofit/>
           </a:bodyPr>
           <a:lstStyle/>
           <a:p>
             <a:r>
+              <a:rPr lang="en-US" dirty="0"/>
+              <a:t>Finished in 0.20256 seconds (files took 0.60564 seconds to load)</a:t>
+            </a:r>
+          </a:p>
+          <a:p>
+            <a:r>
+              <a:rPr lang="en-US" dirty="0" smtClean="0">
+                <a:solidFill>
+                  <a:srgbClr val="FF0000"/>
+                </a:solidFill>
+              </a:rPr>
+              <a:t>1 </a:t>
+            </a:r>
+            <a:r>
+              <a:rPr lang="en-US" dirty="0">
+                <a:solidFill>
+                  <a:srgbClr val="FF0000"/>
+                </a:solidFill>
+              </a:rPr>
+              <a:t>example, 1 failure</a:t>
+            </a:r>
+          </a:p>
+        </p:txBody>
+      </p:sp>
+      <p:sp>
+        <p:nvSpPr>
+          <p:cNvPr id="4" name="Content Placeholder 3"/>
+          <p:cNvSpPr>
+            <a:spLocks noGrp="1"/>
+          </p:cNvSpPr>
+          <p:nvPr>
+            <p:ph sz="quarter" idx="12"/>
+          </p:nvPr>
+        </p:nvSpPr>
+        <p:spPr/>
+        <p:txBody>
+          <a:bodyPr/>
+          <a:lstStyle/>
+          <a:p>
+            <a:r>
               <a:rPr lang="en-US" dirty="0" smtClean="0"/>
-              <a:t>Build a Reliable Cookbook</a:t>
+              <a:t>A final summary contains the length of execution time with the results shows that RSpec verified 1 example and found 1 failure.</a:t>
             </a:r>
             <a:endParaRPr lang="en-US" dirty="0"/>
-          </a:p>
-        </p:txBody>
-      </p:sp>
-      <p:sp>
-        <p:nvSpPr>
-          <p:cNvPr id="3" name="Content Placeholder 2"/>
-          <p:cNvSpPr>
-            <a:spLocks noGrp="1"/>
-          </p:cNvSpPr>
-          <p:nvPr>
-            <p:ph sz="quarter" idx="11"/>
-          </p:nvPr>
-        </p:nvSpPr>
-        <p:spPr/>
-        <p:txBody>
-          <a:bodyPr/>
-          <a:lstStyle/>
-          <a:p>
-            <a:r>
-              <a:rPr lang="en-US" dirty="0" smtClean="0"/>
-              <a:t>This time it will be different.</a:t>
-            </a:r>
-            <a:endParaRPr lang="en-US" dirty="0"/>
-          </a:p>
-        </p:txBody>
-      </p:sp>
-      <p:sp>
-        <p:nvSpPr>
-          <p:cNvPr id="4" name="Text Placeholder 3"/>
-          <p:cNvSpPr>
-            <a:spLocks noGrp="1"/>
-          </p:cNvSpPr>
-          <p:nvPr>
-            <p:ph type="body" sz="quarter" idx="10"/>
-          </p:nvPr>
-        </p:nvSpPr>
-        <p:spPr/>
-        <p:txBody>
-          <a:bodyPr/>
-          <a:lstStyle/>
-          <a:p>
-            <a:pPr marL="342900" indent="-342900">
-              <a:buFont typeface="Wingdings" charset="2"/>
-              <a:buChar char="ü"/>
-            </a:pPr>
-            <a:r>
-              <a:rPr lang="en-US" dirty="0"/>
-              <a:t>Create a cookbook</a:t>
-            </a:r>
-          </a:p>
-          <a:p>
-            <a:pPr marL="342900" indent="-342900">
-              <a:buFont typeface="Wingdings" charset="2"/>
-              <a:buChar char="ü"/>
-            </a:pPr>
-            <a:r>
-              <a:rPr lang="en-US" dirty="0"/>
-              <a:t>Write tests that verifies the cookbook does what we want it to do</a:t>
-            </a:r>
-          </a:p>
-          <a:p>
-            <a:pPr marL="342900" indent="-342900">
-              <a:buFont typeface="Wingdings" charset="2"/>
-              <a:buChar char="ü"/>
-            </a:pPr>
-            <a:r>
-              <a:rPr lang="en-US" dirty="0"/>
-              <a:t>Execute the tests and see failure</a:t>
-            </a:r>
-          </a:p>
-          <a:p>
-            <a:pPr marL="342900" indent="-342900">
-              <a:buFont typeface="Wingdings" charset="2"/>
-              <a:buChar char="q"/>
-            </a:pPr>
-            <a:r>
-              <a:rPr lang="en-US" dirty="0"/>
-              <a:t>Write the recipe to make the test pass</a:t>
-            </a:r>
-          </a:p>
-          <a:p>
-            <a:pPr marL="342900" indent="-342900">
-              <a:buFont typeface="Wingdings" charset="2"/>
-              <a:buChar char="q"/>
-            </a:pPr>
-            <a:r>
-              <a:rPr lang="en-US" dirty="0"/>
-              <a:t>Execute the tests and see success</a:t>
-            </a:r>
           </a:p>
         </p:txBody>
       </p:sp>
     </p:spTree>
     <p:extLst>
       <p:ext uri="{BB962C8B-B14F-4D97-AF65-F5344CB8AC3E}">
-        <p14:creationId xmlns:p14="http://schemas.microsoft.com/office/powerpoint/2010/main" val="2556402984"/>
+        <p14:creationId xmlns:p14="http://schemas.microsoft.com/office/powerpoint/2010/main" val="2421917063"/>
       </p:ext>
     </p:extLst>
   </p:cSld>
@@ -36302,7 +36612,32 @@
             <a:spLocks noGrp="1"/>
           </p:cNvSpPr>
           <p:nvPr>
-            <p:ph type="title"/>
+            <p:ph type="ctrTitle"/>
+          </p:nvPr>
+        </p:nvSpPr>
+        <p:spPr/>
+        <p:txBody>
+          <a:bodyPr>
+            <a:normAutofit fontScale="90000"/>
+          </a:bodyPr>
+          <a:lstStyle/>
+          <a:p>
+            <a:r>
+              <a:rPr lang="en-US" dirty="0" smtClean="0"/>
+              <a:t>Build a Reliable Cookbook</a:t>
+            </a:r>
+            <a:endParaRPr lang="en-US" dirty="0"/>
+          </a:p>
+        </p:txBody>
+      </p:sp>
+      <p:sp>
+        <p:nvSpPr>
+          <p:cNvPr id="3" name="Content Placeholder 2"/>
+          <p:cNvSpPr>
+            <a:spLocks noGrp="1"/>
+          </p:cNvSpPr>
+          <p:nvPr>
+            <p:ph sz="quarter" idx="11"/>
           </p:nvPr>
         </p:nvSpPr>
         <p:spPr/>
@@ -36312,7 +36647,7 @@
           <a:p>
             <a:r>
               <a:rPr lang="en-US" dirty="0" smtClean="0"/>
-              <a:t>Write the Default Recipe for the Cookbook</a:t>
+              <a:t>This time it will be different.</a:t>
             </a:r>
             <a:endParaRPr lang="en-US" dirty="0"/>
           </a:p>
@@ -36320,207 +36655,74 @@
       </p:sp>
       <p:sp>
         <p:nvSpPr>
-          <p:cNvPr id="3" name="Content Placeholder 2"/>
-          <p:cNvSpPr>
-            <a:spLocks noGrp="1"/>
-          </p:cNvSpPr>
-          <p:nvPr>
-            <p:ph sz="quarter" idx="10"/>
-          </p:nvPr>
-        </p:nvSpPr>
-        <p:spPr/>
-        <p:txBody>
-          <a:bodyPr>
-            <a:normAutofit fontScale="92500" lnSpcReduction="20000"/>
-          </a:bodyPr>
-          <a:lstStyle/>
-          <a:p>
+          <p:cNvPr id="4" name="Text Placeholder 3"/>
+          <p:cNvSpPr>
+            <a:spLocks noGrp="1"/>
+          </p:cNvSpPr>
+          <p:nvPr>
+            <p:ph type="body" sz="quarter" idx="10"/>
+          </p:nvPr>
+        </p:nvSpPr>
+        <p:spPr/>
+        <p:txBody>
+          <a:bodyPr/>
+          <a:lstStyle/>
+          <a:p>
+            <a:pPr marL="342900" indent="-342900">
+              <a:buFont typeface="Wingdings" charset="2"/>
+              <a:buChar char="ü"/>
+            </a:pPr>
             <a:r>
               <a:rPr lang="en-US" dirty="0"/>
-              <a:t>#</a:t>
-            </a:r>
-          </a:p>
-          <a:p>
+              <a:t>Create a cookbook</a:t>
+            </a:r>
+          </a:p>
+          <a:p>
+            <a:pPr marL="342900" indent="-342900">
+              <a:buFont typeface="Wingdings" charset="2"/>
+              <a:buChar char="ü"/>
+            </a:pPr>
             <a:r>
               <a:rPr lang="en-US" dirty="0"/>
-              <a:t># Cookbook Name:: </a:t>
-            </a:r>
-            <a:r>
-              <a:rPr lang="en-US" dirty="0" err="1"/>
-              <a:t>httpd</a:t>
-            </a:r>
-            <a:endParaRPr lang="en-US" dirty="0"/>
-          </a:p>
-          <a:p>
+              <a:t>Write tests that verifies the cookbook does what we want it to do</a:t>
+            </a:r>
+          </a:p>
+          <a:p>
+            <a:pPr marL="342900" indent="-342900">
+              <a:buFont typeface="Wingdings" charset="2"/>
+              <a:buChar char="ü"/>
+            </a:pPr>
             <a:r>
               <a:rPr lang="en-US" dirty="0"/>
-              <a:t># Recipe:: default</a:t>
-            </a:r>
-          </a:p>
-          <a:p>
+              <a:t>Execute the tests and see failure</a:t>
+            </a:r>
+          </a:p>
+          <a:p>
+            <a:pPr marL="342900" indent="-342900">
+              <a:buFont typeface="Wingdings" charset="2"/>
+              <a:buChar char="q"/>
+            </a:pPr>
             <a:r>
               <a:rPr lang="en-US" dirty="0"/>
-              <a:t>#</a:t>
-            </a:r>
-          </a:p>
-          <a:p>
+              <a:t>Write the recipe to make the test pass</a:t>
+            </a:r>
+          </a:p>
+          <a:p>
+            <a:pPr marL="342900" indent="-342900">
+              <a:buFont typeface="Wingdings" charset="2"/>
+              <a:buChar char="q"/>
+            </a:pPr>
             <a:r>
               <a:rPr lang="en-US" dirty="0"/>
-              <a:t># Copyright (c) 2015 The Authors, All Rights Reserved.</a:t>
-            </a:r>
-          </a:p>
-          <a:p>
-            <a:r>
-              <a:rPr lang="en-US" dirty="0" smtClean="0"/>
-              <a:t>package '</a:t>
-            </a:r>
-            <a:r>
-              <a:rPr lang="en-US" dirty="0" err="1" smtClean="0"/>
-              <a:t>httpd</a:t>
-            </a:r>
-            <a:r>
-              <a:rPr lang="en-US" dirty="0" smtClean="0"/>
-              <a:t>'</a:t>
-            </a:r>
-          </a:p>
-          <a:p>
-            <a:endParaRPr lang="en-US" dirty="0" smtClean="0"/>
-          </a:p>
-          <a:p>
-            <a:r>
-              <a:rPr lang="en-US" dirty="0"/>
-              <a:t>file '/</a:t>
-            </a:r>
-            <a:r>
-              <a:rPr lang="en-US" dirty="0" err="1"/>
-              <a:t>var</a:t>
-            </a:r>
-            <a:r>
-              <a:rPr lang="en-US" dirty="0"/>
-              <a:t>/www/html/</a:t>
-            </a:r>
-            <a:r>
-              <a:rPr lang="en-US" dirty="0" err="1"/>
-              <a:t>index.html</a:t>
-            </a:r>
-            <a:r>
-              <a:rPr lang="en-US" dirty="0"/>
-              <a:t>' do</a:t>
-            </a:r>
-          </a:p>
-          <a:p>
-            <a:r>
-              <a:rPr lang="en-US" dirty="0"/>
-              <a:t>  content '&lt;h1&gt;Welcome Home!&lt;/h1&gt;'</a:t>
-            </a:r>
-          </a:p>
-          <a:p>
-            <a:r>
-              <a:rPr lang="en-US" dirty="0"/>
-              <a:t>end</a:t>
-            </a:r>
-          </a:p>
-          <a:p>
-            <a:endParaRPr lang="en-US" dirty="0"/>
-          </a:p>
-          <a:p>
-            <a:r>
-              <a:rPr lang="en-US" dirty="0" smtClean="0"/>
-              <a:t>service '</a:t>
-            </a:r>
-            <a:r>
-              <a:rPr lang="en-US" dirty="0" err="1" smtClean="0"/>
-              <a:t>httpd</a:t>
-            </a:r>
-            <a:r>
-              <a:rPr lang="en-US" dirty="0" smtClean="0"/>
-              <a:t>' do</a:t>
-            </a:r>
-          </a:p>
-          <a:p>
-            <a:r>
-              <a:rPr lang="en-US" dirty="0"/>
-              <a:t> </a:t>
-            </a:r>
-            <a:r>
-              <a:rPr lang="en-US" dirty="0" smtClean="0"/>
-              <a:t> action [:enable, :start]</a:t>
-            </a:r>
-          </a:p>
-          <a:p>
-            <a:r>
-              <a:rPr lang="en-US" dirty="0" smtClean="0"/>
-              <a:t>end</a:t>
-            </a:r>
-          </a:p>
-          <a:p>
-            <a:endParaRPr lang="en-US" dirty="0"/>
-          </a:p>
-        </p:txBody>
-      </p:sp>
-      <p:sp>
-        <p:nvSpPr>
-          <p:cNvPr id="4" name="Text Placeholder 3"/>
-          <p:cNvSpPr>
-            <a:spLocks noGrp="1"/>
-          </p:cNvSpPr>
-          <p:nvPr>
-            <p:ph type="body" sz="quarter" idx="11"/>
-          </p:nvPr>
-        </p:nvSpPr>
-        <p:spPr/>
-        <p:txBody>
-          <a:bodyPr/>
-          <a:lstStyle/>
-          <a:p>
-            <a:r>
-              <a:rPr lang="en-US" dirty="0" smtClean="0"/>
-              <a:t>~/</a:t>
-            </a:r>
-            <a:r>
-              <a:rPr lang="en-US" dirty="0" err="1" smtClean="0"/>
-              <a:t>httpd</a:t>
-            </a:r>
-            <a:r>
-              <a:rPr lang="en-US" dirty="0" smtClean="0"/>
-              <a:t>/recipes/</a:t>
-            </a:r>
-            <a:r>
-              <a:rPr lang="en-US" dirty="0" err="1" smtClean="0"/>
-              <a:t>default.rb</a:t>
-            </a:r>
-            <a:endParaRPr lang="en-US" dirty="0"/>
-          </a:p>
-        </p:txBody>
-      </p:sp>
-      <p:sp>
-        <p:nvSpPr>
-          <p:cNvPr id="6" name="Text Placeholder 5"/>
-          <p:cNvSpPr>
-            <a:spLocks noGrp="1"/>
-          </p:cNvSpPr>
-          <p:nvPr>
-            <p:ph type="body" sz="quarter" idx="13"/>
-          </p:nvPr>
-        </p:nvSpPr>
-        <p:spPr>
-          <a:xfrm>
-            <a:off x="1135042" y="4167962"/>
-            <a:ext cx="14404273" cy="3897395"/>
-          </a:xfrm>
-        </p:spPr>
-        <p:txBody>
-          <a:bodyPr/>
-          <a:lstStyle/>
-          <a:p>
-            <a:endParaRPr lang="en-US" dirty="0"/>
+              <a:t>Execute the tests and see success</a:t>
+            </a:r>
           </a:p>
         </p:txBody>
       </p:sp>
     </p:spTree>
     <p:extLst>
       <p:ext uri="{BB962C8B-B14F-4D97-AF65-F5344CB8AC3E}">
-        <p14:creationId xmlns:p14="http://schemas.microsoft.com/office/powerpoint/2010/main" val="3986247023"/>
+        <p14:creationId xmlns:p14="http://schemas.microsoft.com/office/powerpoint/2010/main" val="2556402984"/>
       </p:ext>
     </p:extLst>
   </p:cSld>
@@ -36559,7 +36761,30 @@
       </p:grpSpPr>
       <p:sp>
         <p:nvSpPr>
-          <p:cNvPr id="2" name="Content Placeholder 1"/>
+          <p:cNvPr id="2" name="Title 1"/>
+          <p:cNvSpPr>
+            <a:spLocks noGrp="1"/>
+          </p:cNvSpPr>
+          <p:nvPr>
+            <p:ph type="title"/>
+          </p:nvPr>
+        </p:nvSpPr>
+        <p:spPr/>
+        <p:txBody>
+          <a:bodyPr/>
+          <a:lstStyle/>
+          <a:p>
+            <a:r>
+              <a:rPr lang="en-US" dirty="0" smtClean="0"/>
+              <a:t>Write the Default Recipe for the Cookbook</a:t>
+            </a:r>
+            <a:endParaRPr lang="en-US" dirty="0"/>
+          </a:p>
+        </p:txBody>
+      </p:sp>
+      <p:sp>
+        <p:nvSpPr>
+          <p:cNvPr id="3" name="Content Placeholder 2"/>
           <p:cNvSpPr>
             <a:spLocks noGrp="1"/>
           </p:cNvSpPr>
@@ -36569,44 +36794,111 @@
         </p:nvSpPr>
         <p:spPr/>
         <p:txBody>
-          <a:bodyPr/>
+          <a:bodyPr>
+            <a:normAutofit fontScale="92500" lnSpcReduction="20000"/>
+          </a:bodyPr>
           <a:lstStyle/>
           <a:p>
             <a:r>
               <a:rPr lang="en-US" dirty="0"/>
-              <a:t>-----&gt; Starting Kitchen (v1.4.2</a:t>
-            </a:r>
-            <a:r>
-              <a:rPr lang="en-US" dirty="0" smtClean="0"/>
-              <a:t>)</a:t>
-            </a:r>
-          </a:p>
-          <a:p>
-            <a:r>
-              <a:rPr lang="en-US" dirty="0" smtClean="0"/>
-              <a:t>       Converging </a:t>
-            </a:r>
+              <a:t>#</a:t>
+            </a:r>
+          </a:p>
+          <a:p>
             <a:r>
               <a:rPr lang="en-US" dirty="0"/>
-              <a:t>2 resources</a:t>
-            </a:r>
-          </a:p>
-          <a:p>
-            <a:r>
-              <a:rPr lang="en-US" dirty="0"/>
-              <a:t>       Recipe: </a:t>
+              <a:t># Cookbook Name:: </a:t>
             </a:r>
             <a:r>
               <a:rPr lang="en-US" dirty="0" err="1"/>
               <a:t>httpd</a:t>
             </a:r>
+            <a:endParaRPr lang="en-US" dirty="0"/>
+          </a:p>
+          <a:p>
             <a:r>
               <a:rPr lang="en-US" dirty="0"/>
-              <a:t>::</a:t>
-            </a:r>
+              <a:t># Recipe:: default</a:t>
+            </a:r>
+          </a:p>
+          <a:p>
+            <a:r>
+              <a:rPr lang="en-US" dirty="0"/>
+              <a:t>#</a:t>
+            </a:r>
+          </a:p>
+          <a:p>
+            <a:r>
+              <a:rPr lang="en-US" dirty="0"/>
+              <a:t># Copyright (c) 2015 The Authors, All Rights Reserved.</a:t>
+            </a:r>
+          </a:p>
+          <a:p>
             <a:r>
               <a:rPr lang="en-US" dirty="0" smtClean="0"/>
-              <a:t>default</a:t>
+              <a:t>package '</a:t>
+            </a:r>
+            <a:r>
+              <a:rPr lang="en-US" dirty="0" err="1" smtClean="0"/>
+              <a:t>httpd</a:t>
+            </a:r>
+            <a:r>
+              <a:rPr lang="en-US" dirty="0" smtClean="0"/>
+              <a:t>'</a:t>
+            </a:r>
+          </a:p>
+          <a:p>
+            <a:endParaRPr lang="en-US" dirty="0" smtClean="0"/>
+          </a:p>
+          <a:p>
+            <a:r>
+              <a:rPr lang="en-US" dirty="0"/>
+              <a:t>file '/</a:t>
+            </a:r>
+            <a:r>
+              <a:rPr lang="en-US" dirty="0" err="1"/>
+              <a:t>var</a:t>
+            </a:r>
+            <a:r>
+              <a:rPr lang="en-US" dirty="0"/>
+              <a:t>/www/html/</a:t>
+            </a:r>
+            <a:r>
+              <a:rPr lang="en-US" dirty="0" err="1"/>
+              <a:t>index.html</a:t>
+            </a:r>
+            <a:r>
+              <a:rPr lang="en-US" dirty="0"/>
+              <a:t>' do</a:t>
+            </a:r>
+          </a:p>
+          <a:p>
+            <a:r>
+              <a:rPr lang="en-US" dirty="0"/>
+              <a:t>  content '&lt;h1&gt;Welcome Home!&lt;/h1&gt;'</a:t>
+            </a:r>
+          </a:p>
+          <a:p>
+            <a:r>
+              <a:rPr lang="en-US" dirty="0"/>
+              <a:t>end</a:t>
+            </a:r>
+          </a:p>
+          <a:p>
+            <a:endParaRPr lang="en-US" dirty="0"/>
+          </a:p>
+          <a:p>
+            <a:r>
+              <a:rPr lang="en-US" dirty="0" smtClean="0"/>
+              <a:t>service '</a:t>
+            </a:r>
+            <a:r>
+              <a:rPr lang="en-US" dirty="0" err="1" smtClean="0"/>
+              <a:t>httpd</a:t>
+            </a:r>
+            <a:r>
+              <a:rPr lang="en-US" dirty="0" smtClean="0"/>
+              <a:t>' do</a:t>
             </a:r>
           </a:p>
           <a:p>
@@ -36616,7 +36908,38 @@
             </a:r>
             <a:r>
               <a:rPr lang="en-US" dirty="0" smtClean="0"/>
-              <a:t>        * package[</a:t>
+              <a:t> action [:enable, :start]</a:t>
+            </a:r>
+          </a:p>
+          <a:p>
+            <a:r>
+              <a:rPr lang="en-US" dirty="0" smtClean="0"/>
+              <a:t>end</a:t>
+            </a:r>
+          </a:p>
+          <a:p>
+            <a:endParaRPr lang="en-US" dirty="0"/>
+          </a:p>
+        </p:txBody>
+      </p:sp>
+      <p:sp>
+        <p:nvSpPr>
+          <p:cNvPr id="4" name="Text Placeholder 3"/>
+          <p:cNvSpPr>
+            <a:spLocks noGrp="1"/>
+          </p:cNvSpPr>
+          <p:nvPr>
+            <p:ph type="body" sz="quarter" idx="11"/>
+          </p:nvPr>
+        </p:nvSpPr>
+        <p:spPr/>
+        <p:txBody>
+          <a:bodyPr/>
+          <a:lstStyle/>
+          <a:p>
+            <a:r>
+              <a:rPr lang="en-US" dirty="0" smtClean="0"/>
+              <a:t>~/</a:t>
             </a:r>
             <a:r>
               <a:rPr lang="en-US" dirty="0" err="1" smtClean="0"/>
@@ -36624,193 +36947,36 @@
             </a:r>
             <a:r>
               <a:rPr lang="en-US" dirty="0" smtClean="0"/>
-              <a:t>] action install</a:t>
+              <a:t>/recipes/</a:t>
+            </a:r>
+            <a:r>
+              <a:rPr lang="en-US" dirty="0" err="1" smtClean="0"/>
+              <a:t>default.rb</a:t>
             </a:r>
             <a:endParaRPr lang="en-US" dirty="0"/>
           </a:p>
-          <a:p>
-            <a:r>
-              <a:rPr lang="en-US" dirty="0"/>
-              <a:t>           - install version 2.2.15-47.el6.centos of package </a:t>
-            </a:r>
-            <a:r>
-              <a:rPr lang="en-US" dirty="0" err="1"/>
-              <a:t>httpd</a:t>
-            </a:r>
-            <a:endParaRPr lang="en-US" dirty="0"/>
-          </a:p>
-          <a:p>
-            <a:r>
-              <a:rPr lang="en-US" dirty="0" smtClean="0"/>
-              <a:t>         * file[/</a:t>
-            </a:r>
-            <a:r>
-              <a:rPr lang="en-US" dirty="0" err="1" smtClean="0"/>
-              <a:t>var</a:t>
-            </a:r>
-            <a:r>
-              <a:rPr lang="en-US" dirty="0" smtClean="0"/>
-              <a:t>/www/html/</a:t>
-            </a:r>
-            <a:r>
-              <a:rPr lang="en-US" dirty="0" err="1" smtClean="0"/>
-              <a:t>index.html</a:t>
-            </a:r>
-            <a:r>
-              <a:rPr lang="en-US" dirty="0" smtClean="0"/>
-              <a:t>] </a:t>
-            </a:r>
-            <a:r>
-              <a:rPr lang="en-US" dirty="0"/>
-              <a:t>action </a:t>
-            </a:r>
-            <a:r>
-              <a:rPr lang="en-US" dirty="0" smtClean="0"/>
-              <a:t>create</a:t>
-            </a:r>
-          </a:p>
-          <a:p>
-            <a:r>
-              <a:rPr lang="en-US" dirty="0"/>
-              <a:t> </a:t>
-            </a:r>
-            <a:r>
-              <a:rPr lang="en-US" dirty="0" smtClean="0"/>
-              <a:t>          - ...</a:t>
-            </a:r>
-          </a:p>
-          <a:p>
-            <a:r>
-              <a:rPr lang="en-US" dirty="0"/>
-              <a:t> </a:t>
-            </a:r>
-            <a:r>
-              <a:rPr lang="en-US" dirty="0" smtClean="0"/>
-              <a:t>        * </a:t>
-            </a:r>
-            <a:r>
-              <a:rPr lang="en-US" dirty="0"/>
-              <a:t>service[</a:t>
-            </a:r>
-            <a:r>
-              <a:rPr lang="en-US" dirty="0" err="1"/>
-              <a:t>httpd</a:t>
-            </a:r>
-            <a:r>
-              <a:rPr lang="en-US" dirty="0"/>
-              <a:t>] action enable</a:t>
-            </a:r>
-          </a:p>
-          <a:p>
-            <a:r>
-              <a:rPr lang="en-US" dirty="0"/>
-              <a:t>           - enable service service[</a:t>
-            </a:r>
-            <a:r>
-              <a:rPr lang="en-US" dirty="0" err="1"/>
-              <a:t>httpd</a:t>
-            </a:r>
-            <a:r>
-              <a:rPr lang="en-US" dirty="0"/>
-              <a:t>]</a:t>
-            </a:r>
-          </a:p>
-          <a:p>
-            <a:r>
-              <a:rPr lang="en-US" dirty="0"/>
-              <a:t>         * service[</a:t>
-            </a:r>
-            <a:r>
-              <a:rPr lang="en-US" dirty="0" err="1"/>
-              <a:t>httpd</a:t>
-            </a:r>
-            <a:r>
-              <a:rPr lang="en-US" dirty="0"/>
-              <a:t>] action start</a:t>
-            </a:r>
-          </a:p>
-          <a:p>
-            <a:r>
-              <a:rPr lang="en-US" dirty="0"/>
-              <a:t>           - start service service[</a:t>
-            </a:r>
-            <a:r>
-              <a:rPr lang="en-US" dirty="0" err="1"/>
-              <a:t>httpd</a:t>
-            </a:r>
-            <a:r>
-              <a:rPr lang="en-US" dirty="0"/>
-              <a:t>]</a:t>
-            </a:r>
-          </a:p>
-        </p:txBody>
-      </p:sp>
-      <p:sp>
-        <p:nvSpPr>
-          <p:cNvPr id="3" name="Text Placeholder 2"/>
-          <p:cNvSpPr>
-            <a:spLocks noGrp="1"/>
-          </p:cNvSpPr>
-          <p:nvPr>
-            <p:ph type="body" sz="quarter" idx="11"/>
-          </p:nvPr>
-        </p:nvSpPr>
-        <p:spPr/>
-        <p:txBody>
-          <a:bodyPr/>
-          <a:lstStyle/>
-          <a:p>
-            <a:r>
-              <a:rPr lang="en-US" dirty="0" smtClean="0"/>
-              <a:t>&gt; kitchen converge</a:t>
-            </a:r>
-            <a:endParaRPr lang="en-US" dirty="0"/>
-          </a:p>
-        </p:txBody>
-      </p:sp>
-      <p:sp>
-        <p:nvSpPr>
-          <p:cNvPr id="7" name="Content Placeholder 6"/>
-          <p:cNvSpPr>
-            <a:spLocks noGrp="1"/>
-          </p:cNvSpPr>
-          <p:nvPr>
-            <p:ph sz="quarter" idx="12"/>
+        </p:txBody>
+      </p:sp>
+      <p:sp>
+        <p:nvSpPr>
+          <p:cNvPr id="6" name="Text Placeholder 5"/>
+          <p:cNvSpPr>
+            <a:spLocks noGrp="1"/>
+          </p:cNvSpPr>
+          <p:nvPr>
+            <p:ph type="body" sz="quarter" idx="13"/>
           </p:nvPr>
         </p:nvSpPr>
         <p:spPr>
           <a:xfrm>
-            <a:off x="1127883" y="3865330"/>
-            <a:ext cx="14420850" cy="4031113"/>
+            <a:off x="1135042" y="4167962"/>
+            <a:ext cx="14404273" cy="3897395"/>
           </a:xfrm>
         </p:spPr>
         <p:txBody>
           <a:bodyPr/>
           <a:lstStyle/>
           <a:p>
-            <a:endParaRPr lang="en-US"/>
-          </a:p>
-        </p:txBody>
-      </p:sp>
-      <p:sp>
-        <p:nvSpPr>
-          <p:cNvPr id="5" name="Title 4"/>
-          <p:cNvSpPr>
-            <a:spLocks noGrp="1"/>
-          </p:cNvSpPr>
-          <p:nvPr>
-            <p:ph type="title"/>
-          </p:nvPr>
-        </p:nvSpPr>
-        <p:spPr/>
-        <p:txBody>
-          <a:bodyPr/>
-          <a:lstStyle/>
-          <a:p>
-            <a:r>
-              <a:rPr lang="en-US" dirty="0" smtClean="0"/>
-              <a:t>Re-Converge the Virtual Instance</a:t>
-            </a:r>
             <a:endParaRPr lang="en-US" dirty="0"/>
           </a:p>
         </p:txBody>
@@ -36818,7 +36984,7 @@
     </p:spTree>
     <p:extLst>
       <p:ext uri="{BB962C8B-B14F-4D97-AF65-F5344CB8AC3E}">
-        <p14:creationId xmlns:p14="http://schemas.microsoft.com/office/powerpoint/2010/main" val="2139065047"/>
+        <p14:creationId xmlns:p14="http://schemas.microsoft.com/office/powerpoint/2010/main" val="3986247023"/>
       </p:ext>
     </p:extLst>
   </p:cSld>
@@ -36857,37 +37023,200 @@
       </p:grpSpPr>
       <p:sp>
         <p:nvSpPr>
-          <p:cNvPr id="2" name="Title 1"/>
-          <p:cNvSpPr>
-            <a:spLocks noGrp="1"/>
-          </p:cNvSpPr>
-          <p:nvPr>
-            <p:ph type="ctrTitle"/>
-          </p:nvPr>
-        </p:nvSpPr>
-        <p:spPr/>
-        <p:txBody>
-          <a:bodyPr>
-            <a:normAutofit fontScale="90000"/>
-          </a:bodyPr>
-          <a:lstStyle/>
-          <a:p>
+          <p:cNvPr id="2" name="Content Placeholder 1"/>
+          <p:cNvSpPr>
+            <a:spLocks noGrp="1"/>
+          </p:cNvSpPr>
+          <p:nvPr>
+            <p:ph sz="quarter" idx="10"/>
+          </p:nvPr>
+        </p:nvSpPr>
+        <p:spPr/>
+        <p:txBody>
+          <a:bodyPr/>
+          <a:lstStyle/>
+          <a:p>
+            <a:r>
+              <a:rPr lang="en-US" dirty="0"/>
+              <a:t>-----&gt; Starting Kitchen (v1.4.2</a:t>
+            </a:r>
             <a:r>
               <a:rPr lang="en-US" dirty="0" smtClean="0"/>
-              <a:t>Build a Reliable Cookbook</a:t>
+              <a:t>)</a:t>
+            </a:r>
+          </a:p>
+          <a:p>
+            <a:r>
+              <a:rPr lang="en-US" dirty="0" smtClean="0"/>
+              <a:t>       Converging </a:t>
+            </a:r>
+            <a:r>
+              <a:rPr lang="en-US" dirty="0"/>
+              <a:t>2 resources</a:t>
+            </a:r>
+          </a:p>
+          <a:p>
+            <a:r>
+              <a:rPr lang="en-US" dirty="0"/>
+              <a:t>       Recipe: </a:t>
+            </a:r>
+            <a:r>
+              <a:rPr lang="en-US" dirty="0" err="1"/>
+              <a:t>httpd</a:t>
+            </a:r>
+            <a:r>
+              <a:rPr lang="en-US" dirty="0"/>
+              <a:t>::</a:t>
+            </a:r>
+            <a:r>
+              <a:rPr lang="en-US" dirty="0" smtClean="0"/>
+              <a:t>default</a:t>
+            </a:r>
+          </a:p>
+          <a:p>
+            <a:r>
+              <a:rPr lang="en-US" dirty="0"/>
+              <a:t> </a:t>
+            </a:r>
+            <a:r>
+              <a:rPr lang="en-US" dirty="0" smtClean="0"/>
+              <a:t>        * package[</a:t>
+            </a:r>
+            <a:r>
+              <a:rPr lang="en-US" dirty="0" err="1" smtClean="0"/>
+              <a:t>httpd</a:t>
+            </a:r>
+            <a:r>
+              <a:rPr lang="en-US" dirty="0" smtClean="0"/>
+              <a:t>] action install</a:t>
             </a:r>
             <a:endParaRPr lang="en-US" dirty="0"/>
           </a:p>
-        </p:txBody>
-      </p:sp>
-      <p:sp>
-        <p:nvSpPr>
-          <p:cNvPr id="3" name="Content Placeholder 2"/>
-          <p:cNvSpPr>
-            <a:spLocks noGrp="1"/>
-          </p:cNvSpPr>
-          <p:nvPr>
-            <p:ph sz="quarter" idx="11"/>
+          <a:p>
+            <a:r>
+              <a:rPr lang="en-US" dirty="0"/>
+              <a:t>           - install version 2.2.15-47.el6.centos of package </a:t>
+            </a:r>
+            <a:r>
+              <a:rPr lang="en-US" dirty="0" err="1"/>
+              <a:t>httpd</a:t>
+            </a:r>
+            <a:endParaRPr lang="en-US" dirty="0"/>
+          </a:p>
+          <a:p>
+            <a:r>
+              <a:rPr lang="en-US" dirty="0" smtClean="0"/>
+              <a:t>         * file[/</a:t>
+            </a:r>
+            <a:r>
+              <a:rPr lang="en-US" dirty="0" err="1" smtClean="0"/>
+              <a:t>var</a:t>
+            </a:r>
+            <a:r>
+              <a:rPr lang="en-US" dirty="0" smtClean="0"/>
+              <a:t>/www/html/</a:t>
+            </a:r>
+            <a:r>
+              <a:rPr lang="en-US" dirty="0" err="1" smtClean="0"/>
+              <a:t>index.html</a:t>
+            </a:r>
+            <a:r>
+              <a:rPr lang="en-US" dirty="0" smtClean="0"/>
+              <a:t>] </a:t>
+            </a:r>
+            <a:r>
+              <a:rPr lang="en-US" dirty="0"/>
+              <a:t>action </a:t>
+            </a:r>
+            <a:r>
+              <a:rPr lang="en-US" dirty="0" smtClean="0"/>
+              <a:t>create</a:t>
+            </a:r>
+          </a:p>
+          <a:p>
+            <a:r>
+              <a:rPr lang="en-US" dirty="0"/>
+              <a:t> </a:t>
+            </a:r>
+            <a:r>
+              <a:rPr lang="en-US" dirty="0" smtClean="0"/>
+              <a:t>          - ...</a:t>
+            </a:r>
+          </a:p>
+          <a:p>
+            <a:r>
+              <a:rPr lang="en-US" dirty="0"/>
+              <a:t> </a:t>
+            </a:r>
+            <a:r>
+              <a:rPr lang="en-US" dirty="0" smtClean="0"/>
+              <a:t>        * </a:t>
+            </a:r>
+            <a:r>
+              <a:rPr lang="en-US" dirty="0"/>
+              <a:t>service[</a:t>
+            </a:r>
+            <a:r>
+              <a:rPr lang="en-US" dirty="0" err="1"/>
+              <a:t>httpd</a:t>
+            </a:r>
+            <a:r>
+              <a:rPr lang="en-US" dirty="0"/>
+              <a:t>] action enable</a:t>
+            </a:r>
+          </a:p>
+          <a:p>
+            <a:r>
+              <a:rPr lang="en-US" dirty="0"/>
+              <a:t>           - enable service service[</a:t>
+            </a:r>
+            <a:r>
+              <a:rPr lang="en-US" dirty="0" err="1"/>
+              <a:t>httpd</a:t>
+            </a:r>
+            <a:r>
+              <a:rPr lang="en-US" dirty="0"/>
+              <a:t>]</a:t>
+            </a:r>
+          </a:p>
+          <a:p>
+            <a:r>
+              <a:rPr lang="en-US" dirty="0"/>
+              <a:t>         * service[</a:t>
+            </a:r>
+            <a:r>
+              <a:rPr lang="en-US" dirty="0" err="1"/>
+              <a:t>httpd</a:t>
+            </a:r>
+            <a:r>
+              <a:rPr lang="en-US" dirty="0"/>
+              <a:t>] action start</a:t>
+            </a:r>
+          </a:p>
+          <a:p>
+            <a:r>
+              <a:rPr lang="en-US" dirty="0"/>
+              <a:t>           - start service service[</a:t>
+            </a:r>
+            <a:r>
+              <a:rPr lang="en-US" dirty="0" err="1"/>
+              <a:t>httpd</a:t>
+            </a:r>
+            <a:r>
+              <a:rPr lang="en-US" dirty="0"/>
+              <a:t>]</a:t>
+            </a:r>
+          </a:p>
+        </p:txBody>
+      </p:sp>
+      <p:sp>
+        <p:nvSpPr>
+          <p:cNvPr id="3" name="Text Placeholder 2"/>
+          <p:cNvSpPr>
+            <a:spLocks noGrp="1"/>
+          </p:cNvSpPr>
+          <p:nvPr>
+            <p:ph type="body" sz="quarter" idx="11"/>
           </p:nvPr>
         </p:nvSpPr>
         <p:spPr/>
@@ -36897,7 +37226,7 @@
           <a:p>
             <a:r>
               <a:rPr lang="en-US" dirty="0" smtClean="0"/>
-              <a:t>This time it will be different.</a:t>
+              <a:t>&gt; kitchen converge</a:t>
             </a:r>
             <a:endParaRPr lang="en-US" dirty="0"/>
           </a:p>
@@ -36905,74 +37234,55 @@
       </p:sp>
       <p:sp>
         <p:nvSpPr>
-          <p:cNvPr id="4" name="Text Placeholder 3"/>
-          <p:cNvSpPr>
-            <a:spLocks noGrp="1"/>
-          </p:cNvSpPr>
-          <p:nvPr>
-            <p:ph type="body" sz="quarter" idx="10"/>
-          </p:nvPr>
-        </p:nvSpPr>
-        <p:spPr/>
+          <p:cNvPr id="7" name="Content Placeholder 6"/>
+          <p:cNvSpPr>
+            <a:spLocks noGrp="1"/>
+          </p:cNvSpPr>
+          <p:nvPr>
+            <p:ph sz="quarter" idx="12"/>
+          </p:nvPr>
+        </p:nvSpPr>
+        <p:spPr>
+          <a:xfrm>
+            <a:off x="1127883" y="3865330"/>
+            <a:ext cx="14420850" cy="4031113"/>
+          </a:xfrm>
+        </p:spPr>
         <p:txBody>
           <a:bodyPr/>
           <a:lstStyle/>
           <a:p>
-            <a:pPr marL="342900" indent="-342900">
-              <a:buFont typeface="Wingdings" charset="2"/>
-              <a:buChar char="ü"/>
-            </a:pPr>
-            <a:r>
-              <a:rPr lang="en-US" dirty="0"/>
-              <a:t>Create a cookbook</a:t>
-            </a:r>
-          </a:p>
-          <a:p>
-            <a:pPr marL="342900" indent="-342900">
-              <a:buFont typeface="Wingdings" charset="2"/>
-              <a:buChar char="ü"/>
-            </a:pPr>
-            <a:r>
-              <a:rPr lang="en-US" dirty="0"/>
-              <a:t>Write tests that verifies the cookbook does what we want it to do</a:t>
-            </a:r>
-          </a:p>
-          <a:p>
-            <a:pPr marL="342900" indent="-342900">
-              <a:buFont typeface="Wingdings" charset="2"/>
-              <a:buChar char="ü"/>
-            </a:pPr>
-            <a:r>
-              <a:rPr lang="en-US" dirty="0"/>
-              <a:t>Execute the tests and see failure</a:t>
-            </a:r>
-          </a:p>
-          <a:p>
-            <a:pPr marL="342900" indent="-342900">
-              <a:buFont typeface="Wingdings" charset="2"/>
-              <a:buChar char="ü"/>
-            </a:pPr>
-            <a:r>
-              <a:rPr lang="en-US" dirty="0"/>
-              <a:t>Write the recipe to make the test pass</a:t>
-            </a:r>
-          </a:p>
-          <a:p>
-            <a:pPr marL="342900" indent="-342900">
-              <a:buFont typeface="Wingdings" charset="2"/>
-              <a:buChar char="q"/>
-            </a:pPr>
-            <a:r>
-              <a:rPr lang="en-US" dirty="0"/>
-              <a:t>Execute the tests and see success</a:t>
-            </a:r>
+            <a:endParaRPr lang="en-US"/>
+          </a:p>
+        </p:txBody>
+      </p:sp>
+      <p:sp>
+        <p:nvSpPr>
+          <p:cNvPr id="5" name="Title 4"/>
+          <p:cNvSpPr>
+            <a:spLocks noGrp="1"/>
+          </p:cNvSpPr>
+          <p:nvPr>
+            <p:ph type="title"/>
+          </p:nvPr>
+        </p:nvSpPr>
+        <p:spPr/>
+        <p:txBody>
+          <a:bodyPr/>
+          <a:lstStyle/>
+          <a:p>
+            <a:r>
+              <a:rPr lang="en-US" dirty="0" smtClean="0"/>
+              <a:t>Re-Converge the Virtual Instance</a:t>
+            </a:r>
+            <a:endParaRPr lang="en-US" dirty="0"/>
           </a:p>
         </p:txBody>
       </p:sp>
     </p:spTree>
     <p:extLst>
       <p:ext uri="{BB962C8B-B14F-4D97-AF65-F5344CB8AC3E}">
-        <p14:creationId xmlns:p14="http://schemas.microsoft.com/office/powerpoint/2010/main" val="2663590745"/>
+        <p14:creationId xmlns:p14="http://schemas.microsoft.com/office/powerpoint/2010/main" val="2139065047"/>
       </p:ext>
     </p:extLst>
   </p:cSld>
@@ -37011,12 +37321,37 @@
       </p:grpSpPr>
       <p:sp>
         <p:nvSpPr>
-          <p:cNvPr id="2" name="Content Placeholder 1"/>
-          <p:cNvSpPr>
-            <a:spLocks noGrp="1"/>
-          </p:cNvSpPr>
-          <p:nvPr>
-            <p:ph sz="quarter" idx="10"/>
+          <p:cNvPr id="2" name="Title 1"/>
+          <p:cNvSpPr>
+            <a:spLocks noGrp="1"/>
+          </p:cNvSpPr>
+          <p:nvPr>
+            <p:ph type="ctrTitle"/>
+          </p:nvPr>
+        </p:nvSpPr>
+        <p:spPr/>
+        <p:txBody>
+          <a:bodyPr>
+            <a:normAutofit fontScale="90000"/>
+          </a:bodyPr>
+          <a:lstStyle/>
+          <a:p>
+            <a:r>
+              <a:rPr lang="en-US" dirty="0" smtClean="0"/>
+              <a:t>Build a Reliable Cookbook</a:t>
+            </a:r>
+            <a:endParaRPr lang="en-US" dirty="0"/>
+          </a:p>
+        </p:txBody>
+      </p:sp>
+      <p:sp>
+        <p:nvSpPr>
+          <p:cNvPr id="3" name="Content Placeholder 2"/>
+          <p:cNvSpPr>
+            <a:spLocks noGrp="1"/>
+          </p:cNvSpPr>
+          <p:nvPr>
+            <p:ph sz="quarter" idx="11"/>
           </p:nvPr>
         </p:nvSpPr>
         <p:spPr/>
@@ -37025,145 +37360,83 @@
           <a:lstStyle/>
           <a:p>
             <a:r>
+              <a:rPr lang="en-US" dirty="0" smtClean="0"/>
+              <a:t>This time it will be different.</a:t>
+            </a:r>
+            <a:endParaRPr lang="en-US" dirty="0"/>
+          </a:p>
+        </p:txBody>
+      </p:sp>
+      <p:sp>
+        <p:nvSpPr>
+          <p:cNvPr id="4" name="Text Placeholder 3"/>
+          <p:cNvSpPr>
+            <a:spLocks noGrp="1"/>
+          </p:cNvSpPr>
+          <p:nvPr>
+            <p:ph type="body" sz="quarter" idx="10"/>
+          </p:nvPr>
+        </p:nvSpPr>
+        <p:spPr/>
+        <p:txBody>
+          <a:bodyPr/>
+          <a:lstStyle/>
+          <a:p>
+            <a:pPr marL="342900" indent="-342900">
+              <a:buFont typeface="Wingdings" charset="2"/>
+              <a:buChar char="ü"/>
+            </a:pPr>
+            <a:r>
               <a:rPr lang="en-US" dirty="0"/>
-              <a:t> </a:t>
-            </a:r>
-            <a:r>
-              <a:rPr lang="en-US" dirty="0" smtClean="0"/>
-              <a:t>      </a:t>
-            </a:r>
-            <a:r>
-              <a:rPr lang="en-US" dirty="0" err="1" smtClean="0"/>
-              <a:t>httpd</a:t>
-            </a:r>
+              <a:t>Create a cookbook</a:t>
+            </a:r>
+          </a:p>
+          <a:p>
+            <a:pPr marL="342900" indent="-342900">
+              <a:buFont typeface="Wingdings" charset="2"/>
+              <a:buChar char="ü"/>
+            </a:pPr>
             <a:r>
               <a:rPr lang="en-US" dirty="0"/>
-              <a:t>::default</a:t>
-            </a:r>
-          </a:p>
-          <a:p>
-            <a:r>
-              <a:rPr lang="en-US" dirty="0" smtClean="0"/>
-              <a:t>         Command </a:t>
-            </a:r>
+              <a:t>Write tests that verifies the cookbook does what we want it to do</a:t>
+            </a:r>
+          </a:p>
+          <a:p>
+            <a:pPr marL="342900" indent="-342900">
+              <a:buFont typeface="Wingdings" charset="2"/>
+              <a:buChar char="ü"/>
+            </a:pPr>
             <a:r>
               <a:rPr lang="en-US" dirty="0"/>
-              <a:t>"curl http://</a:t>
-            </a:r>
-            <a:r>
-              <a:rPr lang="en-US" dirty="0" err="1"/>
-              <a:t>localhost</a:t>
-            </a:r>
+              <a:t>Execute the tests and see failure</a:t>
+            </a:r>
+          </a:p>
+          <a:p>
+            <a:pPr marL="342900" indent="-342900">
+              <a:buFont typeface="Wingdings" charset="2"/>
+              <a:buChar char="ü"/>
+            </a:pPr>
             <a:r>
               <a:rPr lang="en-US" dirty="0"/>
-              <a:t>"</a:t>
-            </a:r>
-          </a:p>
-          <a:p>
+              <a:t>Write the recipe to make the test pass</a:t>
+            </a:r>
+          </a:p>
+          <a:p>
+            <a:pPr marL="342900" indent="-342900">
+              <a:buFont typeface="Wingdings" charset="2"/>
+              <a:buChar char="q"/>
+            </a:pPr>
             <a:r>
               <a:rPr lang="en-US" dirty="0"/>
-              <a:t>           </a:t>
-            </a:r>
-            <a:r>
-              <a:rPr lang="en-US" dirty="0" err="1"/>
-              <a:t>stdout</a:t>
-            </a:r>
-            <a:endParaRPr lang="en-US" dirty="0"/>
-          </a:p>
-          <a:p>
-            <a:r>
-              <a:rPr lang="en-US" dirty="0"/>
-              <a:t>             should match </a:t>
-            </a:r>
-            <a:r>
-              <a:rPr lang="en-US" smtClean="0"/>
-              <a:t>/Welcome Home/</a:t>
-            </a:r>
-            <a:endParaRPr lang="en-US" dirty="0"/>
-          </a:p>
-          <a:p>
-            <a:endParaRPr lang="en-US" dirty="0"/>
-          </a:p>
-        </p:txBody>
-      </p:sp>
-      <p:sp>
-        <p:nvSpPr>
-          <p:cNvPr id="3" name="Text Placeholder 2"/>
-          <p:cNvSpPr>
-            <a:spLocks noGrp="1"/>
-          </p:cNvSpPr>
-          <p:nvPr>
-            <p:ph type="body" sz="quarter" idx="11"/>
-          </p:nvPr>
-        </p:nvSpPr>
-        <p:spPr/>
-        <p:txBody>
-          <a:bodyPr/>
-          <a:lstStyle/>
-          <a:p>
-            <a:r>
-              <a:rPr lang="en-US" dirty="0" smtClean="0"/>
-              <a:t>&gt; kitchen verify</a:t>
-            </a:r>
-            <a:endParaRPr lang="en-US" dirty="0"/>
-          </a:p>
-        </p:txBody>
-      </p:sp>
-      <p:sp>
-        <p:nvSpPr>
-          <p:cNvPr id="6" name="Content Placeholder 5"/>
-          <p:cNvSpPr>
-            <a:spLocks noGrp="1"/>
-          </p:cNvSpPr>
-          <p:nvPr>
-            <p:ph sz="quarter" idx="12"/>
-          </p:nvPr>
-        </p:nvSpPr>
-        <p:spPr>
-          <a:xfrm>
-            <a:off x="1127883" y="3865329"/>
-            <a:ext cx="14420850" cy="557213"/>
-          </a:xfrm>
-        </p:spPr>
-        <p:txBody>
-          <a:bodyPr/>
-          <a:lstStyle/>
-          <a:p>
-            <a:endParaRPr lang="en-US"/>
-          </a:p>
-        </p:txBody>
-      </p:sp>
-      <p:sp>
-        <p:nvSpPr>
-          <p:cNvPr id="5" name="Title 4"/>
-          <p:cNvSpPr>
-            <a:spLocks noGrp="1"/>
-          </p:cNvSpPr>
-          <p:nvPr>
-            <p:ph type="title"/>
-          </p:nvPr>
-        </p:nvSpPr>
-        <p:spPr/>
-        <p:txBody>
-          <a:bodyPr/>
-          <a:lstStyle/>
-          <a:p>
-            <a:r>
-              <a:rPr lang="en-US" dirty="0" smtClean="0"/>
-              <a:t>Re-Verify the </a:t>
-            </a:r>
-            <a:r>
-              <a:rPr lang="en-US" smtClean="0"/>
-              <a:t>Virtual Instance</a:t>
-            </a:r>
-            <a:endParaRPr lang="en-US" dirty="0"/>
+              <a:t>Execute the tests and see success</a:t>
+            </a:r>
           </a:p>
         </p:txBody>
       </p:sp>
     </p:spTree>
     <p:extLst>
       <p:ext uri="{BB962C8B-B14F-4D97-AF65-F5344CB8AC3E}">
-        <p14:creationId xmlns:p14="http://schemas.microsoft.com/office/powerpoint/2010/main" val="2754902543"/>
+        <p14:creationId xmlns:p14="http://schemas.microsoft.com/office/powerpoint/2010/main" val="2663590745"/>
       </p:ext>
     </p:extLst>
   </p:cSld>
@@ -37202,37 +37475,89 @@
       </p:grpSpPr>
       <p:sp>
         <p:nvSpPr>
-          <p:cNvPr id="2" name="Title 1"/>
-          <p:cNvSpPr>
-            <a:spLocks noGrp="1"/>
-          </p:cNvSpPr>
-          <p:nvPr>
-            <p:ph type="ctrTitle"/>
-          </p:nvPr>
-        </p:nvSpPr>
-        <p:spPr/>
-        <p:txBody>
-          <a:bodyPr>
-            <a:normAutofit fontScale="90000"/>
-          </a:bodyPr>
-          <a:lstStyle/>
-          <a:p>
+          <p:cNvPr id="2" name="Content Placeholder 1"/>
+          <p:cNvSpPr>
+            <a:spLocks noGrp="1"/>
+          </p:cNvSpPr>
+          <p:nvPr>
+            <p:ph sz="quarter" idx="10"/>
+          </p:nvPr>
+        </p:nvSpPr>
+        <p:spPr/>
+        <p:txBody>
+          <a:bodyPr/>
+          <a:lstStyle/>
+          <a:p>
+            <a:r>
+              <a:rPr lang="en-US" dirty="0"/>
+              <a:t> </a:t>
+            </a:r>
             <a:r>
               <a:rPr lang="en-US" dirty="0" smtClean="0"/>
-              <a:t>Build a Reliable Cookbook</a:t>
+              <a:t>      </a:t>
+            </a:r>
+            <a:r>
+              <a:rPr lang="en-US" dirty="0" err="1" smtClean="0"/>
+              <a:t>httpd</a:t>
+            </a:r>
+            <a:r>
+              <a:rPr lang="en-US" dirty="0"/>
+              <a:t>::default</a:t>
+            </a:r>
+          </a:p>
+          <a:p>
+            <a:r>
+              <a:rPr lang="en-US" dirty="0" smtClean="0"/>
+              <a:t>         Command </a:t>
+            </a:r>
+            <a:r>
+              <a:rPr lang="en-US" dirty="0"/>
+              <a:t>"curl http://</a:t>
+            </a:r>
+            <a:r>
+              <a:rPr lang="en-US" dirty="0" err="1"/>
+              <a:t>localhost</a:t>
+            </a:r>
+            <a:r>
+              <a:rPr lang="en-US" dirty="0"/>
+              <a:t>"</a:t>
+            </a:r>
+          </a:p>
+          <a:p>
+            <a:r>
+              <a:rPr lang="en-US" dirty="0"/>
+              <a:t>           </a:t>
+            </a:r>
+            <a:r>
+              <a:rPr lang="en-US" dirty="0" err="1"/>
+              <a:t>stdout</a:t>
             </a:r>
             <a:endParaRPr lang="en-US" dirty="0"/>
           </a:p>
-        </p:txBody>
-      </p:sp>
-      <p:sp>
-        <p:nvSpPr>
-          <p:cNvPr id="3" name="Content Placeholder 2"/>
-          <p:cNvSpPr>
-            <a:spLocks noGrp="1"/>
-          </p:cNvSpPr>
-          <p:nvPr>
-            <p:ph sz="quarter" idx="11"/>
+          <a:p>
+            <a:r>
+              <a:rPr lang="en-US" dirty="0"/>
+              <a:t>             should match </a:t>
+            </a:r>
+            <a:r>
+              <a:rPr lang="en-US" smtClean="0"/>
+              <a:t>/Welcome Home/</a:t>
+            </a:r>
+            <a:endParaRPr lang="en-US" dirty="0"/>
+          </a:p>
+          <a:p>
+            <a:endParaRPr lang="en-US" dirty="0"/>
+          </a:p>
+        </p:txBody>
+      </p:sp>
+      <p:sp>
+        <p:nvSpPr>
+          <p:cNvPr id="3" name="Text Placeholder 2"/>
+          <p:cNvSpPr>
+            <a:spLocks noGrp="1"/>
+          </p:cNvSpPr>
+          <p:nvPr>
+            <p:ph type="body" sz="quarter" idx="11"/>
           </p:nvPr>
         </p:nvSpPr>
         <p:spPr/>
@@ -37242,7 +37567,7 @@
           <a:p>
             <a:r>
               <a:rPr lang="en-US" dirty="0" smtClean="0"/>
-              <a:t>This time it will be different.</a:t>
+              <a:t>&gt; kitchen verify</a:t>
             </a:r>
             <a:endParaRPr lang="en-US" dirty="0"/>
           </a:p>
@@ -37250,74 +37575,59 @@
       </p:sp>
       <p:sp>
         <p:nvSpPr>
-          <p:cNvPr id="4" name="Text Placeholder 3"/>
-          <p:cNvSpPr>
-            <a:spLocks noGrp="1"/>
-          </p:cNvSpPr>
-          <p:nvPr>
-            <p:ph type="body" sz="quarter" idx="10"/>
-          </p:nvPr>
-        </p:nvSpPr>
-        <p:spPr/>
+          <p:cNvPr id="6" name="Content Placeholder 5"/>
+          <p:cNvSpPr>
+            <a:spLocks noGrp="1"/>
+          </p:cNvSpPr>
+          <p:nvPr>
+            <p:ph sz="quarter" idx="12"/>
+          </p:nvPr>
+        </p:nvSpPr>
+        <p:spPr>
+          <a:xfrm>
+            <a:off x="1127883" y="3865329"/>
+            <a:ext cx="14420850" cy="557213"/>
+          </a:xfrm>
+        </p:spPr>
         <p:txBody>
           <a:bodyPr/>
           <a:lstStyle/>
           <a:p>
-            <a:pPr marL="342900" indent="-342900">
-              <a:buFont typeface="Wingdings" charset="2"/>
-              <a:buChar char="ü"/>
-            </a:pPr>
-            <a:r>
-              <a:rPr lang="en-US" dirty="0"/>
-              <a:t>Create a cookbook</a:t>
-            </a:r>
-          </a:p>
-          <a:p>
-            <a:pPr marL="342900" indent="-342900">
-              <a:buFont typeface="Wingdings" charset="2"/>
-              <a:buChar char="ü"/>
-            </a:pPr>
-            <a:r>
-              <a:rPr lang="en-US" dirty="0"/>
-              <a:t>Write tests that verifies the cookbook does what we want it to do</a:t>
-            </a:r>
-          </a:p>
-          <a:p>
-            <a:pPr marL="342900" indent="-342900">
-              <a:buFont typeface="Wingdings" charset="2"/>
-              <a:buChar char="ü"/>
-            </a:pPr>
-            <a:r>
-              <a:rPr lang="en-US" dirty="0"/>
-              <a:t>Execute the tests and see failure</a:t>
-            </a:r>
-          </a:p>
-          <a:p>
-            <a:pPr marL="342900" indent="-342900">
-              <a:buFont typeface="Wingdings" charset="2"/>
-              <a:buChar char="ü"/>
-            </a:pPr>
-            <a:r>
-              <a:rPr lang="en-US" dirty="0"/>
-              <a:t>Write the recipe to make the test pass</a:t>
-            </a:r>
-          </a:p>
-          <a:p>
-            <a:pPr marL="342900" indent="-342900">
-              <a:buFont typeface="Wingdings" charset="2"/>
-              <a:buChar char="ü"/>
-            </a:pPr>
-            <a:r>
-              <a:rPr lang="en-US" dirty="0"/>
-              <a:t>Execute the tests and see success</a:t>
-            </a:r>
+            <a:endParaRPr lang="en-US"/>
+          </a:p>
+        </p:txBody>
+      </p:sp>
+      <p:sp>
+        <p:nvSpPr>
+          <p:cNvPr id="5" name="Title 4"/>
+          <p:cNvSpPr>
+            <a:spLocks noGrp="1"/>
+          </p:cNvSpPr>
+          <p:nvPr>
+            <p:ph type="title"/>
+          </p:nvPr>
+        </p:nvSpPr>
+        <p:spPr/>
+        <p:txBody>
+          <a:bodyPr/>
+          <a:lstStyle/>
+          <a:p>
+            <a:r>
+              <a:rPr lang="en-US" dirty="0" smtClean="0"/>
+              <a:t>Re-Verify the </a:t>
+            </a:r>
+            <a:r>
+              <a:rPr lang="en-US" smtClean="0"/>
+              <a:t>Virtual Instance</a:t>
+            </a:r>
+            <a:endParaRPr lang="en-US" dirty="0"/>
           </a:p>
         </p:txBody>
       </p:sp>
     </p:spTree>
     <p:extLst>
       <p:ext uri="{BB962C8B-B14F-4D97-AF65-F5344CB8AC3E}">
-        <p14:creationId xmlns:p14="http://schemas.microsoft.com/office/powerpoint/2010/main" val="4231435762"/>
+        <p14:creationId xmlns:p14="http://schemas.microsoft.com/office/powerpoint/2010/main" val="2754902543"/>
       </p:ext>
     </p:extLst>
   </p:cSld>
@@ -37373,7 +37683,7 @@
           <a:p>
             <a:r>
               <a:rPr lang="en-US" dirty="0" smtClean="0"/>
-              <a:t>Discussion</a:t>
+              <a:t>Build a Reliable Cookbook</a:t>
             </a:r>
             <a:endParaRPr lang="en-US" dirty="0"/>
           </a:p>
@@ -37381,12 +37691,12 @@
       </p:sp>
       <p:sp>
         <p:nvSpPr>
-          <p:cNvPr id="3" name="Subtitle 2"/>
-          <p:cNvSpPr>
-            <a:spLocks noGrp="1"/>
-          </p:cNvSpPr>
-          <p:nvPr>
-            <p:ph type="subTitle" idx="1"/>
+          <p:cNvPr id="3" name="Content Placeholder 2"/>
+          <p:cNvSpPr>
+            <a:spLocks noGrp="1"/>
+          </p:cNvSpPr>
+          <p:nvPr>
+            <p:ph sz="quarter" idx="11"/>
           </p:nvPr>
         </p:nvSpPr>
         <p:spPr/>
@@ -37396,33 +37706,82 @@
           <a:p>
             <a:r>
               <a:rPr lang="en-US" dirty="0" smtClean="0"/>
-              <a:t>What value is there is writing the tests before writing the recipes?</a:t>
-            </a:r>
-          </a:p>
-          <a:p>
-            <a:endParaRPr lang="en-US" dirty="0" smtClean="0"/>
-          </a:p>
-          <a:p>
-            <a:r>
-              <a:rPr lang="en-US" dirty="0" smtClean="0"/>
-              <a:t>Why is it hard to write the tests before you write the recipe?</a:t>
-            </a:r>
-          </a:p>
-          <a:p>
+              <a:t>This time it will be different.</a:t>
+            </a:r>
             <a:endParaRPr lang="en-US" dirty="0"/>
           </a:p>
-          <a:p>
-            <a:endParaRPr lang="en-US" dirty="0" smtClean="0"/>
-          </a:p>
-          <a:p>
-            <a:endParaRPr lang="en-US" dirty="0"/>
+        </p:txBody>
+      </p:sp>
+      <p:sp>
+        <p:nvSpPr>
+          <p:cNvPr id="4" name="Text Placeholder 3"/>
+          <p:cNvSpPr>
+            <a:spLocks noGrp="1"/>
+          </p:cNvSpPr>
+          <p:nvPr>
+            <p:ph type="body" sz="quarter" idx="10"/>
+          </p:nvPr>
+        </p:nvSpPr>
+        <p:spPr/>
+        <p:txBody>
+          <a:bodyPr/>
+          <a:lstStyle/>
+          <a:p>
+            <a:pPr marL="342900" indent="-342900">
+              <a:buFont typeface="Wingdings" charset="2"/>
+              <a:buChar char="ü"/>
+            </a:pPr>
+            <a:r>
+              <a:rPr lang="en-US" dirty="0"/>
+              <a:t>Create a cookbook</a:t>
+            </a:r>
+          </a:p>
+          <a:p>
+            <a:pPr marL="342900" indent="-342900">
+              <a:buFont typeface="Wingdings" charset="2"/>
+              <a:buChar char="ü"/>
+            </a:pPr>
+            <a:r>
+              <a:rPr lang="en-US" dirty="0"/>
+              <a:t>Write tests that verifies the cookbook does what we want it to do</a:t>
+            </a:r>
+          </a:p>
+          <a:p>
+            <a:pPr marL="342900" indent="-342900">
+              <a:buFont typeface="Wingdings" charset="2"/>
+              <a:buChar char="ü"/>
+            </a:pPr>
+            <a:r>
+              <a:rPr lang="en-US" dirty="0"/>
+              <a:t>Execute the tests and see failure</a:t>
+            </a:r>
+          </a:p>
+          <a:p>
+            <a:pPr marL="342900" indent="-342900">
+              <a:buFont typeface="Wingdings" charset="2"/>
+              <a:buChar char="ü"/>
+            </a:pPr>
+            <a:r>
+              <a:rPr lang="en-US" dirty="0"/>
+              <a:t>Write the recipe to make the test pass</a:t>
+            </a:r>
+          </a:p>
+          <a:p>
+            <a:pPr marL="342900" indent="-342900">
+              <a:buFont typeface="Wingdings" charset="2"/>
+              <a:buChar char="ü"/>
+            </a:pPr>
+            <a:r>
+              <a:rPr lang="en-US" dirty="0"/>
+              <a:t>Execute the tests and see success</a:t>
+            </a:r>
           </a:p>
         </p:txBody>
       </p:sp>
     </p:spTree>
     <p:extLst>
       <p:ext uri="{BB962C8B-B14F-4D97-AF65-F5344CB8AC3E}">
-        <p14:creationId xmlns:p14="http://schemas.microsoft.com/office/powerpoint/2010/main" val="504990886"/>
+        <p14:creationId xmlns:p14="http://schemas.microsoft.com/office/powerpoint/2010/main" val="4231435762"/>
       </p:ext>
     </p:extLst>
   </p:cSld>
@@ -37478,7 +37837,7 @@
           <a:p>
             <a:r>
               <a:rPr lang="en-US" dirty="0" smtClean="0"/>
-              <a:t>Q&amp;A</a:t>
+              <a:t>Discussion</a:t>
             </a:r>
             <a:endParaRPr lang="en-US" dirty="0"/>
           </a:p>
@@ -37501,8 +37860,25 @@
           <a:p>
             <a:r>
               <a:rPr lang="en-US" dirty="0" smtClean="0"/>
-              <a:t>What questions can we answer for you?</a:t>
-            </a:r>
+              <a:t>What value is there is writing the tests before writing the recipes?</a:t>
+            </a:r>
+          </a:p>
+          <a:p>
+            <a:endParaRPr lang="en-US" dirty="0" smtClean="0"/>
+          </a:p>
+          <a:p>
+            <a:r>
+              <a:rPr lang="en-US" dirty="0" smtClean="0"/>
+              <a:t>Why is it hard to write the tests before you write the recipe?</a:t>
+            </a:r>
+          </a:p>
+          <a:p>
+            <a:endParaRPr lang="en-US" dirty="0"/>
+          </a:p>
+          <a:p>
+            <a:endParaRPr lang="en-US" dirty="0" smtClean="0"/>
+          </a:p>
+          <a:p>
             <a:endParaRPr lang="en-US" dirty="0"/>
           </a:p>
         </p:txBody>
@@ -37510,7 +37886,7 @@
     </p:spTree>
     <p:extLst>
       <p:ext uri="{BB962C8B-B14F-4D97-AF65-F5344CB8AC3E}">
-        <p14:creationId xmlns:p14="http://schemas.microsoft.com/office/powerpoint/2010/main" val="941952846"/>
+        <p14:creationId xmlns:p14="http://schemas.microsoft.com/office/powerpoint/2010/main" val="504990886"/>
       </p:ext>
     </p:extLst>
   </p:cSld>
@@ -37549,12 +37925,37 @@
       </p:grpSpPr>
       <p:sp>
         <p:nvSpPr>
-          <p:cNvPr id="2" name="Content Placeholder 1"/>
-          <p:cNvSpPr>
-            <a:spLocks noGrp="1"/>
-          </p:cNvSpPr>
-          <p:nvPr>
-            <p:ph sz="quarter" idx="14"/>
+          <p:cNvPr id="2" name="Title 1"/>
+          <p:cNvSpPr>
+            <a:spLocks noGrp="1"/>
+          </p:cNvSpPr>
+          <p:nvPr>
+            <p:ph type="ctrTitle"/>
+          </p:nvPr>
+        </p:nvSpPr>
+        <p:spPr/>
+        <p:txBody>
+          <a:bodyPr>
+            <a:normAutofit fontScale="90000"/>
+          </a:bodyPr>
+          <a:lstStyle/>
+          <a:p>
+            <a:r>
+              <a:rPr lang="en-US" dirty="0" smtClean="0"/>
+              <a:t>Q&amp;A</a:t>
+            </a:r>
+            <a:endParaRPr lang="en-US" dirty="0"/>
+          </a:p>
+        </p:txBody>
+      </p:sp>
+      <p:sp>
+        <p:nvSpPr>
+          <p:cNvPr id="3" name="Subtitle 2"/>
+          <p:cNvSpPr>
+            <a:spLocks noGrp="1"/>
+          </p:cNvSpPr>
+          <p:nvPr>
+            <p:ph type="subTitle" idx="1"/>
           </p:nvPr>
         </p:nvSpPr>
         <p:spPr/>
@@ -37564,122 +37965,7 @@
           <a:p>
             <a:r>
               <a:rPr lang="en-US" dirty="0" smtClean="0"/>
-              <a:t>Introduction</a:t>
-            </a:r>
-          </a:p>
-          <a:p>
-            <a:r>
-              <a:rPr lang="en-US" dirty="0" smtClean="0"/>
-              <a:t>Why </a:t>
-            </a:r>
-            <a:r>
-              <a:rPr lang="en-US" dirty="0"/>
-              <a:t>W</a:t>
-            </a:r>
-            <a:r>
-              <a:rPr lang="en-US" dirty="0" smtClean="0"/>
-              <a:t>rite Tests? Why is that Hard?</a:t>
-            </a:r>
-          </a:p>
-          <a:p>
-            <a:r>
-              <a:rPr lang="en-US" dirty="0" smtClean="0"/>
-              <a:t>Writing a Test First</a:t>
-            </a:r>
-          </a:p>
-          <a:p>
-            <a:r>
-              <a:rPr lang="en-US" b="1" dirty="0" smtClean="0"/>
-              <a:t>Refactoring Cookbooks with Tests</a:t>
-            </a:r>
-          </a:p>
-          <a:p>
-            <a:endParaRPr lang="en-US" dirty="0" smtClean="0"/>
-          </a:p>
-        </p:txBody>
-      </p:sp>
-      <p:sp>
-        <p:nvSpPr>
-          <p:cNvPr id="3" name="Content Placeholder 2"/>
-          <p:cNvSpPr>
-            <a:spLocks noGrp="1"/>
-          </p:cNvSpPr>
-          <p:nvPr>
-            <p:ph sz="quarter" idx="12"/>
-          </p:nvPr>
-        </p:nvSpPr>
-        <p:spPr/>
-        <p:txBody>
-          <a:bodyPr/>
-          <a:lstStyle/>
-          <a:p>
-            <a:r>
-              <a:rPr lang="en-US" dirty="0" smtClean="0"/>
-              <a:t>Faster Feedback with Unit Testing</a:t>
-            </a:r>
-          </a:p>
-          <a:p>
-            <a:r>
-              <a:rPr lang="en-US" dirty="0" smtClean="0"/>
-              <a:t>Testing Resources in Recipes</a:t>
-            </a:r>
-          </a:p>
-          <a:p>
-            <a:r>
-              <a:rPr lang="en-US" dirty="0" smtClean="0"/>
-              <a:t>Refactoring to Attributes</a:t>
-            </a:r>
-          </a:p>
-          <a:p>
-            <a:r>
-              <a:rPr lang="en-US" dirty="0" smtClean="0"/>
-              <a:t>Refactoring to Multiple Platforms</a:t>
-            </a:r>
-            <a:endParaRPr lang="en-US" dirty="0"/>
-          </a:p>
-        </p:txBody>
-      </p:sp>
-      <p:sp>
-        <p:nvSpPr>
-          <p:cNvPr id="4" name="Text Placeholder 3"/>
-          <p:cNvSpPr>
-            <a:spLocks noGrp="1"/>
-          </p:cNvSpPr>
-          <p:nvPr>
-            <p:ph type="body" sz="quarter" idx="15"/>
-          </p:nvPr>
-        </p:nvSpPr>
-        <p:spPr/>
-        <p:txBody>
-          <a:bodyPr/>
-          <a:lstStyle/>
-          <a:p>
-            <a:r>
-              <a:rPr lang="en-US" dirty="0" smtClean="0"/>
-              <a:t>Morning</a:t>
-            </a:r>
-            <a:endParaRPr lang="en-US" dirty="0"/>
-          </a:p>
-        </p:txBody>
-      </p:sp>
-      <p:sp>
-        <p:nvSpPr>
-          <p:cNvPr id="5" name="Text Placeholder 4"/>
-          <p:cNvSpPr>
-            <a:spLocks noGrp="1"/>
-          </p:cNvSpPr>
-          <p:nvPr>
-            <p:ph type="body" sz="quarter" idx="16"/>
-          </p:nvPr>
-        </p:nvSpPr>
-        <p:spPr/>
-        <p:txBody>
-          <a:bodyPr/>
-          <a:lstStyle/>
-          <a:p>
-            <a:r>
-              <a:rPr lang="en-US" dirty="0" smtClean="0"/>
-              <a:t>Afternoon</a:t>
+              <a:t>What questions can we answer for you?</a:t>
             </a:r>
             <a:endParaRPr lang="en-US" dirty="0"/>
           </a:p>
@@ -37688,7 +37974,7 @@
     </p:spTree>
     <p:extLst>
       <p:ext uri="{BB962C8B-B14F-4D97-AF65-F5344CB8AC3E}">
-        <p14:creationId xmlns:p14="http://schemas.microsoft.com/office/powerpoint/2010/main" val="1120191871"/>
+        <p14:creationId xmlns:p14="http://schemas.microsoft.com/office/powerpoint/2010/main" val="941952846"/>
       </p:ext>
     </p:extLst>
   </p:cSld>
@@ -37841,6 +38127,184 @@
 </file>
 
 <file path=ppt/slides/slide60.xml><?xml version="1.0" encoding="utf-8"?>
+<p:sld xmlns:a="http://schemas.openxmlformats.org/drawingml/2006/main" xmlns:r="http://schemas.openxmlformats.org/officeDocument/2006/relationships" xmlns:p="http://schemas.openxmlformats.org/presentationml/2006/main">
+  <p:cSld>
+    <p:spTree>
+      <p:nvGrpSpPr>
+        <p:cNvPr id="1" name=""/>
+        <p:cNvGrpSpPr/>
+        <p:nvPr/>
+      </p:nvGrpSpPr>
+      <p:grpSpPr>
+        <a:xfrm>
+          <a:off x="0" y="0"/>
+          <a:ext cx="0" cy="0"/>
+          <a:chOff x="0" y="0"/>
+          <a:chExt cx="0" cy="0"/>
+        </a:xfrm>
+      </p:grpSpPr>
+      <p:sp>
+        <p:nvSpPr>
+          <p:cNvPr id="2" name="Content Placeholder 1"/>
+          <p:cNvSpPr>
+            <a:spLocks noGrp="1"/>
+          </p:cNvSpPr>
+          <p:nvPr>
+            <p:ph sz="quarter" idx="14"/>
+          </p:nvPr>
+        </p:nvSpPr>
+        <p:spPr/>
+        <p:txBody>
+          <a:bodyPr/>
+          <a:lstStyle/>
+          <a:p>
+            <a:r>
+              <a:rPr lang="en-US" dirty="0" smtClean="0"/>
+              <a:t>Introduction</a:t>
+            </a:r>
+          </a:p>
+          <a:p>
+            <a:r>
+              <a:rPr lang="en-US" dirty="0" smtClean="0"/>
+              <a:t>Why </a:t>
+            </a:r>
+            <a:r>
+              <a:rPr lang="en-US" dirty="0"/>
+              <a:t>W</a:t>
+            </a:r>
+            <a:r>
+              <a:rPr lang="en-US" dirty="0" smtClean="0"/>
+              <a:t>rite Tests? Why is that Hard?</a:t>
+            </a:r>
+          </a:p>
+          <a:p>
+            <a:r>
+              <a:rPr lang="en-US" dirty="0" smtClean="0"/>
+              <a:t>Writing a Test First</a:t>
+            </a:r>
+          </a:p>
+          <a:p>
+            <a:r>
+              <a:rPr lang="en-US" b="1" dirty="0" smtClean="0"/>
+              <a:t>Refactoring Cookbooks with Tests</a:t>
+            </a:r>
+          </a:p>
+          <a:p>
+            <a:endParaRPr lang="en-US" dirty="0" smtClean="0"/>
+          </a:p>
+        </p:txBody>
+      </p:sp>
+      <p:sp>
+        <p:nvSpPr>
+          <p:cNvPr id="3" name="Content Placeholder 2"/>
+          <p:cNvSpPr>
+            <a:spLocks noGrp="1"/>
+          </p:cNvSpPr>
+          <p:nvPr>
+            <p:ph sz="quarter" idx="12"/>
+          </p:nvPr>
+        </p:nvSpPr>
+        <p:spPr/>
+        <p:txBody>
+          <a:bodyPr/>
+          <a:lstStyle/>
+          <a:p>
+            <a:r>
+              <a:rPr lang="en-US" dirty="0" smtClean="0"/>
+              <a:t>Faster Feedback with Unit Testing</a:t>
+            </a:r>
+          </a:p>
+          <a:p>
+            <a:r>
+              <a:rPr lang="en-US" dirty="0" smtClean="0"/>
+              <a:t>Testing Resources in Recipes</a:t>
+            </a:r>
+          </a:p>
+          <a:p>
+            <a:r>
+              <a:rPr lang="en-US" dirty="0" smtClean="0"/>
+              <a:t>Refactoring to Attributes</a:t>
+            </a:r>
+          </a:p>
+          <a:p>
+            <a:r>
+              <a:rPr lang="en-US" dirty="0" smtClean="0"/>
+              <a:t>Refactoring to Multiple Platforms</a:t>
+            </a:r>
+            <a:endParaRPr lang="en-US" dirty="0"/>
+          </a:p>
+        </p:txBody>
+      </p:sp>
+      <p:sp>
+        <p:nvSpPr>
+          <p:cNvPr id="4" name="Text Placeholder 3"/>
+          <p:cNvSpPr>
+            <a:spLocks noGrp="1"/>
+          </p:cNvSpPr>
+          <p:nvPr>
+            <p:ph type="body" sz="quarter" idx="15"/>
+          </p:nvPr>
+        </p:nvSpPr>
+        <p:spPr/>
+        <p:txBody>
+          <a:bodyPr/>
+          <a:lstStyle/>
+          <a:p>
+            <a:r>
+              <a:rPr lang="en-US" dirty="0" smtClean="0"/>
+              <a:t>Morning</a:t>
+            </a:r>
+            <a:endParaRPr lang="en-US" dirty="0"/>
+          </a:p>
+        </p:txBody>
+      </p:sp>
+      <p:sp>
+        <p:nvSpPr>
+          <p:cNvPr id="5" name="Text Placeholder 4"/>
+          <p:cNvSpPr>
+            <a:spLocks noGrp="1"/>
+          </p:cNvSpPr>
+          <p:nvPr>
+            <p:ph type="body" sz="quarter" idx="16"/>
+          </p:nvPr>
+        </p:nvSpPr>
+        <p:spPr/>
+        <p:txBody>
+          <a:bodyPr/>
+          <a:lstStyle/>
+          <a:p>
+            <a:r>
+              <a:rPr lang="en-US" dirty="0" smtClean="0"/>
+              <a:t>Afternoon</a:t>
+            </a:r>
+            <a:endParaRPr lang="en-US" dirty="0"/>
+          </a:p>
+        </p:txBody>
+      </p:sp>
+    </p:spTree>
+    <p:extLst>
+      <p:ext uri="{BB962C8B-B14F-4D97-AF65-F5344CB8AC3E}">
+        <p14:creationId xmlns:p14="http://schemas.microsoft.com/office/powerpoint/2010/main" val="1120191871"/>
+      </p:ext>
+    </p:extLst>
+  </p:cSld>
+  <p:clrMapOvr>
+    <a:masterClrMapping/>
+  </p:clrMapOvr>
+  <p:transition spd="med">
+    <p:fade/>
+  </p:transition>
+  <p:timing>
+    <p:tnLst>
+      <p:par>
+        <p:cTn id="1" dur="indefinite" restart="never" nodeType="tmRoot"/>
+      </p:par>
+    </p:tnLst>
+  </p:timing>
+</p:sld>
+</file>
+
+<file path=ppt/slides/slide61.xml><?xml version="1.0" encoding="utf-8"?>
 <p:sld xmlns:a="http://schemas.openxmlformats.org/drawingml/2006/main" xmlns:r="http://schemas.openxmlformats.org/officeDocument/2006/relationships" xmlns:p="http://schemas.openxmlformats.org/presentationml/2006/main">
   <p:cSld>
     <p:spTree>

--- a/03-writing_a_test_first.pptx
+++ b/03-writing_a_test_first.pptx
@@ -334,7 +334,7 @@
               <a:pPr>
                 <a:defRPr/>
               </a:pPr>
-              <a:t>2016-02-28</a:t>
+              <a:t>2016-03-01</a:t>
             </a:fld>
             <a:endParaRPr lang="en-US" dirty="0"/>
           </a:p>
@@ -517,7 +517,7 @@
               <a:pPr>
                 <a:defRPr/>
               </a:pPr>
-              <a:t>2016-02-28</a:t>
+              <a:t>2016-03-01</a:t>
             </a:fld>
             <a:endParaRPr lang="en-US" dirty="0"/>
           </a:p>
@@ -1101,15 +1101,7 @@
           <a:p>
             <a:r>
               <a:rPr lang="en-US" dirty="0" smtClean="0"/>
-              <a:t>With the </a:t>
-            </a:r>
-            <a:r>
-              <a:rPr lang="en-US" dirty="0" smtClean="0"/>
-              <a:t>scenario </a:t>
-            </a:r>
-            <a:r>
-              <a:rPr lang="en-US" dirty="0" smtClean="0"/>
-              <a:t>defined it is now time for us to develop the cookbook. We are going to move through the following steps together to accomplish this task.</a:t>
+              <a:t>With the scenario defined it is now time for us to develop the cookbook. We are going to move through the following steps together to accomplish this task.</a:t>
             </a:r>
             <a:endParaRPr lang="en-US" dirty="0"/>
           </a:p>
@@ -1385,23 +1377,7 @@
           <a:p>
             <a:r>
               <a:rPr lang="en-US" baseline="0" dirty="0" smtClean="0"/>
-              <a:t>There are a number of tools installed with the Chef Development Kit (</a:t>
-            </a:r>
-            <a:r>
-              <a:rPr lang="en-US" baseline="0" dirty="0" smtClean="0"/>
-              <a:t>Chef DK</a:t>
-            </a:r>
-            <a:r>
-              <a:rPr lang="en-US" baseline="0" dirty="0" smtClean="0"/>
-              <a:t>). One of those tools included in the </a:t>
-            </a:r>
-            <a:r>
-              <a:rPr lang="en-US" baseline="0" dirty="0" smtClean="0"/>
-              <a:t>Chef DK </a:t>
-            </a:r>
-            <a:r>
-              <a:rPr lang="en-US" baseline="0" dirty="0" smtClean="0"/>
-              <a:t>is a tool called 'chef'. The generators provided with the tool will allow us to quickly generate the a cookbook. You can see help about the command with the '--help' flag.</a:t>
+              <a:t>There are a number of tools installed with the Chef Development Kit (Chef DK). One of those tools included in the Chef DK is a tool called 'chef'. The generators provided with the tool will allow us to quickly generate the a cookbook. You can see help about the command with the '--help' flag.</a:t>
             </a:r>
           </a:p>
           <a:p>
@@ -3394,15 +3370,7 @@
             </a:r>
             <a:r>
               <a:rPr lang="en-US" baseline="0" dirty="0" smtClean="0"/>
-              <a:t> here represents the cookbook name and the </a:t>
-            </a:r>
-            <a:r>
-              <a:rPr lang="en-US" baseline="0" dirty="0" smtClean="0"/>
-              <a:t>suite name</a:t>
-            </a:r>
-            <a:r>
-              <a:rPr lang="en-US" baseline="0" dirty="0" smtClean="0"/>
-              <a:t>. The inner expectation is using a </a:t>
+              <a:t> here represents the cookbook name and the suite name. The inner expectation is using a </a:t>
             </a:r>
             <a:r>
               <a:rPr lang="en-US" baseline="0" dirty="0" err="1" smtClean="0"/>
@@ -3410,15 +3378,7 @@
             </a:r>
             <a:r>
               <a:rPr lang="en-US" baseline="0" dirty="0" smtClean="0"/>
-              <a:t> resource named command. This command resource takes a parameter which is the </a:t>
-            </a:r>
-            <a:r>
-              <a:rPr lang="en-US" baseline="0" dirty="0" smtClean="0"/>
-              <a:t>system command </a:t>
-            </a:r>
-            <a:r>
-              <a:rPr lang="en-US" baseline="0" dirty="0" smtClean="0"/>
-              <a:t>it will run. Within the inner example group we are asking for an attribute on the </a:t>
+              <a:t> resource named command. This command resource takes a parameter which is the system command it will run. Within the inner example group we are asking for an attribute on the </a:t>
             </a:r>
             <a:r>
               <a:rPr lang="en-US" baseline="0" dirty="0" err="1" smtClean="0"/>
@@ -3426,7 +3386,21 @@
             </a:r>
             <a:r>
               <a:rPr lang="en-US" baseline="0" dirty="0" smtClean="0"/>
-              <a:t> command resource. A command resource is one of the few resources that has attributes you can query. In this instance the example is asking for the standard out, abbreviated as '</a:t>
+              <a:t> command resource. </a:t>
+            </a:r>
+            <a:endParaRPr lang="en-US" baseline="0" dirty="0" smtClean="0"/>
+          </a:p>
+          <a:p>
+            <a:endParaRPr lang="en-US" baseline="0" smtClean="0"/>
+          </a:p>
+          <a:p>
+            <a:r>
+              <a:rPr lang="en-US" baseline="0" smtClean="0"/>
+              <a:t>A </a:t>
+            </a:r>
+            <a:r>
+              <a:rPr lang="en-US" baseline="0" dirty="0" smtClean="0"/>
+              <a:t>command resource is one of the few resources that has attributes you can query. In this instance the example is asking for the standard out, abbreviated as '</a:t>
             </a:r>
             <a:r>
               <a:rPr lang="en-US" baseline="0" dirty="0" err="1" smtClean="0"/>
@@ -3434,13 +3408,8 @@
             </a:r>
             <a:r>
               <a:rPr lang="en-US" baseline="0" dirty="0" smtClean="0"/>
-              <a:t>'. Lastly we express an expectation that we expect the actual result returned from the standard out to contain the text 'Welcome Home</a:t>
-            </a:r>
-            <a:r>
-              <a:rPr lang="en-US" baseline="0" dirty="0" smtClean="0"/>
-              <a:t>'.</a:t>
-            </a:r>
-            <a:endParaRPr lang="en-US" baseline="0" dirty="0" smtClean="0"/>
+              <a:t>'. Lastly we express an expectation that we expect the actual result returned from the standard out to contain the text 'Welcome Home'.</a:t>
+            </a:r>
           </a:p>
         </p:txBody>
       </p:sp>
@@ -3580,19 +3549,7 @@
             </a:r>
             <a:r>
               <a:rPr lang="en-US" baseline="0" dirty="0" smtClean="0"/>
-              <a:t> the test file found at the following path you will find that it is already populated </a:t>
-            </a:r>
-            <a:r>
-              <a:rPr lang="en-US" baseline="0" dirty="0" smtClean="0"/>
-              <a:t>with some </a:t>
-            </a:r>
-            <a:r>
-              <a:rPr lang="en-US" baseline="0" dirty="0" smtClean="0"/>
-              <a:t>initial code. The first two lines are comments </a:t>
-            </a:r>
-            <a:r>
-              <a:rPr lang="en-US" baseline="0" dirty="0" smtClean="0"/>
-              <a:t>that provide a link to the </a:t>
+              <a:t> the test file found at the following path you will find that it is already populated with some initial code. The first two lines are comments that provide a link to the </a:t>
             </a:r>
             <a:r>
               <a:rPr lang="en-US" baseline="0" dirty="0" err="1" smtClean="0"/>
@@ -3600,30 +3557,17 @@
             </a:r>
             <a:r>
               <a:rPr lang="en-US" baseline="0" dirty="0" smtClean="0"/>
-              <a:t> </a:t>
-            </a:r>
+              <a:t> documentation. The next three lines are a placeholder test that when executed notifies you that this test is skipped.</a:t>
+            </a:r>
+          </a:p>
+          <a:p>
+            <a:endParaRPr lang="en-US" baseline="0" dirty="0" smtClean="0"/>
+          </a:p>
+          <a:p>
             <a:r>
               <a:rPr lang="en-US" baseline="0" dirty="0" smtClean="0"/>
-              <a:t>documentation. The </a:t>
-            </a:r>
-            <a:r>
-              <a:rPr lang="en-US" baseline="0" dirty="0" smtClean="0"/>
-              <a:t>next three lines are a placeholder test that when executed notifies you that this test is skipped.</a:t>
-            </a:r>
-          </a:p>
-          <a:p>
-            <a:endParaRPr lang="en-US" baseline="0" dirty="0" smtClean="0"/>
-          </a:p>
-          <a:p>
-            <a:r>
-              <a:rPr lang="en-US" baseline="0" dirty="0" smtClean="0"/>
-              <a:t>We do not need these comments or the placeholder test so let's remove it from the </a:t>
-            </a:r>
-            <a:r>
-              <a:rPr lang="en-US" baseline="0" dirty="0" smtClean="0"/>
-              <a:t>specification.</a:t>
-            </a:r>
-            <a:endParaRPr lang="en-US" baseline="0" dirty="0" smtClean="0"/>
+              <a:t>We do not need these comments or the placeholder test so let's remove it from the specification.</a:t>
+            </a:r>
           </a:p>
         </p:txBody>
       </p:sp>
@@ -4060,19 +4004,7 @@
             </a:r>
             <a:r>
               <a:rPr lang="en-US" baseline="0" dirty="0" smtClean="0"/>
-              <a:t> execute our tests using the tool Test </a:t>
-            </a:r>
-            <a:r>
-              <a:rPr lang="en-US" baseline="0" dirty="0" smtClean="0"/>
-              <a:t>Kitchen </a:t>
-            </a:r>
-            <a:r>
-              <a:rPr lang="en-US" baseline="0" dirty="0" smtClean="0"/>
-              <a:t>we need to be within the directory of the cookbook</a:t>
-            </a:r>
-            <a:r>
-              <a:rPr lang="en-US" baseline="0" dirty="0" smtClean="0"/>
-              <a:t>.</a:t>
+              <a:t> execute our tests using the tool Test Kitchen we need to be within the directory of the cookbook.</a:t>
             </a:r>
             <a:endParaRPr lang="en-US" dirty="0"/>
           </a:p>
@@ -7040,15 +6972,7 @@
             </a:r>
             <a:r>
               <a:rPr lang="en-US" baseline="0" dirty="0" smtClean="0"/>
-              <a:t> the platform or assist with troubleshooting your recipes they fail in perplexing ways. Right now, we are interested in </a:t>
-            </a:r>
-            <a:r>
-              <a:rPr lang="en-US" baseline="0" dirty="0" smtClean="0"/>
-              <a:t>executing the tests </a:t>
-            </a:r>
-            <a:r>
-              <a:rPr lang="en-US" baseline="0" dirty="0" smtClean="0"/>
-              <a:t>so logout of the instance with the 'exit' command and we will return to the workstation.</a:t>
+              <a:t> the platform or assist with troubleshooting your recipes they fail in perplexing ways. Right now, we are interested in executing the tests so logout of the instance with the 'exit' command and we will return to the workstation.</a:t>
             </a:r>
             <a:endParaRPr lang="en-US" dirty="0"/>
           </a:p>
@@ -9182,15 +9106,7 @@
           <a:p>
             <a:r>
               <a:rPr lang="en-US" baseline="0" dirty="0" smtClean="0"/>
-              <a:t>If it </a:t>
-            </a:r>
-            <a:r>
-              <a:rPr lang="en-US" baseline="0" dirty="0" smtClean="0"/>
-              <a:t>does fail, </a:t>
-            </a:r>
-            <a:r>
-              <a:rPr lang="en-US" baseline="0" dirty="0" smtClean="0"/>
-              <a:t>it is time to review the code you wrote in the recipe file and the spec file. When it was failing did you get a different failure than the one that we walked through? That probably means there is an error in the spec file. Did the test instance actually converge successfully? Sometimes output will scroll by and we don't have time to read it. I get it. Scroll back up and see if there was an error message tucked into the 'kitchen converge' you ran.</a:t>
+              <a:t>If it does fail, it is time to review the code you wrote in the recipe file and the spec file. When it was failing did you get a different failure than the one that we walked through? That probably means there is an error in the spec file. Did the test instance actually converge successfully? Sometimes output will scroll by and we don't have time to read it. I get it. Scroll back up and see if there was an error message tucked into the 'kitchen converge' you ran.</a:t>
             </a:r>
             <a:endParaRPr lang="en-US" dirty="0"/>
           </a:p>
@@ -9345,11 +9261,7 @@
             </a:r>
             <a:r>
               <a:rPr lang="en-US" baseline="0" smtClean="0"/>
-              <a:t>an </a:t>
-            </a:r>
-            <a:r>
-              <a:rPr lang="en-US" baseline="0" smtClean="0"/>
-              <a:t>expectation in </a:t>
+              <a:t>an expectation in </a:t>
             </a:r>
             <a:r>
               <a:rPr lang="en-US" baseline="0" dirty="0" smtClean="0"/>
@@ -11122,14 +11034,14 @@
           </a:ln>
           <a:extLst>
             <a:ext uri="{909E8E84-426E-40dd-AFC4-6F175D3DCCD1}">
-              <a14:hiddenFill xmlns="" xmlns:a14="http://schemas.microsoft.com/office/drawing/2010/main">
+              <a14:hiddenFill xmlns:a14="http://schemas.microsoft.com/office/drawing/2010/main" xmlns="">
                 <a:solidFill>
                   <a:srgbClr val="FFFFFF"/>
                 </a:solidFill>
               </a14:hiddenFill>
             </a:ext>
             <a:ext uri="{91240B29-F687-4f45-9708-019B960494DF}">
-              <a14:hiddenLine xmlns="" xmlns:a14="http://schemas.microsoft.com/office/drawing/2010/main" w="9525">
+              <a14:hiddenLine xmlns:a14="http://schemas.microsoft.com/office/drawing/2010/main" xmlns="" w="9525">
                 <a:solidFill>
                   <a:srgbClr val="000000"/>
                 </a:solidFill>
@@ -11277,14 +11189,14 @@
           </a:ln>
           <a:extLst>
             <a:ext uri="{909E8E84-426E-40dd-AFC4-6F175D3DCCD1}">
-              <a14:hiddenFill xmlns="" xmlns:a14="http://schemas.microsoft.com/office/drawing/2010/main">
+              <a14:hiddenFill xmlns:a14="http://schemas.microsoft.com/office/drawing/2010/main" xmlns="">
                 <a:solidFill>
                   <a:srgbClr val="FFFFFF"/>
                 </a:solidFill>
               </a14:hiddenFill>
             </a:ext>
             <a:ext uri="{91240B29-F687-4f45-9708-019B960494DF}">
-              <a14:hiddenLine xmlns="" xmlns:a14="http://schemas.microsoft.com/office/drawing/2010/main" w="9525">
+              <a14:hiddenLine xmlns:a14="http://schemas.microsoft.com/office/drawing/2010/main" xmlns="" w="9525">
                 <a:solidFill>
                   <a:srgbClr val="000000"/>
                 </a:solidFill>
@@ -11775,14 +11687,14 @@
           </a:ln>
           <a:extLst>
             <a:ext uri="{909E8E84-426E-40dd-AFC4-6F175D3DCCD1}">
-              <a14:hiddenFill xmlns="" xmlns:a14="http://schemas.microsoft.com/office/drawing/2010/main">
+              <a14:hiddenFill xmlns:a14="http://schemas.microsoft.com/office/drawing/2010/main" xmlns="">
                 <a:solidFill>
                   <a:srgbClr val="FFFFFF"/>
                 </a:solidFill>
               </a14:hiddenFill>
             </a:ext>
             <a:ext uri="{91240B29-F687-4f45-9708-019B960494DF}">
-              <a14:hiddenLine xmlns="" xmlns:a14="http://schemas.microsoft.com/office/drawing/2010/main" w="9525">
+              <a14:hiddenLine xmlns:a14="http://schemas.microsoft.com/office/drawing/2010/main" xmlns="" w="9525">
                 <a:solidFill>
                   <a:srgbClr val="000000"/>
                 </a:solidFill>
@@ -13231,14 +13143,14 @@
           </a:ln>
           <a:extLst>
             <a:ext uri="{909E8E84-426E-40dd-AFC4-6F175D3DCCD1}">
-              <a14:hiddenFill xmlns="" xmlns:a14="http://schemas.microsoft.com/office/drawing/2010/main">
+              <a14:hiddenFill xmlns:a14="http://schemas.microsoft.com/office/drawing/2010/main" xmlns="">
                 <a:solidFill>
                   <a:srgbClr val="FFFFFF"/>
                 </a:solidFill>
               </a14:hiddenFill>
             </a:ext>
             <a:ext uri="{91240B29-F687-4f45-9708-019B960494DF}">
-              <a14:hiddenLine xmlns="" xmlns:a14="http://schemas.microsoft.com/office/drawing/2010/main" w="9525">
+              <a14:hiddenLine xmlns:a14="http://schemas.microsoft.com/office/drawing/2010/main" xmlns="" w="9525">
                 <a:solidFill>
                   <a:srgbClr val="000000"/>
                 </a:solidFill>
@@ -14592,14 +14504,14 @@
           </a:ln>
           <a:extLst>
             <a:ext uri="{909E8E84-426E-40dd-AFC4-6F175D3DCCD1}">
-              <a14:hiddenFill xmlns="" xmlns:a14="http://schemas.microsoft.com/office/drawing/2010/main">
+              <a14:hiddenFill xmlns:a14="http://schemas.microsoft.com/office/drawing/2010/main" xmlns="">
                 <a:solidFill>
                   <a:srgbClr val="FFFFFF"/>
                 </a:solidFill>
               </a14:hiddenFill>
             </a:ext>
             <a:ext uri="{91240B29-F687-4f45-9708-019B960494DF}">
-              <a14:hiddenLine xmlns="" xmlns:a14="http://schemas.microsoft.com/office/drawing/2010/main" w="9525">
+              <a14:hiddenLine xmlns:a14="http://schemas.microsoft.com/office/drawing/2010/main" xmlns="" w="9525">
                 <a:solidFill>
                   <a:srgbClr val="000000"/>
                 </a:solidFill>
@@ -15157,14 +15069,14 @@
           </a:ln>
           <a:extLst>
             <a:ext uri="{909E8E84-426E-40dd-AFC4-6F175D3DCCD1}">
-              <a14:hiddenFill xmlns="" xmlns:a14="http://schemas.microsoft.com/office/drawing/2010/main">
+              <a14:hiddenFill xmlns:a14="http://schemas.microsoft.com/office/drawing/2010/main" xmlns="">
                 <a:solidFill>
                   <a:srgbClr val="FFFFFF"/>
                 </a:solidFill>
               </a14:hiddenFill>
             </a:ext>
             <a:ext uri="{91240B29-F687-4f45-9708-019B960494DF}">
-              <a14:hiddenLine xmlns="" xmlns:a14="http://schemas.microsoft.com/office/drawing/2010/main" w="9525">
+              <a14:hiddenLine xmlns:a14="http://schemas.microsoft.com/office/drawing/2010/main" xmlns="" w="9525">
                 <a:solidFill>
                   <a:srgbClr val="000000"/>
                 </a:solidFill>
@@ -15731,14 +15643,14 @@
           </a:ln>
           <a:extLst>
             <a:ext uri="{909E8E84-426E-40dd-AFC4-6F175D3DCCD1}">
-              <a14:hiddenFill xmlns="" xmlns:a14="http://schemas.microsoft.com/office/drawing/2010/main">
+              <a14:hiddenFill xmlns:a14="http://schemas.microsoft.com/office/drawing/2010/main" xmlns="">
                 <a:solidFill>
                   <a:srgbClr val="FFFFFF"/>
                 </a:solidFill>
               </a14:hiddenFill>
             </a:ext>
             <a:ext uri="{91240B29-F687-4f45-9708-019B960494DF}">
-              <a14:hiddenLine xmlns="" xmlns:a14="http://schemas.microsoft.com/office/drawing/2010/main" w="9525">
+              <a14:hiddenLine xmlns:a14="http://schemas.microsoft.com/office/drawing/2010/main" xmlns="" w="9525">
                 <a:solidFill>
                   <a:srgbClr val="000000"/>
                 </a:solidFill>
@@ -16678,14 +16590,14 @@
           </a:ln>
           <a:extLst>
             <a:ext uri="{909E8E84-426E-40dd-AFC4-6F175D3DCCD1}">
-              <a14:hiddenFill xmlns="" xmlns:a14="http://schemas.microsoft.com/office/drawing/2010/main">
+              <a14:hiddenFill xmlns:a14="http://schemas.microsoft.com/office/drawing/2010/main" xmlns="">
                 <a:solidFill>
                   <a:srgbClr val="FFFFFF"/>
                 </a:solidFill>
               </a14:hiddenFill>
             </a:ext>
             <a:ext uri="{91240B29-F687-4f45-9708-019B960494DF}">
-              <a14:hiddenLine xmlns="" xmlns:a14="http://schemas.microsoft.com/office/drawing/2010/main" w="9525">
+              <a14:hiddenLine xmlns:a14="http://schemas.microsoft.com/office/drawing/2010/main" xmlns="" w="9525">
                 <a:solidFill>
                   <a:srgbClr val="000000"/>
                 </a:solidFill>
@@ -17458,14 +17370,14 @@
           </a:ln>
           <a:extLst>
             <a:ext uri="{909E8E84-426E-40dd-AFC4-6F175D3DCCD1}">
-              <a14:hiddenFill xmlns="" xmlns:a14="http://schemas.microsoft.com/office/drawing/2010/main">
+              <a14:hiddenFill xmlns:a14="http://schemas.microsoft.com/office/drawing/2010/main" xmlns="">
                 <a:solidFill>
                   <a:srgbClr val="FFFFFF"/>
                 </a:solidFill>
               </a14:hiddenFill>
             </a:ext>
             <a:ext uri="{91240B29-F687-4f45-9708-019B960494DF}">
-              <a14:hiddenLine xmlns="" xmlns:a14="http://schemas.microsoft.com/office/drawing/2010/main" w="9525">
+              <a14:hiddenLine xmlns:a14="http://schemas.microsoft.com/office/drawing/2010/main" xmlns="" w="9525">
                 <a:solidFill>
                   <a:srgbClr val="000000"/>
                 </a:solidFill>
@@ -29448,7 +29360,6 @@
               <a:rPr lang="en-US" sz="3200" dirty="0"/>
               <a:t>influences the language we use to write tests and how we focus on the tests that matter.</a:t>
             </a:r>
-            <a:endParaRPr lang="en-US" sz="3200" dirty="0"/>
           </a:p>
         </p:txBody>
       </p:sp>
@@ -40070,52 +39981,6 @@
 
 <file path=customXml/item1.xml><?xml version="1.0" encoding="utf-8"?>
 <?mso-contentType ?>
-<spe:Receivers xmlns:spe="http://schemas.microsoft.com/sharepoint/events">
-  <Receiver>
-    <Name>Document ID Generator</Name>
-    <Synchronization>Synchronous</Synchronization>
-    <Type>10001</Type>
-    <SequenceNumber>1000</SequenceNumber>
-    <Assembly>Microsoft.Office.DocumentManagement, Version=14.0.0.0, Culture=neutral, PublicKeyToken=71e9bce111e9429c</Assembly>
-    <Class>Microsoft.Office.DocumentManagement.Internal.DocIdHandler</Class>
-    <Data/>
-    <Filter/>
-  </Receiver>
-  <Receiver>
-    <Name>Document ID Generator</Name>
-    <Synchronization>Synchronous</Synchronization>
-    <Type>10002</Type>
-    <SequenceNumber>1001</SequenceNumber>
-    <Assembly>Microsoft.Office.DocumentManagement, Version=14.0.0.0, Culture=neutral, PublicKeyToken=71e9bce111e9429c</Assembly>
-    <Class>Microsoft.Office.DocumentManagement.Internal.DocIdHandler</Class>
-    <Data/>
-    <Filter/>
-  </Receiver>
-  <Receiver>
-    <Name>Document ID Generator</Name>
-    <Synchronization>Synchronous</Synchronization>
-    <Type>10004</Type>
-    <SequenceNumber>1002</SequenceNumber>
-    <Assembly>Microsoft.Office.DocumentManagement, Version=14.0.0.0, Culture=neutral, PublicKeyToken=71e9bce111e9429c</Assembly>
-    <Class>Microsoft.Office.DocumentManagement.Internal.DocIdHandler</Class>
-    <Data/>
-    <Filter/>
-  </Receiver>
-  <Receiver>
-    <Name>Document ID Generator</Name>
-    <Synchronization>Synchronous</Synchronization>
-    <Type>10006</Type>
-    <SequenceNumber>1003</SequenceNumber>
-    <Assembly>Microsoft.Office.DocumentManagement, Version=14.0.0.0, Culture=neutral, PublicKeyToken=71e9bce111e9429c</Assembly>
-    <Class>Microsoft.Office.DocumentManagement.Internal.DocIdHandler</Class>
-    <Data/>
-    <Filter/>
-  </Receiver>
-</spe:Receivers>
-</file>
-
-<file path=customXml/item2.xml><?xml version="1.0" encoding="utf-8"?>
-<?mso-contentType ?>
 <FormTemplates xmlns="http://schemas.microsoft.com/sharepoint/v3/contenttype/forms">
   <Display>DocumentLibraryForm</Display>
   <Edit>DocumentLibraryForm</Edit>
@@ -40123,19 +39988,7 @@
 </FormTemplates>
 </file>
 
-<file path=customXml/item3.xml><?xml version="1.0" encoding="utf-8"?>
-<p:properties xmlns:p="http://schemas.microsoft.com/office/2006/metadata/properties" xmlns:xsi="http://www.w3.org/2001/XMLSchema-instance" xmlns:pc="http://schemas.microsoft.com/office/infopath/2007/PartnerControls">
-  <documentManagement>
-    <_dlc_DocId xmlns="7bb5d761-a2ea-4873-95f7-7a6658fb3ef0">M4CWTKMW727E-592-73</_dlc_DocId>
-    <_dlc_DocIdUrl xmlns="7bb5d761-a2ea-4873-95f7-7a6658fb3ef0">
-      <Url>https://kms.vci.local/marketing/team/_layouts/DocIdRedir.aspx?ID=M4CWTKMW727E-592-73</Url>
-      <Description>M4CWTKMW727E-592-73</Description>
-    </_dlc_DocIdUrl>
-  </documentManagement>
-</p:properties>
-</file>
-
-<file path=customXml/item4.xml><?xml version="1.0" encoding="utf-8"?>
+<file path=customXml/item2.xml><?xml version="1.0" encoding="utf-8"?>
 <ct:contentTypeSchema xmlns:ct="http://schemas.microsoft.com/office/2006/metadata/contentType" xmlns:ma="http://schemas.microsoft.com/office/2006/metadata/properties/metaAttributes" ct:_="" ma:_="" ma:contentTypeName="Document" ma:contentTypeID="0x0101000812F700BE7F874999720E88173FE491" ma:contentTypeVersion="0" ma:contentTypeDescription="Create a new document." ma:contentTypeScope="" ma:versionID="3f79f408e2ca720b7aba6e0e32464d0c">
   <xsd:schema xmlns:xsd="http://www.w3.org/2001/XMLSchema" xmlns:xs="http://www.w3.org/2001/XMLSchema" xmlns:p="http://schemas.microsoft.com/office/2006/metadata/properties" xmlns:ns2="7bb5d761-a2ea-4873-95f7-7a6658fb3ef0" targetNamespace="http://schemas.microsoft.com/office/2006/metadata/properties" ma:root="true" ma:fieldsID="1e062cd38ba31e406bfc4340fbc7f87a" ns2:_="">
     <xsd:import namespace="7bb5d761-a2ea-4873-95f7-7a6658fb3ef0"/>
@@ -40280,15 +40133,65 @@
 </ct:contentTypeSchema>
 </file>
 
-<file path=customXml/itemProps1.xml><?xml version="1.0" encoding="utf-8"?>
-<ds:datastoreItem xmlns:ds="http://schemas.openxmlformats.org/officeDocument/2006/customXml" ds:itemID="{B13EBC30-FE27-4C6A-B723-23FC2188F7DC}">
-  <ds:schemaRefs>
-    <ds:schemaRef ds:uri="http://schemas.microsoft.com/sharepoint/events"/>
-  </ds:schemaRefs>
-</ds:datastoreItem>
+<file path=customXml/item3.xml><?xml version="1.0" encoding="utf-8"?>
+<p:properties xmlns:p="http://schemas.microsoft.com/office/2006/metadata/properties" xmlns:xsi="http://www.w3.org/2001/XMLSchema-instance" xmlns:pc="http://schemas.microsoft.com/office/infopath/2007/PartnerControls">
+  <documentManagement>
+    <_dlc_DocId xmlns="7bb5d761-a2ea-4873-95f7-7a6658fb3ef0">M4CWTKMW727E-592-73</_dlc_DocId>
+    <_dlc_DocIdUrl xmlns="7bb5d761-a2ea-4873-95f7-7a6658fb3ef0">
+      <Url>https://kms.vci.local/marketing/team/_layouts/DocIdRedir.aspx?ID=M4CWTKMW727E-592-73</Url>
+      <Description>M4CWTKMW727E-592-73</Description>
+    </_dlc_DocIdUrl>
+  </documentManagement>
+</p:properties>
 </file>
 
-<file path=customXml/itemProps2.xml><?xml version="1.0" encoding="utf-8"?>
+<file path=customXml/item4.xml><?xml version="1.0" encoding="utf-8"?>
+<?mso-contentType ?>
+<spe:Receivers xmlns:spe="http://schemas.microsoft.com/sharepoint/events">
+  <Receiver>
+    <Name>Document ID Generator</Name>
+    <Synchronization>Synchronous</Synchronization>
+    <Type>10001</Type>
+    <SequenceNumber>1000</SequenceNumber>
+    <Assembly>Microsoft.Office.DocumentManagement, Version=14.0.0.0, Culture=neutral, PublicKeyToken=71e9bce111e9429c</Assembly>
+    <Class>Microsoft.Office.DocumentManagement.Internal.DocIdHandler</Class>
+    <Data/>
+    <Filter/>
+  </Receiver>
+  <Receiver>
+    <Name>Document ID Generator</Name>
+    <Synchronization>Synchronous</Synchronization>
+    <Type>10002</Type>
+    <SequenceNumber>1001</SequenceNumber>
+    <Assembly>Microsoft.Office.DocumentManagement, Version=14.0.0.0, Culture=neutral, PublicKeyToken=71e9bce111e9429c</Assembly>
+    <Class>Microsoft.Office.DocumentManagement.Internal.DocIdHandler</Class>
+    <Data/>
+    <Filter/>
+  </Receiver>
+  <Receiver>
+    <Name>Document ID Generator</Name>
+    <Synchronization>Synchronous</Synchronization>
+    <Type>10004</Type>
+    <SequenceNumber>1002</SequenceNumber>
+    <Assembly>Microsoft.Office.DocumentManagement, Version=14.0.0.0, Culture=neutral, PublicKeyToken=71e9bce111e9429c</Assembly>
+    <Class>Microsoft.Office.DocumentManagement.Internal.DocIdHandler</Class>
+    <Data/>
+    <Filter/>
+  </Receiver>
+  <Receiver>
+    <Name>Document ID Generator</Name>
+    <Synchronization>Synchronous</Synchronization>
+    <Type>10006</Type>
+    <SequenceNumber>1003</SequenceNumber>
+    <Assembly>Microsoft.Office.DocumentManagement, Version=14.0.0.0, Culture=neutral, PublicKeyToken=71e9bce111e9429c</Assembly>
+    <Class>Microsoft.Office.DocumentManagement.Internal.DocIdHandler</Class>
+    <Data/>
+    <Filter/>
+  </Receiver>
+</spe:Receivers>
+</file>
+
+<file path=customXml/itemProps1.xml><?xml version="1.0" encoding="utf-8"?>
 <ds:datastoreItem xmlns:ds="http://schemas.openxmlformats.org/officeDocument/2006/customXml" ds:itemID="{5CDEB364-43EC-4510-9881-539C2A3FCE9E}">
   <ds:schemaRefs>
     <ds:schemaRef ds:uri="http://schemas.microsoft.com/sharepoint/v3/contenttype/forms"/>
@@ -40296,23 +40199,7 @@
 </ds:datastoreItem>
 </file>
 
-<file path=customXml/itemProps3.xml><?xml version="1.0" encoding="utf-8"?>
-<ds:datastoreItem xmlns:ds="http://schemas.openxmlformats.org/officeDocument/2006/customXml" ds:itemID="{6921749B-AEB7-461B-845F-603CABD25259}">
-  <ds:schemaRefs>
-    <ds:schemaRef ds:uri="7bb5d761-a2ea-4873-95f7-7a6658fb3ef0"/>
-    <ds:schemaRef ds:uri="http://purl.org/dc/terms/"/>
-    <ds:schemaRef ds:uri="http://schemas.openxmlformats.org/package/2006/metadata/core-properties"/>
-    <ds:schemaRef ds:uri="http://purl.org/dc/dcmitype/"/>
-    <ds:schemaRef ds:uri="http://schemas.microsoft.com/office/2006/documentManagement/types"/>
-    <ds:schemaRef ds:uri="http://purl.org/dc/elements/1.1/"/>
-    <ds:schemaRef ds:uri="http://schemas.microsoft.com/office/2006/metadata/properties"/>
-    <ds:schemaRef ds:uri="http://schemas.microsoft.com/office/infopath/2007/PartnerControls"/>
-    <ds:schemaRef ds:uri="http://www.w3.org/XML/1998/namespace"/>
-  </ds:schemaRefs>
-</ds:datastoreItem>
-</file>
-
-<file path=customXml/itemProps4.xml><?xml version="1.0" encoding="utf-8"?>
+<file path=customXml/itemProps2.xml><?xml version="1.0" encoding="utf-8"?>
 <ds:datastoreItem xmlns:ds="http://schemas.openxmlformats.org/officeDocument/2006/customXml" ds:itemID="{164479E5-0B02-49AC-B79E-EC1D6164DDD3}">
   <ds:schemaRefs>
     <ds:schemaRef ds:uri="http://schemas.microsoft.com/office/2006/metadata/contentType"/>
@@ -40328,4 +40215,28 @@
     <ds:schemaRef ds:uri="http://schemas.microsoft.com/internal/obd"/>
   </ds:schemaRefs>
 </ds:datastoreItem>
+</file>
+
+<file path=customXml/itemProps3.xml><?xml version="1.0" encoding="utf-8"?>
+<ds:datastoreItem xmlns:ds="http://schemas.openxmlformats.org/officeDocument/2006/customXml" ds:itemID="{6921749B-AEB7-461B-845F-603CABD25259}">
+  <ds:schemaRefs>
+    <ds:schemaRef ds:uri="7bb5d761-a2ea-4873-95f7-7a6658fb3ef0"/>
+    <ds:schemaRef ds:uri="http://purl.org/dc/terms/"/>
+    <ds:schemaRef ds:uri="http://schemas.openxmlformats.org/package/2006/metadata/core-properties"/>
+    <ds:schemaRef ds:uri="http://purl.org/dc/dcmitype/"/>
+    <ds:schemaRef ds:uri="http://schemas.microsoft.com/office/infopath/2007/PartnerControls"/>
+    <ds:schemaRef ds:uri="http://schemas.microsoft.com/office/2006/documentManagement/types"/>
+    <ds:schemaRef ds:uri="http://purl.org/dc/elements/1.1/"/>
+    <ds:schemaRef ds:uri="http://schemas.microsoft.com/office/2006/metadata/properties"/>
+    <ds:schemaRef ds:uri="http://www.w3.org/XML/1998/namespace"/>
+  </ds:schemaRefs>
+</ds:datastoreItem>
+</file>
+
+<file path=customXml/itemProps4.xml><?xml version="1.0" encoding="utf-8"?>
+<ds:datastoreItem xmlns:ds="http://schemas.openxmlformats.org/officeDocument/2006/customXml" ds:itemID="{B13EBC30-FE27-4C6A-B723-23FC2188F7DC}">
+  <ds:schemaRefs>
+    <ds:schemaRef ds:uri="http://schemas.microsoft.com/sharepoint/events"/>
+  </ds:schemaRefs>
+</ds:datastoreItem>
 </file>
--- a/03-writing_a_test_first.pptx
+++ b/03-writing_a_test_first.pptx
@@ -203,7 +203,7 @@
   </p:defaultTextStyle>
   <p:extLst>
     <p:ext uri="{EFAFB233-063F-42B5-8137-9DF3F51BA10A}">
-      <p15:sldGuideLst xmlns:p15="http://schemas.microsoft.com/office/powerpoint/2012/main">
+      <p15:sldGuideLst xmlns:p15="http://schemas.microsoft.com/office/powerpoint/2012/main" xmlns="">
         <p15:guide id="1" orient="horz" pos="894">
           <p15:clr>
             <a:srgbClr val="A4A3A4"/>
@@ -217,7 +217,7 @@
       </p15:sldGuideLst>
     </p:ext>
     <p:ext uri="{2D200454-40CA-4A62-9FC3-DE9A4176ACB9}">
-      <p15:notesGuideLst xmlns:p15="http://schemas.microsoft.com/office/powerpoint/2012/main"/>
+      <p15:notesGuideLst xmlns:p15="http://schemas.microsoft.com/office/powerpoint/2012/main" xmlns=""/>
     </p:ext>
   </p:extLst>
 </p:presentation>
@@ -334,7 +334,7 @@
               <a:pPr>
                 <a:defRPr/>
               </a:pPr>
-              <a:t>2016-03-01</a:t>
+              <a:t>4/11/16</a:t>
             </a:fld>
             <a:endParaRPr lang="en-US" dirty="0"/>
           </a:p>
@@ -517,7 +517,7 @@
               <a:pPr>
                 <a:defRPr/>
               </a:pPr>
-              <a:t>2016-03-01</a:t>
+              <a:t>4/11/16</a:t>
             </a:fld>
             <a:endParaRPr lang="en-US" dirty="0"/>
           </a:p>
@@ -3388,7 +3388,6 @@
               <a:rPr lang="en-US" baseline="0" dirty="0" smtClean="0"/>
               <a:t> command resource. </a:t>
             </a:r>
-            <a:endParaRPr lang="en-US" baseline="0" dirty="0" smtClean="0"/>
           </a:p>
           <a:p>
             <a:endParaRPr lang="en-US" baseline="0" smtClean="0"/>
@@ -10606,7 +10605,7 @@
   <p:clrMapOvr>
     <a:masterClrMapping/>
   </p:clrMapOvr>
-  <p:transition spd="med">
+  <p:transition xmlns:p14="http://schemas.microsoft.com/office/powerpoint/2010/main" spd="med">
     <p:fade/>
   </p:transition>
 </p:sldLayout>
@@ -10901,7 +10900,7 @@
   <p:clrMapOvr>
     <a:overrideClrMapping bg1="lt1" tx1="dk1" bg2="lt2" tx2="dk2" accent1="accent1" accent2="accent2" accent3="accent3" accent4="accent4" accent5="accent5" accent6="accent6" hlink="hlink" folHlink="folHlink"/>
   </p:clrMapOvr>
-  <p:transition spd="med">
+  <p:transition xmlns:p14="http://schemas.microsoft.com/office/powerpoint/2010/main" spd="med">
     <p:fade/>
   </p:transition>
 </p:sldLayout>
@@ -11034,14 +11033,14 @@
           </a:ln>
           <a:extLst>
             <a:ext uri="{909E8E84-426E-40dd-AFC4-6F175D3DCCD1}">
-              <a14:hiddenFill xmlns:a14="http://schemas.microsoft.com/office/drawing/2010/main" xmlns="">
+              <a14:hiddenFill xmlns:a14="http://schemas.microsoft.com/office/drawing/2010/main">
                 <a:solidFill>
                   <a:srgbClr val="FFFFFF"/>
                 </a:solidFill>
               </a14:hiddenFill>
             </a:ext>
             <a:ext uri="{91240B29-F687-4f45-9708-019B960494DF}">
-              <a14:hiddenLine xmlns:a14="http://schemas.microsoft.com/office/drawing/2010/main" xmlns="" w="9525">
+              <a14:hiddenLine xmlns:a14="http://schemas.microsoft.com/office/drawing/2010/main" w="9525">
                 <a:solidFill>
                   <a:srgbClr val="000000"/>
                 </a:solidFill>
@@ -11189,14 +11188,14 @@
           </a:ln>
           <a:extLst>
             <a:ext uri="{909E8E84-426E-40dd-AFC4-6F175D3DCCD1}">
-              <a14:hiddenFill xmlns:a14="http://schemas.microsoft.com/office/drawing/2010/main" xmlns="">
+              <a14:hiddenFill xmlns:a14="http://schemas.microsoft.com/office/drawing/2010/main">
                 <a:solidFill>
                   <a:srgbClr val="FFFFFF"/>
                 </a:solidFill>
               </a14:hiddenFill>
             </a:ext>
             <a:ext uri="{91240B29-F687-4f45-9708-019B960494DF}">
-              <a14:hiddenLine xmlns:a14="http://schemas.microsoft.com/office/drawing/2010/main" xmlns="" w="9525">
+              <a14:hiddenLine xmlns:a14="http://schemas.microsoft.com/office/drawing/2010/main" w="9525">
                 <a:solidFill>
                   <a:srgbClr val="000000"/>
                 </a:solidFill>
@@ -11594,7 +11593,7 @@
   <p:clrMapOvr>
     <a:overrideClrMapping bg1="lt1" tx1="dk1" bg2="lt2" tx2="dk2" accent1="accent1" accent2="accent2" accent3="accent3" accent4="accent4" accent5="accent5" accent6="accent6" hlink="hlink" folHlink="folHlink"/>
   </p:clrMapOvr>
-  <p:transition spd="med">
+  <p:transition xmlns:p14="http://schemas.microsoft.com/office/powerpoint/2010/main" spd="med">
     <p:fade/>
   </p:transition>
 </p:sldLayout>
@@ -11687,14 +11686,14 @@
           </a:ln>
           <a:extLst>
             <a:ext uri="{909E8E84-426E-40dd-AFC4-6F175D3DCCD1}">
-              <a14:hiddenFill xmlns:a14="http://schemas.microsoft.com/office/drawing/2010/main" xmlns="">
+              <a14:hiddenFill xmlns:a14="http://schemas.microsoft.com/office/drawing/2010/main">
                 <a:solidFill>
                   <a:srgbClr val="FFFFFF"/>
                 </a:solidFill>
               </a14:hiddenFill>
             </a:ext>
             <a:ext uri="{91240B29-F687-4f45-9708-019B960494DF}">
-              <a14:hiddenLine xmlns:a14="http://schemas.microsoft.com/office/drawing/2010/main" xmlns="" w="9525">
+              <a14:hiddenLine xmlns:a14="http://schemas.microsoft.com/office/drawing/2010/main" w="9525">
                 <a:solidFill>
                   <a:srgbClr val="000000"/>
                 </a:solidFill>
@@ -11716,7 +11715,7 @@
   <p:clrMapOvr>
     <a:masterClrMapping/>
   </p:clrMapOvr>
-  <p:transition spd="med">
+  <p:transition xmlns:p14="http://schemas.microsoft.com/office/powerpoint/2010/main" spd="med">
     <p:fade/>
   </p:transition>
 </p:sldLayout>
@@ -12003,7 +12002,7 @@
   <p:clrMapOvr>
     <a:masterClrMapping/>
   </p:clrMapOvr>
-  <p:transition spd="med">
+  <p:transition xmlns:p14="http://schemas.microsoft.com/office/powerpoint/2010/main" spd="med">
     <p:fade/>
   </p:transition>
 </p:sldLayout>
@@ -12290,7 +12289,7 @@
   <p:clrMapOvr>
     <a:masterClrMapping/>
   </p:clrMapOvr>
-  <p:transition spd="med">
+  <p:transition xmlns:p14="http://schemas.microsoft.com/office/powerpoint/2010/main" spd="med">
     <p:fade/>
   </p:transition>
 </p:sldLayout>
@@ -12639,7 +12638,7 @@
   <p:clrMapOvr>
     <a:masterClrMapping/>
   </p:clrMapOvr>
-  <p:transition spd="med">
+  <p:transition xmlns:p14="http://schemas.microsoft.com/office/powerpoint/2010/main" spd="med">
     <p:fade/>
   </p:transition>
 </p:sldLayout>
@@ -12926,7 +12925,7 @@
   <p:clrMapOvr>
     <a:masterClrMapping/>
   </p:clrMapOvr>
-  <p:transition spd="med">
+  <p:transition xmlns:p14="http://schemas.microsoft.com/office/powerpoint/2010/main" spd="med">
     <p:fade/>
   </p:transition>
 </p:sldLayout>
@@ -13143,14 +13142,14 @@
           </a:ln>
           <a:extLst>
             <a:ext uri="{909E8E84-426E-40dd-AFC4-6F175D3DCCD1}">
-              <a14:hiddenFill xmlns:a14="http://schemas.microsoft.com/office/drawing/2010/main" xmlns="">
+              <a14:hiddenFill xmlns:a14="http://schemas.microsoft.com/office/drawing/2010/main">
                 <a:solidFill>
                   <a:srgbClr val="FFFFFF"/>
                 </a:solidFill>
               </a14:hiddenFill>
             </a:ext>
             <a:ext uri="{91240B29-F687-4f45-9708-019B960494DF}">
-              <a14:hiddenLine xmlns:a14="http://schemas.microsoft.com/office/drawing/2010/main" xmlns="" w="9525">
+              <a14:hiddenLine xmlns:a14="http://schemas.microsoft.com/office/drawing/2010/main" w="9525">
                 <a:solidFill>
                   <a:srgbClr val="000000"/>
                 </a:solidFill>
@@ -13347,7 +13346,7 @@
   <p:clrMapOvr>
     <a:masterClrMapping/>
   </p:clrMapOvr>
-  <p:transition spd="med">
+  <p:transition xmlns:p14="http://schemas.microsoft.com/office/powerpoint/2010/main" spd="med">
     <p:fade/>
   </p:transition>
 </p:sldLayout>
@@ -13635,7 +13634,7 @@
   <p:clrMapOvr>
     <a:masterClrMapping/>
   </p:clrMapOvr>
-  <p:transition spd="med">
+  <p:transition xmlns:p14="http://schemas.microsoft.com/office/powerpoint/2010/main" spd="med">
     <p:fade/>
   </p:transition>
 </p:sldLayout>
@@ -13947,7 +13946,7 @@
   <p:clrMapOvr>
     <a:masterClrMapping/>
   </p:clrMapOvr>
-  <p:transition spd="med">
+  <p:transition xmlns:p14="http://schemas.microsoft.com/office/powerpoint/2010/main" spd="med">
     <p:fade/>
   </p:transition>
 </p:sldLayout>
@@ -14124,7 +14123,7 @@
   <p:clrMapOvr>
     <a:masterClrMapping/>
   </p:clrMapOvr>
-  <p:transition spd="med">
+  <p:transition xmlns:p14="http://schemas.microsoft.com/office/powerpoint/2010/main" spd="med">
     <p:fade/>
   </p:transition>
 </p:sldLayout>
@@ -14428,7 +14427,7 @@
   <p:clrMapOvr>
     <a:masterClrMapping/>
   </p:clrMapOvr>
-  <p:transition spd="med">
+  <p:transition xmlns:p14="http://schemas.microsoft.com/office/powerpoint/2010/main" spd="med">
     <p:fade/>
   </p:transition>
 </p:sldLayout>
@@ -14504,14 +14503,14 @@
           </a:ln>
           <a:extLst>
             <a:ext uri="{909E8E84-426E-40dd-AFC4-6F175D3DCCD1}">
-              <a14:hiddenFill xmlns:a14="http://schemas.microsoft.com/office/drawing/2010/main" xmlns="">
+              <a14:hiddenFill xmlns:a14="http://schemas.microsoft.com/office/drawing/2010/main">
                 <a:solidFill>
                   <a:srgbClr val="FFFFFF"/>
                 </a:solidFill>
               </a14:hiddenFill>
             </a:ext>
             <a:ext uri="{91240B29-F687-4f45-9708-019B960494DF}">
-              <a14:hiddenLine xmlns:a14="http://schemas.microsoft.com/office/drawing/2010/main" xmlns="" w="9525">
+              <a14:hiddenLine xmlns:a14="http://schemas.microsoft.com/office/drawing/2010/main" w="9525">
                 <a:solidFill>
                   <a:srgbClr val="000000"/>
                 </a:solidFill>
@@ -14787,7 +14786,7 @@
   <p:clrMapOvr>
     <a:overrideClrMapping bg1="lt1" tx1="dk1" bg2="lt2" tx2="dk2" accent1="accent1" accent2="accent2" accent3="accent3" accent4="accent4" accent5="accent5" accent6="accent6" hlink="hlink" folHlink="folHlink"/>
   </p:clrMapOvr>
-  <p:transition spd="med">
+  <p:transition xmlns:p14="http://schemas.microsoft.com/office/powerpoint/2010/main" spd="med">
     <p:fade/>
   </p:transition>
 </p:sldLayout>
@@ -14993,7 +14992,7 @@
   <p:clrMapOvr>
     <a:overrideClrMapping bg1="lt1" tx1="dk1" bg2="lt2" tx2="dk2" accent1="accent1" accent2="accent2" accent3="accent3" accent4="accent4" accent5="accent5" accent6="accent6" hlink="hlink" folHlink="folHlink"/>
   </p:clrMapOvr>
-  <p:transition spd="med">
+  <p:transition xmlns:p14="http://schemas.microsoft.com/office/powerpoint/2010/main" spd="med">
     <p:fade/>
   </p:transition>
 </p:sldLayout>
@@ -15069,14 +15068,14 @@
           </a:ln>
           <a:extLst>
             <a:ext uri="{909E8E84-426E-40dd-AFC4-6F175D3DCCD1}">
-              <a14:hiddenFill xmlns:a14="http://schemas.microsoft.com/office/drawing/2010/main" xmlns="">
+              <a14:hiddenFill xmlns:a14="http://schemas.microsoft.com/office/drawing/2010/main">
                 <a:solidFill>
                   <a:srgbClr val="FFFFFF"/>
                 </a:solidFill>
               </a14:hiddenFill>
             </a:ext>
             <a:ext uri="{91240B29-F687-4f45-9708-019B960494DF}">
-              <a14:hiddenLine xmlns:a14="http://schemas.microsoft.com/office/drawing/2010/main" xmlns="" w="9525">
+              <a14:hiddenLine xmlns:a14="http://schemas.microsoft.com/office/drawing/2010/main" w="9525">
                 <a:solidFill>
                   <a:srgbClr val="000000"/>
                 </a:solidFill>
@@ -15359,7 +15358,7 @@
   <p:clrMapOvr>
     <a:overrideClrMapping bg1="lt1" tx1="dk1" bg2="lt2" tx2="dk2" accent1="accent1" accent2="accent2" accent3="accent3" accent4="accent4" accent5="accent5" accent6="accent6" hlink="hlink" folHlink="folHlink"/>
   </p:clrMapOvr>
-  <p:transition spd="med">
+  <p:transition xmlns:p14="http://schemas.microsoft.com/office/powerpoint/2010/main" spd="med">
     <p:fade/>
   </p:transition>
 </p:sldLayout>
@@ -15567,7 +15566,7 @@
   <p:clrMapOvr>
     <a:overrideClrMapping bg1="lt1" tx1="dk1" bg2="lt2" tx2="dk2" accent1="accent1" accent2="accent2" accent3="accent3" accent4="accent4" accent5="accent5" accent6="accent6" hlink="hlink" folHlink="folHlink"/>
   </p:clrMapOvr>
-  <p:transition spd="med">
+  <p:transition xmlns:p14="http://schemas.microsoft.com/office/powerpoint/2010/main" spd="med">
     <p:fade/>
   </p:transition>
 </p:sldLayout>
@@ -15643,14 +15642,14 @@
           </a:ln>
           <a:extLst>
             <a:ext uri="{909E8E84-426E-40dd-AFC4-6F175D3DCCD1}">
-              <a14:hiddenFill xmlns:a14="http://schemas.microsoft.com/office/drawing/2010/main" xmlns="">
+              <a14:hiddenFill xmlns:a14="http://schemas.microsoft.com/office/drawing/2010/main">
                 <a:solidFill>
                   <a:srgbClr val="FFFFFF"/>
                 </a:solidFill>
               </a14:hiddenFill>
             </a:ext>
             <a:ext uri="{91240B29-F687-4f45-9708-019B960494DF}">
-              <a14:hiddenLine xmlns:a14="http://schemas.microsoft.com/office/drawing/2010/main" xmlns="" w="9525">
+              <a14:hiddenLine xmlns:a14="http://schemas.microsoft.com/office/drawing/2010/main" w="9525">
                 <a:solidFill>
                   <a:srgbClr val="000000"/>
                 </a:solidFill>
@@ -15918,7 +15917,7 @@
   <p:clrMapOvr>
     <a:overrideClrMapping bg1="lt1" tx1="dk1" bg2="lt2" tx2="dk2" accent1="accent1" accent2="accent2" accent3="accent3" accent4="accent4" accent5="accent5" accent6="accent6" hlink="hlink" folHlink="folHlink"/>
   </p:clrMapOvr>
-  <p:transition spd="med">
+  <p:transition xmlns:p14="http://schemas.microsoft.com/office/powerpoint/2010/main" spd="med">
     <p:fade/>
   </p:transition>
 </p:sldLayout>
@@ -16146,7 +16145,7 @@
   <p:clrMapOvr>
     <a:overrideClrMapping bg1="lt1" tx1="dk1" bg2="lt2" tx2="dk2" accent1="accent1" accent2="accent2" accent3="accent3" accent4="accent4" accent5="accent5" accent6="accent6" hlink="hlink" folHlink="folHlink"/>
   </p:clrMapOvr>
-  <p:transition spd="med">
+  <p:transition xmlns:p14="http://schemas.microsoft.com/office/powerpoint/2010/main" spd="med">
     <p:fade/>
   </p:transition>
 </p:sldLayout>
@@ -16434,7 +16433,7 @@
   <p:clrMapOvr>
     <a:overrideClrMapping bg1="lt1" tx1="dk1" bg2="lt2" tx2="dk2" accent1="accent1" accent2="accent2" accent3="accent3" accent4="accent4" accent5="accent5" accent6="accent6" hlink="hlink" folHlink="folHlink"/>
   </p:clrMapOvr>
-  <p:transition spd="med">
+  <p:transition xmlns:p14="http://schemas.microsoft.com/office/powerpoint/2010/main" spd="med">
     <p:fade/>
   </p:transition>
 </p:sldLayout>
@@ -16590,14 +16589,14 @@
           </a:ln>
           <a:extLst>
             <a:ext uri="{909E8E84-426E-40dd-AFC4-6F175D3DCCD1}">
-              <a14:hiddenFill xmlns:a14="http://schemas.microsoft.com/office/drawing/2010/main" xmlns="">
+              <a14:hiddenFill xmlns:a14="http://schemas.microsoft.com/office/drawing/2010/main">
                 <a:solidFill>
                   <a:srgbClr val="FFFFFF"/>
                 </a:solidFill>
               </a14:hiddenFill>
             </a:ext>
             <a:ext uri="{91240B29-F687-4f45-9708-019B960494DF}">
-              <a14:hiddenLine xmlns:a14="http://schemas.microsoft.com/office/drawing/2010/main" xmlns="" w="9525">
+              <a14:hiddenLine xmlns:a14="http://schemas.microsoft.com/office/drawing/2010/main" w="9525">
                 <a:solidFill>
                   <a:srgbClr val="000000"/>
                 </a:solidFill>
@@ -16836,13 +16835,13 @@
     <p:sldLayoutId id="2147483841" r:id="rId11"/>
     <p:sldLayoutId id="2147483843" r:id="rId12"/>
   </p:sldLayoutIdLst>
-  <p:transition spd="med">
+  <p:transition xmlns:p14="http://schemas.microsoft.com/office/powerpoint/2010/main" spd="med">
     <p:fade/>
   </p:transition>
   <p:timing>
     <p:tnLst>
       <p:par>
-        <p:cTn id="1" dur="indefinite" restart="never" nodeType="tmRoot"/>
+        <p:cTn xmlns:p14="http://schemas.microsoft.com/office/powerpoint/2010/main" id="1" dur="indefinite" restart="never" nodeType="tmRoot"/>
       </p:par>
     </p:tnLst>
   </p:timing>
@@ -17370,14 +17369,14 @@
           </a:ln>
           <a:extLst>
             <a:ext uri="{909E8E84-426E-40dd-AFC4-6F175D3DCCD1}">
-              <a14:hiddenFill xmlns:a14="http://schemas.microsoft.com/office/drawing/2010/main" xmlns="">
+              <a14:hiddenFill xmlns:a14="http://schemas.microsoft.com/office/drawing/2010/main">
                 <a:solidFill>
                   <a:srgbClr val="FFFFFF"/>
                 </a:solidFill>
               </a14:hiddenFill>
             </a:ext>
             <a:ext uri="{91240B29-F687-4f45-9708-019B960494DF}">
-              <a14:hiddenLine xmlns:a14="http://schemas.microsoft.com/office/drawing/2010/main" xmlns="" w="9525">
+              <a14:hiddenLine xmlns:a14="http://schemas.microsoft.com/office/drawing/2010/main" w="9525">
                 <a:solidFill>
                   <a:srgbClr val="000000"/>
                 </a:solidFill>
@@ -17687,13 +17686,13 @@
     <p:sldLayoutId id="2147483856" r:id="rId7"/>
     <p:sldLayoutId id="2147483866" r:id="rId8"/>
   </p:sldLayoutIdLst>
-  <p:transition spd="med">
+  <p:transition xmlns:p14="http://schemas.microsoft.com/office/powerpoint/2010/main" spd="med">
     <p:fade/>
   </p:transition>
   <p:timing>
     <p:tnLst>
       <p:par>
-        <p:cTn id="1" dur="indefinite" restart="never" nodeType="tmRoot"/>
+        <p:cTn xmlns:p14="http://schemas.microsoft.com/office/powerpoint/2010/main" id="1" dur="indefinite" restart="never" nodeType="tmRoot"/>
       </p:par>
     </p:tnLst>
   </p:timing>
@@ -18191,13 +18190,13 @@
   <p:clrMapOvr>
     <a:masterClrMapping/>
   </p:clrMapOvr>
-  <p:transition spd="med">
+  <p:transition xmlns:p14="http://schemas.microsoft.com/office/powerpoint/2010/main" spd="med">
     <p:fade/>
   </p:transition>
   <p:timing>
     <p:tnLst>
       <p:par>
-        <p:cTn id="1" dur="indefinite" restart="never" nodeType="tmRoot"/>
+        <p:cTn xmlns:p14="http://schemas.microsoft.com/office/powerpoint/2010/main" id="1" dur="indefinite" restart="never" nodeType="tmRoot"/>
       </p:par>
     </p:tnLst>
   </p:timing>
@@ -18346,13 +18345,13 @@
   <p:clrMapOvr>
     <a:masterClrMapping/>
   </p:clrMapOvr>
-  <p:transition spd="med">
+  <p:transition xmlns:p14="http://schemas.microsoft.com/office/powerpoint/2010/main" spd="med">
     <p:fade/>
   </p:transition>
   <p:timing>
     <p:tnLst>
       <p:par>
-        <p:cTn id="1" dur="indefinite" restart="never" nodeType="tmRoot"/>
+        <p:cTn xmlns:p14="http://schemas.microsoft.com/office/powerpoint/2010/main" id="1" dur="indefinite" restart="never" nodeType="tmRoot"/>
       </p:par>
     </p:tnLst>
   </p:timing>
@@ -18453,13 +18452,13 @@
   <p:clrMapOvr>
     <a:masterClrMapping/>
   </p:clrMapOvr>
-  <p:transition spd="med">
+  <p:transition xmlns:p14="http://schemas.microsoft.com/office/powerpoint/2010/main" spd="med">
     <p:fade/>
   </p:transition>
   <p:timing>
     <p:tnLst>
       <p:par>
-        <p:cTn id="1" dur="indefinite" restart="never" nodeType="tmRoot"/>
+        <p:cTn xmlns:p14="http://schemas.microsoft.com/office/powerpoint/2010/main" id="1" dur="indefinite" restart="never" nodeType="tmRoot"/>
       </p:par>
     </p:tnLst>
   </p:timing>
@@ -18794,13 +18793,13 @@
   <p:clrMapOvr>
     <a:masterClrMapping/>
   </p:clrMapOvr>
-  <p:transition spd="med">
+  <p:transition xmlns:p14="http://schemas.microsoft.com/office/powerpoint/2010/main" spd="med">
     <p:fade/>
   </p:transition>
   <p:timing>
     <p:tnLst>
       <p:par>
-        <p:cTn id="1" dur="indefinite" restart="never" nodeType="tmRoot"/>
+        <p:cTn xmlns:p14="http://schemas.microsoft.com/office/powerpoint/2010/main" id="1" dur="indefinite" restart="never" nodeType="tmRoot"/>
       </p:par>
     </p:tnLst>
   </p:timing>
@@ -19054,13 +19053,13 @@
   <p:clrMapOvr>
     <a:masterClrMapping/>
   </p:clrMapOvr>
-  <p:transition spd="med">
+  <p:transition xmlns:p14="http://schemas.microsoft.com/office/powerpoint/2010/main" spd="med">
     <p:fade/>
   </p:transition>
   <p:timing>
     <p:tnLst>
       <p:par>
-        <p:cTn id="1" dur="indefinite" restart="never" nodeType="tmRoot"/>
+        <p:cTn xmlns:p14="http://schemas.microsoft.com/office/powerpoint/2010/main" id="1" dur="indefinite" restart="never" nodeType="tmRoot"/>
       </p:par>
     </p:tnLst>
   </p:timing>
@@ -19261,13 +19260,13 @@
   <p:clrMapOvr>
     <a:masterClrMapping/>
   </p:clrMapOvr>
-  <p:transition spd="med">
+  <p:transition xmlns:p14="http://schemas.microsoft.com/office/powerpoint/2010/main" spd="med">
     <p:fade/>
   </p:transition>
   <p:timing>
     <p:tnLst>
       <p:par>
-        <p:cTn id="1" dur="indefinite" restart="never" nodeType="tmRoot"/>
+        <p:cTn xmlns:p14="http://schemas.microsoft.com/office/powerpoint/2010/main" id="1" dur="indefinite" restart="never" nodeType="tmRoot"/>
       </p:par>
     </p:tnLst>
   </p:timing>
@@ -19415,13 +19414,13 @@
   <p:clrMapOvr>
     <a:masterClrMapping/>
   </p:clrMapOvr>
-  <p:transition spd="med">
+  <p:transition xmlns:p14="http://schemas.microsoft.com/office/powerpoint/2010/main" spd="med">
     <p:fade/>
   </p:transition>
   <p:timing>
     <p:tnLst>
       <p:par>
-        <p:cTn id="1" dur="indefinite" restart="never" nodeType="tmRoot"/>
+        <p:cTn xmlns:p14="http://schemas.microsoft.com/office/powerpoint/2010/main" id="1" dur="indefinite" restart="never" nodeType="tmRoot"/>
       </p:par>
     </p:tnLst>
   </p:timing>
@@ -19880,13 +19879,13 @@
   <p:clrMapOvr>
     <a:masterClrMapping/>
   </p:clrMapOvr>
-  <p:transition spd="med">
+  <p:transition xmlns:p14="http://schemas.microsoft.com/office/powerpoint/2010/main" spd="med">
     <p:fade/>
   </p:transition>
   <p:timing>
     <p:tnLst>
       <p:par>
-        <p:cTn id="1" dur="indefinite" restart="never" nodeType="tmRoot"/>
+        <p:cTn xmlns:p14="http://schemas.microsoft.com/office/powerpoint/2010/main" id="1" dur="indefinite" restart="never" nodeType="tmRoot"/>
       </p:par>
     </p:tnLst>
   </p:timing>
@@ -20093,13 +20092,13 @@
   <p:clrMapOvr>
     <a:masterClrMapping/>
   </p:clrMapOvr>
-  <p:transition spd="med">
+  <p:transition xmlns:p14="http://schemas.microsoft.com/office/powerpoint/2010/main" spd="med">
     <p:fade/>
   </p:transition>
   <p:timing>
     <p:tnLst>
       <p:par>
-        <p:cTn id="1" dur="indefinite" restart="never" nodeType="tmRoot"/>
+        <p:cTn xmlns:p14="http://schemas.microsoft.com/office/powerpoint/2010/main" id="1" dur="indefinite" restart="never" nodeType="tmRoot"/>
       </p:par>
     </p:tnLst>
   </p:timing>
@@ -20717,13 +20716,13 @@
   <p:clrMapOvr>
     <a:masterClrMapping/>
   </p:clrMapOvr>
-  <p:transition spd="med">
+  <p:transition xmlns:p14="http://schemas.microsoft.com/office/powerpoint/2010/main" spd="med">
     <p:fade/>
   </p:transition>
   <p:timing>
     <p:tnLst>
       <p:par>
-        <p:cTn id="1" dur="indefinite" restart="never" nodeType="tmRoot"/>
+        <p:cTn xmlns:p14="http://schemas.microsoft.com/office/powerpoint/2010/main" id="1" dur="indefinite" restart="never" nodeType="tmRoot"/>
       </p:par>
     </p:tnLst>
   </p:timing>
@@ -21359,13 +21358,13 @@
   <p:clrMapOvr>
     <a:masterClrMapping/>
   </p:clrMapOvr>
-  <p:transition spd="med">
+  <p:transition xmlns:p14="http://schemas.microsoft.com/office/powerpoint/2010/main" spd="med">
     <p:fade/>
   </p:transition>
   <p:timing>
     <p:tnLst>
       <p:par>
-        <p:cTn id="1" dur="indefinite" restart="never" nodeType="tmRoot"/>
+        <p:cTn xmlns:p14="http://schemas.microsoft.com/office/powerpoint/2010/main" id="1" dur="indefinite" restart="never" nodeType="tmRoot"/>
       </p:par>
     </p:tnLst>
   </p:timing>
@@ -21493,13 +21492,13 @@
   <p:clrMapOvr>
     <a:masterClrMapping/>
   </p:clrMapOvr>
-  <p:transition spd="med">
+  <p:transition xmlns:p14="http://schemas.microsoft.com/office/powerpoint/2010/main" spd="med">
     <p:fade/>
   </p:transition>
   <p:timing>
     <p:tnLst>
       <p:par>
-        <p:cTn id="1" dur="indefinite" restart="never" nodeType="tmRoot"/>
+        <p:cTn xmlns:p14="http://schemas.microsoft.com/office/powerpoint/2010/main" id="1" dur="indefinite" restart="never" nodeType="tmRoot"/>
       </p:par>
     </p:tnLst>
   </p:timing>
@@ -22114,13 +22113,13 @@
   <p:clrMapOvr>
     <a:masterClrMapping/>
   </p:clrMapOvr>
-  <p:transition spd="med">
+  <p:transition xmlns:p14="http://schemas.microsoft.com/office/powerpoint/2010/main" spd="med">
     <p:fade/>
   </p:transition>
   <p:timing>
     <p:tnLst>
       <p:par>
-        <p:cTn id="1" dur="indefinite" restart="never" nodeType="tmRoot"/>
+        <p:cTn xmlns:p14="http://schemas.microsoft.com/office/powerpoint/2010/main" id="1" dur="indefinite" restart="never" nodeType="tmRoot"/>
       </p:par>
     </p:tnLst>
   </p:timing>
@@ -22754,13 +22753,13 @@
   <p:clrMapOvr>
     <a:masterClrMapping/>
   </p:clrMapOvr>
-  <p:transition spd="med">
+  <p:transition xmlns:p14="http://schemas.microsoft.com/office/powerpoint/2010/main" spd="med">
     <p:fade/>
   </p:transition>
   <p:timing>
     <p:tnLst>
       <p:par>
-        <p:cTn id="1" dur="indefinite" restart="never" nodeType="tmRoot"/>
+        <p:cTn xmlns:p14="http://schemas.microsoft.com/office/powerpoint/2010/main" id="1" dur="indefinite" restart="never" nodeType="tmRoot"/>
       </p:par>
     </p:tnLst>
   </p:timing>
@@ -23231,13 +23230,13 @@
   <p:clrMapOvr>
     <a:masterClrMapping/>
   </p:clrMapOvr>
-  <p:transition spd="med">
+  <p:transition xmlns:p14="http://schemas.microsoft.com/office/powerpoint/2010/main" spd="med">
     <p:fade/>
   </p:transition>
   <p:timing>
     <p:tnLst>
       <p:par>
-        <p:cTn id="1" dur="indefinite" restart="never" nodeType="tmRoot"/>
+        <p:cTn xmlns:p14="http://schemas.microsoft.com/office/powerpoint/2010/main" id="1" dur="indefinite" restart="never" nodeType="tmRoot"/>
       </p:par>
     </p:tnLst>
   </p:timing>
@@ -24535,13 +24534,13 @@
   <p:clrMapOvr>
     <a:masterClrMapping/>
   </p:clrMapOvr>
-  <p:transition spd="med">
+  <p:transition xmlns:p14="http://schemas.microsoft.com/office/powerpoint/2010/main" spd="med">
     <p:fade/>
   </p:transition>
   <p:timing>
     <p:tnLst>
       <p:par>
-        <p:cTn id="1" dur="indefinite" restart="never" nodeType="tmRoot"/>
+        <p:cTn xmlns:p14="http://schemas.microsoft.com/office/powerpoint/2010/main" id="1" dur="indefinite" restart="never" nodeType="tmRoot"/>
       </p:par>
     </p:tnLst>
   </p:timing>
@@ -24789,13 +24788,13 @@
   <p:clrMapOvr>
     <a:masterClrMapping/>
   </p:clrMapOvr>
-  <p:transition spd="med">
+  <p:transition xmlns:p14="http://schemas.microsoft.com/office/powerpoint/2010/main" spd="med">
     <p:fade/>
   </p:transition>
   <p:timing>
     <p:tnLst>
       <p:par>
-        <p:cTn id="1" dur="indefinite" restart="never" nodeType="tmRoot"/>
+        <p:cTn xmlns:p14="http://schemas.microsoft.com/office/powerpoint/2010/main" id="1" dur="indefinite" restart="never" nodeType="tmRoot"/>
       </p:par>
     </p:tnLst>
   </p:timing>
@@ -25032,13 +25031,13 @@
   <p:clrMapOvr>
     <a:masterClrMapping/>
   </p:clrMapOvr>
-  <p:transition spd="med">
+  <p:transition xmlns:p14="http://schemas.microsoft.com/office/powerpoint/2010/main" spd="med">
     <p:fade/>
   </p:transition>
   <p:timing>
     <p:tnLst>
       <p:par>
-        <p:cTn id="1" dur="indefinite" restart="never" nodeType="tmRoot"/>
+        <p:cTn xmlns:p14="http://schemas.microsoft.com/office/powerpoint/2010/main" id="1" dur="indefinite" restart="never" nodeType="tmRoot"/>
       </p:par>
     </p:tnLst>
   </p:timing>
@@ -25186,13 +25185,13 @@
   <p:clrMapOvr>
     <a:masterClrMapping/>
   </p:clrMapOvr>
-  <p:transition spd="med">
+  <p:transition xmlns:p14="http://schemas.microsoft.com/office/powerpoint/2010/main" spd="med">
     <p:fade/>
   </p:transition>
   <p:timing>
     <p:tnLst>
       <p:par>
-        <p:cTn id="1" dur="indefinite" restart="never" nodeType="tmRoot"/>
+        <p:cTn xmlns:p14="http://schemas.microsoft.com/office/powerpoint/2010/main" id="1" dur="indefinite" restart="never" nodeType="tmRoot"/>
       </p:par>
     </p:tnLst>
   </p:timing>
@@ -25295,13 +25294,13 @@
   <p:clrMapOvr>
     <a:masterClrMapping/>
   </p:clrMapOvr>
-  <p:transition spd="med">
+  <p:transition xmlns:p14="http://schemas.microsoft.com/office/powerpoint/2010/main" spd="med">
     <p:fade/>
   </p:transition>
   <p:timing>
     <p:tnLst>
       <p:par>
-        <p:cTn id="1" dur="indefinite" restart="never" nodeType="tmRoot"/>
+        <p:cTn xmlns:p14="http://schemas.microsoft.com/office/powerpoint/2010/main" id="1" dur="indefinite" restart="never" nodeType="tmRoot"/>
       </p:par>
     </p:tnLst>
   </p:timing>
@@ -25526,13 +25525,13 @@
   <p:clrMapOvr>
     <a:masterClrMapping/>
   </p:clrMapOvr>
-  <p:transition spd="med">
+  <p:transition xmlns:p14="http://schemas.microsoft.com/office/powerpoint/2010/main" spd="med">
     <p:fade/>
   </p:transition>
   <p:timing>
     <p:tnLst>
       <p:par>
-        <p:cTn id="1" dur="indefinite" restart="never" nodeType="tmRoot"/>
+        <p:cTn xmlns:p14="http://schemas.microsoft.com/office/powerpoint/2010/main" id="1" dur="indefinite" restart="never" nodeType="tmRoot"/>
       </p:par>
     </p:tnLst>
   </p:timing>
@@ -25807,13 +25806,13 @@
   <p:clrMapOvr>
     <a:masterClrMapping/>
   </p:clrMapOvr>
-  <p:transition spd="med">
+  <p:transition xmlns:p14="http://schemas.microsoft.com/office/powerpoint/2010/main" spd="med">
     <p:fade/>
   </p:transition>
   <p:timing>
     <p:tnLst>
       <p:par>
-        <p:cTn id="1" dur="indefinite" restart="never" nodeType="tmRoot"/>
+        <p:cTn xmlns:p14="http://schemas.microsoft.com/office/powerpoint/2010/main" id="1" dur="indefinite" restart="never" nodeType="tmRoot"/>
       </p:par>
     </p:tnLst>
   </p:timing>
@@ -25968,13 +25967,13 @@
   <p:clrMapOvr>
     <a:masterClrMapping/>
   </p:clrMapOvr>
-  <p:transition spd="med">
+  <p:transition xmlns:p14="http://schemas.microsoft.com/office/powerpoint/2010/main" spd="med">
     <p:fade/>
   </p:transition>
   <p:timing>
     <p:tnLst>
       <p:par>
-        <p:cTn id="1" dur="indefinite" restart="never" nodeType="tmRoot"/>
+        <p:cTn xmlns:p14="http://schemas.microsoft.com/office/powerpoint/2010/main" id="1" dur="indefinite" restart="never" nodeType="tmRoot"/>
       </p:par>
     </p:tnLst>
   </p:timing>
@@ -26235,13 +26234,13 @@
   <p:clrMapOvr>
     <a:masterClrMapping/>
   </p:clrMapOvr>
-  <p:transition spd="med">
+  <p:transition xmlns:p14="http://schemas.microsoft.com/office/powerpoint/2010/main" spd="med">
     <p:fade/>
   </p:transition>
   <p:timing>
     <p:tnLst>
       <p:par>
-        <p:cTn id="1" dur="indefinite" restart="never" nodeType="tmRoot"/>
+        <p:cTn xmlns:p14="http://schemas.microsoft.com/office/powerpoint/2010/main" id="1" dur="indefinite" restart="never" nodeType="tmRoot"/>
       </p:par>
     </p:tnLst>
   </p:timing>
@@ -26496,13 +26495,13 @@
   <p:clrMapOvr>
     <a:masterClrMapping/>
   </p:clrMapOvr>
-  <p:transition spd="med">
+  <p:transition xmlns:p14="http://schemas.microsoft.com/office/powerpoint/2010/main" spd="med">
     <p:fade/>
   </p:transition>
   <p:timing>
     <p:tnLst>
       <p:par>
-        <p:cTn id="1" dur="indefinite" restart="never" nodeType="tmRoot"/>
+        <p:cTn xmlns:p14="http://schemas.microsoft.com/office/powerpoint/2010/main" id="1" dur="indefinite" restart="never" nodeType="tmRoot"/>
       </p:par>
     </p:tnLst>
   </p:timing>
@@ -26759,13 +26758,13 @@
   <p:clrMapOvr>
     <a:masterClrMapping/>
   </p:clrMapOvr>
-  <p:transition spd="med">
+  <p:transition xmlns:p14="http://schemas.microsoft.com/office/powerpoint/2010/main" spd="med">
     <p:fade/>
   </p:transition>
   <p:timing>
     <p:tnLst>
       <p:par>
-        <p:cTn id="1" dur="indefinite" restart="never" nodeType="tmRoot"/>
+        <p:cTn xmlns:p14="http://schemas.microsoft.com/office/powerpoint/2010/main" id="1" dur="indefinite" restart="never" nodeType="tmRoot"/>
       </p:par>
     </p:tnLst>
   </p:timing>
@@ -26959,14 +26958,30 @@
               <a:t>Run the </a:t>
             </a:r>
             <a:r>
-              <a:rPr lang="en-US" dirty="0">
+              <a:rPr lang="en-US" dirty="0" smtClean="0">
                 <a:cs typeface="Courier New" panose="02070309020205020404" pitchFamily="49" charset="0"/>
               </a:rPr>
-              <a:t>"workstation"</a:t>
+              <a:t>"</a:t>
+            </a:r>
+            <a:r>
+              <a:rPr lang="en-US" dirty="0" err="1" smtClean="0">
+                <a:cs typeface="Courier New" panose="02070309020205020404" pitchFamily="49" charset="0"/>
+              </a:rPr>
+              <a:t>httpd</a:t>
+            </a:r>
+            <a:r>
+              <a:rPr lang="en-US" dirty="0" smtClean="0">
+                <a:cs typeface="Courier New" panose="02070309020205020404" pitchFamily="49" charset="0"/>
+              </a:rPr>
+              <a:t>"</a:t>
+            </a:r>
+            <a:r>
+              <a:rPr lang="en-US" dirty="0" smtClean="0"/>
+              <a:t> </a:t>
             </a:r>
             <a:r>
               <a:rPr lang="en-US" dirty="0"/>
-              <a:t> cookbook's </a:t>
+              <a:t>cookbook's </a:t>
             </a:r>
             <a:r>
               <a:rPr lang="en-US" dirty="0">
@@ -26992,7 +27007,7 @@
         </p:nvSpPr>
         <p:spPr bwMode="auto">
           <a:xfrm>
-            <a:off x="609600" y="3912976"/>
+            <a:off x="609600" y="5010212"/>
             <a:ext cx="7311251" cy="593710"/>
           </a:xfrm>
           <a:prstGeom prst="rect">
@@ -27063,13 +27078,13 @@
   <p:clrMapOvr>
     <a:masterClrMapping/>
   </p:clrMapOvr>
-  <p:transition spd="med">
+  <p:transition xmlns:p14="http://schemas.microsoft.com/office/powerpoint/2010/main" spd="med">
     <p:fade/>
   </p:transition>
   <p:timing>
     <p:tnLst>
       <p:par>
-        <p:cTn id="1" dur="indefinite" restart="never" nodeType="tmRoot"/>
+        <p:cTn xmlns:p14="http://schemas.microsoft.com/office/powerpoint/2010/main" id="1" dur="indefinite" restart="never" nodeType="tmRoot"/>
       </p:par>
     </p:tnLst>
   </p:timing>
@@ -27363,13 +27378,13 @@
   <p:clrMapOvr>
     <a:masterClrMapping/>
   </p:clrMapOvr>
-  <p:transition spd="med">
+  <p:transition xmlns:p14="http://schemas.microsoft.com/office/powerpoint/2010/main" spd="med">
     <p:fade/>
   </p:transition>
   <p:timing>
     <p:tnLst>
       <p:par>
-        <p:cTn id="1" dur="indefinite" restart="never" nodeType="tmRoot"/>
+        <p:cTn xmlns:p14="http://schemas.microsoft.com/office/powerpoint/2010/main" id="1" dur="indefinite" restart="never" nodeType="tmRoot"/>
       </p:par>
     </p:tnLst>
   </p:timing>
@@ -27655,13 +27670,13 @@
   <p:clrMapOvr>
     <a:masterClrMapping/>
   </p:clrMapOvr>
-  <p:transition spd="med">
+  <p:transition xmlns:p14="http://schemas.microsoft.com/office/powerpoint/2010/main" spd="med">
     <p:fade/>
   </p:transition>
   <p:timing>
     <p:tnLst>
       <p:par>
-        <p:cTn id="1" dur="indefinite" restart="never" nodeType="tmRoot"/>
+        <p:cTn xmlns:p14="http://schemas.microsoft.com/office/powerpoint/2010/main" id="1" dur="indefinite" restart="never" nodeType="tmRoot"/>
       </p:par>
     </p:tnLst>
   </p:timing>
@@ -27808,13 +27823,13 @@
   <p:clrMapOvr>
     <a:masterClrMapping/>
   </p:clrMapOvr>
-  <p:transition spd="med">
+  <p:transition xmlns:p14="http://schemas.microsoft.com/office/powerpoint/2010/main" spd="med">
     <p:fade/>
   </p:transition>
   <p:timing>
     <p:tnLst>
       <p:par>
-        <p:cTn id="1" dur="indefinite" restart="never" nodeType="tmRoot"/>
+        <p:cTn xmlns:p14="http://schemas.microsoft.com/office/powerpoint/2010/main" id="1" dur="indefinite" restart="never" nodeType="tmRoot"/>
       </p:par>
     </p:tnLst>
   </p:timing>
@@ -27978,13 +27993,13 @@
   <p:clrMapOvr>
     <a:masterClrMapping/>
   </p:clrMapOvr>
-  <p:transition spd="med">
+  <p:transition xmlns:p14="http://schemas.microsoft.com/office/powerpoint/2010/main" spd="med">
     <p:fade/>
   </p:transition>
   <p:timing>
     <p:tnLst>
       <p:par>
-        <p:cTn id="1" dur="indefinite" restart="never" nodeType="tmRoot"/>
+        <p:cTn xmlns:p14="http://schemas.microsoft.com/office/powerpoint/2010/main" id="1" dur="indefinite" restart="never" nodeType="tmRoot"/>
       </p:par>
     </p:tnLst>
   </p:timing>
@@ -28468,13 +28483,13 @@
   <p:clrMapOvr>
     <a:masterClrMapping/>
   </p:clrMapOvr>
-  <p:transition spd="med">
+  <p:transition xmlns:p14="http://schemas.microsoft.com/office/powerpoint/2010/main" spd="med">
     <p:fade/>
   </p:transition>
   <p:timing>
     <p:tnLst>
       <p:par>
-        <p:cTn id="1" dur="indefinite" restart="never" nodeType="tmRoot"/>
+        <p:cTn xmlns:p14="http://schemas.microsoft.com/office/powerpoint/2010/main" id="1" dur="indefinite" restart="never" nodeType="tmRoot"/>
       </p:par>
     </p:tnLst>
   </p:timing>
@@ -29269,13 +29284,13 @@
   <p:clrMapOvr>
     <a:masterClrMapping/>
   </p:clrMapOvr>
-  <p:transition spd="med">
+  <p:transition xmlns:p14="http://schemas.microsoft.com/office/powerpoint/2010/main" spd="med">
     <p:fade/>
   </p:transition>
   <p:timing>
     <p:tnLst>
       <p:par>
-        <p:cTn id="1" dur="indefinite" restart="never" nodeType="tmRoot"/>
+        <p:cTn xmlns:p14="http://schemas.microsoft.com/office/powerpoint/2010/main" id="1" dur="indefinite" restart="never" nodeType="tmRoot"/>
       </p:par>
     </p:tnLst>
   </p:timing>
@@ -29373,13 +29388,13 @@
   <p:clrMapOvr>
     <a:masterClrMapping/>
   </p:clrMapOvr>
-  <p:transition spd="med">
+  <p:transition xmlns:p14="http://schemas.microsoft.com/office/powerpoint/2010/main" spd="med">
     <p:fade/>
   </p:transition>
   <p:timing>
     <p:tnLst>
       <p:par>
-        <p:cTn id="1" dur="indefinite" restart="never" nodeType="tmRoot"/>
+        <p:cTn xmlns:p14="http://schemas.microsoft.com/office/powerpoint/2010/main" id="1" dur="indefinite" restart="never" nodeType="tmRoot"/>
       </p:par>
     </p:tnLst>
   </p:timing>
@@ -30342,13 +30357,13 @@
   <p:clrMapOvr>
     <a:masterClrMapping/>
   </p:clrMapOvr>
-  <p:transition spd="med">
+  <p:transition xmlns:p14="http://schemas.microsoft.com/office/powerpoint/2010/main" spd="med">
     <p:fade/>
   </p:transition>
   <p:timing>
     <p:tnLst>
       <p:par>
-        <p:cTn id="1" dur="indefinite" restart="never" nodeType="tmRoot"/>
+        <p:cTn xmlns:p14="http://schemas.microsoft.com/office/powerpoint/2010/main" id="1" dur="indefinite" restart="never" nodeType="tmRoot"/>
       </p:par>
     </p:tnLst>
   </p:timing>
@@ -30638,13 +30653,13 @@
   <p:clrMapOvr>
     <a:masterClrMapping/>
   </p:clrMapOvr>
-  <p:transition spd="med">
+  <p:transition xmlns:p14="http://schemas.microsoft.com/office/powerpoint/2010/main" spd="med">
     <p:fade/>
   </p:transition>
   <p:timing>
     <p:tnLst>
       <p:par>
-        <p:cTn id="1" dur="indefinite" restart="never" nodeType="tmRoot"/>
+        <p:cTn xmlns:p14="http://schemas.microsoft.com/office/powerpoint/2010/main" id="1" dur="indefinite" restart="never" nodeType="tmRoot"/>
       </p:par>
     </p:tnLst>
   </p:timing>
@@ -30810,13 +30825,13 @@
   <p:clrMapOvr>
     <a:masterClrMapping/>
   </p:clrMapOvr>
-  <p:transition spd="med">
+  <p:transition xmlns:p14="http://schemas.microsoft.com/office/powerpoint/2010/main" spd="med">
     <p:fade/>
   </p:transition>
   <p:timing>
     <p:tnLst>
       <p:par>
-        <p:cTn id="1" dur="indefinite" restart="never" nodeType="tmRoot"/>
+        <p:cTn xmlns:p14="http://schemas.microsoft.com/office/powerpoint/2010/main" id="1" dur="indefinite" restart="never" nodeType="tmRoot"/>
       </p:par>
     </p:tnLst>
   </p:timing>
@@ -30974,13 +30989,13 @@
   <p:clrMapOvr>
     <a:masterClrMapping/>
   </p:clrMapOvr>
-  <p:transition spd="med">
+  <p:transition xmlns:p14="http://schemas.microsoft.com/office/powerpoint/2010/main" spd="med">
     <p:fade/>
   </p:transition>
   <p:timing>
     <p:tnLst>
       <p:par>
-        <p:cTn id="1" dur="indefinite" restart="never" nodeType="tmRoot"/>
+        <p:cTn xmlns:p14="http://schemas.microsoft.com/office/powerpoint/2010/main" id="1" dur="indefinite" restart="never" nodeType="tmRoot"/>
       </p:par>
     </p:tnLst>
   </p:timing>
@@ -31359,13 +31374,13 @@
   <p:clrMapOvr>
     <a:masterClrMapping/>
   </p:clrMapOvr>
-  <p:transition spd="med">
+  <p:transition xmlns:p14="http://schemas.microsoft.com/office/powerpoint/2010/main" spd="med">
     <p:fade/>
   </p:transition>
   <p:timing>
     <p:tnLst>
       <p:par>
-        <p:cTn id="1" dur="indefinite" restart="never" nodeType="tmRoot"/>
+        <p:cTn xmlns:p14="http://schemas.microsoft.com/office/powerpoint/2010/main" id="1" dur="indefinite" restart="never" nodeType="tmRoot"/>
       </p:par>
     </p:tnLst>
   </p:timing>
@@ -31644,13 +31659,13 @@
   <p:clrMapOvr>
     <a:masterClrMapping/>
   </p:clrMapOvr>
-  <p:transition spd="med">
+  <p:transition xmlns:p14="http://schemas.microsoft.com/office/powerpoint/2010/main" spd="med">
     <p:fade/>
   </p:transition>
   <p:timing>
     <p:tnLst>
       <p:par>
-        <p:cTn id="1" dur="indefinite" restart="never" nodeType="tmRoot"/>
+        <p:cTn xmlns:p14="http://schemas.microsoft.com/office/powerpoint/2010/main" id="1" dur="indefinite" restart="never" nodeType="tmRoot"/>
       </p:par>
     </p:tnLst>
   </p:timing>
@@ -32685,13 +32700,13 @@
   <p:clrMapOvr>
     <a:masterClrMapping/>
   </p:clrMapOvr>
-  <p:transition spd="med">
+  <p:transition xmlns:p14="http://schemas.microsoft.com/office/powerpoint/2010/main" spd="med">
     <p:fade/>
   </p:transition>
   <p:timing>
     <p:tnLst>
       <p:par>
-        <p:cTn id="1" dur="indefinite" restart="never" nodeType="tmRoot"/>
+        <p:cTn xmlns:p14="http://schemas.microsoft.com/office/powerpoint/2010/main" id="1" dur="indefinite" restart="never" nodeType="tmRoot"/>
       </p:par>
     </p:tnLst>
   </p:timing>
@@ -32957,13 +32972,13 @@
   <p:clrMapOvr>
     <a:masterClrMapping/>
   </p:clrMapOvr>
-  <p:transition spd="med">
+  <p:transition xmlns:p14="http://schemas.microsoft.com/office/powerpoint/2010/main" spd="med">
     <p:fade/>
   </p:transition>
   <p:timing>
     <p:tnLst>
       <p:par>
-        <p:cTn id="1" dur="indefinite" restart="never" nodeType="tmRoot"/>
+        <p:cTn xmlns:p14="http://schemas.microsoft.com/office/powerpoint/2010/main" id="1" dur="indefinite" restart="never" nodeType="tmRoot"/>
       </p:par>
     </p:tnLst>
   </p:timing>
@@ -34327,13 +34342,13 @@
   <p:clrMapOvr>
     <a:masterClrMapping/>
   </p:clrMapOvr>
-  <p:transition spd="med">
+  <p:transition xmlns:p14="http://schemas.microsoft.com/office/powerpoint/2010/main" spd="med">
     <p:fade/>
   </p:transition>
   <p:timing>
     <p:tnLst>
       <p:par>
-        <p:cTn id="1" dur="indefinite" restart="never" nodeType="tmRoot"/>
+        <p:cTn xmlns:p14="http://schemas.microsoft.com/office/powerpoint/2010/main" id="1" dur="indefinite" restart="never" nodeType="tmRoot"/>
       </p:par>
     </p:tnLst>
   </p:timing>
@@ -34769,13 +34784,13 @@
   <p:clrMapOvr>
     <a:masterClrMapping/>
   </p:clrMapOvr>
-  <p:transition spd="med">
+  <p:transition xmlns:p14="http://schemas.microsoft.com/office/powerpoint/2010/main" spd="med">
     <p:fade/>
   </p:transition>
   <p:timing>
     <p:tnLst>
       <p:par>
-        <p:cTn id="1" dur="indefinite" restart="never" nodeType="tmRoot"/>
+        <p:cTn xmlns:p14="http://schemas.microsoft.com/office/powerpoint/2010/main" id="1" dur="indefinite" restart="never" nodeType="tmRoot"/>
       </p:par>
     </p:tnLst>
   </p:timing>
@@ -34899,13 +34914,13 @@
   <p:clrMapOvr>
     <a:masterClrMapping/>
   </p:clrMapOvr>
-  <p:transition spd="med">
+  <p:transition xmlns:p14="http://schemas.microsoft.com/office/powerpoint/2010/main" spd="med">
     <p:fade/>
   </p:transition>
   <p:timing>
     <p:tnLst>
       <p:par>
-        <p:cTn id="1" dur="indefinite" restart="never" nodeType="tmRoot"/>
+        <p:cTn xmlns:p14="http://schemas.microsoft.com/office/powerpoint/2010/main" id="1" dur="indefinite" restart="never" nodeType="tmRoot"/>
       </p:par>
     </p:tnLst>
   </p:timing>
@@ -36358,13 +36373,13 @@
   <p:clrMapOvr>
     <a:masterClrMapping/>
   </p:clrMapOvr>
-  <p:transition spd="med">
+  <p:transition xmlns:p14="http://schemas.microsoft.com/office/powerpoint/2010/main" spd="med">
     <p:fade/>
   </p:transition>
   <p:timing>
     <p:tnLst>
       <p:par>
-        <p:cTn id="1" dur="indefinite" restart="never" nodeType="tmRoot"/>
+        <p:cTn xmlns:p14="http://schemas.microsoft.com/office/powerpoint/2010/main" id="1" dur="indefinite" restart="never" nodeType="tmRoot"/>
       </p:par>
     </p:tnLst>
   </p:timing>
@@ -36486,13 +36501,13 @@
   <p:clrMapOvr>
     <a:masterClrMapping/>
   </p:clrMapOvr>
-  <p:transition spd="med">
+  <p:transition xmlns:p14="http://schemas.microsoft.com/office/powerpoint/2010/main" spd="med">
     <p:fade/>
   </p:transition>
   <p:timing>
     <p:tnLst>
       <p:par>
-        <p:cTn id="1" dur="indefinite" restart="never" nodeType="tmRoot"/>
+        <p:cTn xmlns:p14="http://schemas.microsoft.com/office/powerpoint/2010/main" id="1" dur="indefinite" restart="never" nodeType="tmRoot"/>
       </p:par>
     </p:tnLst>
   </p:timing>
@@ -36640,13 +36655,13 @@
   <p:clrMapOvr>
     <a:masterClrMapping/>
   </p:clrMapOvr>
-  <p:transition spd="med">
+  <p:transition xmlns:p14="http://schemas.microsoft.com/office/powerpoint/2010/main" spd="med">
     <p:fade/>
   </p:transition>
   <p:timing>
     <p:tnLst>
       <p:par>
-        <p:cTn id="1" dur="indefinite" restart="never" nodeType="tmRoot"/>
+        <p:cTn xmlns:p14="http://schemas.microsoft.com/office/powerpoint/2010/main" id="1" dur="indefinite" restart="never" nodeType="tmRoot"/>
       </p:par>
     </p:tnLst>
   </p:timing>
@@ -36902,13 +36917,13 @@
   <p:clrMapOvr>
     <a:masterClrMapping/>
   </p:clrMapOvr>
-  <p:transition spd="med">
+  <p:transition xmlns:p14="http://schemas.microsoft.com/office/powerpoint/2010/main" spd="med">
     <p:fade/>
   </p:transition>
   <p:timing>
     <p:tnLst>
       <p:par>
-        <p:cTn id="1" dur="indefinite" restart="never" nodeType="tmRoot"/>
+        <p:cTn xmlns:p14="http://schemas.microsoft.com/office/powerpoint/2010/main" id="1" dur="indefinite" restart="never" nodeType="tmRoot"/>
       </p:par>
     </p:tnLst>
   </p:timing>
@@ -37200,13 +37215,13 @@
   <p:clrMapOvr>
     <a:masterClrMapping/>
   </p:clrMapOvr>
-  <p:transition spd="med">
+  <p:transition xmlns:p14="http://schemas.microsoft.com/office/powerpoint/2010/main" spd="med">
     <p:fade/>
   </p:transition>
   <p:timing>
     <p:tnLst>
       <p:par>
-        <p:cTn id="1" dur="indefinite" restart="never" nodeType="tmRoot"/>
+        <p:cTn xmlns:p14="http://schemas.microsoft.com/office/powerpoint/2010/main" id="1" dur="indefinite" restart="never" nodeType="tmRoot"/>
       </p:par>
     </p:tnLst>
   </p:timing>
@@ -37354,13 +37369,13 @@
   <p:clrMapOvr>
     <a:masterClrMapping/>
   </p:clrMapOvr>
-  <p:transition spd="med">
+  <p:transition xmlns:p14="http://schemas.microsoft.com/office/powerpoint/2010/main" spd="med">
     <p:fade/>
   </p:transition>
   <p:timing>
     <p:tnLst>
       <p:par>
-        <p:cTn id="1" dur="indefinite" restart="never" nodeType="tmRoot"/>
+        <p:cTn xmlns:p14="http://schemas.microsoft.com/office/powerpoint/2010/main" id="1" dur="indefinite" restart="never" nodeType="tmRoot"/>
       </p:par>
     </p:tnLst>
   </p:timing>
@@ -37545,13 +37560,13 @@
   <p:clrMapOvr>
     <a:masterClrMapping/>
   </p:clrMapOvr>
-  <p:transition spd="med">
+  <p:transition xmlns:p14="http://schemas.microsoft.com/office/powerpoint/2010/main" spd="med">
     <p:fade/>
   </p:transition>
   <p:timing>
     <p:tnLst>
       <p:par>
-        <p:cTn id="1" dur="indefinite" restart="never" nodeType="tmRoot"/>
+        <p:cTn xmlns:p14="http://schemas.microsoft.com/office/powerpoint/2010/main" id="1" dur="indefinite" restart="never" nodeType="tmRoot"/>
       </p:par>
     </p:tnLst>
   </p:timing>
@@ -37699,13 +37714,13 @@
   <p:clrMapOvr>
     <a:masterClrMapping/>
   </p:clrMapOvr>
-  <p:transition spd="med">
+  <p:transition xmlns:p14="http://schemas.microsoft.com/office/powerpoint/2010/main" spd="med">
     <p:fade/>
   </p:transition>
   <p:timing>
     <p:tnLst>
       <p:par>
-        <p:cTn id="1" dur="indefinite" restart="never" nodeType="tmRoot"/>
+        <p:cTn xmlns:p14="http://schemas.microsoft.com/office/powerpoint/2010/main" id="1" dur="indefinite" restart="never" nodeType="tmRoot"/>
       </p:par>
     </p:tnLst>
   </p:timing>
@@ -37804,13 +37819,13 @@
   <p:clrMapOvr>
     <a:masterClrMapping/>
   </p:clrMapOvr>
-  <p:transition spd="med">
+  <p:transition xmlns:p14="http://schemas.microsoft.com/office/powerpoint/2010/main" spd="med">
     <p:fade/>
   </p:transition>
   <p:timing>
     <p:tnLst>
       <p:par>
-        <p:cTn id="1" dur="indefinite" restart="never" nodeType="tmRoot"/>
+        <p:cTn xmlns:p14="http://schemas.microsoft.com/office/powerpoint/2010/main" id="1" dur="indefinite" restart="never" nodeType="tmRoot"/>
       </p:par>
     </p:tnLst>
   </p:timing>
@@ -37892,13 +37907,13 @@
   <p:clrMapOvr>
     <a:masterClrMapping/>
   </p:clrMapOvr>
-  <p:transition spd="med">
+  <p:transition xmlns:p14="http://schemas.microsoft.com/office/powerpoint/2010/main" spd="med">
     <p:fade/>
   </p:transition>
   <p:timing>
     <p:tnLst>
       <p:par>
-        <p:cTn id="1" dur="indefinite" restart="never" nodeType="tmRoot"/>
+        <p:cTn xmlns:p14="http://schemas.microsoft.com/office/powerpoint/2010/main" id="1" dur="indefinite" restart="never" nodeType="tmRoot"/>
       </p:par>
     </p:tnLst>
   </p:timing>
@@ -38024,13 +38039,13 @@
   <p:clrMapOvr>
     <a:masterClrMapping/>
   </p:clrMapOvr>
-  <p:transition spd="med">
+  <p:transition xmlns:p14="http://schemas.microsoft.com/office/powerpoint/2010/main" spd="med">
     <p:fade/>
   </p:transition>
   <p:timing>
     <p:tnLst>
       <p:par>
-        <p:cTn id="1" dur="indefinite" restart="never" nodeType="tmRoot"/>
+        <p:cTn xmlns:p14="http://schemas.microsoft.com/office/powerpoint/2010/main" id="1" dur="indefinite" restart="never" nodeType="tmRoot"/>
       </p:par>
     </p:tnLst>
   </p:timing>
@@ -38202,13 +38217,13 @@
   <p:clrMapOvr>
     <a:masterClrMapping/>
   </p:clrMapOvr>
-  <p:transition spd="med">
+  <p:transition xmlns:p14="http://schemas.microsoft.com/office/powerpoint/2010/main" spd="med">
     <p:fade/>
   </p:transition>
   <p:timing>
     <p:tnLst>
       <p:par>
-        <p:cTn id="1" dur="indefinite" restart="never" nodeType="tmRoot"/>
+        <p:cTn xmlns:p14="http://schemas.microsoft.com/office/powerpoint/2010/main" id="1" dur="indefinite" restart="never" nodeType="tmRoot"/>
       </p:par>
     </p:tnLst>
   </p:timing>
@@ -38242,13 +38257,13 @@
   <p:clrMapOvr>
     <a:masterClrMapping/>
   </p:clrMapOvr>
-  <p:transition spd="med">
+  <p:transition xmlns:p14="http://schemas.microsoft.com/office/powerpoint/2010/main" spd="med">
     <p:fade/>
   </p:transition>
   <p:timing>
     <p:tnLst>
       <p:par>
-        <p:cTn id="1" dur="indefinite" restart="never" nodeType="tmRoot"/>
+        <p:cTn xmlns:p14="http://schemas.microsoft.com/office/powerpoint/2010/main" id="1" dur="indefinite" restart="never" nodeType="tmRoot"/>
       </p:par>
     </p:tnLst>
   </p:timing>
@@ -38352,13 +38367,13 @@
   <p:clrMapOvr>
     <a:masterClrMapping/>
   </p:clrMapOvr>
-  <p:transition spd="med">
+  <p:transition xmlns:p14="http://schemas.microsoft.com/office/powerpoint/2010/main" spd="med">
     <p:fade/>
   </p:transition>
   <p:timing>
     <p:tnLst>
       <p:par>
-        <p:cTn id="1" dur="indefinite" restart="never" nodeType="tmRoot"/>
+        <p:cTn xmlns:p14="http://schemas.microsoft.com/office/powerpoint/2010/main" id="1" dur="indefinite" restart="never" nodeType="tmRoot"/>
       </p:par>
     </p:tnLst>
   </p:timing>
@@ -38510,13 +38525,13 @@
   <p:clrMapOvr>
     <a:masterClrMapping/>
   </p:clrMapOvr>
-  <p:transition spd="med">
+  <p:transition xmlns:p14="http://schemas.microsoft.com/office/powerpoint/2010/main" spd="med">
     <p:fade/>
   </p:transition>
   <p:timing>
     <p:tnLst>
       <p:par>
-        <p:cTn id="1" dur="indefinite" restart="never" nodeType="tmRoot"/>
+        <p:cTn xmlns:p14="http://schemas.microsoft.com/office/powerpoint/2010/main" id="1" dur="indefinite" restart="never" nodeType="tmRoot"/>
       </p:par>
     </p:tnLst>
   </p:timing>
@@ -38636,13 +38651,13 @@
   <p:clrMapOvr>
     <a:masterClrMapping/>
   </p:clrMapOvr>
-  <p:transition spd="med">
+  <p:transition xmlns:p14="http://schemas.microsoft.com/office/powerpoint/2010/main" spd="med">
     <p:fade/>
   </p:transition>
   <p:timing>
     <p:tnLst>
       <p:par>
-        <p:cTn id="1" dur="indefinite" restart="never" nodeType="tmRoot"/>
+        <p:cTn xmlns:p14="http://schemas.microsoft.com/office/powerpoint/2010/main" id="1" dur="indefinite" restart="never" nodeType="tmRoot"/>
       </p:par>
     </p:tnLst>
   </p:timing>
@@ -39025,7 +39040,7 @@
   <a:extraClrSchemeLst/>
   <a:extLst>
     <a:ext uri="{05A4C25C-085E-4340-85A3-A5531E510DB2}">
-      <thm15:themeFamily xmlns:thm15="http://schemas.microsoft.com/office/thememl/2012/main" name="Chef-TemplateComps_v09-16x9-Light.potx" id="{078CEFDB-FA7A-4E36-9964-13EF367585CB}" vid="{8B87B0F3-7308-43D5-8388-E1B49EA02652}"/>
+      <thm15:themeFamily xmlns:thm15="http://schemas.microsoft.com/office/thememl/2012/main" xmlns="" name="Chef-TemplateComps_v09-16x9-Light.potx" id="{078CEFDB-FA7A-4E36-9964-13EF367585CB}" vid="{8B87B0F3-7308-43D5-8388-E1B49EA02652}"/>
     </a:ext>
   </a:extLst>
 </a:theme>
@@ -39407,7 +39422,7 @@
   <a:extraClrSchemeLst/>
   <a:extLst>
     <a:ext uri="{05A4C25C-085E-4340-85A3-A5531E510DB2}">
-      <thm15:themeFamily xmlns:thm15="http://schemas.microsoft.com/office/thememl/2012/main" name="Chef-TemplateComps_v09-16x9-Light.potx" id="{078CEFDB-FA7A-4E36-9964-13EF367585CB}" vid="{8B87B0F3-7308-43D5-8388-E1B49EA02652}"/>
+      <thm15:themeFamily xmlns:thm15="http://schemas.microsoft.com/office/thememl/2012/main" xmlns="" name="Chef-TemplateComps_v09-16x9-Light.potx" id="{078CEFDB-FA7A-4E36-9964-13EF367585CB}" vid="{8B87B0F3-7308-43D5-8388-E1B49EA02652}"/>
     </a:ext>
   </a:extLst>
 </a:theme>

--- a/03-writing_a_test_first.pptx
+++ b/03-writing_a_test_first.pptx
@@ -201,7 +201,7 @@
   </p:defaultTextStyle>
   <p:extLst>
     <p:ext uri="{EFAFB233-063F-42B5-8137-9DF3F51BA10A}">
-      <p15:sldGuideLst xmlns:p15="http://schemas.microsoft.com/office/powerpoint/2012/main" xmlns="">
+      <p15:sldGuideLst xmlns:p15="http://schemas.microsoft.com/office/powerpoint/2012/main">
         <p15:guide id="1" orient="horz" pos="894">
           <p15:clr>
             <a:srgbClr val="A4A3A4"/>
@@ -215,7 +215,7 @@
       </p15:sldGuideLst>
     </p:ext>
     <p:ext uri="{2D200454-40CA-4A62-9FC3-DE9A4176ACB9}">
-      <p15:notesGuideLst xmlns:p15="http://schemas.microsoft.com/office/powerpoint/2012/main" xmlns=""/>
+      <p15:notesGuideLst xmlns:p15="http://schemas.microsoft.com/office/powerpoint/2012/main"/>
     </p:ext>
   </p:extLst>
 </p:presentation>
@@ -283,6 +283,10 @@
             <a:pPr>
               <a:defRPr/>
             </a:pPr>
+            <a:r>
+              <a:rPr lang="en-US" smtClean="0"/>
+              <a:t>Test Driven Cookbook Development</a:t>
+            </a:r>
             <a:endParaRPr lang="en-US"/>
           </a:p>
         </p:txBody>
@@ -332,7 +336,7 @@
               <a:pPr>
                 <a:defRPr/>
               </a:pPr>
-              <a:t>10/11/16</a:t>
+              <a:t>2017-04-17</a:t>
             </a:fld>
             <a:endParaRPr lang="en-US" dirty="0"/>
           </a:p>
@@ -444,7 +448,7 @@
     </p:extLst>
   </p:cSld>
   <p:clrMap bg1="lt1" tx1="dk1" bg2="lt2" tx2="dk2" accent1="accent1" accent2="accent2" accent3="accent3" accent4="accent4" accent5="accent5" accent6="accent6" hlink="hlink" folHlink="folHlink"/>
-  <p:hf dt="0"/>
+  <p:hf sldNum="0" ftr="0"/>
 </p:handoutMaster>
 </file>
 
@@ -482,7 +486,7 @@
         </p:nvSpPr>
         <p:spPr>
           <a:xfrm>
-            <a:off x="3884613" y="0"/>
+            <a:off x="3884613" y="98320"/>
             <a:ext cx="2971800" cy="457200"/>
           </a:xfrm>
           <a:prstGeom prst="rect">
@@ -510,13 +514,10 @@
             <a:pPr>
               <a:defRPr/>
             </a:pPr>
-            <a:fld id="{72FDBE47-C34F-CF4A-9709-1411AD5B3286}" type="datetime1">
-              <a:rPr lang="en-CA"/>
-              <a:pPr>
-                <a:defRPr/>
-              </a:pPr>
-              <a:t>10/11/16</a:t>
-            </a:fld>
+            <a:r>
+              <a:rPr lang="en-CA" dirty="0" smtClean="0"/>
+              <a:t>Chef Software, Inc.</a:t>
+            </a:r>
             <a:endParaRPr lang="en-US" dirty="0"/>
           </a:p>
         </p:txBody>
@@ -567,8 +568,8 @@
         </p:nvSpPr>
         <p:spPr>
           <a:xfrm>
-            <a:off x="685800" y="4343400"/>
-            <a:ext cx="5486400" cy="4114800"/>
+            <a:off x="381000" y="4343399"/>
+            <a:ext cx="6096000" cy="4476135"/>
           </a:xfrm>
           <a:prstGeom prst="rect">
             <a:avLst/>
@@ -619,68 +620,17 @@
       </p:sp>
       <p:sp>
         <p:nvSpPr>
-          <p:cNvPr id="7" name="Slide Number Placeholder 6"/>
-          <p:cNvSpPr>
-            <a:spLocks noGrp="1"/>
-          </p:cNvSpPr>
-          <p:nvPr>
-            <p:ph type="sldNum" sz="quarter" idx="5"/>
+          <p:cNvPr id="8" name="Header Placeholder 1"/>
+          <p:cNvSpPr>
+            <a:spLocks noGrp="1"/>
+          </p:cNvSpPr>
+          <p:nvPr>
+            <p:ph type="hdr" sz="quarter"/>
           </p:nvPr>
         </p:nvSpPr>
         <p:spPr>
           <a:xfrm>
-            <a:off x="6172200" y="8685213"/>
-            <a:ext cx="684213" cy="457200"/>
-          </a:xfrm>
-          <a:prstGeom prst="rect">
-            <a:avLst/>
-          </a:prstGeom>
-        </p:spPr>
-        <p:txBody>
-          <a:bodyPr vert="horz" lIns="91440" tIns="45720" rIns="91440" bIns="45720" rtlCol="0" anchor="b"/>
-          <a:lstStyle>
-            <a:lvl1pPr algn="r" defTabSz="1219120" fontAlgn="auto">
-              <a:spcBef>
-                <a:spcPts val="0"/>
-              </a:spcBef>
-              <a:spcAft>
-                <a:spcPts val="0"/>
-              </a:spcAft>
-              <a:defRPr sz="1200" smtClean="0">
-                <a:latin typeface="Arial" panose="020B0604020202020204" pitchFamily="34" charset="0"/>
-                <a:ea typeface="+mn-ea"/>
-                <a:cs typeface="Arial" panose="020B0604020202020204" pitchFamily="34" charset="0"/>
-              </a:defRPr>
-            </a:lvl1pPr>
-          </a:lstStyle>
-          <a:p>
-            <a:pPr>
-              <a:defRPr/>
-            </a:pPr>
-            <a:fld id="{DC3734AA-3150-D947-AC52-2F5DF48BFCD5}" type="slidenum">
-              <a:rPr lang="en-US"/>
-              <a:pPr>
-                <a:defRPr/>
-              </a:pPr>
-              <a:t>‹#›</a:t>
-            </a:fld>
-            <a:endParaRPr lang="en-US" dirty="0"/>
-          </a:p>
-        </p:txBody>
-      </p:sp>
-      <p:sp>
-        <p:nvSpPr>
-          <p:cNvPr id="8" name="Header Placeholder 1"/>
-          <p:cNvSpPr>
-            <a:spLocks noGrp="1"/>
-          </p:cNvSpPr>
-          <p:nvPr>
-            <p:ph type="hdr" sz="quarter"/>
-          </p:nvPr>
-        </p:nvSpPr>
-        <p:spPr>
-          <a:xfrm>
-            <a:off x="0" y="0"/>
+            <a:off x="0" y="98320"/>
             <a:ext cx="2971800" cy="457200"/>
           </a:xfrm>
           <a:prstGeom prst="rect">
@@ -708,54 +658,11 @@
             <a:pPr>
               <a:defRPr/>
             </a:pPr>
-            <a:endParaRPr lang="en-US"/>
-          </a:p>
-        </p:txBody>
-      </p:sp>
-      <p:sp>
-        <p:nvSpPr>
-          <p:cNvPr id="9" name="Footer Placeholder 3"/>
-          <p:cNvSpPr>
-            <a:spLocks noGrp="1"/>
-          </p:cNvSpPr>
-          <p:nvPr>
-            <p:ph type="ftr" sz="quarter" idx="4"/>
-          </p:nvPr>
-        </p:nvSpPr>
-        <p:spPr>
-          <a:xfrm>
-            <a:off x="0" y="8685213"/>
-            <a:ext cx="6248400" cy="457200"/>
-          </a:xfrm>
-          <a:prstGeom prst="rect">
-            <a:avLst/>
-          </a:prstGeom>
-        </p:spPr>
-        <p:txBody>
-          <a:bodyPr vert="horz" lIns="91440" tIns="45720" rIns="91440" bIns="45720" rtlCol="0" anchor="b"/>
-          <a:lstStyle>
-            <a:lvl1pPr algn="l" defTabSz="1219120" fontAlgn="auto">
-              <a:spcBef>
-                <a:spcPts val="0"/>
-              </a:spcBef>
-              <a:spcAft>
-                <a:spcPts val="0"/>
-              </a:spcAft>
-              <a:defRPr sz="900" dirty="0" smtClean="0">
-                <a:solidFill>
-                  <a:srgbClr val="000000"/>
-                </a:solidFill>
-                <a:latin typeface="Arial" panose="020B0604020202020204" pitchFamily="34" charset="0"/>
-                <a:ea typeface="+mn-ea"/>
-                <a:cs typeface="Arial" panose="020B0604020202020204" pitchFamily="34" charset="0"/>
-              </a:defRPr>
-            </a:lvl1pPr>
-          </a:lstStyle>
-          <a:p>
-            <a:pPr>
-              <a:defRPr/>
-            </a:pPr>
-            <a:endParaRPr lang="en-US"/>
+            <a:r>
+              <a:rPr lang="en-US" dirty="0" smtClean="0"/>
+              <a:t>Test Driven Cookbook Development</a:t>
+            </a:r>
+            <a:endParaRPr lang="en-US" dirty="0"/>
           </a:p>
         </p:txBody>
       </p:sp>
@@ -767,7 +674,7 @@
     </p:extLst>
   </p:cSld>
   <p:clrMap bg1="lt1" tx1="dk1" bg2="lt2" tx2="dk2" accent1="accent1" accent2="accent2" accent3="accent3" accent4="accent4" accent5="accent5" accent6="accent6" hlink="hlink" folHlink="folHlink"/>
-  <p:hf dt="0"/>
+  <p:hf sldNum="0" ftr="0"/>
   <p:notesStyle>
     <a:lvl1pPr algn="l" defTabSz="1217613" rtl="0" fontAlgn="base">
       <a:lnSpc>
@@ -969,12 +876,12 @@
       </p:sp>
       <p:sp>
         <p:nvSpPr>
-          <p:cNvPr id="4" name="Slide Number Placeholder 3"/>
-          <p:cNvSpPr>
-            <a:spLocks noGrp="1"/>
-          </p:cNvSpPr>
-          <p:nvPr>
-            <p:ph type="sldNum" sz="quarter" idx="10"/>
+          <p:cNvPr id="5" name="Header Placeholder 4"/>
+          <p:cNvSpPr>
+            <a:spLocks noGrp="1"/>
+          </p:cNvSpPr>
+          <p:nvPr>
+            <p:ph type="hdr" sz="quarter" idx="11"/>
           </p:nvPr>
         </p:nvSpPr>
         <p:spPr/>
@@ -985,25 +892,22 @@
             <a:pPr>
               <a:defRPr/>
             </a:pPr>
-            <a:fld id="{DC3734AA-3150-D947-AC52-2F5DF48BFCD5}" type="slidenum">
+            <a:r>
               <a:rPr lang="en-US" smtClean="0"/>
-              <a:pPr>
-                <a:defRPr/>
-              </a:pPr>
-              <a:t>1</a:t>
-            </a:fld>
-            <a:endParaRPr lang="en-US" dirty="0"/>
-          </a:p>
-        </p:txBody>
-      </p:sp>
-      <p:sp>
-        <p:nvSpPr>
-          <p:cNvPr id="5" name="Header Placeholder 4"/>
-          <p:cNvSpPr>
-            <a:spLocks noGrp="1"/>
-          </p:cNvSpPr>
-          <p:nvPr>
-            <p:ph type="hdr" sz="quarter" idx="11"/>
+              <a:t>Test Driven Cookbook Development</a:t>
+            </a:r>
+            <a:endParaRPr lang="en-US"/>
+          </a:p>
+        </p:txBody>
+      </p:sp>
+      <p:sp>
+        <p:nvSpPr>
+          <p:cNvPr id="7" name="Date Placeholder 6"/>
+          <p:cNvSpPr>
+            <a:spLocks noGrp="1"/>
+          </p:cNvSpPr>
+          <p:nvPr>
+            <p:ph type="dt" idx="12"/>
           </p:nvPr>
         </p:nvSpPr>
         <p:spPr/>
@@ -1014,29 +918,11 @@
             <a:pPr>
               <a:defRPr/>
             </a:pPr>
-            <a:endParaRPr lang="en-US"/>
-          </a:p>
-        </p:txBody>
-      </p:sp>
-      <p:sp>
-        <p:nvSpPr>
-          <p:cNvPr id="6" name="Footer Placeholder 5"/>
-          <p:cNvSpPr>
-            <a:spLocks noGrp="1"/>
-          </p:cNvSpPr>
-          <p:nvPr>
-            <p:ph type="ftr" sz="quarter" idx="12"/>
-          </p:nvPr>
-        </p:nvSpPr>
-        <p:spPr/>
-        <p:txBody>
-          <a:bodyPr/>
-          <a:lstStyle/>
-          <a:p>
-            <a:pPr>
-              <a:defRPr/>
-            </a:pPr>
-            <a:endParaRPr lang="en-US"/>
+            <a:r>
+              <a:rPr lang="en-CA" smtClean="0"/>
+              <a:t>Chef Software, Inc.</a:t>
+            </a:r>
+            <a:endParaRPr lang="en-US" dirty="0"/>
           </a:p>
         </p:txBody>
       </p:sp>
@@ -1107,12 +993,12 @@
       </p:sp>
       <p:sp>
         <p:nvSpPr>
-          <p:cNvPr id="4" name="Slide Number Placeholder 3"/>
-          <p:cNvSpPr>
-            <a:spLocks noGrp="1"/>
-          </p:cNvSpPr>
-          <p:nvPr>
-            <p:ph type="sldNum" sz="quarter" idx="10"/>
+          <p:cNvPr id="5" name="Header Placeholder 4"/>
+          <p:cNvSpPr>
+            <a:spLocks noGrp="1"/>
+          </p:cNvSpPr>
+          <p:nvPr>
+            <p:ph type="hdr" sz="quarter" idx="11"/>
           </p:nvPr>
         </p:nvSpPr>
         <p:spPr/>
@@ -1123,25 +1009,22 @@
             <a:pPr>
               <a:defRPr/>
             </a:pPr>
-            <a:fld id="{DC3734AA-3150-D947-AC52-2F5DF48BFCD5}" type="slidenum">
+            <a:r>
               <a:rPr lang="en-US" smtClean="0"/>
-              <a:pPr>
-                <a:defRPr/>
-              </a:pPr>
-              <a:t>10</a:t>
-            </a:fld>
-            <a:endParaRPr lang="en-US" dirty="0"/>
-          </a:p>
-        </p:txBody>
-      </p:sp>
-      <p:sp>
-        <p:nvSpPr>
-          <p:cNvPr id="5" name="Header Placeholder 4"/>
-          <p:cNvSpPr>
-            <a:spLocks noGrp="1"/>
-          </p:cNvSpPr>
-          <p:nvPr>
-            <p:ph type="hdr" sz="quarter" idx="11"/>
+              <a:t>Test Driven Cookbook Development</a:t>
+            </a:r>
+            <a:endParaRPr lang="en-US"/>
+          </a:p>
+        </p:txBody>
+      </p:sp>
+      <p:sp>
+        <p:nvSpPr>
+          <p:cNvPr id="7" name="Date Placeholder 6"/>
+          <p:cNvSpPr>
+            <a:spLocks noGrp="1"/>
+          </p:cNvSpPr>
+          <p:nvPr>
+            <p:ph type="dt" idx="13"/>
           </p:nvPr>
         </p:nvSpPr>
         <p:spPr/>
@@ -1152,29 +1035,11 @@
             <a:pPr>
               <a:defRPr/>
             </a:pPr>
-            <a:endParaRPr lang="en-US"/>
-          </a:p>
-        </p:txBody>
-      </p:sp>
-      <p:sp>
-        <p:nvSpPr>
-          <p:cNvPr id="6" name="Footer Placeholder 5"/>
-          <p:cNvSpPr>
-            <a:spLocks noGrp="1"/>
-          </p:cNvSpPr>
-          <p:nvPr>
-            <p:ph type="ftr" sz="quarter" idx="12"/>
-          </p:nvPr>
-        </p:nvSpPr>
-        <p:spPr/>
-        <p:txBody>
-          <a:bodyPr/>
-          <a:lstStyle/>
-          <a:p>
-            <a:pPr>
-              <a:defRPr/>
-            </a:pPr>
-            <a:endParaRPr lang="en-US"/>
+            <a:r>
+              <a:rPr lang="en-CA" smtClean="0"/>
+              <a:t>Chef Software, Inc.</a:t>
+            </a:r>
+            <a:endParaRPr lang="en-US" dirty="0"/>
           </a:p>
         </p:txBody>
       </p:sp>
@@ -1245,12 +1110,12 @@
       </p:sp>
       <p:sp>
         <p:nvSpPr>
-          <p:cNvPr id="4" name="Slide Number Placeholder 3"/>
-          <p:cNvSpPr>
-            <a:spLocks noGrp="1"/>
-          </p:cNvSpPr>
-          <p:nvPr>
-            <p:ph type="sldNum" sz="quarter" idx="10"/>
+          <p:cNvPr id="5" name="Header Placeholder 4"/>
+          <p:cNvSpPr>
+            <a:spLocks noGrp="1"/>
+          </p:cNvSpPr>
+          <p:nvPr>
+            <p:ph type="hdr" sz="quarter" idx="11"/>
           </p:nvPr>
         </p:nvSpPr>
         <p:spPr/>
@@ -1261,25 +1126,22 @@
             <a:pPr>
               <a:defRPr/>
             </a:pPr>
-            <a:fld id="{DC3734AA-3150-D947-AC52-2F5DF48BFCD5}" type="slidenum">
+            <a:r>
               <a:rPr lang="en-US" smtClean="0"/>
-              <a:pPr>
-                <a:defRPr/>
-              </a:pPr>
-              <a:t>11</a:t>
-            </a:fld>
-            <a:endParaRPr lang="en-US" dirty="0"/>
-          </a:p>
-        </p:txBody>
-      </p:sp>
-      <p:sp>
-        <p:nvSpPr>
-          <p:cNvPr id="5" name="Header Placeholder 4"/>
-          <p:cNvSpPr>
-            <a:spLocks noGrp="1"/>
-          </p:cNvSpPr>
-          <p:nvPr>
-            <p:ph type="hdr" sz="quarter" idx="11"/>
+              <a:t>Test Driven Cookbook Development</a:t>
+            </a:r>
+            <a:endParaRPr lang="en-US"/>
+          </a:p>
+        </p:txBody>
+      </p:sp>
+      <p:sp>
+        <p:nvSpPr>
+          <p:cNvPr id="7" name="Date Placeholder 6"/>
+          <p:cNvSpPr>
+            <a:spLocks noGrp="1"/>
+          </p:cNvSpPr>
+          <p:nvPr>
+            <p:ph type="dt" idx="13"/>
           </p:nvPr>
         </p:nvSpPr>
         <p:spPr/>
@@ -1290,29 +1152,11 @@
             <a:pPr>
               <a:defRPr/>
             </a:pPr>
-            <a:endParaRPr lang="en-US"/>
-          </a:p>
-        </p:txBody>
-      </p:sp>
-      <p:sp>
-        <p:nvSpPr>
-          <p:cNvPr id="6" name="Footer Placeholder 5"/>
-          <p:cNvSpPr>
-            <a:spLocks noGrp="1"/>
-          </p:cNvSpPr>
-          <p:nvPr>
-            <p:ph type="ftr" sz="quarter" idx="12"/>
-          </p:nvPr>
-        </p:nvSpPr>
-        <p:spPr/>
-        <p:txBody>
-          <a:bodyPr/>
-          <a:lstStyle/>
-          <a:p>
-            <a:pPr>
-              <a:defRPr/>
-            </a:pPr>
-            <a:endParaRPr lang="en-US"/>
+            <a:r>
+              <a:rPr lang="en-CA" smtClean="0"/>
+              <a:t>Chef Software, Inc.</a:t>
+            </a:r>
+            <a:endParaRPr lang="en-US" dirty="0"/>
           </a:p>
         </p:txBody>
       </p:sp>
@@ -1392,12 +1236,12 @@
       </p:sp>
       <p:sp>
         <p:nvSpPr>
-          <p:cNvPr id="4" name="Slide Number Placeholder 3"/>
-          <p:cNvSpPr>
-            <a:spLocks noGrp="1"/>
-          </p:cNvSpPr>
-          <p:nvPr>
-            <p:ph type="sldNum" sz="quarter" idx="10"/>
+          <p:cNvPr id="5" name="Header Placeholder 4"/>
+          <p:cNvSpPr>
+            <a:spLocks noGrp="1"/>
+          </p:cNvSpPr>
+          <p:nvPr>
+            <p:ph type="hdr" sz="quarter" idx="11"/>
           </p:nvPr>
         </p:nvSpPr>
         <p:spPr/>
@@ -1408,25 +1252,22 @@
             <a:pPr>
               <a:defRPr/>
             </a:pPr>
-            <a:fld id="{DC3734AA-3150-D947-AC52-2F5DF48BFCD5}" type="slidenum">
+            <a:r>
               <a:rPr lang="en-US" smtClean="0"/>
-              <a:pPr>
-                <a:defRPr/>
-              </a:pPr>
-              <a:t>12</a:t>
-            </a:fld>
-            <a:endParaRPr lang="en-US" dirty="0"/>
-          </a:p>
-        </p:txBody>
-      </p:sp>
-      <p:sp>
-        <p:nvSpPr>
-          <p:cNvPr id="5" name="Header Placeholder 4"/>
-          <p:cNvSpPr>
-            <a:spLocks noGrp="1"/>
-          </p:cNvSpPr>
-          <p:nvPr>
-            <p:ph type="hdr" sz="quarter" idx="11"/>
+              <a:t>Test Driven Cookbook Development</a:t>
+            </a:r>
+            <a:endParaRPr lang="en-US"/>
+          </a:p>
+        </p:txBody>
+      </p:sp>
+      <p:sp>
+        <p:nvSpPr>
+          <p:cNvPr id="7" name="Date Placeholder 6"/>
+          <p:cNvSpPr>
+            <a:spLocks noGrp="1"/>
+          </p:cNvSpPr>
+          <p:nvPr>
+            <p:ph type="dt" idx="13"/>
           </p:nvPr>
         </p:nvSpPr>
         <p:spPr/>
@@ -1437,29 +1278,11 @@
             <a:pPr>
               <a:defRPr/>
             </a:pPr>
-            <a:endParaRPr lang="en-US"/>
-          </a:p>
-        </p:txBody>
-      </p:sp>
-      <p:sp>
-        <p:nvSpPr>
-          <p:cNvPr id="6" name="Footer Placeholder 5"/>
-          <p:cNvSpPr>
-            <a:spLocks noGrp="1"/>
-          </p:cNvSpPr>
-          <p:nvPr>
-            <p:ph type="ftr" sz="quarter" idx="12"/>
-          </p:nvPr>
-        </p:nvSpPr>
-        <p:spPr/>
-        <p:txBody>
-          <a:bodyPr/>
-          <a:lstStyle/>
-          <a:p>
-            <a:pPr>
-              <a:defRPr/>
-            </a:pPr>
-            <a:endParaRPr lang="en-US"/>
+            <a:r>
+              <a:rPr lang="en-CA" smtClean="0"/>
+              <a:t>Chef Software, Inc.</a:t>
+            </a:r>
+            <a:endParaRPr lang="en-US" dirty="0"/>
           </a:p>
         </p:txBody>
       </p:sp>
@@ -1550,12 +1373,12 @@
       </p:sp>
       <p:sp>
         <p:nvSpPr>
-          <p:cNvPr id="4" name="Slide Number Placeholder 3"/>
-          <p:cNvSpPr>
-            <a:spLocks noGrp="1"/>
-          </p:cNvSpPr>
-          <p:nvPr>
-            <p:ph type="sldNum" sz="quarter" idx="10"/>
+          <p:cNvPr id="5" name="Header Placeholder 4"/>
+          <p:cNvSpPr>
+            <a:spLocks noGrp="1"/>
+          </p:cNvSpPr>
+          <p:nvPr>
+            <p:ph type="hdr" sz="quarter" idx="11"/>
           </p:nvPr>
         </p:nvSpPr>
         <p:spPr/>
@@ -1566,25 +1389,22 @@
             <a:pPr>
               <a:defRPr/>
             </a:pPr>
-            <a:fld id="{DC3734AA-3150-D947-AC52-2F5DF48BFCD5}" type="slidenum">
+            <a:r>
               <a:rPr lang="en-US" smtClean="0"/>
-              <a:pPr>
-                <a:defRPr/>
-              </a:pPr>
-              <a:t>13</a:t>
-            </a:fld>
-            <a:endParaRPr lang="en-US" dirty="0"/>
-          </a:p>
-        </p:txBody>
-      </p:sp>
-      <p:sp>
-        <p:nvSpPr>
-          <p:cNvPr id="5" name="Header Placeholder 4"/>
-          <p:cNvSpPr>
-            <a:spLocks noGrp="1"/>
-          </p:cNvSpPr>
-          <p:nvPr>
-            <p:ph type="hdr" sz="quarter" idx="11"/>
+              <a:t>Test Driven Cookbook Development</a:t>
+            </a:r>
+            <a:endParaRPr lang="en-US"/>
+          </a:p>
+        </p:txBody>
+      </p:sp>
+      <p:sp>
+        <p:nvSpPr>
+          <p:cNvPr id="7" name="Date Placeholder 6"/>
+          <p:cNvSpPr>
+            <a:spLocks noGrp="1"/>
+          </p:cNvSpPr>
+          <p:nvPr>
+            <p:ph type="dt" idx="13"/>
           </p:nvPr>
         </p:nvSpPr>
         <p:spPr/>
@@ -1595,29 +1415,11 @@
             <a:pPr>
               <a:defRPr/>
             </a:pPr>
-            <a:endParaRPr lang="en-US"/>
-          </a:p>
-        </p:txBody>
-      </p:sp>
-      <p:sp>
-        <p:nvSpPr>
-          <p:cNvPr id="6" name="Footer Placeholder 5"/>
-          <p:cNvSpPr>
-            <a:spLocks noGrp="1"/>
-          </p:cNvSpPr>
-          <p:nvPr>
-            <p:ph type="ftr" sz="quarter" idx="12"/>
-          </p:nvPr>
-        </p:nvSpPr>
-        <p:spPr/>
-        <p:txBody>
-          <a:bodyPr/>
-          <a:lstStyle/>
-          <a:p>
-            <a:pPr>
-              <a:defRPr/>
-            </a:pPr>
-            <a:endParaRPr lang="en-US"/>
+            <a:r>
+              <a:rPr lang="en-CA" smtClean="0"/>
+              <a:t>Chef Software, Inc.</a:t>
+            </a:r>
+            <a:endParaRPr lang="en-US" dirty="0"/>
           </a:p>
         </p:txBody>
       </p:sp>
@@ -1692,12 +1494,12 @@
       </p:sp>
       <p:sp>
         <p:nvSpPr>
-          <p:cNvPr id="4" name="Slide Number Placeholder 3"/>
-          <p:cNvSpPr>
-            <a:spLocks noGrp="1"/>
-          </p:cNvSpPr>
-          <p:nvPr>
-            <p:ph type="sldNum" sz="quarter" idx="10"/>
+          <p:cNvPr id="5" name="Header Placeholder 4"/>
+          <p:cNvSpPr>
+            <a:spLocks noGrp="1"/>
+          </p:cNvSpPr>
+          <p:nvPr>
+            <p:ph type="hdr" sz="quarter" idx="11"/>
           </p:nvPr>
         </p:nvSpPr>
         <p:spPr/>
@@ -1708,25 +1510,22 @@
             <a:pPr>
               <a:defRPr/>
             </a:pPr>
-            <a:fld id="{DC3734AA-3150-D947-AC52-2F5DF48BFCD5}" type="slidenum">
+            <a:r>
               <a:rPr lang="en-US" smtClean="0"/>
-              <a:pPr>
-                <a:defRPr/>
-              </a:pPr>
-              <a:t>14</a:t>
-            </a:fld>
-            <a:endParaRPr lang="en-US" dirty="0"/>
-          </a:p>
-        </p:txBody>
-      </p:sp>
-      <p:sp>
-        <p:nvSpPr>
-          <p:cNvPr id="5" name="Header Placeholder 4"/>
-          <p:cNvSpPr>
-            <a:spLocks noGrp="1"/>
-          </p:cNvSpPr>
-          <p:nvPr>
-            <p:ph type="hdr" sz="quarter" idx="11"/>
+              <a:t>Test Driven Cookbook Development</a:t>
+            </a:r>
+            <a:endParaRPr lang="en-US"/>
+          </a:p>
+        </p:txBody>
+      </p:sp>
+      <p:sp>
+        <p:nvSpPr>
+          <p:cNvPr id="7" name="Date Placeholder 6"/>
+          <p:cNvSpPr>
+            <a:spLocks noGrp="1"/>
+          </p:cNvSpPr>
+          <p:nvPr>
+            <p:ph type="dt" idx="13"/>
           </p:nvPr>
         </p:nvSpPr>
         <p:spPr/>
@@ -1737,29 +1536,11 @@
             <a:pPr>
               <a:defRPr/>
             </a:pPr>
-            <a:endParaRPr lang="en-US"/>
-          </a:p>
-        </p:txBody>
-      </p:sp>
-      <p:sp>
-        <p:nvSpPr>
-          <p:cNvPr id="6" name="Footer Placeholder 5"/>
-          <p:cNvSpPr>
-            <a:spLocks noGrp="1"/>
-          </p:cNvSpPr>
-          <p:nvPr>
-            <p:ph type="ftr" sz="quarter" idx="12"/>
-          </p:nvPr>
-        </p:nvSpPr>
-        <p:spPr/>
-        <p:txBody>
-          <a:bodyPr/>
-          <a:lstStyle/>
-          <a:p>
-            <a:pPr>
-              <a:defRPr/>
-            </a:pPr>
-            <a:endParaRPr lang="en-US"/>
+            <a:r>
+              <a:rPr lang="en-CA" smtClean="0"/>
+              <a:t>Chef Software, Inc.</a:t>
+            </a:r>
+            <a:endParaRPr lang="en-US" dirty="0"/>
           </a:p>
         </p:txBody>
       </p:sp>
@@ -1834,12 +1615,12 @@
       </p:sp>
       <p:sp>
         <p:nvSpPr>
-          <p:cNvPr id="4" name="Slide Number Placeholder 3"/>
-          <p:cNvSpPr>
-            <a:spLocks noGrp="1"/>
-          </p:cNvSpPr>
-          <p:nvPr>
-            <p:ph type="sldNum" sz="quarter" idx="10"/>
+          <p:cNvPr id="5" name="Header Placeholder 4"/>
+          <p:cNvSpPr>
+            <a:spLocks noGrp="1"/>
+          </p:cNvSpPr>
+          <p:nvPr>
+            <p:ph type="hdr" sz="quarter" idx="11"/>
           </p:nvPr>
         </p:nvSpPr>
         <p:spPr/>
@@ -1850,25 +1631,22 @@
             <a:pPr>
               <a:defRPr/>
             </a:pPr>
-            <a:fld id="{DC3734AA-3150-D947-AC52-2F5DF48BFCD5}" type="slidenum">
+            <a:r>
               <a:rPr lang="en-US" smtClean="0"/>
-              <a:pPr>
-                <a:defRPr/>
-              </a:pPr>
-              <a:t>15</a:t>
-            </a:fld>
-            <a:endParaRPr lang="en-US" dirty="0"/>
-          </a:p>
-        </p:txBody>
-      </p:sp>
-      <p:sp>
-        <p:nvSpPr>
-          <p:cNvPr id="5" name="Header Placeholder 4"/>
-          <p:cNvSpPr>
-            <a:spLocks noGrp="1"/>
-          </p:cNvSpPr>
-          <p:nvPr>
-            <p:ph type="hdr" sz="quarter" idx="11"/>
+              <a:t>Test Driven Cookbook Development</a:t>
+            </a:r>
+            <a:endParaRPr lang="en-US"/>
+          </a:p>
+        </p:txBody>
+      </p:sp>
+      <p:sp>
+        <p:nvSpPr>
+          <p:cNvPr id="7" name="Date Placeholder 6"/>
+          <p:cNvSpPr>
+            <a:spLocks noGrp="1"/>
+          </p:cNvSpPr>
+          <p:nvPr>
+            <p:ph type="dt" idx="13"/>
           </p:nvPr>
         </p:nvSpPr>
         <p:spPr/>
@@ -1879,29 +1657,11 @@
             <a:pPr>
               <a:defRPr/>
             </a:pPr>
-            <a:endParaRPr lang="en-US"/>
-          </a:p>
-        </p:txBody>
-      </p:sp>
-      <p:sp>
-        <p:nvSpPr>
-          <p:cNvPr id="6" name="Footer Placeholder 5"/>
-          <p:cNvSpPr>
-            <a:spLocks noGrp="1"/>
-          </p:cNvSpPr>
-          <p:nvPr>
-            <p:ph type="ftr" sz="quarter" idx="12"/>
-          </p:nvPr>
-        </p:nvSpPr>
-        <p:spPr/>
-        <p:txBody>
-          <a:bodyPr/>
-          <a:lstStyle/>
-          <a:p>
-            <a:pPr>
-              <a:defRPr/>
-            </a:pPr>
-            <a:endParaRPr lang="en-US"/>
+            <a:r>
+              <a:rPr lang="en-CA" smtClean="0"/>
+              <a:t>Chef Software, Inc.</a:t>
+            </a:r>
+            <a:endParaRPr lang="en-US" dirty="0"/>
           </a:p>
         </p:txBody>
       </p:sp>
@@ -1998,12 +1758,12 @@
       </p:sp>
       <p:sp>
         <p:nvSpPr>
-          <p:cNvPr id="4" name="Slide Number Placeholder 3"/>
-          <p:cNvSpPr>
-            <a:spLocks noGrp="1"/>
-          </p:cNvSpPr>
-          <p:nvPr>
-            <p:ph type="sldNum" sz="quarter" idx="10"/>
+          <p:cNvPr id="5" name="Header Placeholder 4"/>
+          <p:cNvSpPr>
+            <a:spLocks noGrp="1"/>
+          </p:cNvSpPr>
+          <p:nvPr>
+            <p:ph type="hdr" sz="quarter" idx="11"/>
           </p:nvPr>
         </p:nvSpPr>
         <p:spPr/>
@@ -2014,25 +1774,22 @@
             <a:pPr>
               <a:defRPr/>
             </a:pPr>
-            <a:fld id="{DC3734AA-3150-D947-AC52-2F5DF48BFCD5}" type="slidenum">
+            <a:r>
               <a:rPr lang="en-US" smtClean="0"/>
-              <a:pPr>
-                <a:defRPr/>
-              </a:pPr>
-              <a:t>16</a:t>
-            </a:fld>
-            <a:endParaRPr lang="en-US" dirty="0"/>
-          </a:p>
-        </p:txBody>
-      </p:sp>
-      <p:sp>
-        <p:nvSpPr>
-          <p:cNvPr id="5" name="Header Placeholder 4"/>
-          <p:cNvSpPr>
-            <a:spLocks noGrp="1"/>
-          </p:cNvSpPr>
-          <p:nvPr>
-            <p:ph type="hdr" sz="quarter" idx="11"/>
+              <a:t>Test Driven Cookbook Development</a:t>
+            </a:r>
+            <a:endParaRPr lang="en-US"/>
+          </a:p>
+        </p:txBody>
+      </p:sp>
+      <p:sp>
+        <p:nvSpPr>
+          <p:cNvPr id="7" name="Date Placeholder 6"/>
+          <p:cNvSpPr>
+            <a:spLocks noGrp="1"/>
+          </p:cNvSpPr>
+          <p:nvPr>
+            <p:ph type="dt" idx="13"/>
           </p:nvPr>
         </p:nvSpPr>
         <p:spPr/>
@@ -2043,29 +1800,11 @@
             <a:pPr>
               <a:defRPr/>
             </a:pPr>
-            <a:endParaRPr lang="en-US"/>
-          </a:p>
-        </p:txBody>
-      </p:sp>
-      <p:sp>
-        <p:nvSpPr>
-          <p:cNvPr id="6" name="Footer Placeholder 5"/>
-          <p:cNvSpPr>
-            <a:spLocks noGrp="1"/>
-          </p:cNvSpPr>
-          <p:nvPr>
-            <p:ph type="ftr" sz="quarter" idx="12"/>
-          </p:nvPr>
-        </p:nvSpPr>
-        <p:spPr/>
-        <p:txBody>
-          <a:bodyPr/>
-          <a:lstStyle/>
-          <a:p>
-            <a:pPr>
-              <a:defRPr/>
-            </a:pPr>
-            <a:endParaRPr lang="en-US"/>
+            <a:r>
+              <a:rPr lang="en-CA" smtClean="0"/>
+              <a:t>Chef Software, Inc.</a:t>
+            </a:r>
+            <a:endParaRPr lang="en-US" dirty="0"/>
           </a:p>
         </p:txBody>
       </p:sp>
@@ -2156,12 +1895,12 @@
       </p:sp>
       <p:sp>
         <p:nvSpPr>
-          <p:cNvPr id="4" name="Slide Number Placeholder 3"/>
-          <p:cNvSpPr>
-            <a:spLocks noGrp="1"/>
-          </p:cNvSpPr>
-          <p:nvPr>
-            <p:ph type="sldNum" sz="quarter" idx="10"/>
+          <p:cNvPr id="5" name="Header Placeholder 4"/>
+          <p:cNvSpPr>
+            <a:spLocks noGrp="1"/>
+          </p:cNvSpPr>
+          <p:nvPr>
+            <p:ph type="hdr" sz="quarter" idx="11"/>
           </p:nvPr>
         </p:nvSpPr>
         <p:spPr/>
@@ -2172,25 +1911,22 @@
             <a:pPr>
               <a:defRPr/>
             </a:pPr>
-            <a:fld id="{DC3734AA-3150-D947-AC52-2F5DF48BFCD5}" type="slidenum">
+            <a:r>
               <a:rPr lang="en-US" smtClean="0"/>
-              <a:pPr>
-                <a:defRPr/>
-              </a:pPr>
-              <a:t>17</a:t>
-            </a:fld>
-            <a:endParaRPr lang="en-US" dirty="0"/>
-          </a:p>
-        </p:txBody>
-      </p:sp>
-      <p:sp>
-        <p:nvSpPr>
-          <p:cNvPr id="5" name="Header Placeholder 4"/>
-          <p:cNvSpPr>
-            <a:spLocks noGrp="1"/>
-          </p:cNvSpPr>
-          <p:nvPr>
-            <p:ph type="hdr" sz="quarter" idx="11"/>
+              <a:t>Test Driven Cookbook Development</a:t>
+            </a:r>
+            <a:endParaRPr lang="en-US"/>
+          </a:p>
+        </p:txBody>
+      </p:sp>
+      <p:sp>
+        <p:nvSpPr>
+          <p:cNvPr id="7" name="Date Placeholder 6"/>
+          <p:cNvSpPr>
+            <a:spLocks noGrp="1"/>
+          </p:cNvSpPr>
+          <p:nvPr>
+            <p:ph type="dt" idx="13"/>
           </p:nvPr>
         </p:nvSpPr>
         <p:spPr/>
@@ -2201,29 +1937,11 @@
             <a:pPr>
               <a:defRPr/>
             </a:pPr>
-            <a:endParaRPr lang="en-US"/>
-          </a:p>
-        </p:txBody>
-      </p:sp>
-      <p:sp>
-        <p:nvSpPr>
-          <p:cNvPr id="6" name="Footer Placeholder 5"/>
-          <p:cNvSpPr>
-            <a:spLocks noGrp="1"/>
-          </p:cNvSpPr>
-          <p:nvPr>
-            <p:ph type="ftr" sz="quarter" idx="12"/>
-          </p:nvPr>
-        </p:nvSpPr>
-        <p:spPr/>
-        <p:txBody>
-          <a:bodyPr/>
-          <a:lstStyle/>
-          <a:p>
-            <a:pPr>
-              <a:defRPr/>
-            </a:pPr>
-            <a:endParaRPr lang="en-US"/>
+            <a:r>
+              <a:rPr lang="en-CA" smtClean="0"/>
+              <a:t>Chef Software, Inc.</a:t>
+            </a:r>
+            <a:endParaRPr lang="en-US" dirty="0"/>
           </a:p>
         </p:txBody>
       </p:sp>
@@ -2303,7 +2021,7 @@
             </a:pPr>
             <a:r>
               <a:rPr lang="en-US" dirty="0" smtClean="0"/>
-              <a:t>Let's take a moment to describe the reason behind this directory path. Within our cookbook we define a test directory and within that test directory we define another directory named 'recipes'. This is the basic file path that</a:t>
+              <a:t>Let's take a moment to describe the reason behind this directory path. Within our cookbook we define a test directory and within that test directory we define another directory named smoke'. This is the basic file path that</a:t>
             </a:r>
             <a:r>
               <a:rPr lang="en-US" baseline="0" dirty="0" smtClean="0"/>
@@ -2327,11 +2045,7 @@
             </a:r>
             <a:r>
               <a:rPr lang="en-US" dirty="0" smtClean="0"/>
-              <a:t>The </a:t>
-            </a:r>
-            <a:r>
-              <a:rPr lang="en-US" dirty="0" smtClean="0"/>
-              <a:t>next part the path, 'recipes', corresponds to the path specified in the .</a:t>
+              <a:t>The next part the path, 'smoke', corresponds to the path specified in the .</a:t>
             </a:r>
             <a:r>
               <a:rPr lang="en-US" dirty="0" err="1" smtClean="0"/>
@@ -2347,12 +2061,12 @@
       </p:sp>
       <p:sp>
         <p:nvSpPr>
-          <p:cNvPr id="4" name="Slide Number Placeholder 3"/>
-          <p:cNvSpPr>
-            <a:spLocks noGrp="1"/>
-          </p:cNvSpPr>
-          <p:nvPr>
-            <p:ph type="sldNum" sz="quarter" idx="10"/>
+          <p:cNvPr id="5" name="Header Placeholder 4"/>
+          <p:cNvSpPr>
+            <a:spLocks noGrp="1"/>
+          </p:cNvSpPr>
+          <p:nvPr>
+            <p:ph type="hdr" sz="quarter" idx="11"/>
           </p:nvPr>
         </p:nvSpPr>
         <p:spPr/>
@@ -2363,25 +2077,22 @@
             <a:pPr>
               <a:defRPr/>
             </a:pPr>
-            <a:fld id="{DC3734AA-3150-D947-AC52-2F5DF48BFCD5}" type="slidenum">
+            <a:r>
               <a:rPr lang="en-US" smtClean="0"/>
-              <a:pPr>
-                <a:defRPr/>
-              </a:pPr>
-              <a:t>18</a:t>
-            </a:fld>
-            <a:endParaRPr lang="en-US" dirty="0"/>
-          </a:p>
-        </p:txBody>
-      </p:sp>
-      <p:sp>
-        <p:nvSpPr>
-          <p:cNvPr id="5" name="Header Placeholder 4"/>
-          <p:cNvSpPr>
-            <a:spLocks noGrp="1"/>
-          </p:cNvSpPr>
-          <p:nvPr>
-            <p:ph type="hdr" sz="quarter" idx="11"/>
+              <a:t>Test Driven Cookbook Development</a:t>
+            </a:r>
+            <a:endParaRPr lang="en-US"/>
+          </a:p>
+        </p:txBody>
+      </p:sp>
+      <p:sp>
+        <p:nvSpPr>
+          <p:cNvPr id="7" name="Date Placeholder 6"/>
+          <p:cNvSpPr>
+            <a:spLocks noGrp="1"/>
+          </p:cNvSpPr>
+          <p:nvPr>
+            <p:ph type="dt" idx="13"/>
           </p:nvPr>
         </p:nvSpPr>
         <p:spPr/>
@@ -2392,29 +2103,11 @@
             <a:pPr>
               <a:defRPr/>
             </a:pPr>
-            <a:endParaRPr lang="en-US"/>
-          </a:p>
-        </p:txBody>
-      </p:sp>
-      <p:sp>
-        <p:nvSpPr>
-          <p:cNvPr id="6" name="Footer Placeholder 5"/>
-          <p:cNvSpPr>
-            <a:spLocks noGrp="1"/>
-          </p:cNvSpPr>
-          <p:nvPr>
-            <p:ph type="ftr" sz="quarter" idx="12"/>
-          </p:nvPr>
-        </p:nvSpPr>
-        <p:spPr/>
-        <p:txBody>
-          <a:bodyPr/>
-          <a:lstStyle/>
-          <a:p>
-            <a:pPr>
-              <a:defRPr/>
-            </a:pPr>
-            <a:endParaRPr lang="en-US"/>
+            <a:r>
+              <a:rPr lang="en-CA" smtClean="0"/>
+              <a:t>Chef Software, Inc.</a:t>
+            </a:r>
+            <a:endParaRPr lang="en-US" dirty="0"/>
           </a:p>
         </p:txBody>
       </p:sp>
@@ -2513,12 +2206,12 @@
       </p:sp>
       <p:sp>
         <p:nvSpPr>
-          <p:cNvPr id="4" name="Slide Number Placeholder 3"/>
-          <p:cNvSpPr>
-            <a:spLocks noGrp="1"/>
-          </p:cNvSpPr>
-          <p:nvPr>
-            <p:ph type="sldNum" sz="quarter" idx="10"/>
+          <p:cNvPr id="5" name="Header Placeholder 4"/>
+          <p:cNvSpPr>
+            <a:spLocks noGrp="1"/>
+          </p:cNvSpPr>
+          <p:nvPr>
+            <p:ph type="hdr" sz="quarter" idx="11"/>
           </p:nvPr>
         </p:nvSpPr>
         <p:spPr/>
@@ -2529,25 +2222,22 @@
             <a:pPr>
               <a:defRPr/>
             </a:pPr>
-            <a:fld id="{DC3734AA-3150-D947-AC52-2F5DF48BFCD5}" type="slidenum">
+            <a:r>
               <a:rPr lang="en-US" smtClean="0"/>
-              <a:pPr>
-                <a:defRPr/>
-              </a:pPr>
-              <a:t>19</a:t>
-            </a:fld>
-            <a:endParaRPr lang="en-US" dirty="0"/>
-          </a:p>
-        </p:txBody>
-      </p:sp>
-      <p:sp>
-        <p:nvSpPr>
-          <p:cNvPr id="5" name="Header Placeholder 4"/>
-          <p:cNvSpPr>
-            <a:spLocks noGrp="1"/>
-          </p:cNvSpPr>
-          <p:nvPr>
-            <p:ph type="hdr" sz="quarter" idx="11"/>
+              <a:t>Test Driven Cookbook Development</a:t>
+            </a:r>
+            <a:endParaRPr lang="en-US"/>
+          </a:p>
+        </p:txBody>
+      </p:sp>
+      <p:sp>
+        <p:nvSpPr>
+          <p:cNvPr id="7" name="Date Placeholder 6"/>
+          <p:cNvSpPr>
+            <a:spLocks noGrp="1"/>
+          </p:cNvSpPr>
+          <p:nvPr>
+            <p:ph type="dt" idx="13"/>
           </p:nvPr>
         </p:nvSpPr>
         <p:spPr/>
@@ -2558,29 +2248,11 @@
             <a:pPr>
               <a:defRPr/>
             </a:pPr>
-            <a:endParaRPr lang="en-US"/>
-          </a:p>
-        </p:txBody>
-      </p:sp>
-      <p:sp>
-        <p:nvSpPr>
-          <p:cNvPr id="6" name="Footer Placeholder 5"/>
-          <p:cNvSpPr>
-            <a:spLocks noGrp="1"/>
-          </p:cNvSpPr>
-          <p:nvPr>
-            <p:ph type="ftr" sz="quarter" idx="12"/>
-          </p:nvPr>
-        </p:nvSpPr>
-        <p:spPr/>
-        <p:txBody>
-          <a:bodyPr/>
-          <a:lstStyle/>
-          <a:p>
-            <a:pPr>
-              <a:defRPr/>
-            </a:pPr>
-            <a:endParaRPr lang="en-US"/>
+            <a:r>
+              <a:rPr lang="en-CA" smtClean="0"/>
+              <a:t>Chef Software, Inc.</a:t>
+            </a:r>
+            <a:endParaRPr lang="en-US" dirty="0"/>
           </a:p>
         </p:txBody>
       </p:sp>
@@ -2753,12 +2425,12 @@
       </p:sp>
       <p:sp>
         <p:nvSpPr>
-          <p:cNvPr id="4" name="Slide Number Placeholder 3"/>
-          <p:cNvSpPr>
-            <a:spLocks noGrp="1"/>
-          </p:cNvSpPr>
-          <p:nvPr>
-            <p:ph type="sldNum" sz="quarter" idx="10"/>
+          <p:cNvPr id="5" name="Header Placeholder 4"/>
+          <p:cNvSpPr>
+            <a:spLocks noGrp="1"/>
+          </p:cNvSpPr>
+          <p:nvPr>
+            <p:ph type="hdr" sz="quarter" idx="11"/>
           </p:nvPr>
         </p:nvSpPr>
         <p:spPr/>
@@ -2769,25 +2441,22 @@
             <a:pPr>
               <a:defRPr/>
             </a:pPr>
-            <a:fld id="{DC3734AA-3150-D947-AC52-2F5DF48BFCD5}" type="slidenum">
+            <a:r>
               <a:rPr lang="en-US" smtClean="0"/>
-              <a:pPr>
-                <a:defRPr/>
-              </a:pPr>
-              <a:t>2</a:t>
-            </a:fld>
-            <a:endParaRPr lang="en-US" dirty="0"/>
-          </a:p>
-        </p:txBody>
-      </p:sp>
-      <p:sp>
-        <p:nvSpPr>
-          <p:cNvPr id="5" name="Header Placeholder 4"/>
-          <p:cNvSpPr>
-            <a:spLocks noGrp="1"/>
-          </p:cNvSpPr>
-          <p:nvPr>
-            <p:ph type="hdr" sz="quarter" idx="11"/>
+              <a:t>Test Driven Cookbook Development</a:t>
+            </a:r>
+            <a:endParaRPr lang="en-US"/>
+          </a:p>
+        </p:txBody>
+      </p:sp>
+      <p:sp>
+        <p:nvSpPr>
+          <p:cNvPr id="7" name="Date Placeholder 6"/>
+          <p:cNvSpPr>
+            <a:spLocks noGrp="1"/>
+          </p:cNvSpPr>
+          <p:nvPr>
+            <p:ph type="dt" idx="13"/>
           </p:nvPr>
         </p:nvSpPr>
         <p:spPr/>
@@ -2798,29 +2467,11 @@
             <a:pPr>
               <a:defRPr/>
             </a:pPr>
-            <a:endParaRPr lang="en-US"/>
-          </a:p>
-        </p:txBody>
-      </p:sp>
-      <p:sp>
-        <p:nvSpPr>
-          <p:cNvPr id="6" name="Footer Placeholder 5"/>
-          <p:cNvSpPr>
-            <a:spLocks noGrp="1"/>
-          </p:cNvSpPr>
-          <p:nvPr>
-            <p:ph type="ftr" sz="quarter" idx="12"/>
-          </p:nvPr>
-        </p:nvSpPr>
-        <p:spPr/>
-        <p:txBody>
-          <a:bodyPr/>
-          <a:lstStyle/>
-          <a:p>
-            <a:pPr>
-              <a:defRPr/>
-            </a:pPr>
-            <a:endParaRPr lang="en-US"/>
+            <a:r>
+              <a:rPr lang="en-CA" smtClean="0"/>
+              <a:t>Chef Software, Inc.</a:t>
+            </a:r>
+            <a:endParaRPr lang="en-US" dirty="0"/>
           </a:p>
         </p:txBody>
       </p:sp>
@@ -2936,12 +2587,12 @@
       </p:sp>
       <p:sp>
         <p:nvSpPr>
-          <p:cNvPr id="4" name="Slide Number Placeholder 3"/>
-          <p:cNvSpPr>
-            <a:spLocks noGrp="1"/>
-          </p:cNvSpPr>
-          <p:nvPr>
-            <p:ph type="sldNum" sz="quarter" idx="10"/>
+          <p:cNvPr id="5" name="Header Placeholder 4"/>
+          <p:cNvSpPr>
+            <a:spLocks noGrp="1"/>
+          </p:cNvSpPr>
+          <p:nvPr>
+            <p:ph type="hdr" sz="quarter" idx="11"/>
           </p:nvPr>
         </p:nvSpPr>
         <p:spPr/>
@@ -2952,25 +2603,22 @@
             <a:pPr>
               <a:defRPr/>
             </a:pPr>
-            <a:fld id="{DC3734AA-3150-D947-AC52-2F5DF48BFCD5}" type="slidenum">
+            <a:r>
               <a:rPr lang="en-US" smtClean="0"/>
-              <a:pPr>
-                <a:defRPr/>
-              </a:pPr>
-              <a:t>20</a:t>
-            </a:fld>
-            <a:endParaRPr lang="en-US" dirty="0"/>
-          </a:p>
-        </p:txBody>
-      </p:sp>
-      <p:sp>
-        <p:nvSpPr>
-          <p:cNvPr id="5" name="Header Placeholder 4"/>
-          <p:cNvSpPr>
-            <a:spLocks noGrp="1"/>
-          </p:cNvSpPr>
-          <p:nvPr>
-            <p:ph type="hdr" sz="quarter" idx="11"/>
+              <a:t>Test Driven Cookbook Development</a:t>
+            </a:r>
+            <a:endParaRPr lang="en-US"/>
+          </a:p>
+        </p:txBody>
+      </p:sp>
+      <p:sp>
+        <p:nvSpPr>
+          <p:cNvPr id="7" name="Date Placeholder 6"/>
+          <p:cNvSpPr>
+            <a:spLocks noGrp="1"/>
+          </p:cNvSpPr>
+          <p:nvPr>
+            <p:ph type="dt" idx="13"/>
           </p:nvPr>
         </p:nvSpPr>
         <p:spPr/>
@@ -2981,29 +2629,11 @@
             <a:pPr>
               <a:defRPr/>
             </a:pPr>
-            <a:endParaRPr lang="en-US"/>
-          </a:p>
-        </p:txBody>
-      </p:sp>
-      <p:sp>
-        <p:nvSpPr>
-          <p:cNvPr id="6" name="Footer Placeholder 5"/>
-          <p:cNvSpPr>
-            <a:spLocks noGrp="1"/>
-          </p:cNvSpPr>
-          <p:nvPr>
-            <p:ph type="ftr" sz="quarter" idx="12"/>
-          </p:nvPr>
-        </p:nvSpPr>
-        <p:spPr/>
-        <p:txBody>
-          <a:bodyPr/>
-          <a:lstStyle/>
-          <a:p>
-            <a:pPr>
-              <a:defRPr/>
-            </a:pPr>
-            <a:endParaRPr lang="en-US"/>
+            <a:r>
+              <a:rPr lang="en-CA" smtClean="0"/>
+              <a:t>Chef Software, Inc.</a:t>
+            </a:r>
+            <a:endParaRPr lang="en-US" dirty="0"/>
           </a:p>
         </p:txBody>
       </p:sp>
@@ -3082,12 +2712,12 @@
       </p:sp>
       <p:sp>
         <p:nvSpPr>
-          <p:cNvPr id="4" name="Slide Number Placeholder 3"/>
-          <p:cNvSpPr>
-            <a:spLocks noGrp="1"/>
-          </p:cNvSpPr>
-          <p:nvPr>
-            <p:ph type="sldNum" sz="quarter" idx="10"/>
+          <p:cNvPr id="5" name="Header Placeholder 4"/>
+          <p:cNvSpPr>
+            <a:spLocks noGrp="1"/>
+          </p:cNvSpPr>
+          <p:nvPr>
+            <p:ph type="hdr" sz="quarter" idx="11"/>
           </p:nvPr>
         </p:nvSpPr>
         <p:spPr/>
@@ -3098,25 +2728,22 @@
             <a:pPr>
               <a:defRPr/>
             </a:pPr>
-            <a:fld id="{DC3734AA-3150-D947-AC52-2F5DF48BFCD5}" type="slidenum">
+            <a:r>
               <a:rPr lang="en-US" smtClean="0"/>
-              <a:pPr>
-                <a:defRPr/>
-              </a:pPr>
-              <a:t>21</a:t>
-            </a:fld>
-            <a:endParaRPr lang="en-US" dirty="0"/>
-          </a:p>
-        </p:txBody>
-      </p:sp>
-      <p:sp>
-        <p:nvSpPr>
-          <p:cNvPr id="5" name="Header Placeholder 4"/>
-          <p:cNvSpPr>
-            <a:spLocks noGrp="1"/>
-          </p:cNvSpPr>
-          <p:nvPr>
-            <p:ph type="hdr" sz="quarter" idx="11"/>
+              <a:t>Test Driven Cookbook Development</a:t>
+            </a:r>
+            <a:endParaRPr lang="en-US"/>
+          </a:p>
+        </p:txBody>
+      </p:sp>
+      <p:sp>
+        <p:nvSpPr>
+          <p:cNvPr id="7" name="Date Placeholder 6"/>
+          <p:cNvSpPr>
+            <a:spLocks noGrp="1"/>
+          </p:cNvSpPr>
+          <p:nvPr>
+            <p:ph type="dt" idx="13"/>
           </p:nvPr>
         </p:nvSpPr>
         <p:spPr/>
@@ -3127,29 +2754,11 @@
             <a:pPr>
               <a:defRPr/>
             </a:pPr>
-            <a:endParaRPr lang="en-US"/>
-          </a:p>
-        </p:txBody>
-      </p:sp>
-      <p:sp>
-        <p:nvSpPr>
-          <p:cNvPr id="6" name="Footer Placeholder 5"/>
-          <p:cNvSpPr>
-            <a:spLocks noGrp="1"/>
-          </p:cNvSpPr>
-          <p:nvPr>
-            <p:ph type="ftr" sz="quarter" idx="12"/>
-          </p:nvPr>
-        </p:nvSpPr>
-        <p:spPr/>
-        <p:txBody>
-          <a:bodyPr/>
-          <a:lstStyle/>
-          <a:p>
-            <a:pPr>
-              <a:defRPr/>
-            </a:pPr>
-            <a:endParaRPr lang="en-US"/>
+            <a:r>
+              <a:rPr lang="en-CA" smtClean="0"/>
+              <a:t>Chef Software, Inc.</a:t>
+            </a:r>
+            <a:endParaRPr lang="en-US" dirty="0"/>
           </a:p>
         </p:txBody>
       </p:sp>
@@ -3223,12 +2832,12 @@
       </p:sp>
       <p:sp>
         <p:nvSpPr>
-          <p:cNvPr id="4" name="Slide Number Placeholder 3"/>
-          <p:cNvSpPr>
-            <a:spLocks noGrp="1"/>
-          </p:cNvSpPr>
-          <p:nvPr>
-            <p:ph type="sldNum" sz="quarter" idx="10"/>
+          <p:cNvPr id="5" name="Header Placeholder 4"/>
+          <p:cNvSpPr>
+            <a:spLocks noGrp="1"/>
+          </p:cNvSpPr>
+          <p:nvPr>
+            <p:ph type="hdr" sz="quarter" idx="11"/>
           </p:nvPr>
         </p:nvSpPr>
         <p:spPr/>
@@ -3239,25 +2848,22 @@
             <a:pPr>
               <a:defRPr/>
             </a:pPr>
-            <a:fld id="{DC3734AA-3150-D947-AC52-2F5DF48BFCD5}" type="slidenum">
+            <a:r>
               <a:rPr lang="en-US" smtClean="0"/>
-              <a:pPr>
-                <a:defRPr/>
-              </a:pPr>
-              <a:t>22</a:t>
-            </a:fld>
-            <a:endParaRPr lang="en-US" dirty="0"/>
-          </a:p>
-        </p:txBody>
-      </p:sp>
-      <p:sp>
-        <p:nvSpPr>
-          <p:cNvPr id="5" name="Header Placeholder 4"/>
-          <p:cNvSpPr>
-            <a:spLocks noGrp="1"/>
-          </p:cNvSpPr>
-          <p:nvPr>
-            <p:ph type="hdr" sz="quarter" idx="11"/>
+              <a:t>Test Driven Cookbook Development</a:t>
+            </a:r>
+            <a:endParaRPr lang="en-US"/>
+          </a:p>
+        </p:txBody>
+      </p:sp>
+      <p:sp>
+        <p:nvSpPr>
+          <p:cNvPr id="7" name="Date Placeholder 6"/>
+          <p:cNvSpPr>
+            <a:spLocks noGrp="1"/>
+          </p:cNvSpPr>
+          <p:nvPr>
+            <p:ph type="dt" idx="13"/>
           </p:nvPr>
         </p:nvSpPr>
         <p:spPr/>
@@ -3268,29 +2874,11 @@
             <a:pPr>
               <a:defRPr/>
             </a:pPr>
-            <a:endParaRPr lang="en-US"/>
-          </a:p>
-        </p:txBody>
-      </p:sp>
-      <p:sp>
-        <p:nvSpPr>
-          <p:cNvPr id="6" name="Footer Placeholder 5"/>
-          <p:cNvSpPr>
-            <a:spLocks noGrp="1"/>
-          </p:cNvSpPr>
-          <p:nvPr>
-            <p:ph type="ftr" sz="quarter" idx="12"/>
-          </p:nvPr>
-        </p:nvSpPr>
-        <p:spPr/>
-        <p:txBody>
-          <a:bodyPr/>
-          <a:lstStyle/>
-          <a:p>
-            <a:pPr>
-              <a:defRPr/>
-            </a:pPr>
-            <a:endParaRPr lang="en-US"/>
+            <a:r>
+              <a:rPr lang="en-CA" smtClean="0"/>
+              <a:t>Chef Software, Inc.</a:t>
+            </a:r>
+            <a:endParaRPr lang="en-US" dirty="0"/>
           </a:p>
         </p:txBody>
       </p:sp>
@@ -3369,12 +2957,12 @@
       </p:sp>
       <p:sp>
         <p:nvSpPr>
-          <p:cNvPr id="4" name="Slide Number Placeholder 3"/>
-          <p:cNvSpPr>
-            <a:spLocks noGrp="1"/>
-          </p:cNvSpPr>
-          <p:nvPr>
-            <p:ph type="sldNum" sz="quarter" idx="10"/>
+          <p:cNvPr id="5" name="Header Placeholder 4"/>
+          <p:cNvSpPr>
+            <a:spLocks noGrp="1"/>
+          </p:cNvSpPr>
+          <p:nvPr>
+            <p:ph type="hdr" sz="quarter" idx="11"/>
           </p:nvPr>
         </p:nvSpPr>
         <p:spPr/>
@@ -3385,25 +2973,22 @@
             <a:pPr>
               <a:defRPr/>
             </a:pPr>
-            <a:fld id="{DC3734AA-3150-D947-AC52-2F5DF48BFCD5}" type="slidenum">
+            <a:r>
               <a:rPr lang="en-US" smtClean="0"/>
-              <a:pPr>
-                <a:defRPr/>
-              </a:pPr>
-              <a:t>23</a:t>
-            </a:fld>
-            <a:endParaRPr lang="en-US" dirty="0"/>
-          </a:p>
-        </p:txBody>
-      </p:sp>
-      <p:sp>
-        <p:nvSpPr>
-          <p:cNvPr id="5" name="Header Placeholder 4"/>
-          <p:cNvSpPr>
-            <a:spLocks noGrp="1"/>
-          </p:cNvSpPr>
-          <p:nvPr>
-            <p:ph type="hdr" sz="quarter" idx="11"/>
+              <a:t>Test Driven Cookbook Development</a:t>
+            </a:r>
+            <a:endParaRPr lang="en-US"/>
+          </a:p>
+        </p:txBody>
+      </p:sp>
+      <p:sp>
+        <p:nvSpPr>
+          <p:cNvPr id="7" name="Date Placeholder 6"/>
+          <p:cNvSpPr>
+            <a:spLocks noGrp="1"/>
+          </p:cNvSpPr>
+          <p:nvPr>
+            <p:ph type="dt" idx="13"/>
           </p:nvPr>
         </p:nvSpPr>
         <p:spPr/>
@@ -3414,29 +2999,11 @@
             <a:pPr>
               <a:defRPr/>
             </a:pPr>
-            <a:endParaRPr lang="en-US"/>
-          </a:p>
-        </p:txBody>
-      </p:sp>
-      <p:sp>
-        <p:nvSpPr>
-          <p:cNvPr id="6" name="Footer Placeholder 5"/>
-          <p:cNvSpPr>
-            <a:spLocks noGrp="1"/>
-          </p:cNvSpPr>
-          <p:nvPr>
-            <p:ph type="ftr" sz="quarter" idx="12"/>
-          </p:nvPr>
-        </p:nvSpPr>
-        <p:spPr/>
-        <p:txBody>
-          <a:bodyPr/>
-          <a:lstStyle/>
-          <a:p>
-            <a:pPr>
-              <a:defRPr/>
-            </a:pPr>
-            <a:endParaRPr lang="en-US"/>
+            <a:r>
+              <a:rPr lang="en-CA" smtClean="0"/>
+              <a:t>Chef Software, Inc.</a:t>
+            </a:r>
+            <a:endParaRPr lang="en-US" dirty="0"/>
           </a:p>
         </p:txBody>
       </p:sp>
@@ -3524,12 +3091,12 @@
       </p:sp>
       <p:sp>
         <p:nvSpPr>
-          <p:cNvPr id="4" name="Slide Number Placeholder 3"/>
-          <p:cNvSpPr>
-            <a:spLocks noGrp="1"/>
-          </p:cNvSpPr>
-          <p:nvPr>
-            <p:ph type="sldNum" sz="quarter" idx="10"/>
+          <p:cNvPr id="5" name="Header Placeholder 4"/>
+          <p:cNvSpPr>
+            <a:spLocks noGrp="1"/>
+          </p:cNvSpPr>
+          <p:nvPr>
+            <p:ph type="hdr" sz="quarter" idx="11"/>
           </p:nvPr>
         </p:nvSpPr>
         <p:spPr/>
@@ -3540,25 +3107,22 @@
             <a:pPr>
               <a:defRPr/>
             </a:pPr>
-            <a:fld id="{DC3734AA-3150-D947-AC52-2F5DF48BFCD5}" type="slidenum">
+            <a:r>
               <a:rPr lang="en-US" smtClean="0"/>
-              <a:pPr>
-                <a:defRPr/>
-              </a:pPr>
-              <a:t>24</a:t>
-            </a:fld>
-            <a:endParaRPr lang="en-US" dirty="0"/>
-          </a:p>
-        </p:txBody>
-      </p:sp>
-      <p:sp>
-        <p:nvSpPr>
-          <p:cNvPr id="5" name="Header Placeholder 4"/>
-          <p:cNvSpPr>
-            <a:spLocks noGrp="1"/>
-          </p:cNvSpPr>
-          <p:nvPr>
-            <p:ph type="hdr" sz="quarter" idx="11"/>
+              <a:t>Test Driven Cookbook Development</a:t>
+            </a:r>
+            <a:endParaRPr lang="en-US"/>
+          </a:p>
+        </p:txBody>
+      </p:sp>
+      <p:sp>
+        <p:nvSpPr>
+          <p:cNvPr id="7" name="Date Placeholder 6"/>
+          <p:cNvSpPr>
+            <a:spLocks noGrp="1"/>
+          </p:cNvSpPr>
+          <p:nvPr>
+            <p:ph type="dt" idx="13"/>
           </p:nvPr>
         </p:nvSpPr>
         <p:spPr/>
@@ -3569,29 +3133,11 @@
             <a:pPr>
               <a:defRPr/>
             </a:pPr>
-            <a:endParaRPr lang="en-US"/>
-          </a:p>
-        </p:txBody>
-      </p:sp>
-      <p:sp>
-        <p:nvSpPr>
-          <p:cNvPr id="6" name="Footer Placeholder 5"/>
-          <p:cNvSpPr>
-            <a:spLocks noGrp="1"/>
-          </p:cNvSpPr>
-          <p:nvPr>
-            <p:ph type="ftr" sz="quarter" idx="12"/>
-          </p:nvPr>
-        </p:nvSpPr>
-        <p:spPr/>
-        <p:txBody>
-          <a:bodyPr/>
-          <a:lstStyle/>
-          <a:p>
-            <a:pPr>
-              <a:defRPr/>
-            </a:pPr>
-            <a:endParaRPr lang="en-US"/>
+            <a:r>
+              <a:rPr lang="en-CA" smtClean="0"/>
+              <a:t>Chef Software, Inc.</a:t>
+            </a:r>
+            <a:endParaRPr lang="en-US" dirty="0"/>
           </a:p>
         </p:txBody>
       </p:sp>
@@ -3666,12 +3212,12 @@
       </p:sp>
       <p:sp>
         <p:nvSpPr>
-          <p:cNvPr id="4" name="Slide Number Placeholder 3"/>
-          <p:cNvSpPr>
-            <a:spLocks noGrp="1"/>
-          </p:cNvSpPr>
-          <p:nvPr>
-            <p:ph type="sldNum" sz="quarter" idx="10"/>
+          <p:cNvPr id="5" name="Header Placeholder 4"/>
+          <p:cNvSpPr>
+            <a:spLocks noGrp="1"/>
+          </p:cNvSpPr>
+          <p:nvPr>
+            <p:ph type="hdr" sz="quarter" idx="11"/>
           </p:nvPr>
         </p:nvSpPr>
         <p:spPr/>
@@ -3682,25 +3228,22 @@
             <a:pPr>
               <a:defRPr/>
             </a:pPr>
-            <a:fld id="{DC3734AA-3150-D947-AC52-2F5DF48BFCD5}" type="slidenum">
+            <a:r>
               <a:rPr lang="en-US" smtClean="0"/>
-              <a:pPr>
-                <a:defRPr/>
-              </a:pPr>
-              <a:t>25</a:t>
-            </a:fld>
-            <a:endParaRPr lang="en-US" dirty="0"/>
-          </a:p>
-        </p:txBody>
-      </p:sp>
-      <p:sp>
-        <p:nvSpPr>
-          <p:cNvPr id="5" name="Header Placeholder 4"/>
-          <p:cNvSpPr>
-            <a:spLocks noGrp="1"/>
-          </p:cNvSpPr>
-          <p:nvPr>
-            <p:ph type="hdr" sz="quarter" idx="11"/>
+              <a:t>Test Driven Cookbook Development</a:t>
+            </a:r>
+            <a:endParaRPr lang="en-US"/>
+          </a:p>
+        </p:txBody>
+      </p:sp>
+      <p:sp>
+        <p:nvSpPr>
+          <p:cNvPr id="7" name="Date Placeholder 6"/>
+          <p:cNvSpPr>
+            <a:spLocks noGrp="1"/>
+          </p:cNvSpPr>
+          <p:nvPr>
+            <p:ph type="dt" idx="13"/>
           </p:nvPr>
         </p:nvSpPr>
         <p:spPr/>
@@ -3711,29 +3254,11 @@
             <a:pPr>
               <a:defRPr/>
             </a:pPr>
-            <a:endParaRPr lang="en-US"/>
-          </a:p>
-        </p:txBody>
-      </p:sp>
-      <p:sp>
-        <p:nvSpPr>
-          <p:cNvPr id="6" name="Footer Placeholder 5"/>
-          <p:cNvSpPr>
-            <a:spLocks noGrp="1"/>
-          </p:cNvSpPr>
-          <p:nvPr>
-            <p:ph type="ftr" sz="quarter" idx="12"/>
-          </p:nvPr>
-        </p:nvSpPr>
-        <p:spPr/>
-        <p:txBody>
-          <a:bodyPr/>
-          <a:lstStyle/>
-          <a:p>
-            <a:pPr>
-              <a:defRPr/>
-            </a:pPr>
-            <a:endParaRPr lang="en-US"/>
+            <a:r>
+              <a:rPr lang="en-CA" smtClean="0"/>
+              <a:t>Chef Software, Inc.</a:t>
+            </a:r>
+            <a:endParaRPr lang="en-US" dirty="0"/>
           </a:p>
         </p:txBody>
       </p:sp>
@@ -3808,12 +3333,12 @@
       </p:sp>
       <p:sp>
         <p:nvSpPr>
-          <p:cNvPr id="4" name="Slide Number Placeholder 3"/>
-          <p:cNvSpPr>
-            <a:spLocks noGrp="1"/>
-          </p:cNvSpPr>
-          <p:nvPr>
-            <p:ph type="sldNum" sz="quarter" idx="10"/>
+          <p:cNvPr id="5" name="Header Placeholder 4"/>
+          <p:cNvSpPr>
+            <a:spLocks noGrp="1"/>
+          </p:cNvSpPr>
+          <p:nvPr>
+            <p:ph type="hdr" sz="quarter" idx="11"/>
           </p:nvPr>
         </p:nvSpPr>
         <p:spPr/>
@@ -3824,25 +3349,22 @@
             <a:pPr>
               <a:defRPr/>
             </a:pPr>
-            <a:fld id="{DC3734AA-3150-D947-AC52-2F5DF48BFCD5}" type="slidenum">
+            <a:r>
               <a:rPr lang="en-US" smtClean="0"/>
-              <a:pPr>
-                <a:defRPr/>
-              </a:pPr>
-              <a:t>26</a:t>
-            </a:fld>
-            <a:endParaRPr lang="en-US" dirty="0"/>
-          </a:p>
-        </p:txBody>
-      </p:sp>
-      <p:sp>
-        <p:nvSpPr>
-          <p:cNvPr id="5" name="Header Placeholder 4"/>
-          <p:cNvSpPr>
-            <a:spLocks noGrp="1"/>
-          </p:cNvSpPr>
-          <p:nvPr>
-            <p:ph type="hdr" sz="quarter" idx="11"/>
+              <a:t>Test Driven Cookbook Development</a:t>
+            </a:r>
+            <a:endParaRPr lang="en-US"/>
+          </a:p>
+        </p:txBody>
+      </p:sp>
+      <p:sp>
+        <p:nvSpPr>
+          <p:cNvPr id="7" name="Date Placeholder 6"/>
+          <p:cNvSpPr>
+            <a:spLocks noGrp="1"/>
+          </p:cNvSpPr>
+          <p:nvPr>
+            <p:ph type="dt" idx="13"/>
           </p:nvPr>
         </p:nvSpPr>
         <p:spPr/>
@@ -3853,29 +3375,11 @@
             <a:pPr>
               <a:defRPr/>
             </a:pPr>
-            <a:endParaRPr lang="en-US"/>
-          </a:p>
-        </p:txBody>
-      </p:sp>
-      <p:sp>
-        <p:nvSpPr>
-          <p:cNvPr id="6" name="Footer Placeholder 5"/>
-          <p:cNvSpPr>
-            <a:spLocks noGrp="1"/>
-          </p:cNvSpPr>
-          <p:nvPr>
-            <p:ph type="ftr" sz="quarter" idx="12"/>
-          </p:nvPr>
-        </p:nvSpPr>
-        <p:spPr/>
-        <p:txBody>
-          <a:bodyPr/>
-          <a:lstStyle/>
-          <a:p>
-            <a:pPr>
-              <a:defRPr/>
-            </a:pPr>
-            <a:endParaRPr lang="en-US"/>
+            <a:r>
+              <a:rPr lang="en-CA" smtClean="0"/>
+              <a:t>Chef Software, Inc.</a:t>
+            </a:r>
+            <a:endParaRPr lang="en-US" dirty="0"/>
           </a:p>
         </p:txBody>
       </p:sp>
@@ -3958,12 +3462,12 @@
       </p:sp>
       <p:sp>
         <p:nvSpPr>
-          <p:cNvPr id="4" name="Slide Number Placeholder 3"/>
-          <p:cNvSpPr>
-            <a:spLocks noGrp="1"/>
-          </p:cNvSpPr>
-          <p:nvPr>
-            <p:ph type="sldNum" sz="quarter" idx="10"/>
+          <p:cNvPr id="5" name="Header Placeholder 4"/>
+          <p:cNvSpPr>
+            <a:spLocks noGrp="1"/>
+          </p:cNvSpPr>
+          <p:nvPr>
+            <p:ph type="hdr" sz="quarter" idx="11"/>
           </p:nvPr>
         </p:nvSpPr>
         <p:spPr/>
@@ -3974,25 +3478,22 @@
             <a:pPr>
               <a:defRPr/>
             </a:pPr>
-            <a:fld id="{DC3734AA-3150-D947-AC52-2F5DF48BFCD5}" type="slidenum">
+            <a:r>
               <a:rPr lang="en-US" smtClean="0"/>
-              <a:pPr>
-                <a:defRPr/>
-              </a:pPr>
-              <a:t>27</a:t>
-            </a:fld>
-            <a:endParaRPr lang="en-US" dirty="0"/>
-          </a:p>
-        </p:txBody>
-      </p:sp>
-      <p:sp>
-        <p:nvSpPr>
-          <p:cNvPr id="5" name="Header Placeholder 4"/>
-          <p:cNvSpPr>
-            <a:spLocks noGrp="1"/>
-          </p:cNvSpPr>
-          <p:nvPr>
-            <p:ph type="hdr" sz="quarter" idx="11"/>
+              <a:t>Test Driven Cookbook Development</a:t>
+            </a:r>
+            <a:endParaRPr lang="en-US"/>
+          </a:p>
+        </p:txBody>
+      </p:sp>
+      <p:sp>
+        <p:nvSpPr>
+          <p:cNvPr id="7" name="Date Placeholder 6"/>
+          <p:cNvSpPr>
+            <a:spLocks noGrp="1"/>
+          </p:cNvSpPr>
+          <p:nvPr>
+            <p:ph type="dt" idx="13"/>
           </p:nvPr>
         </p:nvSpPr>
         <p:spPr/>
@@ -4003,29 +3504,11 @@
             <a:pPr>
               <a:defRPr/>
             </a:pPr>
-            <a:endParaRPr lang="en-US"/>
-          </a:p>
-        </p:txBody>
-      </p:sp>
-      <p:sp>
-        <p:nvSpPr>
-          <p:cNvPr id="6" name="Footer Placeholder 5"/>
-          <p:cNvSpPr>
-            <a:spLocks noGrp="1"/>
-          </p:cNvSpPr>
-          <p:nvPr>
-            <p:ph type="ftr" sz="quarter" idx="12"/>
-          </p:nvPr>
-        </p:nvSpPr>
-        <p:spPr/>
-        <p:txBody>
-          <a:bodyPr/>
-          <a:lstStyle/>
-          <a:p>
-            <a:pPr>
-              <a:defRPr/>
-            </a:pPr>
-            <a:endParaRPr lang="en-US"/>
+            <a:r>
+              <a:rPr lang="en-CA" smtClean="0"/>
+              <a:t>Chef Software, Inc.</a:t>
+            </a:r>
+            <a:endParaRPr lang="en-US" dirty="0"/>
           </a:p>
         </p:txBody>
       </p:sp>
@@ -4134,12 +3617,12 @@
       </p:sp>
       <p:sp>
         <p:nvSpPr>
-          <p:cNvPr id="4" name="Slide Number Placeholder 3"/>
-          <p:cNvSpPr>
-            <a:spLocks noGrp="1"/>
-          </p:cNvSpPr>
-          <p:nvPr>
-            <p:ph type="sldNum" sz="quarter" idx="10"/>
+          <p:cNvPr id="5" name="Header Placeholder 4"/>
+          <p:cNvSpPr>
+            <a:spLocks noGrp="1"/>
+          </p:cNvSpPr>
+          <p:nvPr>
+            <p:ph type="hdr" sz="quarter" idx="11"/>
           </p:nvPr>
         </p:nvSpPr>
         <p:spPr/>
@@ -4150,25 +3633,22 @@
             <a:pPr>
               <a:defRPr/>
             </a:pPr>
-            <a:fld id="{DC3734AA-3150-D947-AC52-2F5DF48BFCD5}" type="slidenum">
+            <a:r>
               <a:rPr lang="en-US" smtClean="0"/>
-              <a:pPr>
-                <a:defRPr/>
-              </a:pPr>
-              <a:t>28</a:t>
-            </a:fld>
-            <a:endParaRPr lang="en-US" dirty="0"/>
-          </a:p>
-        </p:txBody>
-      </p:sp>
-      <p:sp>
-        <p:nvSpPr>
-          <p:cNvPr id="5" name="Header Placeholder 4"/>
-          <p:cNvSpPr>
-            <a:spLocks noGrp="1"/>
-          </p:cNvSpPr>
-          <p:nvPr>
-            <p:ph type="hdr" sz="quarter" idx="11"/>
+              <a:t>Test Driven Cookbook Development</a:t>
+            </a:r>
+            <a:endParaRPr lang="en-US"/>
+          </a:p>
+        </p:txBody>
+      </p:sp>
+      <p:sp>
+        <p:nvSpPr>
+          <p:cNvPr id="7" name="Date Placeholder 6"/>
+          <p:cNvSpPr>
+            <a:spLocks noGrp="1"/>
+          </p:cNvSpPr>
+          <p:nvPr>
+            <p:ph type="dt" idx="13"/>
           </p:nvPr>
         </p:nvSpPr>
         <p:spPr/>
@@ -4179,29 +3659,11 @@
             <a:pPr>
               <a:defRPr/>
             </a:pPr>
-            <a:endParaRPr lang="en-US"/>
-          </a:p>
-        </p:txBody>
-      </p:sp>
-      <p:sp>
-        <p:nvSpPr>
-          <p:cNvPr id="6" name="Footer Placeholder 5"/>
-          <p:cNvSpPr>
-            <a:spLocks noGrp="1"/>
-          </p:cNvSpPr>
-          <p:nvPr>
-            <p:ph type="ftr" sz="quarter" idx="12"/>
-          </p:nvPr>
-        </p:nvSpPr>
-        <p:spPr/>
-        <p:txBody>
-          <a:bodyPr/>
-          <a:lstStyle/>
-          <a:p>
-            <a:pPr>
-              <a:defRPr/>
-            </a:pPr>
-            <a:endParaRPr lang="en-US"/>
+            <a:r>
+              <a:rPr lang="en-CA" smtClean="0"/>
+              <a:t>Chef Software, Inc.</a:t>
+            </a:r>
+            <a:endParaRPr lang="en-US" dirty="0"/>
           </a:p>
         </p:txBody>
       </p:sp>
@@ -4304,12 +3766,12 @@
       </p:sp>
       <p:sp>
         <p:nvSpPr>
-          <p:cNvPr id="4" name="Slide Number Placeholder 3"/>
-          <p:cNvSpPr>
-            <a:spLocks noGrp="1"/>
-          </p:cNvSpPr>
-          <p:nvPr>
-            <p:ph type="sldNum" sz="quarter" idx="10"/>
+          <p:cNvPr id="5" name="Header Placeholder 4"/>
+          <p:cNvSpPr>
+            <a:spLocks noGrp="1"/>
+          </p:cNvSpPr>
+          <p:nvPr>
+            <p:ph type="hdr" sz="quarter" idx="11"/>
           </p:nvPr>
         </p:nvSpPr>
         <p:spPr/>
@@ -4320,25 +3782,22 @@
             <a:pPr>
               <a:defRPr/>
             </a:pPr>
-            <a:fld id="{DC3734AA-3150-D947-AC52-2F5DF48BFCD5}" type="slidenum">
+            <a:r>
               <a:rPr lang="en-US" smtClean="0"/>
-              <a:pPr>
-                <a:defRPr/>
-              </a:pPr>
-              <a:t>29</a:t>
-            </a:fld>
-            <a:endParaRPr lang="en-US" dirty="0"/>
-          </a:p>
-        </p:txBody>
-      </p:sp>
-      <p:sp>
-        <p:nvSpPr>
-          <p:cNvPr id="5" name="Header Placeholder 4"/>
-          <p:cNvSpPr>
-            <a:spLocks noGrp="1"/>
-          </p:cNvSpPr>
-          <p:nvPr>
-            <p:ph type="hdr" sz="quarter" idx="11"/>
+              <a:t>Test Driven Cookbook Development</a:t>
+            </a:r>
+            <a:endParaRPr lang="en-US"/>
+          </a:p>
+        </p:txBody>
+      </p:sp>
+      <p:sp>
+        <p:nvSpPr>
+          <p:cNvPr id="7" name="Date Placeholder 6"/>
+          <p:cNvSpPr>
+            <a:spLocks noGrp="1"/>
+          </p:cNvSpPr>
+          <p:nvPr>
+            <p:ph type="dt" idx="13"/>
           </p:nvPr>
         </p:nvSpPr>
         <p:spPr/>
@@ -4349,29 +3808,11 @@
             <a:pPr>
               <a:defRPr/>
             </a:pPr>
-            <a:endParaRPr lang="en-US"/>
-          </a:p>
-        </p:txBody>
-      </p:sp>
-      <p:sp>
-        <p:nvSpPr>
-          <p:cNvPr id="6" name="Footer Placeholder 5"/>
-          <p:cNvSpPr>
-            <a:spLocks noGrp="1"/>
-          </p:cNvSpPr>
-          <p:nvPr>
-            <p:ph type="ftr" sz="quarter" idx="12"/>
-          </p:nvPr>
-        </p:nvSpPr>
-        <p:spPr/>
-        <p:txBody>
-          <a:bodyPr/>
-          <a:lstStyle/>
-          <a:p>
-            <a:pPr>
-              <a:defRPr/>
-            </a:pPr>
-            <a:endParaRPr lang="en-US"/>
+            <a:r>
+              <a:rPr lang="en-CA" smtClean="0"/>
+              <a:t>Chef Software, Inc.</a:t>
+            </a:r>
+            <a:endParaRPr lang="en-US" dirty="0"/>
           </a:p>
         </p:txBody>
       </p:sp>
@@ -4501,12 +3942,12 @@
       </p:sp>
       <p:sp>
         <p:nvSpPr>
-          <p:cNvPr id="4" name="Slide Number Placeholder 3"/>
-          <p:cNvSpPr>
-            <a:spLocks noGrp="1"/>
-          </p:cNvSpPr>
-          <p:nvPr>
-            <p:ph type="sldNum" sz="quarter" idx="10"/>
+          <p:cNvPr id="5" name="Header Placeholder 4"/>
+          <p:cNvSpPr>
+            <a:spLocks noGrp="1"/>
+          </p:cNvSpPr>
+          <p:nvPr>
+            <p:ph type="hdr" sz="quarter" idx="11"/>
           </p:nvPr>
         </p:nvSpPr>
         <p:spPr/>
@@ -4517,25 +3958,22 @@
             <a:pPr>
               <a:defRPr/>
             </a:pPr>
-            <a:fld id="{DC3734AA-3150-D947-AC52-2F5DF48BFCD5}" type="slidenum">
+            <a:r>
               <a:rPr lang="en-US" smtClean="0"/>
-              <a:pPr>
-                <a:defRPr/>
-              </a:pPr>
-              <a:t>3</a:t>
-            </a:fld>
-            <a:endParaRPr lang="en-US" dirty="0"/>
-          </a:p>
-        </p:txBody>
-      </p:sp>
-      <p:sp>
-        <p:nvSpPr>
-          <p:cNvPr id="5" name="Header Placeholder 4"/>
-          <p:cNvSpPr>
-            <a:spLocks noGrp="1"/>
-          </p:cNvSpPr>
-          <p:nvPr>
-            <p:ph type="hdr" sz="quarter" idx="11"/>
+              <a:t>Test Driven Cookbook Development</a:t>
+            </a:r>
+            <a:endParaRPr lang="en-US"/>
+          </a:p>
+        </p:txBody>
+      </p:sp>
+      <p:sp>
+        <p:nvSpPr>
+          <p:cNvPr id="7" name="Date Placeholder 6"/>
+          <p:cNvSpPr>
+            <a:spLocks noGrp="1"/>
+          </p:cNvSpPr>
+          <p:nvPr>
+            <p:ph type="dt" idx="13"/>
           </p:nvPr>
         </p:nvSpPr>
         <p:spPr/>
@@ -4546,29 +3984,11 @@
             <a:pPr>
               <a:defRPr/>
             </a:pPr>
-            <a:endParaRPr lang="en-US"/>
-          </a:p>
-        </p:txBody>
-      </p:sp>
-      <p:sp>
-        <p:nvSpPr>
-          <p:cNvPr id="6" name="Footer Placeholder 5"/>
-          <p:cNvSpPr>
-            <a:spLocks noGrp="1"/>
-          </p:cNvSpPr>
-          <p:nvPr>
-            <p:ph type="ftr" sz="quarter" idx="12"/>
-          </p:nvPr>
-        </p:nvSpPr>
-        <p:spPr/>
-        <p:txBody>
-          <a:bodyPr/>
-          <a:lstStyle/>
-          <a:p>
-            <a:pPr>
-              <a:defRPr/>
-            </a:pPr>
-            <a:endParaRPr lang="en-US"/>
+            <a:r>
+              <a:rPr lang="en-CA" smtClean="0"/>
+              <a:t>Chef Software, Inc.</a:t>
+            </a:r>
+            <a:endParaRPr lang="en-US" dirty="0"/>
           </a:p>
         </p:txBody>
       </p:sp>
@@ -4659,12 +4079,12 @@
       </p:sp>
       <p:sp>
         <p:nvSpPr>
-          <p:cNvPr id="4" name="Slide Number Placeholder 3"/>
-          <p:cNvSpPr>
-            <a:spLocks noGrp="1"/>
-          </p:cNvSpPr>
-          <p:nvPr>
-            <p:ph type="sldNum" sz="quarter" idx="10"/>
+          <p:cNvPr id="5" name="Header Placeholder 4"/>
+          <p:cNvSpPr>
+            <a:spLocks noGrp="1"/>
+          </p:cNvSpPr>
+          <p:nvPr>
+            <p:ph type="hdr" sz="quarter" idx="11"/>
           </p:nvPr>
         </p:nvSpPr>
         <p:spPr/>
@@ -4675,25 +4095,22 @@
             <a:pPr>
               <a:defRPr/>
             </a:pPr>
-            <a:fld id="{DC3734AA-3150-D947-AC52-2F5DF48BFCD5}" type="slidenum">
+            <a:r>
               <a:rPr lang="en-US" smtClean="0"/>
-              <a:pPr>
-                <a:defRPr/>
-              </a:pPr>
-              <a:t>30</a:t>
-            </a:fld>
-            <a:endParaRPr lang="en-US" dirty="0"/>
-          </a:p>
-        </p:txBody>
-      </p:sp>
-      <p:sp>
-        <p:nvSpPr>
-          <p:cNvPr id="5" name="Header Placeholder 4"/>
-          <p:cNvSpPr>
-            <a:spLocks noGrp="1"/>
-          </p:cNvSpPr>
-          <p:nvPr>
-            <p:ph type="hdr" sz="quarter" idx="11"/>
+              <a:t>Test Driven Cookbook Development</a:t>
+            </a:r>
+            <a:endParaRPr lang="en-US"/>
+          </a:p>
+        </p:txBody>
+      </p:sp>
+      <p:sp>
+        <p:nvSpPr>
+          <p:cNvPr id="7" name="Date Placeholder 6"/>
+          <p:cNvSpPr>
+            <a:spLocks noGrp="1"/>
+          </p:cNvSpPr>
+          <p:nvPr>
+            <p:ph type="dt" idx="13"/>
           </p:nvPr>
         </p:nvSpPr>
         <p:spPr/>
@@ -4704,29 +4121,11 @@
             <a:pPr>
               <a:defRPr/>
             </a:pPr>
-            <a:endParaRPr lang="en-US"/>
-          </a:p>
-        </p:txBody>
-      </p:sp>
-      <p:sp>
-        <p:nvSpPr>
-          <p:cNvPr id="6" name="Footer Placeholder 5"/>
-          <p:cNvSpPr>
-            <a:spLocks noGrp="1"/>
-          </p:cNvSpPr>
-          <p:nvPr>
-            <p:ph type="ftr" sz="quarter" idx="12"/>
-          </p:nvPr>
-        </p:nvSpPr>
-        <p:spPr/>
-        <p:txBody>
-          <a:bodyPr/>
-          <a:lstStyle/>
-          <a:p>
-            <a:pPr>
-              <a:defRPr/>
-            </a:pPr>
-            <a:endParaRPr lang="en-US"/>
+            <a:r>
+              <a:rPr lang="en-CA" smtClean="0"/>
+              <a:t>Chef Software, Inc.</a:t>
+            </a:r>
+            <a:endParaRPr lang="en-US" dirty="0"/>
           </a:p>
         </p:txBody>
       </p:sp>
@@ -4797,12 +4196,12 @@
       </p:sp>
       <p:sp>
         <p:nvSpPr>
-          <p:cNvPr id="4" name="Slide Number Placeholder 3"/>
-          <p:cNvSpPr>
-            <a:spLocks noGrp="1"/>
-          </p:cNvSpPr>
-          <p:nvPr>
-            <p:ph type="sldNum" sz="quarter" idx="10"/>
+          <p:cNvPr id="5" name="Header Placeholder 4"/>
+          <p:cNvSpPr>
+            <a:spLocks noGrp="1"/>
+          </p:cNvSpPr>
+          <p:nvPr>
+            <p:ph type="hdr" sz="quarter" idx="11"/>
           </p:nvPr>
         </p:nvSpPr>
         <p:spPr/>
@@ -4813,25 +4212,22 @@
             <a:pPr>
               <a:defRPr/>
             </a:pPr>
-            <a:fld id="{DC3734AA-3150-D947-AC52-2F5DF48BFCD5}" type="slidenum">
+            <a:r>
               <a:rPr lang="en-US" smtClean="0"/>
-              <a:pPr>
-                <a:defRPr/>
-              </a:pPr>
-              <a:t>31</a:t>
-            </a:fld>
-            <a:endParaRPr lang="en-US" dirty="0"/>
-          </a:p>
-        </p:txBody>
-      </p:sp>
-      <p:sp>
-        <p:nvSpPr>
-          <p:cNvPr id="5" name="Header Placeholder 4"/>
-          <p:cNvSpPr>
-            <a:spLocks noGrp="1"/>
-          </p:cNvSpPr>
-          <p:nvPr>
-            <p:ph type="hdr" sz="quarter" idx="11"/>
+              <a:t>Test Driven Cookbook Development</a:t>
+            </a:r>
+            <a:endParaRPr lang="en-US"/>
+          </a:p>
+        </p:txBody>
+      </p:sp>
+      <p:sp>
+        <p:nvSpPr>
+          <p:cNvPr id="7" name="Date Placeholder 6"/>
+          <p:cNvSpPr>
+            <a:spLocks noGrp="1"/>
+          </p:cNvSpPr>
+          <p:nvPr>
+            <p:ph type="dt" idx="13"/>
           </p:nvPr>
         </p:nvSpPr>
         <p:spPr/>
@@ -4842,29 +4238,11 @@
             <a:pPr>
               <a:defRPr/>
             </a:pPr>
-            <a:endParaRPr lang="en-US"/>
-          </a:p>
-        </p:txBody>
-      </p:sp>
-      <p:sp>
-        <p:nvSpPr>
-          <p:cNvPr id="6" name="Footer Placeholder 5"/>
-          <p:cNvSpPr>
-            <a:spLocks noGrp="1"/>
-          </p:cNvSpPr>
-          <p:nvPr>
-            <p:ph type="ftr" sz="quarter" idx="12"/>
-          </p:nvPr>
-        </p:nvSpPr>
-        <p:spPr/>
-        <p:txBody>
-          <a:bodyPr/>
-          <a:lstStyle/>
-          <a:p>
-            <a:pPr>
-              <a:defRPr/>
-            </a:pPr>
-            <a:endParaRPr lang="en-US"/>
+            <a:r>
+              <a:rPr lang="en-CA" smtClean="0"/>
+              <a:t>Chef Software, Inc.</a:t>
+            </a:r>
+            <a:endParaRPr lang="en-US" dirty="0"/>
           </a:p>
         </p:txBody>
       </p:sp>
@@ -4944,12 +4322,12 @@
       </p:sp>
       <p:sp>
         <p:nvSpPr>
-          <p:cNvPr id="4" name="Slide Number Placeholder 3"/>
-          <p:cNvSpPr>
-            <a:spLocks noGrp="1"/>
-          </p:cNvSpPr>
-          <p:nvPr>
-            <p:ph type="sldNum" sz="quarter" idx="10"/>
+          <p:cNvPr id="5" name="Header Placeholder 4"/>
+          <p:cNvSpPr>
+            <a:spLocks noGrp="1"/>
+          </p:cNvSpPr>
+          <p:nvPr>
+            <p:ph type="hdr" sz="quarter" idx="11"/>
           </p:nvPr>
         </p:nvSpPr>
         <p:spPr/>
@@ -4960,25 +4338,22 @@
             <a:pPr>
               <a:defRPr/>
             </a:pPr>
-            <a:fld id="{DC3734AA-3150-D947-AC52-2F5DF48BFCD5}" type="slidenum">
+            <a:r>
               <a:rPr lang="en-US" smtClean="0"/>
-              <a:pPr>
-                <a:defRPr/>
-              </a:pPr>
-              <a:t>32</a:t>
-            </a:fld>
-            <a:endParaRPr lang="en-US" dirty="0"/>
-          </a:p>
-        </p:txBody>
-      </p:sp>
-      <p:sp>
-        <p:nvSpPr>
-          <p:cNvPr id="5" name="Header Placeholder 4"/>
-          <p:cNvSpPr>
-            <a:spLocks noGrp="1"/>
-          </p:cNvSpPr>
-          <p:nvPr>
-            <p:ph type="hdr" sz="quarter" idx="11"/>
+              <a:t>Test Driven Cookbook Development</a:t>
+            </a:r>
+            <a:endParaRPr lang="en-US"/>
+          </a:p>
+        </p:txBody>
+      </p:sp>
+      <p:sp>
+        <p:nvSpPr>
+          <p:cNvPr id="7" name="Date Placeholder 6"/>
+          <p:cNvSpPr>
+            <a:spLocks noGrp="1"/>
+          </p:cNvSpPr>
+          <p:nvPr>
+            <p:ph type="dt" idx="13"/>
           </p:nvPr>
         </p:nvSpPr>
         <p:spPr/>
@@ -4989,29 +4364,11 @@
             <a:pPr>
               <a:defRPr/>
             </a:pPr>
-            <a:endParaRPr lang="en-US"/>
-          </a:p>
-        </p:txBody>
-      </p:sp>
-      <p:sp>
-        <p:nvSpPr>
-          <p:cNvPr id="6" name="Footer Placeholder 5"/>
-          <p:cNvSpPr>
-            <a:spLocks noGrp="1"/>
-          </p:cNvSpPr>
-          <p:nvPr>
-            <p:ph type="ftr" sz="quarter" idx="12"/>
-          </p:nvPr>
-        </p:nvSpPr>
-        <p:spPr/>
-        <p:txBody>
-          <a:bodyPr/>
-          <a:lstStyle/>
-          <a:p>
-            <a:pPr>
-              <a:defRPr/>
-            </a:pPr>
-            <a:endParaRPr lang="en-US"/>
+            <a:r>
+              <a:rPr lang="en-CA" smtClean="0"/>
+              <a:t>Chef Software, Inc.</a:t>
+            </a:r>
+            <a:endParaRPr lang="en-US" dirty="0"/>
           </a:p>
         </p:txBody>
       </p:sp>
@@ -5093,12 +4450,12 @@
       </p:sp>
       <p:sp>
         <p:nvSpPr>
-          <p:cNvPr id="4" name="Slide Number Placeholder 3"/>
-          <p:cNvSpPr>
-            <a:spLocks noGrp="1"/>
-          </p:cNvSpPr>
-          <p:nvPr>
-            <p:ph type="sldNum" sz="quarter" idx="10"/>
+          <p:cNvPr id="5" name="Header Placeholder 4"/>
+          <p:cNvSpPr>
+            <a:spLocks noGrp="1"/>
+          </p:cNvSpPr>
+          <p:nvPr>
+            <p:ph type="hdr" sz="quarter" idx="11"/>
           </p:nvPr>
         </p:nvSpPr>
         <p:spPr/>
@@ -5109,25 +4466,22 @@
             <a:pPr>
               <a:defRPr/>
             </a:pPr>
-            <a:fld id="{DC3734AA-3150-D947-AC52-2F5DF48BFCD5}" type="slidenum">
+            <a:r>
               <a:rPr lang="en-US" smtClean="0"/>
-              <a:pPr>
-                <a:defRPr/>
-              </a:pPr>
-              <a:t>33</a:t>
-            </a:fld>
-            <a:endParaRPr lang="en-US" dirty="0"/>
-          </a:p>
-        </p:txBody>
-      </p:sp>
-      <p:sp>
-        <p:nvSpPr>
-          <p:cNvPr id="5" name="Header Placeholder 4"/>
-          <p:cNvSpPr>
-            <a:spLocks noGrp="1"/>
-          </p:cNvSpPr>
-          <p:nvPr>
-            <p:ph type="hdr" sz="quarter" idx="11"/>
+              <a:t>Test Driven Cookbook Development</a:t>
+            </a:r>
+            <a:endParaRPr lang="en-US"/>
+          </a:p>
+        </p:txBody>
+      </p:sp>
+      <p:sp>
+        <p:nvSpPr>
+          <p:cNvPr id="7" name="Date Placeholder 6"/>
+          <p:cNvSpPr>
+            <a:spLocks noGrp="1"/>
+          </p:cNvSpPr>
+          <p:nvPr>
+            <p:ph type="dt" idx="13"/>
           </p:nvPr>
         </p:nvSpPr>
         <p:spPr/>
@@ -5138,29 +4492,11 @@
             <a:pPr>
               <a:defRPr/>
             </a:pPr>
-            <a:endParaRPr lang="en-US"/>
-          </a:p>
-        </p:txBody>
-      </p:sp>
-      <p:sp>
-        <p:nvSpPr>
-          <p:cNvPr id="6" name="Footer Placeholder 5"/>
-          <p:cNvSpPr>
-            <a:spLocks noGrp="1"/>
-          </p:cNvSpPr>
-          <p:nvPr>
-            <p:ph type="ftr" sz="quarter" idx="12"/>
-          </p:nvPr>
-        </p:nvSpPr>
-        <p:spPr/>
-        <p:txBody>
-          <a:bodyPr/>
-          <a:lstStyle/>
-          <a:p>
-            <a:pPr>
-              <a:defRPr/>
-            </a:pPr>
-            <a:endParaRPr lang="en-US"/>
+            <a:r>
+              <a:rPr lang="en-CA" smtClean="0"/>
+              <a:t>Chef Software, Inc.</a:t>
+            </a:r>
+            <a:endParaRPr lang="en-US" dirty="0"/>
           </a:p>
         </p:txBody>
       </p:sp>
@@ -5235,12 +4571,12 @@
       </p:sp>
       <p:sp>
         <p:nvSpPr>
-          <p:cNvPr id="4" name="Slide Number Placeholder 3"/>
-          <p:cNvSpPr>
-            <a:spLocks noGrp="1"/>
-          </p:cNvSpPr>
-          <p:nvPr>
-            <p:ph type="sldNum" sz="quarter" idx="10"/>
+          <p:cNvPr id="5" name="Header Placeholder 4"/>
+          <p:cNvSpPr>
+            <a:spLocks noGrp="1"/>
+          </p:cNvSpPr>
+          <p:nvPr>
+            <p:ph type="hdr" sz="quarter" idx="11"/>
           </p:nvPr>
         </p:nvSpPr>
         <p:spPr/>
@@ -5251,25 +4587,22 @@
             <a:pPr>
               <a:defRPr/>
             </a:pPr>
-            <a:fld id="{DC3734AA-3150-D947-AC52-2F5DF48BFCD5}" type="slidenum">
+            <a:r>
               <a:rPr lang="en-US" smtClean="0"/>
-              <a:pPr>
-                <a:defRPr/>
-              </a:pPr>
-              <a:t>34</a:t>
-            </a:fld>
-            <a:endParaRPr lang="en-US" dirty="0"/>
-          </a:p>
-        </p:txBody>
-      </p:sp>
-      <p:sp>
-        <p:nvSpPr>
-          <p:cNvPr id="5" name="Header Placeholder 4"/>
-          <p:cNvSpPr>
-            <a:spLocks noGrp="1"/>
-          </p:cNvSpPr>
-          <p:nvPr>
-            <p:ph type="hdr" sz="quarter" idx="11"/>
+              <a:t>Test Driven Cookbook Development</a:t>
+            </a:r>
+            <a:endParaRPr lang="en-US"/>
+          </a:p>
+        </p:txBody>
+      </p:sp>
+      <p:sp>
+        <p:nvSpPr>
+          <p:cNvPr id="7" name="Date Placeholder 6"/>
+          <p:cNvSpPr>
+            <a:spLocks noGrp="1"/>
+          </p:cNvSpPr>
+          <p:nvPr>
+            <p:ph type="dt" idx="13"/>
           </p:nvPr>
         </p:nvSpPr>
         <p:spPr/>
@@ -5280,29 +4613,11 @@
             <a:pPr>
               <a:defRPr/>
             </a:pPr>
-            <a:endParaRPr lang="en-US"/>
-          </a:p>
-        </p:txBody>
-      </p:sp>
-      <p:sp>
-        <p:nvSpPr>
-          <p:cNvPr id="6" name="Footer Placeholder 5"/>
-          <p:cNvSpPr>
-            <a:spLocks noGrp="1"/>
-          </p:cNvSpPr>
-          <p:nvPr>
-            <p:ph type="ftr" sz="quarter" idx="12"/>
-          </p:nvPr>
-        </p:nvSpPr>
-        <p:spPr/>
-        <p:txBody>
-          <a:bodyPr/>
-          <a:lstStyle/>
-          <a:p>
-            <a:pPr>
-              <a:defRPr/>
-            </a:pPr>
-            <a:endParaRPr lang="en-US"/>
+            <a:r>
+              <a:rPr lang="en-CA" smtClean="0"/>
+              <a:t>Chef Software, Inc.</a:t>
+            </a:r>
+            <a:endParaRPr lang="en-US" dirty="0"/>
           </a:p>
         </p:txBody>
       </p:sp>
@@ -5377,12 +4692,12 @@
       </p:sp>
       <p:sp>
         <p:nvSpPr>
-          <p:cNvPr id="4" name="Slide Number Placeholder 3"/>
-          <p:cNvSpPr>
-            <a:spLocks noGrp="1"/>
-          </p:cNvSpPr>
-          <p:nvPr>
-            <p:ph type="sldNum" sz="quarter" idx="10"/>
+          <p:cNvPr id="5" name="Header Placeholder 4"/>
+          <p:cNvSpPr>
+            <a:spLocks noGrp="1"/>
+          </p:cNvSpPr>
+          <p:nvPr>
+            <p:ph type="hdr" sz="quarter" idx="11"/>
           </p:nvPr>
         </p:nvSpPr>
         <p:spPr/>
@@ -5393,25 +4708,22 @@
             <a:pPr>
               <a:defRPr/>
             </a:pPr>
-            <a:fld id="{DC3734AA-3150-D947-AC52-2F5DF48BFCD5}" type="slidenum">
+            <a:r>
               <a:rPr lang="en-US" smtClean="0"/>
-              <a:pPr>
-                <a:defRPr/>
-              </a:pPr>
-              <a:t>35</a:t>
-            </a:fld>
-            <a:endParaRPr lang="en-US" dirty="0"/>
-          </a:p>
-        </p:txBody>
-      </p:sp>
-      <p:sp>
-        <p:nvSpPr>
-          <p:cNvPr id="5" name="Header Placeholder 4"/>
-          <p:cNvSpPr>
-            <a:spLocks noGrp="1"/>
-          </p:cNvSpPr>
-          <p:nvPr>
-            <p:ph type="hdr" sz="quarter" idx="11"/>
+              <a:t>Test Driven Cookbook Development</a:t>
+            </a:r>
+            <a:endParaRPr lang="en-US"/>
+          </a:p>
+        </p:txBody>
+      </p:sp>
+      <p:sp>
+        <p:nvSpPr>
+          <p:cNvPr id="7" name="Date Placeholder 6"/>
+          <p:cNvSpPr>
+            <a:spLocks noGrp="1"/>
+          </p:cNvSpPr>
+          <p:nvPr>
+            <p:ph type="dt" idx="13"/>
           </p:nvPr>
         </p:nvSpPr>
         <p:spPr/>
@@ -5422,29 +4734,11 @@
             <a:pPr>
               <a:defRPr/>
             </a:pPr>
-            <a:endParaRPr lang="en-US"/>
-          </a:p>
-        </p:txBody>
-      </p:sp>
-      <p:sp>
-        <p:nvSpPr>
-          <p:cNvPr id="6" name="Footer Placeholder 5"/>
-          <p:cNvSpPr>
-            <a:spLocks noGrp="1"/>
-          </p:cNvSpPr>
-          <p:nvPr>
-            <p:ph type="ftr" sz="quarter" idx="12"/>
-          </p:nvPr>
-        </p:nvSpPr>
-        <p:spPr/>
-        <p:txBody>
-          <a:bodyPr/>
-          <a:lstStyle/>
-          <a:p>
-            <a:pPr>
-              <a:defRPr/>
-            </a:pPr>
-            <a:endParaRPr lang="en-US"/>
+            <a:r>
+              <a:rPr lang="en-CA" smtClean="0"/>
+              <a:t>Chef Software, Inc.</a:t>
+            </a:r>
+            <a:endParaRPr lang="en-US" dirty="0"/>
           </a:p>
         </p:txBody>
       </p:sp>
@@ -5536,12 +4830,12 @@
       </p:sp>
       <p:sp>
         <p:nvSpPr>
-          <p:cNvPr id="4" name="Slide Number Placeholder 3"/>
-          <p:cNvSpPr>
-            <a:spLocks noGrp="1"/>
-          </p:cNvSpPr>
-          <p:nvPr>
-            <p:ph type="sldNum" sz="quarter" idx="10"/>
+          <p:cNvPr id="5" name="Header Placeholder 4"/>
+          <p:cNvSpPr>
+            <a:spLocks noGrp="1"/>
+          </p:cNvSpPr>
+          <p:nvPr>
+            <p:ph type="hdr" sz="quarter" idx="11"/>
           </p:nvPr>
         </p:nvSpPr>
         <p:spPr/>
@@ -5552,25 +4846,22 @@
             <a:pPr>
               <a:defRPr/>
             </a:pPr>
-            <a:fld id="{DC3734AA-3150-D947-AC52-2F5DF48BFCD5}" type="slidenum">
+            <a:r>
               <a:rPr lang="en-US" smtClean="0"/>
-              <a:pPr>
-                <a:defRPr/>
-              </a:pPr>
-              <a:t>36</a:t>
-            </a:fld>
-            <a:endParaRPr lang="en-US" dirty="0"/>
-          </a:p>
-        </p:txBody>
-      </p:sp>
-      <p:sp>
-        <p:nvSpPr>
-          <p:cNvPr id="5" name="Header Placeholder 4"/>
-          <p:cNvSpPr>
-            <a:spLocks noGrp="1"/>
-          </p:cNvSpPr>
-          <p:nvPr>
-            <p:ph type="hdr" sz="quarter" idx="11"/>
+              <a:t>Test Driven Cookbook Development</a:t>
+            </a:r>
+            <a:endParaRPr lang="en-US"/>
+          </a:p>
+        </p:txBody>
+      </p:sp>
+      <p:sp>
+        <p:nvSpPr>
+          <p:cNvPr id="7" name="Date Placeholder 6"/>
+          <p:cNvSpPr>
+            <a:spLocks noGrp="1"/>
+          </p:cNvSpPr>
+          <p:nvPr>
+            <p:ph type="dt" idx="13"/>
           </p:nvPr>
         </p:nvSpPr>
         <p:spPr/>
@@ -5581,29 +4872,11 @@
             <a:pPr>
               <a:defRPr/>
             </a:pPr>
-            <a:endParaRPr lang="en-US"/>
-          </a:p>
-        </p:txBody>
-      </p:sp>
-      <p:sp>
-        <p:nvSpPr>
-          <p:cNvPr id="6" name="Footer Placeholder 5"/>
-          <p:cNvSpPr>
-            <a:spLocks noGrp="1"/>
-          </p:cNvSpPr>
-          <p:nvPr>
-            <p:ph type="ftr" sz="quarter" idx="12"/>
-          </p:nvPr>
-        </p:nvSpPr>
-        <p:spPr/>
-        <p:txBody>
-          <a:bodyPr/>
-          <a:lstStyle/>
-          <a:p>
-            <a:pPr>
-              <a:defRPr/>
-            </a:pPr>
-            <a:endParaRPr lang="en-US"/>
+            <a:r>
+              <a:rPr lang="en-CA" smtClean="0"/>
+              <a:t>Chef Software, Inc.</a:t>
+            </a:r>
+            <a:endParaRPr lang="en-US" dirty="0"/>
           </a:p>
         </p:txBody>
       </p:sp>
@@ -5706,12 +4979,12 @@
       </p:sp>
       <p:sp>
         <p:nvSpPr>
-          <p:cNvPr id="4" name="Slide Number Placeholder 3"/>
-          <p:cNvSpPr>
-            <a:spLocks noGrp="1"/>
-          </p:cNvSpPr>
-          <p:nvPr>
-            <p:ph type="sldNum" sz="quarter" idx="10"/>
+          <p:cNvPr id="5" name="Header Placeholder 4"/>
+          <p:cNvSpPr>
+            <a:spLocks noGrp="1"/>
+          </p:cNvSpPr>
+          <p:nvPr>
+            <p:ph type="hdr" sz="quarter" idx="11"/>
           </p:nvPr>
         </p:nvSpPr>
         <p:spPr/>
@@ -5722,25 +4995,22 @@
             <a:pPr>
               <a:defRPr/>
             </a:pPr>
-            <a:fld id="{DC3734AA-3150-D947-AC52-2F5DF48BFCD5}" type="slidenum">
+            <a:r>
               <a:rPr lang="en-US" smtClean="0"/>
-              <a:pPr>
-                <a:defRPr/>
-              </a:pPr>
-              <a:t>37</a:t>
-            </a:fld>
-            <a:endParaRPr lang="en-US" dirty="0"/>
-          </a:p>
-        </p:txBody>
-      </p:sp>
-      <p:sp>
-        <p:nvSpPr>
-          <p:cNvPr id="5" name="Header Placeholder 4"/>
-          <p:cNvSpPr>
-            <a:spLocks noGrp="1"/>
-          </p:cNvSpPr>
-          <p:nvPr>
-            <p:ph type="hdr" sz="quarter" idx="11"/>
+              <a:t>Test Driven Cookbook Development</a:t>
+            </a:r>
+            <a:endParaRPr lang="en-US"/>
+          </a:p>
+        </p:txBody>
+      </p:sp>
+      <p:sp>
+        <p:nvSpPr>
+          <p:cNvPr id="7" name="Date Placeholder 6"/>
+          <p:cNvSpPr>
+            <a:spLocks noGrp="1"/>
+          </p:cNvSpPr>
+          <p:nvPr>
+            <p:ph type="dt" idx="13"/>
           </p:nvPr>
         </p:nvSpPr>
         <p:spPr/>
@@ -5751,29 +5021,11 @@
             <a:pPr>
               <a:defRPr/>
             </a:pPr>
-            <a:endParaRPr lang="en-US"/>
-          </a:p>
-        </p:txBody>
-      </p:sp>
-      <p:sp>
-        <p:nvSpPr>
-          <p:cNvPr id="6" name="Footer Placeholder 5"/>
-          <p:cNvSpPr>
-            <a:spLocks noGrp="1"/>
-          </p:cNvSpPr>
-          <p:nvPr>
-            <p:ph type="ftr" sz="quarter" idx="12"/>
-          </p:nvPr>
-        </p:nvSpPr>
-        <p:spPr/>
-        <p:txBody>
-          <a:bodyPr/>
-          <a:lstStyle/>
-          <a:p>
-            <a:pPr>
-              <a:defRPr/>
-            </a:pPr>
-            <a:endParaRPr lang="en-US"/>
+            <a:r>
+              <a:rPr lang="en-CA" smtClean="0"/>
+              <a:t>Chef Software, Inc.</a:t>
+            </a:r>
+            <a:endParaRPr lang="en-US" dirty="0"/>
           </a:p>
         </p:txBody>
       </p:sp>
@@ -5894,12 +5146,12 @@
       </p:sp>
       <p:sp>
         <p:nvSpPr>
-          <p:cNvPr id="4" name="Slide Number Placeholder 3"/>
-          <p:cNvSpPr>
-            <a:spLocks noGrp="1"/>
-          </p:cNvSpPr>
-          <p:nvPr>
-            <p:ph type="sldNum" sz="quarter" idx="10"/>
+          <p:cNvPr id="5" name="Header Placeholder 4"/>
+          <p:cNvSpPr>
+            <a:spLocks noGrp="1"/>
+          </p:cNvSpPr>
+          <p:nvPr>
+            <p:ph type="hdr" sz="quarter" idx="11"/>
           </p:nvPr>
         </p:nvSpPr>
         <p:spPr/>
@@ -5910,25 +5162,22 @@
             <a:pPr>
               <a:defRPr/>
             </a:pPr>
-            <a:fld id="{DC3734AA-3150-D947-AC52-2F5DF48BFCD5}" type="slidenum">
+            <a:r>
               <a:rPr lang="en-US" smtClean="0"/>
-              <a:pPr>
-                <a:defRPr/>
-              </a:pPr>
-              <a:t>38</a:t>
-            </a:fld>
-            <a:endParaRPr lang="en-US" dirty="0"/>
-          </a:p>
-        </p:txBody>
-      </p:sp>
-      <p:sp>
-        <p:nvSpPr>
-          <p:cNvPr id="5" name="Header Placeholder 4"/>
-          <p:cNvSpPr>
-            <a:spLocks noGrp="1"/>
-          </p:cNvSpPr>
-          <p:nvPr>
-            <p:ph type="hdr" sz="quarter" idx="11"/>
+              <a:t>Test Driven Cookbook Development</a:t>
+            </a:r>
+            <a:endParaRPr lang="en-US"/>
+          </a:p>
+        </p:txBody>
+      </p:sp>
+      <p:sp>
+        <p:nvSpPr>
+          <p:cNvPr id="7" name="Date Placeholder 6"/>
+          <p:cNvSpPr>
+            <a:spLocks noGrp="1"/>
+          </p:cNvSpPr>
+          <p:nvPr>
+            <p:ph type="dt" idx="13"/>
           </p:nvPr>
         </p:nvSpPr>
         <p:spPr/>
@@ -5939,29 +5188,11 @@
             <a:pPr>
               <a:defRPr/>
             </a:pPr>
-            <a:endParaRPr lang="en-US"/>
-          </a:p>
-        </p:txBody>
-      </p:sp>
-      <p:sp>
-        <p:nvSpPr>
-          <p:cNvPr id="6" name="Footer Placeholder 5"/>
-          <p:cNvSpPr>
-            <a:spLocks noGrp="1"/>
-          </p:cNvSpPr>
-          <p:nvPr>
-            <p:ph type="ftr" sz="quarter" idx="12"/>
-          </p:nvPr>
-        </p:nvSpPr>
-        <p:spPr/>
-        <p:txBody>
-          <a:bodyPr/>
-          <a:lstStyle/>
-          <a:p>
-            <a:pPr>
-              <a:defRPr/>
-            </a:pPr>
-            <a:endParaRPr lang="en-US"/>
+            <a:r>
+              <a:rPr lang="en-CA" smtClean="0"/>
+              <a:t>Chef Software, Inc.</a:t>
+            </a:r>
+            <a:endParaRPr lang="en-US" dirty="0"/>
           </a:p>
         </p:txBody>
       </p:sp>
@@ -6106,12 +5337,12 @@
       </p:sp>
       <p:sp>
         <p:nvSpPr>
-          <p:cNvPr id="4" name="Slide Number Placeholder 3"/>
-          <p:cNvSpPr>
-            <a:spLocks noGrp="1"/>
-          </p:cNvSpPr>
-          <p:nvPr>
-            <p:ph type="sldNum" sz="quarter" idx="10"/>
+          <p:cNvPr id="5" name="Header Placeholder 4"/>
+          <p:cNvSpPr>
+            <a:spLocks noGrp="1"/>
+          </p:cNvSpPr>
+          <p:nvPr>
+            <p:ph type="hdr" sz="quarter" idx="11"/>
           </p:nvPr>
         </p:nvSpPr>
         <p:spPr/>
@@ -6122,25 +5353,22 @@
             <a:pPr>
               <a:defRPr/>
             </a:pPr>
-            <a:fld id="{DC3734AA-3150-D947-AC52-2F5DF48BFCD5}" type="slidenum">
+            <a:r>
               <a:rPr lang="en-US" smtClean="0"/>
-              <a:pPr>
-                <a:defRPr/>
-              </a:pPr>
-              <a:t>39</a:t>
-            </a:fld>
-            <a:endParaRPr lang="en-US" dirty="0"/>
-          </a:p>
-        </p:txBody>
-      </p:sp>
-      <p:sp>
-        <p:nvSpPr>
-          <p:cNvPr id="5" name="Header Placeholder 4"/>
-          <p:cNvSpPr>
-            <a:spLocks noGrp="1"/>
-          </p:cNvSpPr>
-          <p:nvPr>
-            <p:ph type="hdr" sz="quarter" idx="11"/>
+              <a:t>Test Driven Cookbook Development</a:t>
+            </a:r>
+            <a:endParaRPr lang="en-US"/>
+          </a:p>
+        </p:txBody>
+      </p:sp>
+      <p:sp>
+        <p:nvSpPr>
+          <p:cNvPr id="7" name="Date Placeholder 6"/>
+          <p:cNvSpPr>
+            <a:spLocks noGrp="1"/>
+          </p:cNvSpPr>
+          <p:nvPr>
+            <p:ph type="dt" idx="13"/>
           </p:nvPr>
         </p:nvSpPr>
         <p:spPr/>
@@ -6151,29 +5379,11 @@
             <a:pPr>
               <a:defRPr/>
             </a:pPr>
-            <a:endParaRPr lang="en-US"/>
-          </a:p>
-        </p:txBody>
-      </p:sp>
-      <p:sp>
-        <p:nvSpPr>
-          <p:cNvPr id="6" name="Footer Placeholder 5"/>
-          <p:cNvSpPr>
-            <a:spLocks noGrp="1"/>
-          </p:cNvSpPr>
-          <p:nvPr>
-            <p:ph type="ftr" sz="quarter" idx="12"/>
-          </p:nvPr>
-        </p:nvSpPr>
-        <p:spPr/>
-        <p:txBody>
-          <a:bodyPr/>
-          <a:lstStyle/>
-          <a:p>
-            <a:pPr>
-              <a:defRPr/>
-            </a:pPr>
-            <a:endParaRPr lang="en-US"/>
+            <a:r>
+              <a:rPr lang="en-CA" smtClean="0"/>
+              <a:t>Chef Software, Inc.</a:t>
+            </a:r>
+            <a:endParaRPr lang="en-US" dirty="0"/>
           </a:p>
         </p:txBody>
       </p:sp>
@@ -6253,12 +5463,12 @@
       </p:sp>
       <p:sp>
         <p:nvSpPr>
-          <p:cNvPr id="4" name="Slide Number Placeholder 3"/>
-          <p:cNvSpPr>
-            <a:spLocks noGrp="1"/>
-          </p:cNvSpPr>
-          <p:nvPr>
-            <p:ph type="sldNum" sz="quarter" idx="10"/>
+          <p:cNvPr id="5" name="Header Placeholder 4"/>
+          <p:cNvSpPr>
+            <a:spLocks noGrp="1"/>
+          </p:cNvSpPr>
+          <p:nvPr>
+            <p:ph type="hdr" sz="quarter" idx="11"/>
           </p:nvPr>
         </p:nvSpPr>
         <p:spPr/>
@@ -6269,25 +5479,22 @@
             <a:pPr>
               <a:defRPr/>
             </a:pPr>
-            <a:fld id="{DC3734AA-3150-D947-AC52-2F5DF48BFCD5}" type="slidenum">
+            <a:r>
               <a:rPr lang="en-US" smtClean="0"/>
-              <a:pPr>
-                <a:defRPr/>
-              </a:pPr>
-              <a:t>4</a:t>
-            </a:fld>
-            <a:endParaRPr lang="en-US" dirty="0"/>
-          </a:p>
-        </p:txBody>
-      </p:sp>
-      <p:sp>
-        <p:nvSpPr>
-          <p:cNvPr id="5" name="Header Placeholder 4"/>
-          <p:cNvSpPr>
-            <a:spLocks noGrp="1"/>
-          </p:cNvSpPr>
-          <p:nvPr>
-            <p:ph type="hdr" sz="quarter" idx="11"/>
+              <a:t>Test Driven Cookbook Development</a:t>
+            </a:r>
+            <a:endParaRPr lang="en-US"/>
+          </a:p>
+        </p:txBody>
+      </p:sp>
+      <p:sp>
+        <p:nvSpPr>
+          <p:cNvPr id="7" name="Date Placeholder 6"/>
+          <p:cNvSpPr>
+            <a:spLocks noGrp="1"/>
+          </p:cNvSpPr>
+          <p:nvPr>
+            <p:ph type="dt" idx="13"/>
           </p:nvPr>
         </p:nvSpPr>
         <p:spPr/>
@@ -6298,29 +5505,11 @@
             <a:pPr>
               <a:defRPr/>
             </a:pPr>
-            <a:endParaRPr lang="en-US"/>
-          </a:p>
-        </p:txBody>
-      </p:sp>
-      <p:sp>
-        <p:nvSpPr>
-          <p:cNvPr id="6" name="Footer Placeholder 5"/>
-          <p:cNvSpPr>
-            <a:spLocks noGrp="1"/>
-          </p:cNvSpPr>
-          <p:nvPr>
-            <p:ph type="ftr" sz="quarter" idx="12"/>
-          </p:nvPr>
-        </p:nvSpPr>
-        <p:spPr/>
-        <p:txBody>
-          <a:bodyPr/>
-          <a:lstStyle/>
-          <a:p>
-            <a:pPr>
-              <a:defRPr/>
-            </a:pPr>
-            <a:endParaRPr lang="en-US"/>
+            <a:r>
+              <a:rPr lang="en-CA" smtClean="0"/>
+              <a:t>Chef Software, Inc.</a:t>
+            </a:r>
+            <a:endParaRPr lang="en-US" dirty="0"/>
           </a:p>
         </p:txBody>
       </p:sp>
@@ -6452,12 +5641,12 @@
       </p:sp>
       <p:sp>
         <p:nvSpPr>
-          <p:cNvPr id="4" name="Slide Number Placeholder 3"/>
-          <p:cNvSpPr>
-            <a:spLocks noGrp="1"/>
-          </p:cNvSpPr>
-          <p:nvPr>
-            <p:ph type="sldNum" sz="quarter" idx="10"/>
+          <p:cNvPr id="5" name="Header Placeholder 4"/>
+          <p:cNvSpPr>
+            <a:spLocks noGrp="1"/>
+          </p:cNvSpPr>
+          <p:nvPr>
+            <p:ph type="hdr" sz="quarter" idx="11"/>
           </p:nvPr>
         </p:nvSpPr>
         <p:spPr/>
@@ -6468,25 +5657,22 @@
             <a:pPr>
               <a:defRPr/>
             </a:pPr>
-            <a:fld id="{DC3734AA-3150-D947-AC52-2F5DF48BFCD5}" type="slidenum">
+            <a:r>
               <a:rPr lang="en-US" smtClean="0"/>
-              <a:pPr>
-                <a:defRPr/>
-              </a:pPr>
-              <a:t>40</a:t>
-            </a:fld>
-            <a:endParaRPr lang="en-US" dirty="0"/>
-          </a:p>
-        </p:txBody>
-      </p:sp>
-      <p:sp>
-        <p:nvSpPr>
-          <p:cNvPr id="5" name="Header Placeholder 4"/>
-          <p:cNvSpPr>
-            <a:spLocks noGrp="1"/>
-          </p:cNvSpPr>
-          <p:nvPr>
-            <p:ph type="hdr" sz="quarter" idx="11"/>
+              <a:t>Test Driven Cookbook Development</a:t>
+            </a:r>
+            <a:endParaRPr lang="en-US"/>
+          </a:p>
+        </p:txBody>
+      </p:sp>
+      <p:sp>
+        <p:nvSpPr>
+          <p:cNvPr id="7" name="Date Placeholder 6"/>
+          <p:cNvSpPr>
+            <a:spLocks noGrp="1"/>
+          </p:cNvSpPr>
+          <p:nvPr>
+            <p:ph type="dt" idx="13"/>
           </p:nvPr>
         </p:nvSpPr>
         <p:spPr/>
@@ -6497,29 +5683,11 @@
             <a:pPr>
               <a:defRPr/>
             </a:pPr>
-            <a:endParaRPr lang="en-US"/>
-          </a:p>
-        </p:txBody>
-      </p:sp>
-      <p:sp>
-        <p:nvSpPr>
-          <p:cNvPr id="6" name="Footer Placeholder 5"/>
-          <p:cNvSpPr>
-            <a:spLocks noGrp="1"/>
-          </p:cNvSpPr>
-          <p:nvPr>
-            <p:ph type="ftr" sz="quarter" idx="12"/>
-          </p:nvPr>
-        </p:nvSpPr>
-        <p:spPr/>
-        <p:txBody>
-          <a:bodyPr/>
-          <a:lstStyle/>
-          <a:p>
-            <a:pPr>
-              <a:defRPr/>
-            </a:pPr>
-            <a:endParaRPr lang="en-US"/>
+            <a:r>
+              <a:rPr lang="en-CA" smtClean="0"/>
+              <a:t>Chef Software, Inc.</a:t>
+            </a:r>
+            <a:endParaRPr lang="en-US" dirty="0"/>
           </a:p>
         </p:txBody>
       </p:sp>
@@ -6622,12 +5790,12 @@
       </p:sp>
       <p:sp>
         <p:nvSpPr>
-          <p:cNvPr id="4" name="Slide Number Placeholder 3"/>
-          <p:cNvSpPr>
-            <a:spLocks noGrp="1"/>
-          </p:cNvSpPr>
-          <p:nvPr>
-            <p:ph type="sldNum" sz="quarter" idx="10"/>
+          <p:cNvPr id="5" name="Header Placeholder 4"/>
+          <p:cNvSpPr>
+            <a:spLocks noGrp="1"/>
+          </p:cNvSpPr>
+          <p:nvPr>
+            <p:ph type="hdr" sz="quarter" idx="11"/>
           </p:nvPr>
         </p:nvSpPr>
         <p:spPr/>
@@ -6638,25 +5806,22 @@
             <a:pPr>
               <a:defRPr/>
             </a:pPr>
-            <a:fld id="{DC3734AA-3150-D947-AC52-2F5DF48BFCD5}" type="slidenum">
+            <a:r>
               <a:rPr lang="en-US" smtClean="0"/>
-              <a:pPr>
-                <a:defRPr/>
-              </a:pPr>
-              <a:t>41</a:t>
-            </a:fld>
-            <a:endParaRPr lang="en-US" dirty="0"/>
-          </a:p>
-        </p:txBody>
-      </p:sp>
-      <p:sp>
-        <p:nvSpPr>
-          <p:cNvPr id="5" name="Header Placeholder 4"/>
-          <p:cNvSpPr>
-            <a:spLocks noGrp="1"/>
-          </p:cNvSpPr>
-          <p:nvPr>
-            <p:ph type="hdr" sz="quarter" idx="11"/>
+              <a:t>Test Driven Cookbook Development</a:t>
+            </a:r>
+            <a:endParaRPr lang="en-US"/>
+          </a:p>
+        </p:txBody>
+      </p:sp>
+      <p:sp>
+        <p:nvSpPr>
+          <p:cNvPr id="7" name="Date Placeholder 6"/>
+          <p:cNvSpPr>
+            <a:spLocks noGrp="1"/>
+          </p:cNvSpPr>
+          <p:nvPr>
+            <p:ph type="dt" idx="13"/>
           </p:nvPr>
         </p:nvSpPr>
         <p:spPr/>
@@ -6667,29 +5832,11 @@
             <a:pPr>
               <a:defRPr/>
             </a:pPr>
-            <a:endParaRPr lang="en-US"/>
-          </a:p>
-        </p:txBody>
-      </p:sp>
-      <p:sp>
-        <p:nvSpPr>
-          <p:cNvPr id="6" name="Footer Placeholder 5"/>
-          <p:cNvSpPr>
-            <a:spLocks noGrp="1"/>
-          </p:cNvSpPr>
-          <p:nvPr>
-            <p:ph type="ftr" sz="quarter" idx="12"/>
-          </p:nvPr>
-        </p:nvSpPr>
-        <p:spPr/>
-        <p:txBody>
-          <a:bodyPr/>
-          <a:lstStyle/>
-          <a:p>
-            <a:pPr>
-              <a:defRPr/>
-            </a:pPr>
-            <a:endParaRPr lang="en-US"/>
+            <a:r>
+              <a:rPr lang="en-CA" smtClean="0"/>
+              <a:t>Chef Software, Inc.</a:t>
+            </a:r>
+            <a:endParaRPr lang="en-US" dirty="0"/>
           </a:p>
         </p:txBody>
       </p:sp>
@@ -6764,12 +5911,12 @@
       </p:sp>
       <p:sp>
         <p:nvSpPr>
-          <p:cNvPr id="4" name="Slide Number Placeholder 3"/>
-          <p:cNvSpPr>
-            <a:spLocks noGrp="1"/>
-          </p:cNvSpPr>
-          <p:nvPr>
-            <p:ph type="sldNum" sz="quarter" idx="10"/>
+          <p:cNvPr id="5" name="Header Placeholder 4"/>
+          <p:cNvSpPr>
+            <a:spLocks noGrp="1"/>
+          </p:cNvSpPr>
+          <p:nvPr>
+            <p:ph type="hdr" sz="quarter" idx="11"/>
           </p:nvPr>
         </p:nvSpPr>
         <p:spPr/>
@@ -6780,25 +5927,22 @@
             <a:pPr>
               <a:defRPr/>
             </a:pPr>
-            <a:fld id="{DC3734AA-3150-D947-AC52-2F5DF48BFCD5}" type="slidenum">
+            <a:r>
               <a:rPr lang="en-US" smtClean="0"/>
-              <a:pPr>
-                <a:defRPr/>
-              </a:pPr>
-              <a:t>42</a:t>
-            </a:fld>
-            <a:endParaRPr lang="en-US" dirty="0"/>
-          </a:p>
-        </p:txBody>
-      </p:sp>
-      <p:sp>
-        <p:nvSpPr>
-          <p:cNvPr id="5" name="Header Placeholder 4"/>
-          <p:cNvSpPr>
-            <a:spLocks noGrp="1"/>
-          </p:cNvSpPr>
-          <p:nvPr>
-            <p:ph type="hdr" sz="quarter" idx="11"/>
+              <a:t>Test Driven Cookbook Development</a:t>
+            </a:r>
+            <a:endParaRPr lang="en-US"/>
+          </a:p>
+        </p:txBody>
+      </p:sp>
+      <p:sp>
+        <p:nvSpPr>
+          <p:cNvPr id="7" name="Date Placeholder 6"/>
+          <p:cNvSpPr>
+            <a:spLocks noGrp="1"/>
+          </p:cNvSpPr>
+          <p:nvPr>
+            <p:ph type="dt" idx="13"/>
           </p:nvPr>
         </p:nvSpPr>
         <p:spPr/>
@@ -6809,29 +5953,11 @@
             <a:pPr>
               <a:defRPr/>
             </a:pPr>
-            <a:endParaRPr lang="en-US"/>
-          </a:p>
-        </p:txBody>
-      </p:sp>
-      <p:sp>
-        <p:nvSpPr>
-          <p:cNvPr id="6" name="Footer Placeholder 5"/>
-          <p:cNvSpPr>
-            <a:spLocks noGrp="1"/>
-          </p:cNvSpPr>
-          <p:nvPr>
-            <p:ph type="ftr" sz="quarter" idx="12"/>
-          </p:nvPr>
-        </p:nvSpPr>
-        <p:spPr/>
-        <p:txBody>
-          <a:bodyPr/>
-          <a:lstStyle/>
-          <a:p>
-            <a:pPr>
-              <a:defRPr/>
-            </a:pPr>
-            <a:endParaRPr lang="en-US"/>
+            <a:r>
+              <a:rPr lang="en-CA" smtClean="0"/>
+              <a:t>Chef Software, Inc.</a:t>
+            </a:r>
+            <a:endParaRPr lang="en-US" dirty="0"/>
           </a:p>
         </p:txBody>
       </p:sp>
@@ -6934,12 +6060,12 @@
       </p:sp>
       <p:sp>
         <p:nvSpPr>
-          <p:cNvPr id="4" name="Slide Number Placeholder 3"/>
-          <p:cNvSpPr>
-            <a:spLocks noGrp="1"/>
-          </p:cNvSpPr>
-          <p:nvPr>
-            <p:ph type="sldNum" sz="quarter" idx="10"/>
+          <p:cNvPr id="5" name="Header Placeholder 4"/>
+          <p:cNvSpPr>
+            <a:spLocks noGrp="1"/>
+          </p:cNvSpPr>
+          <p:nvPr>
+            <p:ph type="hdr" sz="quarter" idx="11"/>
           </p:nvPr>
         </p:nvSpPr>
         <p:spPr/>
@@ -6950,25 +6076,22 @@
             <a:pPr>
               <a:defRPr/>
             </a:pPr>
-            <a:fld id="{DC3734AA-3150-D947-AC52-2F5DF48BFCD5}" type="slidenum">
+            <a:r>
               <a:rPr lang="en-US" smtClean="0"/>
-              <a:pPr>
-                <a:defRPr/>
-              </a:pPr>
-              <a:t>43</a:t>
-            </a:fld>
-            <a:endParaRPr lang="en-US" dirty="0"/>
-          </a:p>
-        </p:txBody>
-      </p:sp>
-      <p:sp>
-        <p:nvSpPr>
-          <p:cNvPr id="5" name="Header Placeholder 4"/>
-          <p:cNvSpPr>
-            <a:spLocks noGrp="1"/>
-          </p:cNvSpPr>
-          <p:nvPr>
-            <p:ph type="hdr" sz="quarter" idx="11"/>
+              <a:t>Test Driven Cookbook Development</a:t>
+            </a:r>
+            <a:endParaRPr lang="en-US"/>
+          </a:p>
+        </p:txBody>
+      </p:sp>
+      <p:sp>
+        <p:nvSpPr>
+          <p:cNvPr id="7" name="Date Placeholder 6"/>
+          <p:cNvSpPr>
+            <a:spLocks noGrp="1"/>
+          </p:cNvSpPr>
+          <p:nvPr>
+            <p:ph type="dt" idx="13"/>
           </p:nvPr>
         </p:nvSpPr>
         <p:spPr/>
@@ -6979,29 +6102,11 @@
             <a:pPr>
               <a:defRPr/>
             </a:pPr>
-            <a:endParaRPr lang="en-US"/>
-          </a:p>
-        </p:txBody>
-      </p:sp>
-      <p:sp>
-        <p:nvSpPr>
-          <p:cNvPr id="6" name="Footer Placeholder 5"/>
-          <p:cNvSpPr>
-            <a:spLocks noGrp="1"/>
-          </p:cNvSpPr>
-          <p:nvPr>
-            <p:ph type="ftr" sz="quarter" idx="12"/>
-          </p:nvPr>
-        </p:nvSpPr>
-        <p:spPr/>
-        <p:txBody>
-          <a:bodyPr/>
-          <a:lstStyle/>
-          <a:p>
-            <a:pPr>
-              <a:defRPr/>
-            </a:pPr>
-            <a:endParaRPr lang="en-US"/>
+            <a:r>
+              <a:rPr lang="en-CA" smtClean="0"/>
+              <a:t>Chef Software, Inc.</a:t>
+            </a:r>
+            <a:endParaRPr lang="en-US" dirty="0"/>
           </a:p>
         </p:txBody>
       </p:sp>
@@ -7076,12 +6181,12 @@
       </p:sp>
       <p:sp>
         <p:nvSpPr>
-          <p:cNvPr id="4" name="Slide Number Placeholder 3"/>
-          <p:cNvSpPr>
-            <a:spLocks noGrp="1"/>
-          </p:cNvSpPr>
-          <p:nvPr>
-            <p:ph type="sldNum" sz="quarter" idx="10"/>
+          <p:cNvPr id="5" name="Header Placeholder 4"/>
+          <p:cNvSpPr>
+            <a:spLocks noGrp="1"/>
+          </p:cNvSpPr>
+          <p:nvPr>
+            <p:ph type="hdr" sz="quarter" idx="11"/>
           </p:nvPr>
         </p:nvSpPr>
         <p:spPr/>
@@ -7092,25 +6197,22 @@
             <a:pPr>
               <a:defRPr/>
             </a:pPr>
-            <a:fld id="{DC3734AA-3150-D947-AC52-2F5DF48BFCD5}" type="slidenum">
+            <a:r>
               <a:rPr lang="en-US" smtClean="0"/>
-              <a:pPr>
-                <a:defRPr/>
-              </a:pPr>
-              <a:t>44</a:t>
-            </a:fld>
-            <a:endParaRPr lang="en-US" dirty="0"/>
-          </a:p>
-        </p:txBody>
-      </p:sp>
-      <p:sp>
-        <p:nvSpPr>
-          <p:cNvPr id="5" name="Header Placeholder 4"/>
-          <p:cNvSpPr>
-            <a:spLocks noGrp="1"/>
-          </p:cNvSpPr>
-          <p:nvPr>
-            <p:ph type="hdr" sz="quarter" idx="11"/>
+              <a:t>Test Driven Cookbook Development</a:t>
+            </a:r>
+            <a:endParaRPr lang="en-US"/>
+          </a:p>
+        </p:txBody>
+      </p:sp>
+      <p:sp>
+        <p:nvSpPr>
+          <p:cNvPr id="7" name="Date Placeholder 6"/>
+          <p:cNvSpPr>
+            <a:spLocks noGrp="1"/>
+          </p:cNvSpPr>
+          <p:nvPr>
+            <p:ph type="dt" idx="13"/>
           </p:nvPr>
         </p:nvSpPr>
         <p:spPr/>
@@ -7121,29 +6223,11 @@
             <a:pPr>
               <a:defRPr/>
             </a:pPr>
-            <a:endParaRPr lang="en-US"/>
-          </a:p>
-        </p:txBody>
-      </p:sp>
-      <p:sp>
-        <p:nvSpPr>
-          <p:cNvPr id="6" name="Footer Placeholder 5"/>
-          <p:cNvSpPr>
-            <a:spLocks noGrp="1"/>
-          </p:cNvSpPr>
-          <p:nvPr>
-            <p:ph type="ftr" sz="quarter" idx="12"/>
-          </p:nvPr>
-        </p:nvSpPr>
-        <p:spPr/>
-        <p:txBody>
-          <a:bodyPr/>
-          <a:lstStyle/>
-          <a:p>
-            <a:pPr>
-              <a:defRPr/>
-            </a:pPr>
-            <a:endParaRPr lang="en-US"/>
+            <a:r>
+              <a:rPr lang="en-CA" smtClean="0"/>
+              <a:t>Chef Software, Inc.</a:t>
+            </a:r>
+            <a:endParaRPr lang="en-US" dirty="0"/>
           </a:p>
         </p:txBody>
       </p:sp>
@@ -7237,12 +6321,12 @@
       </p:sp>
       <p:sp>
         <p:nvSpPr>
-          <p:cNvPr id="4" name="Slide Number Placeholder 3"/>
-          <p:cNvSpPr>
-            <a:spLocks noGrp="1"/>
-          </p:cNvSpPr>
-          <p:nvPr>
-            <p:ph type="sldNum" sz="quarter" idx="10"/>
+          <p:cNvPr id="5" name="Header Placeholder 4"/>
+          <p:cNvSpPr>
+            <a:spLocks noGrp="1"/>
+          </p:cNvSpPr>
+          <p:nvPr>
+            <p:ph type="hdr" sz="quarter" idx="11"/>
           </p:nvPr>
         </p:nvSpPr>
         <p:spPr/>
@@ -7253,25 +6337,22 @@
             <a:pPr>
               <a:defRPr/>
             </a:pPr>
-            <a:fld id="{DC3734AA-3150-D947-AC52-2F5DF48BFCD5}" type="slidenum">
+            <a:r>
               <a:rPr lang="en-US" smtClean="0"/>
-              <a:pPr>
-                <a:defRPr/>
-              </a:pPr>
-              <a:t>45</a:t>
-            </a:fld>
-            <a:endParaRPr lang="en-US" dirty="0"/>
-          </a:p>
-        </p:txBody>
-      </p:sp>
-      <p:sp>
-        <p:nvSpPr>
-          <p:cNvPr id="5" name="Header Placeholder 4"/>
-          <p:cNvSpPr>
-            <a:spLocks noGrp="1"/>
-          </p:cNvSpPr>
-          <p:nvPr>
-            <p:ph type="hdr" sz="quarter" idx="11"/>
+              <a:t>Test Driven Cookbook Development</a:t>
+            </a:r>
+            <a:endParaRPr lang="en-US"/>
+          </a:p>
+        </p:txBody>
+      </p:sp>
+      <p:sp>
+        <p:nvSpPr>
+          <p:cNvPr id="7" name="Date Placeholder 6"/>
+          <p:cNvSpPr>
+            <a:spLocks noGrp="1"/>
+          </p:cNvSpPr>
+          <p:nvPr>
+            <p:ph type="dt" idx="13"/>
           </p:nvPr>
         </p:nvSpPr>
         <p:spPr/>
@@ -7282,29 +6363,11 @@
             <a:pPr>
               <a:defRPr/>
             </a:pPr>
-            <a:endParaRPr lang="en-US"/>
-          </a:p>
-        </p:txBody>
-      </p:sp>
-      <p:sp>
-        <p:nvSpPr>
-          <p:cNvPr id="6" name="Footer Placeholder 5"/>
-          <p:cNvSpPr>
-            <a:spLocks noGrp="1"/>
-          </p:cNvSpPr>
-          <p:nvPr>
-            <p:ph type="ftr" sz="quarter" idx="12"/>
-          </p:nvPr>
-        </p:nvSpPr>
-        <p:spPr/>
-        <p:txBody>
-          <a:bodyPr/>
-          <a:lstStyle/>
-          <a:p>
-            <a:pPr>
-              <a:defRPr/>
-            </a:pPr>
-            <a:endParaRPr lang="en-US"/>
+            <a:r>
+              <a:rPr lang="en-CA" smtClean="0"/>
+              <a:t>Chef Software, Inc.</a:t>
+            </a:r>
+            <a:endParaRPr lang="en-US" dirty="0"/>
           </a:p>
         </p:txBody>
       </p:sp>
@@ -7388,12 +6451,12 @@
       </p:sp>
       <p:sp>
         <p:nvSpPr>
-          <p:cNvPr id="4" name="Slide Number Placeholder 3"/>
-          <p:cNvSpPr>
-            <a:spLocks noGrp="1"/>
-          </p:cNvSpPr>
-          <p:nvPr>
-            <p:ph type="sldNum" sz="quarter" idx="10"/>
+          <p:cNvPr id="5" name="Header Placeholder 4"/>
+          <p:cNvSpPr>
+            <a:spLocks noGrp="1"/>
+          </p:cNvSpPr>
+          <p:nvPr>
+            <p:ph type="hdr" sz="quarter" idx="11"/>
           </p:nvPr>
         </p:nvSpPr>
         <p:spPr/>
@@ -7404,25 +6467,22 @@
             <a:pPr>
               <a:defRPr/>
             </a:pPr>
-            <a:fld id="{DC3734AA-3150-D947-AC52-2F5DF48BFCD5}" type="slidenum">
+            <a:r>
               <a:rPr lang="en-US" smtClean="0"/>
-              <a:pPr>
-                <a:defRPr/>
-              </a:pPr>
-              <a:t>46</a:t>
-            </a:fld>
-            <a:endParaRPr lang="en-US" dirty="0"/>
-          </a:p>
-        </p:txBody>
-      </p:sp>
-      <p:sp>
-        <p:nvSpPr>
-          <p:cNvPr id="5" name="Header Placeholder 4"/>
-          <p:cNvSpPr>
-            <a:spLocks noGrp="1"/>
-          </p:cNvSpPr>
-          <p:nvPr>
-            <p:ph type="hdr" sz="quarter" idx="11"/>
+              <a:t>Test Driven Cookbook Development</a:t>
+            </a:r>
+            <a:endParaRPr lang="en-US"/>
+          </a:p>
+        </p:txBody>
+      </p:sp>
+      <p:sp>
+        <p:nvSpPr>
+          <p:cNvPr id="7" name="Date Placeholder 6"/>
+          <p:cNvSpPr>
+            <a:spLocks noGrp="1"/>
+          </p:cNvSpPr>
+          <p:nvPr>
+            <p:ph type="dt" idx="13"/>
           </p:nvPr>
         </p:nvSpPr>
         <p:spPr/>
@@ -7433,29 +6493,11 @@
             <a:pPr>
               <a:defRPr/>
             </a:pPr>
-            <a:endParaRPr lang="en-US"/>
-          </a:p>
-        </p:txBody>
-      </p:sp>
-      <p:sp>
-        <p:nvSpPr>
-          <p:cNvPr id="6" name="Footer Placeholder 5"/>
-          <p:cNvSpPr>
-            <a:spLocks noGrp="1"/>
-          </p:cNvSpPr>
-          <p:nvPr>
-            <p:ph type="ftr" sz="quarter" idx="12"/>
-          </p:nvPr>
-        </p:nvSpPr>
-        <p:spPr/>
-        <p:txBody>
-          <a:bodyPr/>
-          <a:lstStyle/>
-          <a:p>
-            <a:pPr>
-              <a:defRPr/>
-            </a:pPr>
-            <a:endParaRPr lang="en-US"/>
+            <a:r>
+              <a:rPr lang="en-CA" smtClean="0"/>
+              <a:t>Chef Software, Inc.</a:t>
+            </a:r>
+            <a:endParaRPr lang="en-US" dirty="0"/>
           </a:p>
         </p:txBody>
       </p:sp>
@@ -7529,12 +6571,12 @@
       </p:sp>
       <p:sp>
         <p:nvSpPr>
-          <p:cNvPr id="4" name="Slide Number Placeholder 3"/>
-          <p:cNvSpPr>
-            <a:spLocks noGrp="1"/>
-          </p:cNvSpPr>
-          <p:nvPr>
-            <p:ph type="sldNum" sz="quarter" idx="10"/>
+          <p:cNvPr id="5" name="Header Placeholder 4"/>
+          <p:cNvSpPr>
+            <a:spLocks noGrp="1"/>
+          </p:cNvSpPr>
+          <p:nvPr>
+            <p:ph type="hdr" sz="quarter" idx="11"/>
           </p:nvPr>
         </p:nvSpPr>
         <p:spPr/>
@@ -7545,25 +6587,22 @@
             <a:pPr>
               <a:defRPr/>
             </a:pPr>
-            <a:fld id="{DC3734AA-3150-D947-AC52-2F5DF48BFCD5}" type="slidenum">
+            <a:r>
               <a:rPr lang="en-US" smtClean="0"/>
-              <a:pPr>
-                <a:defRPr/>
-              </a:pPr>
-              <a:t>47</a:t>
-            </a:fld>
-            <a:endParaRPr lang="en-US" dirty="0"/>
-          </a:p>
-        </p:txBody>
-      </p:sp>
-      <p:sp>
-        <p:nvSpPr>
-          <p:cNvPr id="5" name="Header Placeholder 4"/>
-          <p:cNvSpPr>
-            <a:spLocks noGrp="1"/>
-          </p:cNvSpPr>
-          <p:nvPr>
-            <p:ph type="hdr" sz="quarter" idx="11"/>
+              <a:t>Test Driven Cookbook Development</a:t>
+            </a:r>
+            <a:endParaRPr lang="en-US"/>
+          </a:p>
+        </p:txBody>
+      </p:sp>
+      <p:sp>
+        <p:nvSpPr>
+          <p:cNvPr id="7" name="Date Placeholder 6"/>
+          <p:cNvSpPr>
+            <a:spLocks noGrp="1"/>
+          </p:cNvSpPr>
+          <p:nvPr>
+            <p:ph type="dt" idx="13"/>
           </p:nvPr>
         </p:nvSpPr>
         <p:spPr/>
@@ -7574,29 +6613,11 @@
             <a:pPr>
               <a:defRPr/>
             </a:pPr>
-            <a:endParaRPr lang="en-US"/>
-          </a:p>
-        </p:txBody>
-      </p:sp>
-      <p:sp>
-        <p:nvSpPr>
-          <p:cNvPr id="6" name="Footer Placeholder 5"/>
-          <p:cNvSpPr>
-            <a:spLocks noGrp="1"/>
-          </p:cNvSpPr>
-          <p:nvPr>
-            <p:ph type="ftr" sz="quarter" idx="12"/>
-          </p:nvPr>
-        </p:nvSpPr>
-        <p:spPr/>
-        <p:txBody>
-          <a:bodyPr/>
-          <a:lstStyle/>
-          <a:p>
-            <a:pPr>
-              <a:defRPr/>
-            </a:pPr>
-            <a:endParaRPr lang="en-US"/>
+            <a:r>
+              <a:rPr lang="en-CA" smtClean="0"/>
+              <a:t>Chef Software, Inc.</a:t>
+            </a:r>
+            <a:endParaRPr lang="en-US" dirty="0"/>
           </a:p>
         </p:txBody>
       </p:sp>
@@ -7679,12 +6700,12 @@
       </p:sp>
       <p:sp>
         <p:nvSpPr>
-          <p:cNvPr id="4" name="Slide Number Placeholder 3"/>
-          <p:cNvSpPr>
-            <a:spLocks noGrp="1"/>
-          </p:cNvSpPr>
-          <p:nvPr>
-            <p:ph type="sldNum" sz="quarter" idx="10"/>
+          <p:cNvPr id="5" name="Header Placeholder 4"/>
+          <p:cNvSpPr>
+            <a:spLocks noGrp="1"/>
+          </p:cNvSpPr>
+          <p:nvPr>
+            <p:ph type="hdr" sz="quarter" idx="11"/>
           </p:nvPr>
         </p:nvSpPr>
         <p:spPr/>
@@ -7695,25 +6716,22 @@
             <a:pPr>
               <a:defRPr/>
             </a:pPr>
-            <a:fld id="{DC3734AA-3150-D947-AC52-2F5DF48BFCD5}" type="slidenum">
+            <a:r>
               <a:rPr lang="en-US" smtClean="0"/>
-              <a:pPr>
-                <a:defRPr/>
-              </a:pPr>
-              <a:t>48</a:t>
-            </a:fld>
-            <a:endParaRPr lang="en-US" dirty="0"/>
-          </a:p>
-        </p:txBody>
-      </p:sp>
-      <p:sp>
-        <p:nvSpPr>
-          <p:cNvPr id="5" name="Header Placeholder 4"/>
-          <p:cNvSpPr>
-            <a:spLocks noGrp="1"/>
-          </p:cNvSpPr>
-          <p:nvPr>
-            <p:ph type="hdr" sz="quarter" idx="11"/>
+              <a:t>Test Driven Cookbook Development</a:t>
+            </a:r>
+            <a:endParaRPr lang="en-US"/>
+          </a:p>
+        </p:txBody>
+      </p:sp>
+      <p:sp>
+        <p:nvSpPr>
+          <p:cNvPr id="7" name="Date Placeholder 6"/>
+          <p:cNvSpPr>
+            <a:spLocks noGrp="1"/>
+          </p:cNvSpPr>
+          <p:nvPr>
+            <p:ph type="dt" idx="13"/>
           </p:nvPr>
         </p:nvSpPr>
         <p:spPr/>
@@ -7724,29 +6742,11 @@
             <a:pPr>
               <a:defRPr/>
             </a:pPr>
-            <a:endParaRPr lang="en-US"/>
-          </a:p>
-        </p:txBody>
-      </p:sp>
-      <p:sp>
-        <p:nvSpPr>
-          <p:cNvPr id="6" name="Footer Placeholder 5"/>
-          <p:cNvSpPr>
-            <a:spLocks noGrp="1"/>
-          </p:cNvSpPr>
-          <p:nvPr>
-            <p:ph type="ftr" sz="quarter" idx="12"/>
-          </p:nvPr>
-        </p:nvSpPr>
-        <p:spPr/>
-        <p:txBody>
-          <a:bodyPr/>
-          <a:lstStyle/>
-          <a:p>
-            <a:pPr>
-              <a:defRPr/>
-            </a:pPr>
-            <a:endParaRPr lang="en-US"/>
+            <a:r>
+              <a:rPr lang="en-CA" smtClean="0"/>
+              <a:t>Chef Software, Inc.</a:t>
+            </a:r>
+            <a:endParaRPr lang="en-US" dirty="0"/>
           </a:p>
         </p:txBody>
       </p:sp>
@@ -7821,12 +6821,12 @@
       </p:sp>
       <p:sp>
         <p:nvSpPr>
-          <p:cNvPr id="4" name="Slide Number Placeholder 3"/>
-          <p:cNvSpPr>
-            <a:spLocks noGrp="1"/>
-          </p:cNvSpPr>
-          <p:nvPr>
-            <p:ph type="sldNum" sz="quarter" idx="10"/>
+          <p:cNvPr id="5" name="Header Placeholder 4"/>
+          <p:cNvSpPr>
+            <a:spLocks noGrp="1"/>
+          </p:cNvSpPr>
+          <p:nvPr>
+            <p:ph type="hdr" sz="quarter" idx="11"/>
           </p:nvPr>
         </p:nvSpPr>
         <p:spPr/>
@@ -7837,25 +6837,22 @@
             <a:pPr>
               <a:defRPr/>
             </a:pPr>
-            <a:fld id="{DC3734AA-3150-D947-AC52-2F5DF48BFCD5}" type="slidenum">
+            <a:r>
               <a:rPr lang="en-US" smtClean="0"/>
-              <a:pPr>
-                <a:defRPr/>
-              </a:pPr>
-              <a:t>49</a:t>
-            </a:fld>
-            <a:endParaRPr lang="en-US" dirty="0"/>
-          </a:p>
-        </p:txBody>
-      </p:sp>
-      <p:sp>
-        <p:nvSpPr>
-          <p:cNvPr id="5" name="Header Placeholder 4"/>
-          <p:cNvSpPr>
-            <a:spLocks noGrp="1"/>
-          </p:cNvSpPr>
-          <p:nvPr>
-            <p:ph type="hdr" sz="quarter" idx="11"/>
+              <a:t>Test Driven Cookbook Development</a:t>
+            </a:r>
+            <a:endParaRPr lang="en-US"/>
+          </a:p>
+        </p:txBody>
+      </p:sp>
+      <p:sp>
+        <p:nvSpPr>
+          <p:cNvPr id="7" name="Date Placeholder 6"/>
+          <p:cNvSpPr>
+            <a:spLocks noGrp="1"/>
+          </p:cNvSpPr>
+          <p:nvPr>
+            <p:ph type="dt" idx="13"/>
           </p:nvPr>
         </p:nvSpPr>
         <p:spPr/>
@@ -7866,29 +6863,11 @@
             <a:pPr>
               <a:defRPr/>
             </a:pPr>
-            <a:endParaRPr lang="en-US"/>
-          </a:p>
-        </p:txBody>
-      </p:sp>
-      <p:sp>
-        <p:nvSpPr>
-          <p:cNvPr id="6" name="Footer Placeholder 5"/>
-          <p:cNvSpPr>
-            <a:spLocks noGrp="1"/>
-          </p:cNvSpPr>
-          <p:nvPr>
-            <p:ph type="ftr" sz="quarter" idx="12"/>
-          </p:nvPr>
-        </p:nvSpPr>
-        <p:spPr/>
-        <p:txBody>
-          <a:bodyPr/>
-          <a:lstStyle/>
-          <a:p>
-            <a:pPr>
-              <a:defRPr/>
-            </a:pPr>
-            <a:endParaRPr lang="en-US"/>
+            <a:r>
+              <a:rPr lang="en-CA" smtClean="0"/>
+              <a:t>Chef Software, Inc.</a:t>
+            </a:r>
+            <a:endParaRPr lang="en-US" dirty="0"/>
           </a:p>
         </p:txBody>
       </p:sp>
@@ -8007,12 +6986,12 @@
       </p:sp>
       <p:sp>
         <p:nvSpPr>
-          <p:cNvPr id="4" name="Slide Number Placeholder 3"/>
-          <p:cNvSpPr>
-            <a:spLocks noGrp="1"/>
-          </p:cNvSpPr>
-          <p:nvPr>
-            <p:ph type="sldNum" sz="quarter" idx="10"/>
+          <p:cNvPr id="5" name="Header Placeholder 4"/>
+          <p:cNvSpPr>
+            <a:spLocks noGrp="1"/>
+          </p:cNvSpPr>
+          <p:nvPr>
+            <p:ph type="hdr" sz="quarter" idx="11"/>
           </p:nvPr>
         </p:nvSpPr>
         <p:spPr/>
@@ -8023,25 +7002,22 @@
             <a:pPr>
               <a:defRPr/>
             </a:pPr>
-            <a:fld id="{DC3734AA-3150-D947-AC52-2F5DF48BFCD5}" type="slidenum">
+            <a:r>
               <a:rPr lang="en-US" smtClean="0"/>
-              <a:pPr>
-                <a:defRPr/>
-              </a:pPr>
-              <a:t>5</a:t>
-            </a:fld>
-            <a:endParaRPr lang="en-US" dirty="0"/>
-          </a:p>
-        </p:txBody>
-      </p:sp>
-      <p:sp>
-        <p:nvSpPr>
-          <p:cNvPr id="5" name="Header Placeholder 4"/>
-          <p:cNvSpPr>
-            <a:spLocks noGrp="1"/>
-          </p:cNvSpPr>
-          <p:nvPr>
-            <p:ph type="hdr" sz="quarter" idx="11"/>
+              <a:t>Test Driven Cookbook Development</a:t>
+            </a:r>
+            <a:endParaRPr lang="en-US"/>
+          </a:p>
+        </p:txBody>
+      </p:sp>
+      <p:sp>
+        <p:nvSpPr>
+          <p:cNvPr id="7" name="Date Placeholder 6"/>
+          <p:cNvSpPr>
+            <a:spLocks noGrp="1"/>
+          </p:cNvSpPr>
+          <p:nvPr>
+            <p:ph type="dt" idx="13"/>
           </p:nvPr>
         </p:nvSpPr>
         <p:spPr/>
@@ -8052,29 +7028,11 @@
             <a:pPr>
               <a:defRPr/>
             </a:pPr>
-            <a:endParaRPr lang="en-US"/>
-          </a:p>
-        </p:txBody>
-      </p:sp>
-      <p:sp>
-        <p:nvSpPr>
-          <p:cNvPr id="6" name="Footer Placeholder 5"/>
-          <p:cNvSpPr>
-            <a:spLocks noGrp="1"/>
-          </p:cNvSpPr>
-          <p:nvPr>
-            <p:ph type="ftr" sz="quarter" idx="12"/>
-          </p:nvPr>
-        </p:nvSpPr>
-        <p:spPr/>
-        <p:txBody>
-          <a:bodyPr/>
-          <a:lstStyle/>
-          <a:p>
-            <a:pPr>
-              <a:defRPr/>
-            </a:pPr>
-            <a:endParaRPr lang="en-US"/>
+            <a:r>
+              <a:rPr lang="en-CA" smtClean="0"/>
+              <a:t>Chef Software, Inc.</a:t>
+            </a:r>
+            <a:endParaRPr lang="en-US" dirty="0"/>
           </a:p>
         </p:txBody>
       </p:sp>
@@ -8149,12 +7107,12 @@
       </p:sp>
       <p:sp>
         <p:nvSpPr>
-          <p:cNvPr id="4" name="Slide Number Placeholder 3"/>
-          <p:cNvSpPr>
-            <a:spLocks noGrp="1"/>
-          </p:cNvSpPr>
-          <p:nvPr>
-            <p:ph type="sldNum" sz="quarter" idx="10"/>
+          <p:cNvPr id="5" name="Header Placeholder 4"/>
+          <p:cNvSpPr>
+            <a:spLocks noGrp="1"/>
+          </p:cNvSpPr>
+          <p:nvPr>
+            <p:ph type="hdr" sz="quarter" idx="11"/>
           </p:nvPr>
         </p:nvSpPr>
         <p:spPr/>
@@ -8165,25 +7123,22 @@
             <a:pPr>
               <a:defRPr/>
             </a:pPr>
-            <a:fld id="{DC3734AA-3150-D947-AC52-2F5DF48BFCD5}" type="slidenum">
+            <a:r>
               <a:rPr lang="en-US" smtClean="0"/>
-              <a:pPr>
-                <a:defRPr/>
-              </a:pPr>
-              <a:t>50</a:t>
-            </a:fld>
-            <a:endParaRPr lang="en-US" dirty="0"/>
-          </a:p>
-        </p:txBody>
-      </p:sp>
-      <p:sp>
-        <p:nvSpPr>
-          <p:cNvPr id="5" name="Header Placeholder 4"/>
-          <p:cNvSpPr>
-            <a:spLocks noGrp="1"/>
-          </p:cNvSpPr>
-          <p:nvPr>
-            <p:ph type="hdr" sz="quarter" idx="11"/>
+              <a:t>Test Driven Cookbook Development</a:t>
+            </a:r>
+            <a:endParaRPr lang="en-US"/>
+          </a:p>
+        </p:txBody>
+      </p:sp>
+      <p:sp>
+        <p:nvSpPr>
+          <p:cNvPr id="7" name="Date Placeholder 6"/>
+          <p:cNvSpPr>
+            <a:spLocks noGrp="1"/>
+          </p:cNvSpPr>
+          <p:nvPr>
+            <p:ph type="dt" idx="13"/>
           </p:nvPr>
         </p:nvSpPr>
         <p:spPr/>
@@ -8194,29 +7149,11 @@
             <a:pPr>
               <a:defRPr/>
             </a:pPr>
-            <a:endParaRPr lang="en-US"/>
-          </a:p>
-        </p:txBody>
-      </p:sp>
-      <p:sp>
-        <p:nvSpPr>
-          <p:cNvPr id="6" name="Footer Placeholder 5"/>
-          <p:cNvSpPr>
-            <a:spLocks noGrp="1"/>
-          </p:cNvSpPr>
-          <p:nvPr>
-            <p:ph type="ftr" sz="quarter" idx="12"/>
-          </p:nvPr>
-        </p:nvSpPr>
-        <p:spPr/>
-        <p:txBody>
-          <a:bodyPr/>
-          <a:lstStyle/>
-          <a:p>
-            <a:pPr>
-              <a:defRPr/>
-            </a:pPr>
-            <a:endParaRPr lang="en-US"/>
+            <a:r>
+              <a:rPr lang="en-CA" smtClean="0"/>
+              <a:t>Chef Software, Inc.</a:t>
+            </a:r>
+            <a:endParaRPr lang="en-US" dirty="0"/>
           </a:p>
         </p:txBody>
       </p:sp>
@@ -8299,12 +7236,12 @@
       </p:sp>
       <p:sp>
         <p:nvSpPr>
-          <p:cNvPr id="4" name="Slide Number Placeholder 3"/>
-          <p:cNvSpPr>
-            <a:spLocks noGrp="1"/>
-          </p:cNvSpPr>
-          <p:nvPr>
-            <p:ph type="sldNum" sz="quarter" idx="10"/>
+          <p:cNvPr id="5" name="Header Placeholder 4"/>
+          <p:cNvSpPr>
+            <a:spLocks noGrp="1"/>
+          </p:cNvSpPr>
+          <p:nvPr>
+            <p:ph type="hdr" sz="quarter" idx="11"/>
           </p:nvPr>
         </p:nvSpPr>
         <p:spPr/>
@@ -8315,25 +7252,22 @@
             <a:pPr>
               <a:defRPr/>
             </a:pPr>
-            <a:fld id="{DC3734AA-3150-D947-AC52-2F5DF48BFCD5}" type="slidenum">
+            <a:r>
               <a:rPr lang="en-US" smtClean="0"/>
-              <a:pPr>
-                <a:defRPr/>
-              </a:pPr>
-              <a:t>51</a:t>
-            </a:fld>
-            <a:endParaRPr lang="en-US" dirty="0"/>
-          </a:p>
-        </p:txBody>
-      </p:sp>
-      <p:sp>
-        <p:nvSpPr>
-          <p:cNvPr id="5" name="Header Placeholder 4"/>
-          <p:cNvSpPr>
-            <a:spLocks noGrp="1"/>
-          </p:cNvSpPr>
-          <p:nvPr>
-            <p:ph type="hdr" sz="quarter" idx="11"/>
+              <a:t>Test Driven Cookbook Development</a:t>
+            </a:r>
+            <a:endParaRPr lang="en-US"/>
+          </a:p>
+        </p:txBody>
+      </p:sp>
+      <p:sp>
+        <p:nvSpPr>
+          <p:cNvPr id="7" name="Date Placeholder 6"/>
+          <p:cNvSpPr>
+            <a:spLocks noGrp="1"/>
+          </p:cNvSpPr>
+          <p:nvPr>
+            <p:ph type="dt" idx="13"/>
           </p:nvPr>
         </p:nvSpPr>
         <p:spPr/>
@@ -8344,29 +7278,11 @@
             <a:pPr>
               <a:defRPr/>
             </a:pPr>
-            <a:endParaRPr lang="en-US"/>
-          </a:p>
-        </p:txBody>
-      </p:sp>
-      <p:sp>
-        <p:nvSpPr>
-          <p:cNvPr id="6" name="Footer Placeholder 5"/>
-          <p:cNvSpPr>
-            <a:spLocks noGrp="1"/>
-          </p:cNvSpPr>
-          <p:nvPr>
-            <p:ph type="ftr" sz="quarter" idx="12"/>
-          </p:nvPr>
-        </p:nvSpPr>
-        <p:spPr/>
-        <p:txBody>
-          <a:bodyPr/>
-          <a:lstStyle/>
-          <a:p>
-            <a:pPr>
-              <a:defRPr/>
-            </a:pPr>
-            <a:endParaRPr lang="en-US"/>
+            <a:r>
+              <a:rPr lang="en-CA" smtClean="0"/>
+              <a:t>Chef Software, Inc.</a:t>
+            </a:r>
+            <a:endParaRPr lang="en-US" dirty="0"/>
           </a:p>
         </p:txBody>
       </p:sp>
@@ -8449,12 +7365,12 @@
       </p:sp>
       <p:sp>
         <p:nvSpPr>
-          <p:cNvPr id="4" name="Slide Number Placeholder 3"/>
-          <p:cNvSpPr>
-            <a:spLocks noGrp="1"/>
-          </p:cNvSpPr>
-          <p:nvPr>
-            <p:ph type="sldNum" sz="quarter" idx="10"/>
+          <p:cNvPr id="5" name="Header Placeholder 4"/>
+          <p:cNvSpPr>
+            <a:spLocks noGrp="1"/>
+          </p:cNvSpPr>
+          <p:nvPr>
+            <p:ph type="hdr" sz="quarter" idx="11"/>
           </p:nvPr>
         </p:nvSpPr>
         <p:spPr/>
@@ -8465,25 +7381,22 @@
             <a:pPr>
               <a:defRPr/>
             </a:pPr>
-            <a:fld id="{DC3734AA-3150-D947-AC52-2F5DF48BFCD5}" type="slidenum">
+            <a:r>
               <a:rPr lang="en-US" smtClean="0"/>
-              <a:pPr>
-                <a:defRPr/>
-              </a:pPr>
-              <a:t>52</a:t>
-            </a:fld>
-            <a:endParaRPr lang="en-US" dirty="0"/>
-          </a:p>
-        </p:txBody>
-      </p:sp>
-      <p:sp>
-        <p:nvSpPr>
-          <p:cNvPr id="5" name="Header Placeholder 4"/>
-          <p:cNvSpPr>
-            <a:spLocks noGrp="1"/>
-          </p:cNvSpPr>
-          <p:nvPr>
-            <p:ph type="hdr" sz="quarter" idx="11"/>
+              <a:t>Test Driven Cookbook Development</a:t>
+            </a:r>
+            <a:endParaRPr lang="en-US"/>
+          </a:p>
+        </p:txBody>
+      </p:sp>
+      <p:sp>
+        <p:nvSpPr>
+          <p:cNvPr id="7" name="Date Placeholder 6"/>
+          <p:cNvSpPr>
+            <a:spLocks noGrp="1"/>
+          </p:cNvSpPr>
+          <p:nvPr>
+            <p:ph type="dt" idx="13"/>
           </p:nvPr>
         </p:nvSpPr>
         <p:spPr/>
@@ -8494,29 +7407,11 @@
             <a:pPr>
               <a:defRPr/>
             </a:pPr>
-            <a:endParaRPr lang="en-US"/>
-          </a:p>
-        </p:txBody>
-      </p:sp>
-      <p:sp>
-        <p:nvSpPr>
-          <p:cNvPr id="6" name="Footer Placeholder 5"/>
-          <p:cNvSpPr>
-            <a:spLocks noGrp="1"/>
-          </p:cNvSpPr>
-          <p:nvPr>
-            <p:ph type="ftr" sz="quarter" idx="12"/>
-          </p:nvPr>
-        </p:nvSpPr>
-        <p:spPr/>
-        <p:txBody>
-          <a:bodyPr/>
-          <a:lstStyle/>
-          <a:p>
-            <a:pPr>
-              <a:defRPr/>
-            </a:pPr>
-            <a:endParaRPr lang="en-US"/>
+            <a:r>
+              <a:rPr lang="en-CA" smtClean="0"/>
+              <a:t>Chef Software, Inc.</a:t>
+            </a:r>
+            <a:endParaRPr lang="en-US" dirty="0"/>
           </a:p>
         </p:txBody>
       </p:sp>
@@ -8591,12 +7486,12 @@
       </p:sp>
       <p:sp>
         <p:nvSpPr>
-          <p:cNvPr id="4" name="Slide Number Placeholder 3"/>
-          <p:cNvSpPr>
-            <a:spLocks noGrp="1"/>
-          </p:cNvSpPr>
-          <p:nvPr>
-            <p:ph type="sldNum" sz="quarter" idx="10"/>
+          <p:cNvPr id="5" name="Header Placeholder 4"/>
+          <p:cNvSpPr>
+            <a:spLocks noGrp="1"/>
+          </p:cNvSpPr>
+          <p:nvPr>
+            <p:ph type="hdr" sz="quarter" idx="11"/>
           </p:nvPr>
         </p:nvSpPr>
         <p:spPr/>
@@ -8607,25 +7502,22 @@
             <a:pPr>
               <a:defRPr/>
             </a:pPr>
-            <a:fld id="{DC3734AA-3150-D947-AC52-2F5DF48BFCD5}" type="slidenum">
+            <a:r>
               <a:rPr lang="en-US" smtClean="0"/>
-              <a:pPr>
-                <a:defRPr/>
-              </a:pPr>
-              <a:t>53</a:t>
-            </a:fld>
-            <a:endParaRPr lang="en-US" dirty="0"/>
-          </a:p>
-        </p:txBody>
-      </p:sp>
-      <p:sp>
-        <p:nvSpPr>
-          <p:cNvPr id="5" name="Header Placeholder 4"/>
-          <p:cNvSpPr>
-            <a:spLocks noGrp="1"/>
-          </p:cNvSpPr>
-          <p:nvPr>
-            <p:ph type="hdr" sz="quarter" idx="11"/>
+              <a:t>Test Driven Cookbook Development</a:t>
+            </a:r>
+            <a:endParaRPr lang="en-US"/>
+          </a:p>
+        </p:txBody>
+      </p:sp>
+      <p:sp>
+        <p:nvSpPr>
+          <p:cNvPr id="7" name="Date Placeholder 6"/>
+          <p:cNvSpPr>
+            <a:spLocks noGrp="1"/>
+          </p:cNvSpPr>
+          <p:nvPr>
+            <p:ph type="dt" idx="13"/>
           </p:nvPr>
         </p:nvSpPr>
         <p:spPr/>
@@ -8636,29 +7528,11 @@
             <a:pPr>
               <a:defRPr/>
             </a:pPr>
-            <a:endParaRPr lang="en-US"/>
-          </a:p>
-        </p:txBody>
-      </p:sp>
-      <p:sp>
-        <p:nvSpPr>
-          <p:cNvPr id="6" name="Footer Placeholder 5"/>
-          <p:cNvSpPr>
-            <a:spLocks noGrp="1"/>
-          </p:cNvSpPr>
-          <p:nvPr>
-            <p:ph type="ftr" sz="quarter" idx="12"/>
-          </p:nvPr>
-        </p:nvSpPr>
-        <p:spPr/>
-        <p:txBody>
-          <a:bodyPr/>
-          <a:lstStyle/>
-          <a:p>
-            <a:pPr>
-              <a:defRPr/>
-            </a:pPr>
-            <a:endParaRPr lang="en-US"/>
+            <a:r>
+              <a:rPr lang="en-CA" smtClean="0"/>
+              <a:t>Chef Software, Inc.</a:t>
+            </a:r>
+            <a:endParaRPr lang="en-US" dirty="0"/>
           </a:p>
         </p:txBody>
       </p:sp>
@@ -8738,12 +7612,12 @@
       </p:sp>
       <p:sp>
         <p:nvSpPr>
-          <p:cNvPr id="4" name="Slide Number Placeholder 3"/>
-          <p:cNvSpPr>
-            <a:spLocks noGrp="1"/>
-          </p:cNvSpPr>
-          <p:nvPr>
-            <p:ph type="sldNum" sz="quarter" idx="10"/>
+          <p:cNvPr id="5" name="Header Placeholder 4"/>
+          <p:cNvSpPr>
+            <a:spLocks noGrp="1"/>
+          </p:cNvSpPr>
+          <p:nvPr>
+            <p:ph type="hdr" sz="quarter" idx="11"/>
           </p:nvPr>
         </p:nvSpPr>
         <p:spPr/>
@@ -8754,25 +7628,22 @@
             <a:pPr>
               <a:defRPr/>
             </a:pPr>
-            <a:fld id="{DC3734AA-3150-D947-AC52-2F5DF48BFCD5}" type="slidenum">
+            <a:r>
               <a:rPr lang="en-US" smtClean="0"/>
-              <a:pPr>
-                <a:defRPr/>
-              </a:pPr>
-              <a:t>54</a:t>
-            </a:fld>
-            <a:endParaRPr lang="en-US" dirty="0"/>
-          </a:p>
-        </p:txBody>
-      </p:sp>
-      <p:sp>
-        <p:nvSpPr>
-          <p:cNvPr id="5" name="Header Placeholder 4"/>
-          <p:cNvSpPr>
-            <a:spLocks noGrp="1"/>
-          </p:cNvSpPr>
-          <p:nvPr>
-            <p:ph type="hdr" sz="quarter" idx="11"/>
+              <a:t>Test Driven Cookbook Development</a:t>
+            </a:r>
+            <a:endParaRPr lang="en-US"/>
+          </a:p>
+        </p:txBody>
+      </p:sp>
+      <p:sp>
+        <p:nvSpPr>
+          <p:cNvPr id="7" name="Date Placeholder 6"/>
+          <p:cNvSpPr>
+            <a:spLocks noGrp="1"/>
+          </p:cNvSpPr>
+          <p:nvPr>
+            <p:ph type="dt" idx="13"/>
           </p:nvPr>
         </p:nvSpPr>
         <p:spPr/>
@@ -8783,29 +7654,11 @@
             <a:pPr>
               <a:defRPr/>
             </a:pPr>
-            <a:endParaRPr lang="en-US"/>
-          </a:p>
-        </p:txBody>
-      </p:sp>
-      <p:sp>
-        <p:nvSpPr>
-          <p:cNvPr id="6" name="Footer Placeholder 5"/>
-          <p:cNvSpPr>
-            <a:spLocks noGrp="1"/>
-          </p:cNvSpPr>
-          <p:nvPr>
-            <p:ph type="ftr" sz="quarter" idx="12"/>
-          </p:nvPr>
-        </p:nvSpPr>
-        <p:spPr/>
-        <p:txBody>
-          <a:bodyPr/>
-          <a:lstStyle/>
-          <a:p>
-            <a:pPr>
-              <a:defRPr/>
-            </a:pPr>
-            <a:endParaRPr lang="en-US"/>
+            <a:r>
+              <a:rPr lang="en-CA" smtClean="0"/>
+              <a:t>Chef Software, Inc.</a:t>
+            </a:r>
+            <a:endParaRPr lang="en-US" dirty="0"/>
           </a:p>
         </p:txBody>
       </p:sp>
@@ -8897,12 +7750,12 @@
       </p:sp>
       <p:sp>
         <p:nvSpPr>
-          <p:cNvPr id="4" name="Slide Number Placeholder 3"/>
-          <p:cNvSpPr>
-            <a:spLocks noGrp="1"/>
-          </p:cNvSpPr>
-          <p:nvPr>
-            <p:ph type="sldNum" sz="quarter" idx="10"/>
+          <p:cNvPr id="5" name="Header Placeholder 4"/>
+          <p:cNvSpPr>
+            <a:spLocks noGrp="1"/>
+          </p:cNvSpPr>
+          <p:nvPr>
+            <p:ph type="hdr" sz="quarter" idx="11"/>
           </p:nvPr>
         </p:nvSpPr>
         <p:spPr/>
@@ -8913,25 +7766,22 @@
             <a:pPr>
               <a:defRPr/>
             </a:pPr>
-            <a:fld id="{DC3734AA-3150-D947-AC52-2F5DF48BFCD5}" type="slidenum">
+            <a:r>
               <a:rPr lang="en-US" smtClean="0"/>
-              <a:pPr>
-                <a:defRPr/>
-              </a:pPr>
-              <a:t>55</a:t>
-            </a:fld>
-            <a:endParaRPr lang="en-US" dirty="0"/>
-          </a:p>
-        </p:txBody>
-      </p:sp>
-      <p:sp>
-        <p:nvSpPr>
-          <p:cNvPr id="5" name="Header Placeholder 4"/>
-          <p:cNvSpPr>
-            <a:spLocks noGrp="1"/>
-          </p:cNvSpPr>
-          <p:nvPr>
-            <p:ph type="hdr" sz="quarter" idx="11"/>
+              <a:t>Test Driven Cookbook Development</a:t>
+            </a:r>
+            <a:endParaRPr lang="en-US"/>
+          </a:p>
+        </p:txBody>
+      </p:sp>
+      <p:sp>
+        <p:nvSpPr>
+          <p:cNvPr id="7" name="Date Placeholder 6"/>
+          <p:cNvSpPr>
+            <a:spLocks noGrp="1"/>
+          </p:cNvSpPr>
+          <p:nvPr>
+            <p:ph type="dt" idx="13"/>
           </p:nvPr>
         </p:nvSpPr>
         <p:spPr/>
@@ -8942,29 +7792,11 @@
             <a:pPr>
               <a:defRPr/>
             </a:pPr>
-            <a:endParaRPr lang="en-US"/>
-          </a:p>
-        </p:txBody>
-      </p:sp>
-      <p:sp>
-        <p:nvSpPr>
-          <p:cNvPr id="6" name="Footer Placeholder 5"/>
-          <p:cNvSpPr>
-            <a:spLocks noGrp="1"/>
-          </p:cNvSpPr>
-          <p:nvPr>
-            <p:ph type="ftr" sz="quarter" idx="12"/>
-          </p:nvPr>
-        </p:nvSpPr>
-        <p:spPr/>
-        <p:txBody>
-          <a:bodyPr/>
-          <a:lstStyle/>
-          <a:p>
-            <a:pPr>
-              <a:defRPr/>
-            </a:pPr>
-            <a:endParaRPr lang="en-US"/>
+            <a:r>
+              <a:rPr lang="en-CA" smtClean="0"/>
+              <a:t>Chef Software, Inc.</a:t>
+            </a:r>
+            <a:endParaRPr lang="en-US" dirty="0"/>
           </a:p>
         </p:txBody>
       </p:sp>
@@ -9044,12 +7876,12 @@
       </p:sp>
       <p:sp>
         <p:nvSpPr>
-          <p:cNvPr id="4" name="Slide Number Placeholder 3"/>
-          <p:cNvSpPr>
-            <a:spLocks noGrp="1"/>
-          </p:cNvSpPr>
-          <p:nvPr>
-            <p:ph type="sldNum" sz="quarter" idx="10"/>
+          <p:cNvPr id="5" name="Header Placeholder 4"/>
+          <p:cNvSpPr>
+            <a:spLocks noGrp="1"/>
+          </p:cNvSpPr>
+          <p:nvPr>
+            <p:ph type="hdr" sz="quarter" idx="11"/>
           </p:nvPr>
         </p:nvSpPr>
         <p:spPr/>
@@ -9060,25 +7892,22 @@
             <a:pPr>
               <a:defRPr/>
             </a:pPr>
-            <a:fld id="{DC3734AA-3150-D947-AC52-2F5DF48BFCD5}" type="slidenum">
+            <a:r>
               <a:rPr lang="en-US" smtClean="0"/>
-              <a:pPr>
-                <a:defRPr/>
-              </a:pPr>
-              <a:t>56</a:t>
-            </a:fld>
-            <a:endParaRPr lang="en-US" dirty="0"/>
-          </a:p>
-        </p:txBody>
-      </p:sp>
-      <p:sp>
-        <p:nvSpPr>
-          <p:cNvPr id="5" name="Header Placeholder 4"/>
-          <p:cNvSpPr>
-            <a:spLocks noGrp="1"/>
-          </p:cNvSpPr>
-          <p:nvPr>
-            <p:ph type="hdr" sz="quarter" idx="11"/>
+              <a:t>Test Driven Cookbook Development</a:t>
+            </a:r>
+            <a:endParaRPr lang="en-US"/>
+          </a:p>
+        </p:txBody>
+      </p:sp>
+      <p:sp>
+        <p:nvSpPr>
+          <p:cNvPr id="7" name="Date Placeholder 6"/>
+          <p:cNvSpPr>
+            <a:spLocks noGrp="1"/>
+          </p:cNvSpPr>
+          <p:nvPr>
+            <p:ph type="dt" idx="13"/>
           </p:nvPr>
         </p:nvSpPr>
         <p:spPr/>
@@ -9089,29 +7918,11 @@
             <a:pPr>
               <a:defRPr/>
             </a:pPr>
-            <a:endParaRPr lang="en-US"/>
-          </a:p>
-        </p:txBody>
-      </p:sp>
-      <p:sp>
-        <p:nvSpPr>
-          <p:cNvPr id="6" name="Footer Placeholder 5"/>
-          <p:cNvSpPr>
-            <a:spLocks noGrp="1"/>
-          </p:cNvSpPr>
-          <p:nvPr>
-            <p:ph type="ftr" sz="quarter" idx="12"/>
-          </p:nvPr>
-        </p:nvSpPr>
-        <p:spPr/>
-        <p:txBody>
-          <a:bodyPr/>
-          <a:lstStyle/>
-          <a:p>
-            <a:pPr>
-              <a:defRPr/>
-            </a:pPr>
-            <a:endParaRPr lang="en-US"/>
+            <a:r>
+              <a:rPr lang="en-CA" smtClean="0"/>
+              <a:t>Chef Software, Inc.</a:t>
+            </a:r>
+            <a:endParaRPr lang="en-US" dirty="0"/>
           </a:p>
         </p:txBody>
       </p:sp>
@@ -9203,12 +8014,12 @@
       </p:sp>
       <p:sp>
         <p:nvSpPr>
-          <p:cNvPr id="4" name="Slide Number Placeholder 3"/>
-          <p:cNvSpPr>
-            <a:spLocks noGrp="1"/>
-          </p:cNvSpPr>
-          <p:nvPr>
-            <p:ph type="sldNum" sz="quarter" idx="10"/>
+          <p:cNvPr id="5" name="Header Placeholder 4"/>
+          <p:cNvSpPr>
+            <a:spLocks noGrp="1"/>
+          </p:cNvSpPr>
+          <p:nvPr>
+            <p:ph type="hdr" sz="quarter" idx="11"/>
           </p:nvPr>
         </p:nvSpPr>
         <p:spPr/>
@@ -9219,25 +8030,22 @@
             <a:pPr>
               <a:defRPr/>
             </a:pPr>
-            <a:fld id="{DC3734AA-3150-D947-AC52-2F5DF48BFCD5}" type="slidenum">
+            <a:r>
               <a:rPr lang="en-US" smtClean="0"/>
-              <a:pPr>
-                <a:defRPr/>
-              </a:pPr>
-              <a:t>57</a:t>
-            </a:fld>
-            <a:endParaRPr lang="en-US" dirty="0"/>
-          </a:p>
-        </p:txBody>
-      </p:sp>
-      <p:sp>
-        <p:nvSpPr>
-          <p:cNvPr id="5" name="Header Placeholder 4"/>
-          <p:cNvSpPr>
-            <a:spLocks noGrp="1"/>
-          </p:cNvSpPr>
-          <p:nvPr>
-            <p:ph type="hdr" sz="quarter" idx="11"/>
+              <a:t>Test Driven Cookbook Development</a:t>
+            </a:r>
+            <a:endParaRPr lang="en-US"/>
+          </a:p>
+        </p:txBody>
+      </p:sp>
+      <p:sp>
+        <p:nvSpPr>
+          <p:cNvPr id="7" name="Date Placeholder 6"/>
+          <p:cNvSpPr>
+            <a:spLocks noGrp="1"/>
+          </p:cNvSpPr>
+          <p:nvPr>
+            <p:ph type="dt" idx="13"/>
           </p:nvPr>
         </p:nvSpPr>
         <p:spPr/>
@@ -9248,29 +8056,11 @@
             <a:pPr>
               <a:defRPr/>
             </a:pPr>
-            <a:endParaRPr lang="en-US"/>
-          </a:p>
-        </p:txBody>
-      </p:sp>
-      <p:sp>
-        <p:nvSpPr>
-          <p:cNvPr id="6" name="Footer Placeholder 5"/>
-          <p:cNvSpPr>
-            <a:spLocks noGrp="1"/>
-          </p:cNvSpPr>
-          <p:nvPr>
-            <p:ph type="ftr" sz="quarter" idx="12"/>
-          </p:nvPr>
-        </p:nvSpPr>
-        <p:spPr/>
-        <p:txBody>
-          <a:bodyPr/>
-          <a:lstStyle/>
-          <a:p>
-            <a:pPr>
-              <a:defRPr/>
-            </a:pPr>
-            <a:endParaRPr lang="en-US"/>
+            <a:r>
+              <a:rPr lang="en-CA" smtClean="0"/>
+              <a:t>Chef Software, Inc.</a:t>
+            </a:r>
+            <a:endParaRPr lang="en-US" dirty="0"/>
           </a:p>
         </p:txBody>
       </p:sp>
@@ -9361,12 +8151,12 @@
       </p:sp>
       <p:sp>
         <p:nvSpPr>
-          <p:cNvPr id="4" name="Slide Number Placeholder 3"/>
-          <p:cNvSpPr>
-            <a:spLocks noGrp="1"/>
-          </p:cNvSpPr>
-          <p:nvPr>
-            <p:ph type="sldNum" sz="quarter" idx="10"/>
+          <p:cNvPr id="5" name="Header Placeholder 4"/>
+          <p:cNvSpPr>
+            <a:spLocks noGrp="1"/>
+          </p:cNvSpPr>
+          <p:nvPr>
+            <p:ph type="hdr" sz="quarter" idx="11"/>
           </p:nvPr>
         </p:nvSpPr>
         <p:spPr/>
@@ -9377,25 +8167,22 @@
             <a:pPr>
               <a:defRPr/>
             </a:pPr>
-            <a:fld id="{DC3734AA-3150-D947-AC52-2F5DF48BFCD5}" type="slidenum">
+            <a:r>
               <a:rPr lang="en-US" smtClean="0"/>
-              <a:pPr>
-                <a:defRPr/>
-              </a:pPr>
-              <a:t>58</a:t>
-            </a:fld>
-            <a:endParaRPr lang="en-US" dirty="0"/>
-          </a:p>
-        </p:txBody>
-      </p:sp>
-      <p:sp>
-        <p:nvSpPr>
-          <p:cNvPr id="5" name="Header Placeholder 4"/>
-          <p:cNvSpPr>
-            <a:spLocks noGrp="1"/>
-          </p:cNvSpPr>
-          <p:nvPr>
-            <p:ph type="hdr" sz="quarter" idx="11"/>
+              <a:t>Test Driven Cookbook Development</a:t>
+            </a:r>
+            <a:endParaRPr lang="en-US"/>
+          </a:p>
+        </p:txBody>
+      </p:sp>
+      <p:sp>
+        <p:nvSpPr>
+          <p:cNvPr id="7" name="Date Placeholder 6"/>
+          <p:cNvSpPr>
+            <a:spLocks noGrp="1"/>
+          </p:cNvSpPr>
+          <p:nvPr>
+            <p:ph type="dt" idx="13"/>
           </p:nvPr>
         </p:nvSpPr>
         <p:spPr/>
@@ -9406,29 +8193,11 @@
             <a:pPr>
               <a:defRPr/>
             </a:pPr>
-            <a:endParaRPr lang="en-US"/>
-          </a:p>
-        </p:txBody>
-      </p:sp>
-      <p:sp>
-        <p:nvSpPr>
-          <p:cNvPr id="6" name="Footer Placeholder 5"/>
-          <p:cNvSpPr>
-            <a:spLocks noGrp="1"/>
-          </p:cNvSpPr>
-          <p:nvPr>
-            <p:ph type="ftr" sz="quarter" idx="12"/>
-          </p:nvPr>
-        </p:nvSpPr>
-        <p:spPr/>
-        <p:txBody>
-          <a:bodyPr/>
-          <a:lstStyle/>
-          <a:p>
-            <a:pPr>
-              <a:defRPr/>
-            </a:pPr>
-            <a:endParaRPr lang="en-US"/>
+            <a:r>
+              <a:rPr lang="en-CA" smtClean="0"/>
+              <a:t>Chef Software, Inc.</a:t>
+            </a:r>
+            <a:endParaRPr lang="en-US" dirty="0"/>
           </a:p>
         </p:txBody>
       </p:sp>
@@ -9436,6 +8205,119 @@
     <p:extLst>
       <p:ext uri="{BB962C8B-B14F-4D97-AF65-F5344CB8AC3E}">
         <p14:creationId xmlns:p14="http://schemas.microsoft.com/office/powerpoint/2010/main" val="75642648"/>
+      </p:ext>
+    </p:extLst>
+  </p:cSld>
+  <p:clrMapOvr>
+    <a:masterClrMapping/>
+  </p:clrMapOvr>
+</p:notes>
+</file>
+
+<file path=ppt/notesSlides/notesSlide59.xml><?xml version="1.0" encoding="utf-8"?>
+<p:notes xmlns:a="http://schemas.openxmlformats.org/drawingml/2006/main" xmlns:r="http://schemas.openxmlformats.org/officeDocument/2006/relationships" xmlns:p="http://schemas.openxmlformats.org/presentationml/2006/main">
+  <p:cSld>
+    <p:spTree>
+      <p:nvGrpSpPr>
+        <p:cNvPr id="1" name=""/>
+        <p:cNvGrpSpPr/>
+        <p:nvPr/>
+      </p:nvGrpSpPr>
+      <p:grpSpPr>
+        <a:xfrm>
+          <a:off x="0" y="0"/>
+          <a:ext cx="0" cy="0"/>
+          <a:chOff x="0" y="0"/>
+          <a:chExt cx="0" cy="0"/>
+        </a:xfrm>
+      </p:grpSpPr>
+      <p:sp>
+        <p:nvSpPr>
+          <p:cNvPr id="2" name="Slide Image Placeholder 1"/>
+          <p:cNvSpPr>
+            <a:spLocks noGrp="1" noRot="1" noChangeAspect="1"/>
+          </p:cNvSpPr>
+          <p:nvPr>
+            <p:ph type="sldImg"/>
+          </p:nvPr>
+        </p:nvSpPr>
+        <p:spPr/>
+      </p:sp>
+      <p:sp>
+        <p:nvSpPr>
+          <p:cNvPr id="3" name="Notes Placeholder 2"/>
+          <p:cNvSpPr>
+            <a:spLocks noGrp="1"/>
+          </p:cNvSpPr>
+          <p:nvPr>
+            <p:ph type="body" idx="1"/>
+          </p:nvPr>
+        </p:nvSpPr>
+        <p:spPr/>
+        <p:txBody>
+          <a:bodyPr/>
+          <a:lstStyle/>
+          <a:p>
+            <a:endParaRPr lang="en-US"/>
+          </a:p>
+        </p:txBody>
+      </p:sp>
+      <p:sp>
+        <p:nvSpPr>
+          <p:cNvPr id="4" name="Date Placeholder 3"/>
+          <p:cNvSpPr>
+            <a:spLocks noGrp="1"/>
+          </p:cNvSpPr>
+          <p:nvPr>
+            <p:ph type="dt" idx="10"/>
+          </p:nvPr>
+        </p:nvSpPr>
+        <p:spPr/>
+        <p:txBody>
+          <a:bodyPr/>
+          <a:lstStyle/>
+          <a:p>
+            <a:pPr>
+              <a:defRPr/>
+            </a:pPr>
+            <a:r>
+              <a:rPr lang="en-CA" smtClean="0"/>
+              <a:t>Chef Software, Inc.</a:t>
+            </a:r>
+            <a:endParaRPr lang="en-US" dirty="0"/>
+          </a:p>
+        </p:txBody>
+      </p:sp>
+      <p:sp>
+        <p:nvSpPr>
+          <p:cNvPr id="5" name="Header Placeholder 4"/>
+          <p:cNvSpPr>
+            <a:spLocks noGrp="1"/>
+          </p:cNvSpPr>
+          <p:nvPr>
+            <p:ph type="hdr" sz="quarter" idx="11"/>
+          </p:nvPr>
+        </p:nvSpPr>
+        <p:spPr/>
+        <p:txBody>
+          <a:bodyPr/>
+          <a:lstStyle/>
+          <a:p>
+            <a:pPr>
+              <a:defRPr/>
+            </a:pPr>
+            <a:r>
+              <a:rPr lang="en-US" smtClean="0"/>
+              <a:t>Test Driven Cookbook Development</a:t>
+            </a:r>
+            <a:endParaRPr lang="en-US" dirty="0"/>
+          </a:p>
+        </p:txBody>
+      </p:sp>
+    </p:spTree>
+    <p:extLst>
+      <p:ext uri="{BB962C8B-B14F-4D97-AF65-F5344CB8AC3E}">
+        <p14:creationId xmlns:p14="http://schemas.microsoft.com/office/powerpoint/2010/main" val="1855867261"/>
       </p:ext>
     </p:extLst>
   </p:cSld>
@@ -9517,12 +8399,12 @@
       </p:sp>
       <p:sp>
         <p:nvSpPr>
-          <p:cNvPr id="4" name="Slide Number Placeholder 3"/>
-          <p:cNvSpPr>
-            <a:spLocks noGrp="1"/>
-          </p:cNvSpPr>
-          <p:nvPr>
-            <p:ph type="sldNum" sz="quarter" idx="10"/>
+          <p:cNvPr id="5" name="Header Placeholder 4"/>
+          <p:cNvSpPr>
+            <a:spLocks noGrp="1"/>
+          </p:cNvSpPr>
+          <p:nvPr>
+            <p:ph type="hdr" sz="quarter" idx="11"/>
           </p:nvPr>
         </p:nvSpPr>
         <p:spPr/>
@@ -9533,25 +8415,22 @@
             <a:pPr>
               <a:defRPr/>
             </a:pPr>
-            <a:fld id="{DC3734AA-3150-D947-AC52-2F5DF48BFCD5}" type="slidenum">
+            <a:r>
               <a:rPr lang="en-US" smtClean="0"/>
-              <a:pPr>
-                <a:defRPr/>
-              </a:pPr>
-              <a:t>6</a:t>
-            </a:fld>
-            <a:endParaRPr lang="en-US" dirty="0"/>
-          </a:p>
-        </p:txBody>
-      </p:sp>
-      <p:sp>
-        <p:nvSpPr>
-          <p:cNvPr id="5" name="Header Placeholder 4"/>
-          <p:cNvSpPr>
-            <a:spLocks noGrp="1"/>
-          </p:cNvSpPr>
-          <p:nvPr>
-            <p:ph type="hdr" sz="quarter" idx="11"/>
+              <a:t>Test Driven Cookbook Development</a:t>
+            </a:r>
+            <a:endParaRPr lang="en-US"/>
+          </a:p>
+        </p:txBody>
+      </p:sp>
+      <p:sp>
+        <p:nvSpPr>
+          <p:cNvPr id="7" name="Date Placeholder 6"/>
+          <p:cNvSpPr>
+            <a:spLocks noGrp="1"/>
+          </p:cNvSpPr>
+          <p:nvPr>
+            <p:ph type="dt" idx="13"/>
           </p:nvPr>
         </p:nvSpPr>
         <p:spPr/>
@@ -9562,29 +8441,11 @@
             <a:pPr>
               <a:defRPr/>
             </a:pPr>
-            <a:endParaRPr lang="en-US"/>
-          </a:p>
-        </p:txBody>
-      </p:sp>
-      <p:sp>
-        <p:nvSpPr>
-          <p:cNvPr id="6" name="Footer Placeholder 5"/>
-          <p:cNvSpPr>
-            <a:spLocks noGrp="1"/>
-          </p:cNvSpPr>
-          <p:nvPr>
-            <p:ph type="ftr" sz="quarter" idx="12"/>
-          </p:nvPr>
-        </p:nvSpPr>
-        <p:spPr/>
-        <p:txBody>
-          <a:bodyPr/>
-          <a:lstStyle/>
-          <a:p>
-            <a:pPr>
-              <a:defRPr/>
-            </a:pPr>
-            <a:endParaRPr lang="en-US"/>
+            <a:r>
+              <a:rPr lang="en-CA" smtClean="0"/>
+              <a:t>Chef Software, Inc.</a:t>
+            </a:r>
+            <a:endParaRPr lang="en-US" dirty="0"/>
           </a:p>
         </p:txBody>
       </p:sp>
@@ -9687,12 +8548,12 @@
       </p:sp>
       <p:sp>
         <p:nvSpPr>
-          <p:cNvPr id="4" name="Slide Number Placeholder 3"/>
-          <p:cNvSpPr>
-            <a:spLocks noGrp="1"/>
-          </p:cNvSpPr>
-          <p:nvPr>
-            <p:ph type="sldNum" sz="quarter" idx="10"/>
+          <p:cNvPr id="5" name="Header Placeholder 4"/>
+          <p:cNvSpPr>
+            <a:spLocks noGrp="1"/>
+          </p:cNvSpPr>
+          <p:nvPr>
+            <p:ph type="hdr" sz="quarter" idx="11"/>
           </p:nvPr>
         </p:nvSpPr>
         <p:spPr/>
@@ -9703,25 +8564,22 @@
             <a:pPr>
               <a:defRPr/>
             </a:pPr>
-            <a:fld id="{DC3734AA-3150-D947-AC52-2F5DF48BFCD5}" type="slidenum">
+            <a:r>
               <a:rPr lang="en-US" smtClean="0"/>
-              <a:pPr>
-                <a:defRPr/>
-              </a:pPr>
-              <a:t>7</a:t>
-            </a:fld>
-            <a:endParaRPr lang="en-US" dirty="0"/>
-          </a:p>
-        </p:txBody>
-      </p:sp>
-      <p:sp>
-        <p:nvSpPr>
-          <p:cNvPr id="5" name="Header Placeholder 4"/>
-          <p:cNvSpPr>
-            <a:spLocks noGrp="1"/>
-          </p:cNvSpPr>
-          <p:nvPr>
-            <p:ph type="hdr" sz="quarter" idx="11"/>
+              <a:t>Test Driven Cookbook Development</a:t>
+            </a:r>
+            <a:endParaRPr lang="en-US"/>
+          </a:p>
+        </p:txBody>
+      </p:sp>
+      <p:sp>
+        <p:nvSpPr>
+          <p:cNvPr id="7" name="Date Placeholder 6"/>
+          <p:cNvSpPr>
+            <a:spLocks noGrp="1"/>
+          </p:cNvSpPr>
+          <p:nvPr>
+            <p:ph type="dt" idx="13"/>
           </p:nvPr>
         </p:nvSpPr>
         <p:spPr/>
@@ -9732,29 +8590,11 @@
             <a:pPr>
               <a:defRPr/>
             </a:pPr>
-            <a:endParaRPr lang="en-US"/>
-          </a:p>
-        </p:txBody>
-      </p:sp>
-      <p:sp>
-        <p:nvSpPr>
-          <p:cNvPr id="6" name="Footer Placeholder 5"/>
-          <p:cNvSpPr>
-            <a:spLocks noGrp="1"/>
-          </p:cNvSpPr>
-          <p:nvPr>
-            <p:ph type="ftr" sz="quarter" idx="12"/>
-          </p:nvPr>
-        </p:nvSpPr>
-        <p:spPr/>
-        <p:txBody>
-          <a:bodyPr/>
-          <a:lstStyle/>
-          <a:p>
-            <a:pPr>
-              <a:defRPr/>
-            </a:pPr>
-            <a:endParaRPr lang="en-US"/>
+            <a:r>
+              <a:rPr lang="en-CA" smtClean="0"/>
+              <a:t>Chef Software, Inc.</a:t>
+            </a:r>
+            <a:endParaRPr lang="en-US" dirty="0"/>
           </a:p>
         </p:txBody>
       </p:sp>
@@ -9841,12 +8681,12 @@
       </p:sp>
       <p:sp>
         <p:nvSpPr>
-          <p:cNvPr id="4" name="Slide Number Placeholder 3"/>
-          <p:cNvSpPr>
-            <a:spLocks noGrp="1"/>
-          </p:cNvSpPr>
-          <p:nvPr>
-            <p:ph type="sldNum" sz="quarter" idx="10"/>
+          <p:cNvPr id="5" name="Header Placeholder 4"/>
+          <p:cNvSpPr>
+            <a:spLocks noGrp="1"/>
+          </p:cNvSpPr>
+          <p:nvPr>
+            <p:ph type="hdr" sz="quarter" idx="11"/>
           </p:nvPr>
         </p:nvSpPr>
         <p:spPr/>
@@ -9857,25 +8697,22 @@
             <a:pPr>
               <a:defRPr/>
             </a:pPr>
-            <a:fld id="{DC3734AA-3150-D947-AC52-2F5DF48BFCD5}" type="slidenum">
+            <a:r>
               <a:rPr lang="en-US" smtClean="0"/>
-              <a:pPr>
-                <a:defRPr/>
-              </a:pPr>
-              <a:t>8</a:t>
-            </a:fld>
-            <a:endParaRPr lang="en-US" dirty="0"/>
-          </a:p>
-        </p:txBody>
-      </p:sp>
-      <p:sp>
-        <p:nvSpPr>
-          <p:cNvPr id="5" name="Header Placeholder 4"/>
-          <p:cNvSpPr>
-            <a:spLocks noGrp="1"/>
-          </p:cNvSpPr>
-          <p:nvPr>
-            <p:ph type="hdr" sz="quarter" idx="11"/>
+              <a:t>Test Driven Cookbook Development</a:t>
+            </a:r>
+            <a:endParaRPr lang="en-US"/>
+          </a:p>
+        </p:txBody>
+      </p:sp>
+      <p:sp>
+        <p:nvSpPr>
+          <p:cNvPr id="7" name="Date Placeholder 6"/>
+          <p:cNvSpPr>
+            <a:spLocks noGrp="1"/>
+          </p:cNvSpPr>
+          <p:nvPr>
+            <p:ph type="dt" idx="13"/>
           </p:nvPr>
         </p:nvSpPr>
         <p:spPr/>
@@ -9886,29 +8723,11 @@
             <a:pPr>
               <a:defRPr/>
             </a:pPr>
-            <a:endParaRPr lang="en-US"/>
-          </a:p>
-        </p:txBody>
-      </p:sp>
-      <p:sp>
-        <p:nvSpPr>
-          <p:cNvPr id="6" name="Footer Placeholder 5"/>
-          <p:cNvSpPr>
-            <a:spLocks noGrp="1"/>
-          </p:cNvSpPr>
-          <p:nvPr>
-            <p:ph type="ftr" sz="quarter" idx="12"/>
-          </p:nvPr>
-        </p:nvSpPr>
-        <p:spPr/>
-        <p:txBody>
-          <a:bodyPr/>
-          <a:lstStyle/>
-          <a:p>
-            <a:pPr>
-              <a:defRPr/>
-            </a:pPr>
-            <a:endParaRPr lang="en-US"/>
+            <a:r>
+              <a:rPr lang="en-CA" smtClean="0"/>
+              <a:t>Chef Software, Inc.</a:t>
+            </a:r>
+            <a:endParaRPr lang="en-US" dirty="0"/>
           </a:p>
         </p:txBody>
       </p:sp>
@@ -10005,12 +8824,12 @@
       </p:sp>
       <p:sp>
         <p:nvSpPr>
-          <p:cNvPr id="4" name="Slide Number Placeholder 3"/>
-          <p:cNvSpPr>
-            <a:spLocks noGrp="1"/>
-          </p:cNvSpPr>
-          <p:nvPr>
-            <p:ph type="sldNum" sz="quarter" idx="10"/>
+          <p:cNvPr id="5" name="Header Placeholder 4"/>
+          <p:cNvSpPr>
+            <a:spLocks noGrp="1"/>
+          </p:cNvSpPr>
+          <p:nvPr>
+            <p:ph type="hdr" sz="quarter" idx="11"/>
           </p:nvPr>
         </p:nvSpPr>
         <p:spPr/>
@@ -10021,25 +8840,22 @@
             <a:pPr>
               <a:defRPr/>
             </a:pPr>
-            <a:fld id="{DC3734AA-3150-D947-AC52-2F5DF48BFCD5}" type="slidenum">
+            <a:r>
               <a:rPr lang="en-US" smtClean="0"/>
-              <a:pPr>
-                <a:defRPr/>
-              </a:pPr>
-              <a:t>9</a:t>
-            </a:fld>
-            <a:endParaRPr lang="en-US" dirty="0"/>
-          </a:p>
-        </p:txBody>
-      </p:sp>
-      <p:sp>
-        <p:nvSpPr>
-          <p:cNvPr id="5" name="Header Placeholder 4"/>
-          <p:cNvSpPr>
-            <a:spLocks noGrp="1"/>
-          </p:cNvSpPr>
-          <p:nvPr>
-            <p:ph type="hdr" sz="quarter" idx="11"/>
+              <a:t>Test Driven Cookbook Development</a:t>
+            </a:r>
+            <a:endParaRPr lang="en-US"/>
+          </a:p>
+        </p:txBody>
+      </p:sp>
+      <p:sp>
+        <p:nvSpPr>
+          <p:cNvPr id="7" name="Date Placeholder 6"/>
+          <p:cNvSpPr>
+            <a:spLocks noGrp="1"/>
+          </p:cNvSpPr>
+          <p:nvPr>
+            <p:ph type="dt" idx="13"/>
           </p:nvPr>
         </p:nvSpPr>
         <p:spPr/>
@@ -10050,29 +8866,11 @@
             <a:pPr>
               <a:defRPr/>
             </a:pPr>
-            <a:endParaRPr lang="en-US"/>
-          </a:p>
-        </p:txBody>
-      </p:sp>
-      <p:sp>
-        <p:nvSpPr>
-          <p:cNvPr id="6" name="Footer Placeholder 5"/>
-          <p:cNvSpPr>
-            <a:spLocks noGrp="1"/>
-          </p:cNvSpPr>
-          <p:nvPr>
-            <p:ph type="ftr" sz="quarter" idx="12"/>
-          </p:nvPr>
-        </p:nvSpPr>
-        <p:spPr/>
-        <p:txBody>
-          <a:bodyPr/>
-          <a:lstStyle/>
-          <a:p>
-            <a:pPr>
-              <a:defRPr/>
-            </a:pPr>
-            <a:endParaRPr lang="en-US"/>
+            <a:r>
+              <a:rPr lang="en-CA" smtClean="0"/>
+              <a:t>Chef Software, Inc.</a:t>
+            </a:r>
+            <a:endParaRPr lang="en-US" dirty="0"/>
           </a:p>
         </p:txBody>
       </p:sp>
@@ -10226,7 +9024,7 @@
   <p:clrMapOvr>
     <a:masterClrMapping/>
   </p:clrMapOvr>
-  <p:transition xmlns:p14="http://schemas.microsoft.com/office/powerpoint/2010/main" spd="med">
+  <p:transition spd="med">
     <p:fade/>
   </p:transition>
 </p:sldLayout>
@@ -10521,7 +9319,7 @@
   <p:clrMapOvr>
     <a:overrideClrMapping bg1="lt1" tx1="dk1" bg2="lt2" tx2="dk2" accent1="accent1" accent2="accent2" accent3="accent3" accent4="accent4" accent5="accent5" accent6="accent6" hlink="hlink" folHlink="folHlink"/>
   </p:clrMapOvr>
-  <p:transition xmlns:p14="http://schemas.microsoft.com/office/powerpoint/2010/main" spd="med">
+  <p:transition spd="med">
     <p:fade/>
   </p:transition>
 </p:sldLayout>
@@ -10654,14 +9452,14 @@
           </a:ln>
           <a:extLst>
             <a:ext uri="{909E8E84-426E-40dd-AFC4-6F175D3DCCD1}">
-              <a14:hiddenFill xmlns:a14="http://schemas.microsoft.com/office/drawing/2010/main">
+              <a14:hiddenFill xmlns:a14="http://schemas.microsoft.com/office/drawing/2010/main" xmlns="">
                 <a:solidFill>
                   <a:srgbClr val="FFFFFF"/>
                 </a:solidFill>
               </a14:hiddenFill>
             </a:ext>
             <a:ext uri="{91240B29-F687-4f45-9708-019B960494DF}">
-              <a14:hiddenLine xmlns:a14="http://schemas.microsoft.com/office/drawing/2010/main" w="9525">
+              <a14:hiddenLine xmlns:a14="http://schemas.microsoft.com/office/drawing/2010/main" xmlns="" w="9525">
                 <a:solidFill>
                   <a:srgbClr val="000000"/>
                 </a:solidFill>
@@ -10809,14 +9607,14 @@
           </a:ln>
           <a:extLst>
             <a:ext uri="{909E8E84-426E-40dd-AFC4-6F175D3DCCD1}">
-              <a14:hiddenFill xmlns:a14="http://schemas.microsoft.com/office/drawing/2010/main">
+              <a14:hiddenFill xmlns:a14="http://schemas.microsoft.com/office/drawing/2010/main" xmlns="">
                 <a:solidFill>
                   <a:srgbClr val="FFFFFF"/>
                 </a:solidFill>
               </a14:hiddenFill>
             </a:ext>
             <a:ext uri="{91240B29-F687-4f45-9708-019B960494DF}">
-              <a14:hiddenLine xmlns:a14="http://schemas.microsoft.com/office/drawing/2010/main" w="9525">
+              <a14:hiddenLine xmlns:a14="http://schemas.microsoft.com/office/drawing/2010/main" xmlns="" w="9525">
                 <a:solidFill>
                   <a:srgbClr val="000000"/>
                 </a:solidFill>
@@ -11214,7 +10012,7 @@
   <p:clrMapOvr>
     <a:overrideClrMapping bg1="lt1" tx1="dk1" bg2="lt2" tx2="dk2" accent1="accent1" accent2="accent2" accent3="accent3" accent4="accent4" accent5="accent5" accent6="accent6" hlink="hlink" folHlink="folHlink"/>
   </p:clrMapOvr>
-  <p:transition xmlns:p14="http://schemas.microsoft.com/office/powerpoint/2010/main" spd="med">
+  <p:transition spd="med">
     <p:fade/>
   </p:transition>
 </p:sldLayout>
@@ -11307,14 +10105,14 @@
           </a:ln>
           <a:extLst>
             <a:ext uri="{909E8E84-426E-40dd-AFC4-6F175D3DCCD1}">
-              <a14:hiddenFill xmlns:a14="http://schemas.microsoft.com/office/drawing/2010/main">
+              <a14:hiddenFill xmlns:a14="http://schemas.microsoft.com/office/drawing/2010/main" xmlns="">
                 <a:solidFill>
                   <a:srgbClr val="FFFFFF"/>
                 </a:solidFill>
               </a14:hiddenFill>
             </a:ext>
             <a:ext uri="{91240B29-F687-4f45-9708-019B960494DF}">
-              <a14:hiddenLine xmlns:a14="http://schemas.microsoft.com/office/drawing/2010/main" w="9525">
+              <a14:hiddenLine xmlns:a14="http://schemas.microsoft.com/office/drawing/2010/main" xmlns="" w="9525">
                 <a:solidFill>
                   <a:srgbClr val="000000"/>
                 </a:solidFill>
@@ -11336,7 +10134,7 @@
   <p:clrMapOvr>
     <a:masterClrMapping/>
   </p:clrMapOvr>
-  <p:transition xmlns:p14="http://schemas.microsoft.com/office/powerpoint/2010/main" spd="med">
+  <p:transition spd="med">
     <p:fade/>
   </p:transition>
 </p:sldLayout>
@@ -11623,7 +10421,7 @@
   <p:clrMapOvr>
     <a:masterClrMapping/>
   </p:clrMapOvr>
-  <p:transition xmlns:p14="http://schemas.microsoft.com/office/powerpoint/2010/main" spd="med">
+  <p:transition spd="med">
     <p:fade/>
   </p:transition>
 </p:sldLayout>
@@ -11910,7 +10708,7 @@
   <p:clrMapOvr>
     <a:masterClrMapping/>
   </p:clrMapOvr>
-  <p:transition xmlns:p14="http://schemas.microsoft.com/office/powerpoint/2010/main" spd="med">
+  <p:transition spd="med">
     <p:fade/>
   </p:transition>
 </p:sldLayout>
@@ -12259,7 +11057,7 @@
   <p:clrMapOvr>
     <a:masterClrMapping/>
   </p:clrMapOvr>
-  <p:transition xmlns:p14="http://schemas.microsoft.com/office/powerpoint/2010/main" spd="med">
+  <p:transition spd="med">
     <p:fade/>
   </p:transition>
 </p:sldLayout>
@@ -12546,7 +11344,7 @@
   <p:clrMapOvr>
     <a:masterClrMapping/>
   </p:clrMapOvr>
-  <p:transition xmlns:p14="http://schemas.microsoft.com/office/powerpoint/2010/main" spd="med">
+  <p:transition spd="med">
     <p:fade/>
   </p:transition>
 </p:sldLayout>
@@ -12763,14 +11561,14 @@
           </a:ln>
           <a:extLst>
             <a:ext uri="{909E8E84-426E-40dd-AFC4-6F175D3DCCD1}">
-              <a14:hiddenFill xmlns:a14="http://schemas.microsoft.com/office/drawing/2010/main">
+              <a14:hiddenFill xmlns:a14="http://schemas.microsoft.com/office/drawing/2010/main" xmlns="">
                 <a:solidFill>
                   <a:srgbClr val="FFFFFF"/>
                 </a:solidFill>
               </a14:hiddenFill>
             </a:ext>
             <a:ext uri="{91240B29-F687-4f45-9708-019B960494DF}">
-              <a14:hiddenLine xmlns:a14="http://schemas.microsoft.com/office/drawing/2010/main" w="9525">
+              <a14:hiddenLine xmlns:a14="http://schemas.microsoft.com/office/drawing/2010/main" xmlns="" w="9525">
                 <a:solidFill>
                   <a:srgbClr val="000000"/>
                 </a:solidFill>
@@ -12967,7 +11765,7 @@
   <p:clrMapOvr>
     <a:masterClrMapping/>
   </p:clrMapOvr>
-  <p:transition xmlns:p14="http://schemas.microsoft.com/office/powerpoint/2010/main" spd="med">
+  <p:transition spd="med">
     <p:fade/>
   </p:transition>
 </p:sldLayout>
@@ -13255,7 +12053,7 @@
   <p:clrMapOvr>
     <a:masterClrMapping/>
   </p:clrMapOvr>
-  <p:transition xmlns:p14="http://schemas.microsoft.com/office/powerpoint/2010/main" spd="med">
+  <p:transition spd="med">
     <p:fade/>
   </p:transition>
 </p:sldLayout>
@@ -13567,7 +12365,7 @@
   <p:clrMapOvr>
     <a:masterClrMapping/>
   </p:clrMapOvr>
-  <p:transition xmlns:p14="http://schemas.microsoft.com/office/powerpoint/2010/main" spd="med">
+  <p:transition spd="med">
     <p:fade/>
   </p:transition>
 </p:sldLayout>
@@ -13744,7 +12542,7 @@
   <p:clrMapOvr>
     <a:masterClrMapping/>
   </p:clrMapOvr>
-  <p:transition xmlns:p14="http://schemas.microsoft.com/office/powerpoint/2010/main" spd="med">
+  <p:transition spd="med">
     <p:fade/>
   </p:transition>
 </p:sldLayout>
@@ -14048,7 +12846,7 @@
   <p:clrMapOvr>
     <a:masterClrMapping/>
   </p:clrMapOvr>
-  <p:transition xmlns:p14="http://schemas.microsoft.com/office/powerpoint/2010/main" spd="med">
+  <p:transition spd="med">
     <p:fade/>
   </p:transition>
 </p:sldLayout>
@@ -14124,14 +12922,14 @@
           </a:ln>
           <a:extLst>
             <a:ext uri="{909E8E84-426E-40dd-AFC4-6F175D3DCCD1}">
-              <a14:hiddenFill xmlns:a14="http://schemas.microsoft.com/office/drawing/2010/main">
+              <a14:hiddenFill xmlns:a14="http://schemas.microsoft.com/office/drawing/2010/main" xmlns="">
                 <a:solidFill>
                   <a:srgbClr val="FFFFFF"/>
                 </a:solidFill>
               </a14:hiddenFill>
             </a:ext>
             <a:ext uri="{91240B29-F687-4f45-9708-019B960494DF}">
-              <a14:hiddenLine xmlns:a14="http://schemas.microsoft.com/office/drawing/2010/main" w="9525">
+              <a14:hiddenLine xmlns:a14="http://schemas.microsoft.com/office/drawing/2010/main" xmlns="" w="9525">
                 <a:solidFill>
                   <a:srgbClr val="000000"/>
                 </a:solidFill>
@@ -14407,7 +13205,7 @@
   <p:clrMapOvr>
     <a:overrideClrMapping bg1="lt1" tx1="dk1" bg2="lt2" tx2="dk2" accent1="accent1" accent2="accent2" accent3="accent3" accent4="accent4" accent5="accent5" accent6="accent6" hlink="hlink" folHlink="folHlink"/>
   </p:clrMapOvr>
-  <p:transition xmlns:p14="http://schemas.microsoft.com/office/powerpoint/2010/main" spd="med">
+  <p:transition spd="med">
     <p:fade/>
   </p:transition>
 </p:sldLayout>
@@ -14613,7 +13411,7 @@
   <p:clrMapOvr>
     <a:overrideClrMapping bg1="lt1" tx1="dk1" bg2="lt2" tx2="dk2" accent1="accent1" accent2="accent2" accent3="accent3" accent4="accent4" accent5="accent5" accent6="accent6" hlink="hlink" folHlink="folHlink"/>
   </p:clrMapOvr>
-  <p:transition xmlns:p14="http://schemas.microsoft.com/office/powerpoint/2010/main" spd="med">
+  <p:transition spd="med">
     <p:fade/>
   </p:transition>
 </p:sldLayout>
@@ -14689,14 +13487,14 @@
           </a:ln>
           <a:extLst>
             <a:ext uri="{909E8E84-426E-40dd-AFC4-6F175D3DCCD1}">
-              <a14:hiddenFill xmlns:a14="http://schemas.microsoft.com/office/drawing/2010/main">
+              <a14:hiddenFill xmlns:a14="http://schemas.microsoft.com/office/drawing/2010/main" xmlns="">
                 <a:solidFill>
                   <a:srgbClr val="FFFFFF"/>
                 </a:solidFill>
               </a14:hiddenFill>
             </a:ext>
             <a:ext uri="{91240B29-F687-4f45-9708-019B960494DF}">
-              <a14:hiddenLine xmlns:a14="http://schemas.microsoft.com/office/drawing/2010/main" w="9525">
+              <a14:hiddenLine xmlns:a14="http://schemas.microsoft.com/office/drawing/2010/main" xmlns="" w="9525">
                 <a:solidFill>
                   <a:srgbClr val="000000"/>
                 </a:solidFill>
@@ -14979,7 +13777,7 @@
   <p:clrMapOvr>
     <a:overrideClrMapping bg1="lt1" tx1="dk1" bg2="lt2" tx2="dk2" accent1="accent1" accent2="accent2" accent3="accent3" accent4="accent4" accent5="accent5" accent6="accent6" hlink="hlink" folHlink="folHlink"/>
   </p:clrMapOvr>
-  <p:transition xmlns:p14="http://schemas.microsoft.com/office/powerpoint/2010/main" spd="med">
+  <p:transition spd="med">
     <p:fade/>
   </p:transition>
 </p:sldLayout>
@@ -15187,7 +13985,7 @@
   <p:clrMapOvr>
     <a:overrideClrMapping bg1="lt1" tx1="dk1" bg2="lt2" tx2="dk2" accent1="accent1" accent2="accent2" accent3="accent3" accent4="accent4" accent5="accent5" accent6="accent6" hlink="hlink" folHlink="folHlink"/>
   </p:clrMapOvr>
-  <p:transition xmlns:p14="http://schemas.microsoft.com/office/powerpoint/2010/main" spd="med">
+  <p:transition spd="med">
     <p:fade/>
   </p:transition>
 </p:sldLayout>
@@ -15263,14 +14061,14 @@
           </a:ln>
           <a:extLst>
             <a:ext uri="{909E8E84-426E-40dd-AFC4-6F175D3DCCD1}">
-              <a14:hiddenFill xmlns:a14="http://schemas.microsoft.com/office/drawing/2010/main">
+              <a14:hiddenFill xmlns:a14="http://schemas.microsoft.com/office/drawing/2010/main" xmlns="">
                 <a:solidFill>
                   <a:srgbClr val="FFFFFF"/>
                 </a:solidFill>
               </a14:hiddenFill>
             </a:ext>
             <a:ext uri="{91240B29-F687-4f45-9708-019B960494DF}">
-              <a14:hiddenLine xmlns:a14="http://schemas.microsoft.com/office/drawing/2010/main" w="9525">
+              <a14:hiddenLine xmlns:a14="http://schemas.microsoft.com/office/drawing/2010/main" xmlns="" w="9525">
                 <a:solidFill>
                   <a:srgbClr val="000000"/>
                 </a:solidFill>
@@ -15538,7 +14336,7 @@
   <p:clrMapOvr>
     <a:overrideClrMapping bg1="lt1" tx1="dk1" bg2="lt2" tx2="dk2" accent1="accent1" accent2="accent2" accent3="accent3" accent4="accent4" accent5="accent5" accent6="accent6" hlink="hlink" folHlink="folHlink"/>
   </p:clrMapOvr>
-  <p:transition xmlns:p14="http://schemas.microsoft.com/office/powerpoint/2010/main" spd="med">
+  <p:transition spd="med">
     <p:fade/>
   </p:transition>
 </p:sldLayout>
@@ -15766,7 +14564,7 @@
   <p:clrMapOvr>
     <a:overrideClrMapping bg1="lt1" tx1="dk1" bg2="lt2" tx2="dk2" accent1="accent1" accent2="accent2" accent3="accent3" accent4="accent4" accent5="accent5" accent6="accent6" hlink="hlink" folHlink="folHlink"/>
   </p:clrMapOvr>
-  <p:transition xmlns:p14="http://schemas.microsoft.com/office/powerpoint/2010/main" spd="med">
+  <p:transition spd="med">
     <p:fade/>
   </p:transition>
 </p:sldLayout>
@@ -16054,7 +14852,7 @@
   <p:clrMapOvr>
     <a:overrideClrMapping bg1="lt1" tx1="dk1" bg2="lt2" tx2="dk2" accent1="accent1" accent2="accent2" accent3="accent3" accent4="accent4" accent5="accent5" accent6="accent6" hlink="hlink" folHlink="folHlink"/>
   </p:clrMapOvr>
-  <p:transition xmlns:p14="http://schemas.microsoft.com/office/powerpoint/2010/main" spd="med">
+  <p:transition spd="med">
     <p:fade/>
   </p:transition>
 </p:sldLayout>
@@ -16210,14 +15008,14 @@
           </a:ln>
           <a:extLst>
             <a:ext uri="{909E8E84-426E-40dd-AFC4-6F175D3DCCD1}">
-              <a14:hiddenFill xmlns:a14="http://schemas.microsoft.com/office/drawing/2010/main">
+              <a14:hiddenFill xmlns:a14="http://schemas.microsoft.com/office/drawing/2010/main" xmlns="">
                 <a:solidFill>
                   <a:srgbClr val="FFFFFF"/>
                 </a:solidFill>
               </a14:hiddenFill>
             </a:ext>
             <a:ext uri="{91240B29-F687-4f45-9708-019B960494DF}">
-              <a14:hiddenLine xmlns:a14="http://schemas.microsoft.com/office/drawing/2010/main" w="9525">
+              <a14:hiddenLine xmlns:a14="http://schemas.microsoft.com/office/drawing/2010/main" xmlns="" w="9525">
                 <a:solidFill>
                   <a:srgbClr val="000000"/>
                 </a:solidFill>
@@ -16297,7 +15095,7 @@
               <a:defRPr/>
             </a:pPr>
             <a:r>
-              <a:rPr lang="en-US">
+              <a:rPr lang="en-US" dirty="0" smtClean="0">
                 <a:solidFill>
                   <a:srgbClr val="7D868C"/>
                 </a:solidFill>
@@ -16308,7 +15106,7 @@
               <a:t>©</a:t>
             </a:r>
             <a:r>
-              <a:rPr lang="en-US" smtClean="0">
+              <a:rPr lang="is-IS" dirty="0" smtClean="0">
                 <a:solidFill>
                   <a:srgbClr val="7D868C"/>
                 </a:solidFill>
@@ -16316,7 +15114,18 @@
                 <a:ea typeface="+mn-ea"/>
                 <a:cs typeface="+mn-cs"/>
               </a:rPr>
-              <a:t>2016 </a:t>
+              <a:t>2017</a:t>
+            </a:r>
+            <a:r>
+              <a:rPr lang="en-US" dirty="0" smtClean="0">
+                <a:solidFill>
+                  <a:srgbClr val="7D868C"/>
+                </a:solidFill>
+                <a:latin typeface="+mn-lt"/>
+                <a:ea typeface="+mn-ea"/>
+                <a:cs typeface="+mn-cs"/>
+              </a:rPr>
+              <a:t> </a:t>
             </a:r>
             <a:r>
               <a:rPr lang="en-US" dirty="0">
@@ -16456,13 +15265,13 @@
     <p:sldLayoutId id="2147483841" r:id="rId11"/>
     <p:sldLayoutId id="2147483843" r:id="rId12"/>
   </p:sldLayoutIdLst>
-  <p:transition xmlns:p14="http://schemas.microsoft.com/office/powerpoint/2010/main" spd="med">
+  <p:transition spd="med">
     <p:fade/>
   </p:transition>
   <p:timing>
     <p:tnLst>
       <p:par>
-        <p:cTn xmlns:p14="http://schemas.microsoft.com/office/powerpoint/2010/main" id="1" dur="indefinite" restart="never" nodeType="tmRoot"/>
+        <p:cTn id="1" dur="indefinite" restart="never" nodeType="tmRoot"/>
       </p:par>
     </p:tnLst>
   </p:timing>
@@ -16990,14 +15799,14 @@
           </a:ln>
           <a:extLst>
             <a:ext uri="{909E8E84-426E-40dd-AFC4-6F175D3DCCD1}">
-              <a14:hiddenFill xmlns:a14="http://schemas.microsoft.com/office/drawing/2010/main">
+              <a14:hiddenFill xmlns:a14="http://schemas.microsoft.com/office/drawing/2010/main" xmlns="">
                 <a:solidFill>
                   <a:srgbClr val="FFFFFF"/>
                 </a:solidFill>
               </a14:hiddenFill>
             </a:ext>
             <a:ext uri="{91240B29-F687-4f45-9708-019B960494DF}">
-              <a14:hiddenLine xmlns:a14="http://schemas.microsoft.com/office/drawing/2010/main" w="9525">
+              <a14:hiddenLine xmlns:a14="http://schemas.microsoft.com/office/drawing/2010/main" xmlns="" w="9525">
                 <a:solidFill>
                   <a:srgbClr val="000000"/>
                 </a:solidFill>
@@ -17077,7 +15886,7 @@
               <a:defRPr/>
             </a:pPr>
             <a:r>
-              <a:rPr lang="en-US" dirty="0">
+              <a:rPr lang="en-US" dirty="0" smtClean="0">
                 <a:solidFill>
                   <a:srgbClr val="7D868C"/>
                 </a:solidFill>
@@ -17088,7 +15897,7 @@
               <a:t>©</a:t>
             </a:r>
             <a:r>
-              <a:rPr lang="en-US" dirty="0" smtClean="0">
+              <a:rPr lang="is-IS" dirty="0" smtClean="0">
                 <a:solidFill>
                   <a:srgbClr val="7D868C"/>
                 </a:solidFill>
@@ -17096,7 +15905,18 @@
                 <a:ea typeface="+mn-ea"/>
                 <a:cs typeface="+mn-cs"/>
               </a:rPr>
-              <a:t>2016 </a:t>
+              <a:t>2017</a:t>
+            </a:r>
+            <a:r>
+              <a:rPr lang="en-US" dirty="0" smtClean="0">
+                <a:solidFill>
+                  <a:srgbClr val="7D868C"/>
+                </a:solidFill>
+                <a:latin typeface="+mn-lt"/>
+                <a:ea typeface="+mn-ea"/>
+                <a:cs typeface="+mn-cs"/>
+              </a:rPr>
+              <a:t> </a:t>
             </a:r>
             <a:r>
               <a:rPr lang="en-US" dirty="0">
@@ -17307,13 +16127,13 @@
     <p:sldLayoutId id="2147483856" r:id="rId7"/>
     <p:sldLayoutId id="2147483866" r:id="rId8"/>
   </p:sldLayoutIdLst>
-  <p:transition xmlns:p14="http://schemas.microsoft.com/office/powerpoint/2010/main" spd="med">
+  <p:transition spd="med">
     <p:fade/>
   </p:transition>
   <p:timing>
     <p:tnLst>
       <p:par>
-        <p:cTn xmlns:p14="http://schemas.microsoft.com/office/powerpoint/2010/main" id="1" dur="indefinite" restart="never" nodeType="tmRoot"/>
+        <p:cTn id="1" dur="indefinite" restart="never" nodeType="tmRoot"/>
       </p:par>
     </p:tnLst>
   </p:timing>
@@ -17811,13 +16631,13 @@
   <p:clrMapOvr>
     <a:masterClrMapping/>
   </p:clrMapOvr>
-  <p:transition xmlns:p14="http://schemas.microsoft.com/office/powerpoint/2010/main" spd="med">
+  <p:transition spd="med">
     <p:fade/>
   </p:transition>
   <p:timing>
     <p:tnLst>
       <p:par>
-        <p:cTn xmlns:p14="http://schemas.microsoft.com/office/powerpoint/2010/main" id="1" dur="indefinite" restart="never" nodeType="tmRoot"/>
+        <p:cTn id="1" dur="indefinite" restart="never" nodeType="tmRoot"/>
       </p:par>
     </p:tnLst>
   </p:timing>
@@ -17966,13 +16786,13 @@
   <p:clrMapOvr>
     <a:masterClrMapping/>
   </p:clrMapOvr>
-  <p:transition xmlns:p14="http://schemas.microsoft.com/office/powerpoint/2010/main" spd="med">
+  <p:transition spd="med">
     <p:fade/>
   </p:transition>
   <p:timing>
     <p:tnLst>
       <p:par>
-        <p:cTn xmlns:p14="http://schemas.microsoft.com/office/powerpoint/2010/main" id="1" dur="indefinite" restart="never" nodeType="tmRoot"/>
+        <p:cTn id="1" dur="indefinite" restart="never" nodeType="tmRoot"/>
       </p:par>
     </p:tnLst>
   </p:timing>
@@ -18073,13 +16893,13 @@
   <p:clrMapOvr>
     <a:masterClrMapping/>
   </p:clrMapOvr>
-  <p:transition xmlns:p14="http://schemas.microsoft.com/office/powerpoint/2010/main" spd="med">
+  <p:transition spd="med">
     <p:fade/>
   </p:transition>
   <p:timing>
     <p:tnLst>
       <p:par>
-        <p:cTn xmlns:p14="http://schemas.microsoft.com/office/powerpoint/2010/main" id="1" dur="indefinite" restart="never" nodeType="tmRoot"/>
+        <p:cTn id="1" dur="indefinite" restart="never" nodeType="tmRoot"/>
       </p:par>
     </p:tnLst>
   </p:timing>
@@ -18414,13 +17234,13 @@
   <p:clrMapOvr>
     <a:masterClrMapping/>
   </p:clrMapOvr>
-  <p:transition xmlns:p14="http://schemas.microsoft.com/office/powerpoint/2010/main" spd="med">
+  <p:transition spd="med">
     <p:fade/>
   </p:transition>
   <p:timing>
     <p:tnLst>
       <p:par>
-        <p:cTn xmlns:p14="http://schemas.microsoft.com/office/powerpoint/2010/main" id="1" dur="indefinite" restart="never" nodeType="tmRoot"/>
+        <p:cTn id="1" dur="indefinite" restart="never" nodeType="tmRoot"/>
       </p:par>
     </p:tnLst>
   </p:timing>
@@ -18595,13 +17415,13 @@
   <p:clrMapOvr>
     <a:masterClrMapping/>
   </p:clrMapOvr>
-  <p:transition xmlns:p14="http://schemas.microsoft.com/office/powerpoint/2010/main" spd="med">
+  <p:transition spd="med">
     <p:fade/>
   </p:transition>
   <p:timing>
     <p:tnLst>
       <p:par>
-        <p:cTn xmlns:p14="http://schemas.microsoft.com/office/powerpoint/2010/main" id="1" dur="indefinite" restart="never" nodeType="tmRoot"/>
+        <p:cTn id="1" dur="indefinite" restart="never" nodeType="tmRoot"/>
       </p:par>
     </p:tnLst>
   </p:timing>
@@ -18815,13 +17635,13 @@
   <p:clrMapOvr>
     <a:masterClrMapping/>
   </p:clrMapOvr>
-  <p:transition xmlns:p14="http://schemas.microsoft.com/office/powerpoint/2010/main" spd="med">
+  <p:transition spd="med">
     <p:fade/>
   </p:transition>
   <p:timing>
     <p:tnLst>
       <p:par>
-        <p:cTn xmlns:p14="http://schemas.microsoft.com/office/powerpoint/2010/main" id="1" dur="indefinite" restart="never" nodeType="tmRoot"/>
+        <p:cTn id="1" dur="indefinite" restart="never" nodeType="tmRoot"/>
       </p:par>
     </p:tnLst>
   </p:timing>
@@ -18969,13 +17789,13 @@
   <p:clrMapOvr>
     <a:masterClrMapping/>
   </p:clrMapOvr>
-  <p:transition xmlns:p14="http://schemas.microsoft.com/office/powerpoint/2010/main" spd="med">
+  <p:transition spd="med">
     <p:fade/>
   </p:transition>
   <p:timing>
     <p:tnLst>
       <p:par>
-        <p:cTn xmlns:p14="http://schemas.microsoft.com/office/powerpoint/2010/main" id="1" dur="indefinite" restart="never" nodeType="tmRoot"/>
+        <p:cTn id="1" dur="indefinite" restart="never" nodeType="tmRoot"/>
       </p:par>
     </p:tnLst>
   </p:timing>
@@ -19434,13 +18254,13 @@
   <p:clrMapOvr>
     <a:masterClrMapping/>
   </p:clrMapOvr>
-  <p:transition xmlns:p14="http://schemas.microsoft.com/office/powerpoint/2010/main" spd="med">
+  <p:transition spd="med">
     <p:fade/>
   </p:transition>
   <p:timing>
     <p:tnLst>
       <p:par>
-        <p:cTn xmlns:p14="http://schemas.microsoft.com/office/powerpoint/2010/main" id="1" dur="indefinite" restart="never" nodeType="tmRoot"/>
+        <p:cTn id="1" dur="indefinite" restart="never" nodeType="tmRoot"/>
       </p:par>
     </p:tnLst>
   </p:timing>
@@ -19500,7 +18320,7 @@
         <p:spPr/>
         <p:txBody>
           <a:bodyPr>
-            <a:normAutofit fontScale="92500" lnSpcReduction="10000"/>
+            <a:normAutofit/>
           </a:bodyPr>
           <a:lstStyle/>
           <a:p>
@@ -19523,7 +18343,15 @@
           <a:p>
             <a:r>
               <a:rPr lang="en-US" dirty="0"/>
-              <a:t>  describe user('root') do</a:t>
+              <a:t>  describe user('root</a:t>
+            </a:r>
+            <a:r>
+              <a:rPr lang="en-US" dirty="0" smtClean="0"/>
+              <a:t>'), :skip </a:t>
+            </a:r>
+            <a:r>
+              <a:rPr lang="en-US" dirty="0"/>
+              <a:t>do</a:t>
             </a:r>
           </a:p>
           <a:p>
@@ -19534,15 +18362,10 @@
           </a:p>
           <a:p>
             <a:r>
-              <a:rPr lang="en-US" dirty="0"/>
-              <a:t>    skip 'This is an example test, replace with your own test.'</a:t>
-            </a:r>
-          </a:p>
-          <a:p>
-            <a:r>
-              <a:rPr lang="en-US" dirty="0"/>
+              <a:rPr lang="en-US" dirty="0" smtClean="0"/>
               <a:t>  end</a:t>
             </a:r>
+            <a:endParaRPr lang="en-US" dirty="0"/>
           </a:p>
           <a:p>
             <a:r>
@@ -19556,7 +18379,15 @@
           <a:p>
             <a:r>
               <a:rPr lang="en-US" dirty="0"/>
-              <a:t>describe port(80) do</a:t>
+              <a:t>describe port(80</a:t>
+            </a:r>
+            <a:r>
+              <a:rPr lang="en-US" dirty="0" smtClean="0"/>
+              <a:t>), :skip </a:t>
+            </a:r>
+            <a:r>
+              <a:rPr lang="en-US" dirty="0"/>
+              <a:t>do</a:t>
             </a:r>
           </a:p>
           <a:p>
@@ -19583,13 +18414,7 @@
           </a:p>
           <a:p>
             <a:r>
-              <a:rPr lang="en-US" dirty="0"/>
-              <a:t>  skip 'This is an example test, replace with your own test.'</a:t>
-            </a:r>
-          </a:p>
-          <a:p>
-            <a:r>
-              <a:rPr lang="en-US" dirty="0"/>
+              <a:rPr lang="en-US" dirty="0" smtClean="0"/>
               <a:t>end</a:t>
             </a:r>
             <a:endParaRPr lang="en-US" b="1" dirty="0"/>
@@ -19612,20 +18437,16 @@
           <a:lstStyle/>
           <a:p>
             <a:r>
-              <a:rPr lang="en-US" dirty="0"/>
+              <a:rPr lang="en-US" dirty="0" smtClean="0"/>
               <a:t>~/</a:t>
             </a:r>
             <a:r>
-              <a:rPr lang="en-US" dirty="0" err="1"/>
+              <a:rPr lang="en-US" dirty="0" err="1" smtClean="0"/>
               <a:t>httpd</a:t>
             </a:r>
             <a:r>
-              <a:rPr lang="en-US" dirty="0"/>
-              <a:t>/test</a:t>
-            </a:r>
-            <a:r>
-              <a:rPr lang="en-US" dirty="0" smtClean="0"/>
-              <a:t>/recipes/</a:t>
+              <a:rPr lang="en-US" dirty="0" smtClean="0"/>
+              <a:t>/test/smoke/default/</a:t>
             </a:r>
             <a:r>
               <a:rPr lang="en-US" dirty="0" err="1" smtClean="0"/>
@@ -19645,13 +18466,13 @@
   <p:clrMapOvr>
     <a:masterClrMapping/>
   </p:clrMapOvr>
-  <p:transition xmlns:p14="http://schemas.microsoft.com/office/powerpoint/2010/main" spd="med">
+  <p:transition spd="med">
     <p:fade/>
   </p:transition>
   <p:timing>
     <p:tnLst>
       <p:par>
-        <p:cTn xmlns:p14="http://schemas.microsoft.com/office/powerpoint/2010/main" id="1" dur="indefinite" restart="never" nodeType="tmRoot"/>
+        <p:cTn id="1" dur="indefinite" restart="never" nodeType="tmRoot"/>
       </p:par>
     </p:tnLst>
   </p:timing>
@@ -19949,28 +18770,28 @@
           </a:lstStyle>
           <a:p>
             <a:r>
-              <a:rPr lang="en-US" sz="2667" b="1" dirty="0">
+              <a:rPr lang="en-US" sz="2667" b="1" dirty="0" smtClean="0">
                 <a:latin typeface="Courier New" panose="02070309020205020404" pitchFamily="49" charset="0"/>
                 <a:cs typeface="Courier New" panose="02070309020205020404" pitchFamily="49" charset="0"/>
               </a:rPr>
               <a:t>~/</a:t>
             </a:r>
             <a:r>
-              <a:rPr lang="en-US" sz="2667" b="1" dirty="0" err="1">
+              <a:rPr lang="en-US" sz="2667" b="1" dirty="0" err="1" smtClean="0">
                 <a:latin typeface="Courier New" panose="02070309020205020404" pitchFamily="49" charset="0"/>
                 <a:cs typeface="Courier New" panose="02070309020205020404" pitchFamily="49" charset="0"/>
               </a:rPr>
               <a:t>httpd</a:t>
             </a:r>
             <a:r>
-              <a:rPr lang="en-US" sz="2667" b="1" dirty="0">
+              <a:rPr lang="en-US" sz="2667" b="1" dirty="0" smtClean="0">
                 <a:latin typeface="Courier New" panose="02070309020205020404" pitchFamily="49" charset="0"/>
                 <a:cs typeface="Courier New" panose="02070309020205020404" pitchFamily="49" charset="0"/>
               </a:rPr>
-              <a:t>/test/recipes/</a:t>
-            </a:r>
-            <a:r>
-              <a:rPr lang="en-US" sz="2667" b="1" dirty="0" err="1">
+              <a:t>/test/smoke/default/</a:t>
+            </a:r>
+            <a:r>
+              <a:rPr lang="en-US" sz="2667" b="1" dirty="0" err="1" smtClean="0">
                 <a:latin typeface="Courier New" panose="02070309020205020404" pitchFamily="49" charset="0"/>
                 <a:cs typeface="Courier New" panose="02070309020205020404" pitchFamily="49" charset="0"/>
               </a:rPr>
@@ -19997,8 +18818,8 @@
         </p:nvSpPr>
         <p:spPr bwMode="auto">
           <a:xfrm>
-            <a:off x="3364010" y="3407918"/>
-            <a:ext cx="2526384" cy="375083"/>
+            <a:off x="3364009" y="3407918"/>
+            <a:ext cx="3862413" cy="375083"/>
           </a:xfrm>
           <a:prstGeom prst="rect">
             <a:avLst/>
@@ -20064,13 +18885,13 @@
   <p:clrMapOvr>
     <a:masterClrMapping/>
   </p:clrMapOvr>
-  <p:transition xmlns:p14="http://schemas.microsoft.com/office/powerpoint/2010/main" spd="med">
+  <p:transition spd="med">
     <p:fade/>
   </p:transition>
   <p:timing>
     <p:tnLst>
       <p:par>
-        <p:cTn xmlns:p14="http://schemas.microsoft.com/office/powerpoint/2010/main" id="1" dur="indefinite" restart="never" nodeType="tmRoot"/>
+        <p:cTn id="1" dur="indefinite" restart="never" nodeType="tmRoot"/>
       </p:par>
     </p:tnLst>
   </p:timing>
@@ -20356,28 +19177,28 @@
           </a:lstStyle>
           <a:p>
             <a:r>
-              <a:rPr lang="en-US" sz="2667" b="1" dirty="0">
+              <a:rPr lang="en-US" sz="2667" b="1" dirty="0" smtClean="0">
                 <a:latin typeface="Courier New" panose="02070309020205020404" pitchFamily="49" charset="0"/>
                 <a:cs typeface="Courier New" panose="02070309020205020404" pitchFamily="49" charset="0"/>
               </a:rPr>
               <a:t>~/</a:t>
             </a:r>
             <a:r>
-              <a:rPr lang="en-US" sz="2667" b="1" dirty="0" err="1">
+              <a:rPr lang="en-US" sz="2667" b="1" dirty="0" err="1" smtClean="0">
                 <a:latin typeface="Courier New" panose="02070309020205020404" pitchFamily="49" charset="0"/>
                 <a:cs typeface="Courier New" panose="02070309020205020404" pitchFamily="49" charset="0"/>
               </a:rPr>
               <a:t>httpd</a:t>
             </a:r>
             <a:r>
-              <a:rPr lang="en-US" sz="2667" b="1" dirty="0">
+              <a:rPr lang="en-US" sz="2667" b="1" dirty="0" smtClean="0">
                 <a:latin typeface="Courier New" panose="02070309020205020404" pitchFamily="49" charset="0"/>
                 <a:cs typeface="Courier New" panose="02070309020205020404" pitchFamily="49" charset="0"/>
               </a:rPr>
-              <a:t>/test/recipes/</a:t>
-            </a:r>
-            <a:r>
-              <a:rPr lang="en-US" sz="2667" b="1" dirty="0" err="1">
+              <a:t>/test/smoke/default/</a:t>
+            </a:r>
+            <a:r>
+              <a:rPr lang="en-US" sz="2667" b="1" dirty="0" err="1" smtClean="0">
                 <a:latin typeface="Courier New" panose="02070309020205020404" pitchFamily="49" charset="0"/>
                 <a:cs typeface="Courier New" panose="02070309020205020404" pitchFamily="49" charset="0"/>
               </a:rPr>
@@ -20404,8 +19225,8 @@
         </p:nvSpPr>
         <p:spPr bwMode="auto">
           <a:xfrm>
-            <a:off x="3364010" y="3407918"/>
-            <a:ext cx="5741782" cy="375083"/>
+            <a:off x="7253056" y="3407918"/>
+            <a:ext cx="3124940" cy="375083"/>
           </a:xfrm>
           <a:prstGeom prst="rect">
             <a:avLst/>
@@ -20471,13 +19292,13 @@
   <p:clrMapOvr>
     <a:masterClrMapping/>
   </p:clrMapOvr>
-  <p:transition xmlns:p14="http://schemas.microsoft.com/office/powerpoint/2010/main" spd="med">
+  <p:transition spd="med">
     <p:fade/>
   </p:transition>
   <p:timing>
     <p:tnLst>
       <p:par>
-        <p:cTn xmlns:p14="http://schemas.microsoft.com/office/powerpoint/2010/main" id="1" dur="indefinite" restart="never" nodeType="tmRoot"/>
+        <p:cTn id="1" dur="indefinite" restart="never" nodeType="tmRoot"/>
       </p:par>
     </p:tnLst>
   </p:timing>
@@ -20605,13 +19426,13 @@
   <p:clrMapOvr>
     <a:masterClrMapping/>
   </p:clrMapOvr>
-  <p:transition xmlns:p14="http://schemas.microsoft.com/office/powerpoint/2010/main" spd="med">
+  <p:transition spd="med">
     <p:fade/>
   </p:transition>
   <p:timing>
     <p:tnLst>
       <p:par>
-        <p:cTn xmlns:p14="http://schemas.microsoft.com/office/powerpoint/2010/main" id="1" dur="indefinite" restart="never" nodeType="tmRoot"/>
+        <p:cTn id="1" dur="indefinite" restart="never" nodeType="tmRoot"/>
       </p:par>
     </p:tnLst>
   </p:timing>
@@ -20697,7 +19518,15 @@
           <a:p>
             <a:r>
               <a:rPr lang="en-US" dirty="0"/>
-              <a:t>  describe user('root') do</a:t>
+              <a:t>  describe user('root</a:t>
+            </a:r>
+            <a:r>
+              <a:rPr lang="en-US" dirty="0" smtClean="0"/>
+              <a:t>'), :skip </a:t>
+            </a:r>
+            <a:r>
+              <a:rPr lang="en-US" dirty="0"/>
+              <a:t>do</a:t>
             </a:r>
           </a:p>
           <a:p>
@@ -20708,15 +19537,10 @@
           </a:p>
           <a:p>
             <a:r>
-              <a:rPr lang="en-US" dirty="0"/>
-              <a:t>    skip 'This is an example test, replace with your own test.'</a:t>
-            </a:r>
-          </a:p>
-          <a:p>
-            <a:r>
-              <a:rPr lang="en-US" dirty="0"/>
+              <a:rPr lang="en-US" dirty="0" smtClean="0"/>
               <a:t>  end</a:t>
             </a:r>
+            <a:endParaRPr lang="en-US" dirty="0"/>
           </a:p>
           <a:p>
             <a:r>
@@ -21125,202 +19949,6 @@
                 </a:solidFill>
               </a:rPr>
               <a:t>OS conditional</a:t>
-            </a:r>
-          </a:p>
-        </p:txBody>
-      </p:sp>
-      <p:sp>
-        <p:nvSpPr>
-          <p:cNvPr id="9" name="Content Placeholder 3"/>
-          <p:cNvSpPr txBox="1">
-            <a:spLocks/>
-          </p:cNvSpPr>
-          <p:nvPr/>
-        </p:nvSpPr>
-        <p:spPr bwMode="white">
-          <a:xfrm>
-            <a:off x="11558397" y="4398246"/>
-            <a:ext cx="3959352" cy="614571"/>
-          </a:xfrm>
-          <a:prstGeom prst="rect">
-            <a:avLst/>
-          </a:prstGeom>
-          <a:solidFill>
-            <a:srgbClr val="C97D9A"/>
-          </a:solidFill>
-          <a:effectLst>
-            <a:outerShdw blurRad="50800" dist="76200" dir="5400000" algn="t" rotWithShape="0">
-              <a:prstClr val="black">
-                <a:alpha val="40000"/>
-              </a:prstClr>
-            </a:outerShdw>
-          </a:effectLst>
-        </p:spPr>
-        <p:txBody>
-          <a:bodyPr vert="horz" wrap="square" lIns="0" tIns="0" rIns="0" bIns="0" rtlCol="0" anchor="ctr">
-            <a:noAutofit/>
-          </a:bodyPr>
-          <a:lstStyle>
-            <a:lvl1pPr algn="l" defTabSz="1217613" rtl="0" eaLnBrk="1" fontAlgn="base" hangingPunct="1">
-              <a:spcBef>
-                <a:spcPts val="800"/>
-              </a:spcBef>
-              <a:spcAft>
-                <a:spcPct val="0"/>
-              </a:spcAft>
-              <a:buSzPct val="90000"/>
-              <a:buFont typeface="Arial" charset="0"/>
-              <a:defRPr sz="3200" kern="1200">
-                <a:solidFill>
-                  <a:srgbClr val="3E4346"/>
-                </a:solidFill>
-                <a:latin typeface="+mn-lt"/>
-                <a:ea typeface="ＭＳ Ｐゴシック" charset="0"/>
-                <a:cs typeface="ＭＳ Ｐゴシック" charset="0"/>
-              </a:defRPr>
-            </a:lvl1pPr>
-            <a:lvl2pPr marL="307975" algn="l" defTabSz="1217613" rtl="0" eaLnBrk="1" fontAlgn="base" hangingPunct="1">
-              <a:spcBef>
-                <a:spcPts val="800"/>
-              </a:spcBef>
-              <a:spcAft>
-                <a:spcPct val="0"/>
-              </a:spcAft>
-              <a:buSzPct val="90000"/>
-              <a:buFont typeface="Arial" charset="0"/>
-              <a:defRPr sz="2800" kern="1200">
-                <a:solidFill>
-                  <a:srgbClr val="3E4346"/>
-                </a:solidFill>
-                <a:latin typeface="+mn-lt"/>
-                <a:ea typeface="ＭＳ Ｐゴシック" charset="0"/>
-                <a:cs typeface="+mn-cs"/>
-              </a:defRPr>
-            </a:lvl2pPr>
-            <a:lvl3pPr marL="608013" algn="l" defTabSz="1217613" rtl="0" eaLnBrk="1" fontAlgn="base" hangingPunct="1">
-              <a:spcBef>
-                <a:spcPts val="800"/>
-              </a:spcBef>
-              <a:spcAft>
-                <a:spcPct val="0"/>
-              </a:spcAft>
-              <a:buSzPct val="90000"/>
-              <a:buFont typeface="Arial" charset="0"/>
-              <a:defRPr sz="2400" kern="1200">
-                <a:solidFill>
-                  <a:srgbClr val="3E4346"/>
-                </a:solidFill>
-                <a:latin typeface="+mn-lt"/>
-                <a:ea typeface="ＭＳ Ｐゴシック" charset="0"/>
-                <a:cs typeface="+mn-cs"/>
-              </a:defRPr>
-            </a:lvl3pPr>
-            <a:lvl4pPr marL="839788" algn="l" defTabSz="1217613" rtl="0" eaLnBrk="1" fontAlgn="base" hangingPunct="1">
-              <a:spcBef>
-                <a:spcPts val="800"/>
-              </a:spcBef>
-              <a:spcAft>
-                <a:spcPct val="0"/>
-              </a:spcAft>
-              <a:buSzPct val="90000"/>
-              <a:buFont typeface="Arial" charset="0"/>
-              <a:defRPr sz="1867" kern="1200">
-                <a:solidFill>
-                  <a:srgbClr val="3E4346"/>
-                </a:solidFill>
-                <a:latin typeface="+mn-lt"/>
-                <a:ea typeface="ＭＳ Ｐゴシック" charset="0"/>
-                <a:cs typeface="+mn-cs"/>
-              </a:defRPr>
-            </a:lvl4pPr>
-            <a:lvl5pPr marL="1068388" algn="l" defTabSz="1217613" rtl="0" eaLnBrk="1" fontAlgn="base" hangingPunct="1">
-              <a:spcBef>
-                <a:spcPts val="800"/>
-              </a:spcBef>
-              <a:spcAft>
-                <a:spcPct val="0"/>
-              </a:spcAft>
-              <a:buSzPct val="90000"/>
-              <a:buFont typeface="Arial" charset="0"/>
-              <a:defRPr sz="3200" kern="1200">
-                <a:solidFill>
-                  <a:srgbClr val="3E4346"/>
-                </a:solidFill>
-                <a:latin typeface="+mn-lt"/>
-                <a:ea typeface="ＭＳ Ｐゴシック" charset="0"/>
-                <a:cs typeface="+mn-cs"/>
-              </a:defRPr>
-            </a:lvl5pPr>
-            <a:lvl6pPr marL="3352582" indent="-304780" algn="l" defTabSz="1219120" rtl="0" eaLnBrk="1" latinLnBrk="0" hangingPunct="1">
-              <a:spcBef>
-                <a:spcPct val="20000"/>
-              </a:spcBef>
-              <a:buFont typeface="Arial" pitchFamily="34" charset="0"/>
-              <a:buChar char="•"/>
-              <a:defRPr sz="2667" kern="1200">
-                <a:solidFill>
-                  <a:schemeClr val="tx1"/>
-                </a:solidFill>
-                <a:latin typeface="+mn-lt"/>
-                <a:ea typeface="+mn-ea"/>
-                <a:cs typeface="+mn-cs"/>
-              </a:defRPr>
-            </a:lvl6pPr>
-            <a:lvl7pPr marL="3962142" indent="-304780" algn="l" defTabSz="1219120" rtl="0" eaLnBrk="1" latinLnBrk="0" hangingPunct="1">
-              <a:spcBef>
-                <a:spcPct val="20000"/>
-              </a:spcBef>
-              <a:buFont typeface="Arial" pitchFamily="34" charset="0"/>
-              <a:buChar char="•"/>
-              <a:defRPr sz="2667" kern="1200">
-                <a:solidFill>
-                  <a:schemeClr val="tx1"/>
-                </a:solidFill>
-                <a:latin typeface="+mn-lt"/>
-                <a:ea typeface="+mn-ea"/>
-                <a:cs typeface="+mn-cs"/>
-              </a:defRPr>
-            </a:lvl7pPr>
-            <a:lvl8pPr marL="4571703" indent="-304780" algn="l" defTabSz="1219120" rtl="0" eaLnBrk="1" latinLnBrk="0" hangingPunct="1">
-              <a:spcBef>
-                <a:spcPct val="20000"/>
-              </a:spcBef>
-              <a:buFont typeface="Arial" pitchFamily="34" charset="0"/>
-              <a:buChar char="•"/>
-              <a:defRPr sz="2667" kern="1200">
-                <a:solidFill>
-                  <a:schemeClr val="tx1"/>
-                </a:solidFill>
-                <a:latin typeface="+mn-lt"/>
-                <a:ea typeface="+mn-ea"/>
-                <a:cs typeface="+mn-cs"/>
-              </a:defRPr>
-            </a:lvl8pPr>
-            <a:lvl9pPr marL="5181264" indent="-304780" algn="l" defTabSz="1219120" rtl="0" eaLnBrk="1" latinLnBrk="0" hangingPunct="1">
-              <a:spcBef>
-                <a:spcPct val="20000"/>
-              </a:spcBef>
-              <a:buFont typeface="Arial" pitchFamily="34" charset="0"/>
-              <a:buChar char="•"/>
-              <a:defRPr sz="2667" kern="1200">
-                <a:solidFill>
-                  <a:schemeClr val="tx1"/>
-                </a:solidFill>
-                <a:latin typeface="+mn-lt"/>
-                <a:ea typeface="+mn-ea"/>
-                <a:cs typeface="+mn-cs"/>
-              </a:defRPr>
-            </a:lvl9pPr>
-          </a:lstStyle>
-          <a:p>
-            <a:pPr algn="ctr"/>
-            <a:r>
-              <a:rPr lang="en-US" sz="2800" dirty="0" smtClean="0">
-                <a:solidFill>
-                  <a:schemeClr val="bg1"/>
-                </a:solidFill>
-              </a:rPr>
-              <a:t>displays the message</a:t>
             </a:r>
           </a:p>
         </p:txBody>
@@ -21667,78 +20295,6 @@
       </p:cxnSp>
       <p:cxnSp>
         <p:nvCxnSpPr>
-          <p:cNvPr id="21" name="Straight Connector 20"/>
-          <p:cNvCxnSpPr>
-            <a:endCxn id="9" idx="1"/>
-          </p:cNvCxnSpPr>
-          <p:nvPr/>
-        </p:nvCxnSpPr>
-        <p:spPr>
-          <a:xfrm>
-            <a:off x="1945451" y="3486002"/>
-            <a:ext cx="9612946" cy="1219530"/>
-          </a:xfrm>
-          <a:prstGeom prst="line">
-            <a:avLst/>
-          </a:prstGeom>
-          <a:ln w="38100">
-            <a:solidFill>
-              <a:srgbClr val="C97D9A"/>
-            </a:solidFill>
-          </a:ln>
-        </p:spPr>
-        <p:style>
-          <a:lnRef idx="3">
-            <a:schemeClr val="accent1"/>
-          </a:lnRef>
-          <a:fillRef idx="0">
-            <a:schemeClr val="accent1"/>
-          </a:fillRef>
-          <a:effectRef idx="2">
-            <a:schemeClr val="accent1"/>
-          </a:effectRef>
-          <a:fontRef idx="minor">
-            <a:schemeClr val="tx1"/>
-          </a:fontRef>
-        </p:style>
-      </p:cxnSp>
-      <p:cxnSp>
-        <p:nvCxnSpPr>
-          <p:cNvPr id="20" name="Straight Connector 19"/>
-          <p:cNvCxnSpPr/>
-          <p:nvPr/>
-        </p:nvCxnSpPr>
-        <p:spPr>
-          <a:xfrm>
-            <a:off x="1542157" y="3476987"/>
-            <a:ext cx="943697" cy="9015"/>
-          </a:xfrm>
-          <a:prstGeom prst="line">
-            <a:avLst/>
-          </a:prstGeom>
-          <a:ln w="63500">
-            <a:solidFill>
-              <a:srgbClr val="C97D9A"/>
-            </a:solidFill>
-          </a:ln>
-        </p:spPr>
-        <p:style>
-          <a:lnRef idx="3">
-            <a:schemeClr val="accent1"/>
-          </a:lnRef>
-          <a:fillRef idx="0">
-            <a:schemeClr val="accent1"/>
-          </a:fillRef>
-          <a:effectRef idx="2">
-            <a:schemeClr val="accent1"/>
-          </a:effectRef>
-          <a:fontRef idx="minor">
-            <a:schemeClr val="tx1"/>
-          </a:fontRef>
-        </p:style>
-      </p:cxnSp>
-      <p:cxnSp>
-        <p:nvCxnSpPr>
           <p:cNvPr id="26" name="Straight Connector 25"/>
           <p:cNvCxnSpPr>
             <a:endCxn id="10" idx="1"/>
@@ -21842,13 +20398,13 @@
   <p:clrMapOvr>
     <a:masterClrMapping/>
   </p:clrMapOvr>
-  <p:transition xmlns:p14="http://schemas.microsoft.com/office/powerpoint/2010/main" spd="med">
+  <p:transition spd="med">
     <p:fade/>
   </p:transition>
   <p:timing>
     <p:tnLst>
       <p:par>
-        <p:cTn xmlns:p14="http://schemas.microsoft.com/office/powerpoint/2010/main" id="1" dur="indefinite" restart="never" nodeType="tmRoot"/>
+        <p:cTn id="1" dur="indefinite" restart="never" nodeType="tmRoot"/>
       </p:par>
     </p:tnLst>
   </p:timing>
@@ -21947,15 +20503,10 @@
           </a:p>
           <a:p>
             <a:r>
-              <a:rPr lang="en-US" dirty="0"/>
-              <a:t>  skip 'This is an example test, replace with your own test.'</a:t>
-            </a:r>
-          </a:p>
-          <a:p>
-            <a:r>
-              <a:rPr lang="en-US" dirty="0"/>
+              <a:rPr lang="en-US" dirty="0" smtClean="0"/>
               <a:t>end</a:t>
             </a:r>
+            <a:endParaRPr lang="en-US" dirty="0"/>
           </a:p>
         </p:txBody>
       </p:sp>
@@ -22542,13 +21093,13 @@
   <p:clrMapOvr>
     <a:masterClrMapping/>
   </p:clrMapOvr>
-  <p:transition xmlns:p14="http://schemas.microsoft.com/office/powerpoint/2010/main" spd="med">
+  <p:transition spd="med">
     <p:fade/>
   </p:transition>
   <p:timing>
     <p:tnLst>
       <p:par>
-        <p:cTn xmlns:p14="http://schemas.microsoft.com/office/powerpoint/2010/main" id="1" dur="indefinite" restart="never" nodeType="tmRoot"/>
+        <p:cTn id="1" dur="indefinite" restart="never" nodeType="tmRoot"/>
       </p:par>
     </p:tnLst>
   </p:timing>
@@ -22626,7 +21177,15 @@
           <a:p>
             <a:r>
               <a:rPr lang="en-US" dirty="0"/>
-              <a:t>  describe user('root') do</a:t>
+              <a:t>  describe user('root</a:t>
+            </a:r>
+            <a:r>
+              <a:rPr lang="en-US" dirty="0" smtClean="0"/>
+              <a:t>'), :skip </a:t>
+            </a:r>
+            <a:r>
+              <a:rPr lang="en-US" dirty="0"/>
+              <a:t>do</a:t>
             </a:r>
           </a:p>
           <a:p>
@@ -22637,29 +21196,32 @@
           </a:p>
           <a:p>
             <a:r>
+              <a:rPr lang="en-US" dirty="0" smtClean="0"/>
+              <a:t>  end</a:t>
+            </a:r>
+            <a:endParaRPr lang="en-US" dirty="0"/>
+          </a:p>
+          <a:p>
+            <a:r>
+              <a:rPr lang="en-US" dirty="0" smtClean="0"/>
+              <a:t>end</a:t>
+            </a:r>
+          </a:p>
+          <a:p>
+            <a:endParaRPr lang="en-US" dirty="0"/>
+          </a:p>
+          <a:p>
+            <a:r>
               <a:rPr lang="en-US" dirty="0"/>
-              <a:t>    skip 'This is an example test, replace with your own test.'</a:t>
-            </a:r>
-          </a:p>
-          <a:p>
+              <a:t>describe port(80</a:t>
+            </a:r>
+            <a:r>
+              <a:rPr lang="en-US" dirty="0" smtClean="0"/>
+              <a:t>), :skip </a:t>
+            </a:r>
             <a:r>
               <a:rPr lang="en-US" dirty="0"/>
-              <a:t>  end</a:t>
-            </a:r>
-          </a:p>
-          <a:p>
-            <a:r>
-              <a:rPr lang="en-US" dirty="0" smtClean="0"/>
-              <a:t>end</a:t>
-            </a:r>
-          </a:p>
-          <a:p>
-            <a:endParaRPr lang="en-US" dirty="0"/>
-          </a:p>
-          <a:p>
-            <a:r>
-              <a:rPr lang="en-US" dirty="0"/>
-              <a:t>describe port(80) do</a:t>
+              <a:t>do</a:t>
             </a:r>
           </a:p>
           <a:p>
@@ -22686,19 +21248,14 @@
           </a:p>
           <a:p>
             <a:r>
-              <a:rPr lang="en-US" dirty="0"/>
-              <a:t>  skip 'This is an example test, replace with your own test.'</a:t>
-            </a:r>
-          </a:p>
-          <a:p>
-            <a:r>
-              <a:rPr lang="en-US" dirty="0"/>
+              <a:rPr lang="en-US" dirty="0" smtClean="0"/>
               <a:t>end</a:t>
             </a:r>
-          </a:p>
-          <a:p>
             <a:endParaRPr lang="en-US" dirty="0"/>
           </a:p>
+          <a:p>
+            <a:endParaRPr lang="en-US" dirty="0"/>
+          </a:p>
         </p:txBody>
       </p:sp>
       <p:sp>
@@ -22717,20 +21274,16 @@
           <a:lstStyle/>
           <a:p>
             <a:r>
-              <a:rPr lang="en-US" dirty="0"/>
+              <a:rPr lang="en-US" dirty="0" smtClean="0"/>
               <a:t>~/</a:t>
             </a:r>
             <a:r>
-              <a:rPr lang="en-US" dirty="0" err="1"/>
+              <a:rPr lang="en-US" dirty="0" err="1" smtClean="0"/>
               <a:t>httpd</a:t>
             </a:r>
             <a:r>
-              <a:rPr lang="en-US" dirty="0"/>
-              <a:t>/test</a:t>
-            </a:r>
-            <a:r>
-              <a:rPr lang="en-US" dirty="0" smtClean="0"/>
-              <a:t>/recipes/</a:t>
+              <a:rPr lang="en-US" dirty="0" smtClean="0"/>
+              <a:t>/test/smoke/default/</a:t>
             </a:r>
             <a:r>
               <a:rPr lang="en-US" dirty="0" err="1" smtClean="0"/>
@@ -22778,13 +21331,13 @@
   <p:clrMapOvr>
     <a:masterClrMapping/>
   </p:clrMapOvr>
-  <p:transition xmlns:p14="http://schemas.microsoft.com/office/powerpoint/2010/main" spd="med">
+  <p:transition spd="med">
     <p:fade/>
   </p:transition>
   <p:timing>
     <p:tnLst>
       <p:par>
-        <p:cTn xmlns:p14="http://schemas.microsoft.com/office/powerpoint/2010/main" id="1" dur="indefinite" restart="never" nodeType="tmRoot"/>
+        <p:cTn id="1" dur="indefinite" restart="never" nodeType="tmRoot"/>
       </p:par>
     </p:tnLst>
   </p:timing>
@@ -22861,7 +21414,15 @@
             </a:r>
             <a:r>
               <a:rPr lang="en-US" dirty="0"/>
-              <a:t>port(80) do</a:t>
+              <a:t>port(80</a:t>
+            </a:r>
+            <a:r>
+              <a:rPr lang="en-US" dirty="0" smtClean="0"/>
+              <a:t>), :skip </a:t>
+            </a:r>
+            <a:r>
+              <a:rPr lang="en-US" dirty="0"/>
+              <a:t>do</a:t>
             </a:r>
           </a:p>
           <a:p>
@@ -22884,19 +21445,14 @@
           </a:p>
           <a:p>
             <a:r>
-              <a:rPr lang="en-US" dirty="0"/>
-              <a:t>  skip 'This is an example test, replace with your own test.'</a:t>
-            </a:r>
-          </a:p>
-          <a:p>
-            <a:r>
-              <a:rPr lang="en-US" dirty="0"/>
+              <a:rPr lang="en-US" dirty="0" smtClean="0"/>
               <a:t>end</a:t>
             </a:r>
-          </a:p>
-          <a:p>
             <a:endParaRPr lang="en-US" dirty="0"/>
           </a:p>
+          <a:p>
+            <a:endParaRPr lang="en-US" dirty="0"/>
+          </a:p>
         </p:txBody>
       </p:sp>
       <p:sp>
@@ -22915,20 +21471,16 @@
           <a:lstStyle/>
           <a:p>
             <a:r>
-              <a:rPr lang="en-US" dirty="0"/>
+              <a:rPr lang="en-US" dirty="0" smtClean="0"/>
               <a:t>~/</a:t>
             </a:r>
             <a:r>
-              <a:rPr lang="en-US" dirty="0" err="1"/>
+              <a:rPr lang="en-US" dirty="0" err="1" smtClean="0"/>
               <a:t>httpd</a:t>
             </a:r>
             <a:r>
-              <a:rPr lang="en-US" dirty="0"/>
-              <a:t>/test</a:t>
-            </a:r>
-            <a:r>
-              <a:rPr lang="en-US" dirty="0" smtClean="0"/>
-              <a:t>/recipes/</a:t>
+              <a:rPr lang="en-US" dirty="0" smtClean="0"/>
+              <a:t>/test/smoke/default/</a:t>
             </a:r>
             <a:r>
               <a:rPr lang="en-US" dirty="0" err="1" smtClean="0"/>
@@ -22974,8 +21526,8 @@
         </p:nvSpPr>
         <p:spPr>
           <a:xfrm>
-            <a:off x="1124446" y="4256164"/>
-            <a:ext cx="14404273" cy="540465"/>
+            <a:off x="4807528" y="3161723"/>
+            <a:ext cx="1565564" cy="540465"/>
           </a:xfrm>
         </p:spPr>
         <p:txBody>
@@ -22996,13 +21548,13 @@
   <p:clrMapOvr>
     <a:masterClrMapping/>
   </p:clrMapOvr>
-  <p:transition xmlns:p14="http://schemas.microsoft.com/office/powerpoint/2010/main" spd="med">
+  <p:transition spd="med">
     <p:fade/>
   </p:transition>
   <p:timing>
     <p:tnLst>
       <p:par>
-        <p:cTn xmlns:p14="http://schemas.microsoft.com/office/powerpoint/2010/main" id="1" dur="indefinite" restart="never" nodeType="tmRoot"/>
+        <p:cTn id="1" dur="indefinite" restart="never" nodeType="tmRoot"/>
       </p:par>
     </p:tnLst>
   </p:timing>
@@ -23176,24 +21728,20 @@
           <a:lstStyle/>
           <a:p>
             <a:r>
-              <a:rPr lang="en-US" dirty="0"/>
+              <a:rPr lang="en-US" dirty="0" smtClean="0"/>
               <a:t>~/</a:t>
             </a:r>
             <a:r>
-              <a:rPr lang="en-US" dirty="0" err="1"/>
+              <a:rPr lang="en-US" dirty="0" err="1" smtClean="0"/>
               <a:t>httpd</a:t>
             </a:r>
             <a:r>
-              <a:rPr lang="en-US" dirty="0"/>
-              <a:t>/test</a:t>
-            </a:r>
-            <a:r>
-              <a:rPr lang="en-US" dirty="0" smtClean="0"/>
-              <a:t>/recipes/</a:t>
+              <a:rPr lang="en-US" dirty="0" smtClean="0"/>
+              <a:t>/test/smoke/default/</a:t>
             </a:r>
             <a:r>
               <a:rPr lang="en-US" dirty="0" err="1" smtClean="0"/>
-              <a:t>default_tests.rb</a:t>
+              <a:t>default_test.rb</a:t>
             </a:r>
             <a:endParaRPr lang="en-US" dirty="0"/>
           </a:p>
@@ -23237,13 +21785,13 @@
   <p:clrMapOvr>
     <a:masterClrMapping/>
   </p:clrMapOvr>
-  <p:transition xmlns:p14="http://schemas.microsoft.com/office/powerpoint/2010/main" spd="med">
+  <p:transition spd="med">
     <p:fade/>
   </p:transition>
   <p:timing>
     <p:tnLst>
       <p:par>
-        <p:cTn xmlns:p14="http://schemas.microsoft.com/office/powerpoint/2010/main" id="1" dur="indefinite" restart="never" nodeType="tmRoot"/>
+        <p:cTn id="1" dur="indefinite" restart="never" nodeType="tmRoot"/>
       </p:par>
     </p:tnLst>
   </p:timing>
@@ -23391,13 +21939,13 @@
   <p:clrMapOvr>
     <a:masterClrMapping/>
   </p:clrMapOvr>
-  <p:transition xmlns:p14="http://schemas.microsoft.com/office/powerpoint/2010/main" spd="med">
+  <p:transition spd="med">
     <p:fade/>
   </p:transition>
   <p:timing>
     <p:tnLst>
       <p:par>
-        <p:cTn xmlns:p14="http://schemas.microsoft.com/office/powerpoint/2010/main" id="1" dur="indefinite" restart="never" nodeType="tmRoot"/>
+        <p:cTn id="1" dur="indefinite" restart="never" nodeType="tmRoot"/>
       </p:par>
     </p:tnLst>
   </p:timing>
@@ -23500,13 +22048,13 @@
   <p:clrMapOvr>
     <a:masterClrMapping/>
   </p:clrMapOvr>
-  <p:transition xmlns:p14="http://schemas.microsoft.com/office/powerpoint/2010/main" spd="med">
+  <p:transition spd="med">
     <p:fade/>
   </p:transition>
   <p:timing>
     <p:tnLst>
       <p:par>
-        <p:cTn xmlns:p14="http://schemas.microsoft.com/office/powerpoint/2010/main" id="1" dur="indefinite" restart="never" nodeType="tmRoot"/>
+        <p:cTn id="1" dur="indefinite" restart="never" nodeType="tmRoot"/>
       </p:par>
     </p:tnLst>
   </p:timing>
@@ -23587,22 +22135,63 @@
             <a:endParaRPr lang="en-US" dirty="0"/>
           </a:p>
           <a:p>
-            <a:endParaRPr lang="en-US" dirty="0"/>
-          </a:p>
-          <a:p>
             <a:r>
               <a:rPr lang="en-US" dirty="0"/>
-              <a:t>verifier:</a:t>
-            </a:r>
-          </a:p>
-          <a:p>
+              <a:t>  # You may wish to disable always updating cookbooks in CI </a:t>
+            </a:r>
+            <a:r>
+              <a:rPr lang="en-US" dirty="0" smtClean="0"/>
+              <a:t>or...</a:t>
+            </a:r>
+          </a:p>
+          <a:p>
+            <a:r>
+              <a:rPr lang="en-US" dirty="0" smtClean="0"/>
+              <a:t>  # </a:t>
+            </a:r>
             <a:r>
               <a:rPr lang="en-US" dirty="0"/>
-              <a:t>  name: </a:t>
+              <a:t>For example</a:t>
+            </a:r>
+            <a:r>
+              <a:rPr lang="en-US" dirty="0" smtClean="0"/>
+              <a:t>:</a:t>
+            </a:r>
+          </a:p>
+          <a:p>
+            <a:r>
+              <a:rPr lang="en-US" dirty="0"/>
+              <a:t>  #   </a:t>
             </a:r>
             <a:r>
               <a:rPr lang="en-US" dirty="0" err="1"/>
-              <a:t>inspec</a:t>
+              <a:t>always_update_cookbooks</a:t>
+            </a:r>
+            <a:r>
+              <a:rPr lang="en-US" dirty="0"/>
+              <a:t>: &lt;%= !ENV['CI'] </a:t>
+            </a:r>
+            <a:r>
+              <a:rPr lang="en-US" dirty="0" smtClean="0"/>
+              <a:t>%&gt;</a:t>
+            </a:r>
+          </a:p>
+          <a:p>
+            <a:r>
+              <a:rPr lang="en-US" dirty="0"/>
+              <a:t>  </a:t>
+            </a:r>
+            <a:r>
+              <a:rPr lang="en-US" dirty="0" err="1"/>
+              <a:t>always_update_cookbooks</a:t>
+            </a:r>
+            <a:r>
+              <a:rPr lang="en-US" dirty="0"/>
+              <a:t>: </a:t>
+            </a:r>
+            <a:r>
+              <a:rPr lang="en-US" dirty="0" smtClean="0"/>
+              <a:t>true</a:t>
             </a:r>
             <a:endParaRPr lang="en-US" dirty="0"/>
           </a:p>
@@ -23670,13 +22259,13 @@
   <p:clrMapOvr>
     <a:masterClrMapping/>
   </p:clrMapOvr>
-  <p:transition xmlns:p14="http://schemas.microsoft.com/office/powerpoint/2010/main" spd="med">
+  <p:transition spd="med">
     <p:fade/>
   </p:transition>
   <p:timing>
     <p:tnLst>
       <p:par>
-        <p:cTn xmlns:p14="http://schemas.microsoft.com/office/powerpoint/2010/main" id="1" dur="indefinite" restart="never" nodeType="tmRoot"/>
+        <p:cTn id="1" dur="indefinite" restart="never" nodeType="tmRoot"/>
       </p:par>
     </p:tnLst>
   </p:timing>
@@ -23819,11 +22408,11 @@
           <a:p>
             <a:r>
               <a:rPr lang="en-US" dirty="0"/>
-              <a:t>  - name: centos-</a:t>
-            </a:r>
-            <a:r>
-              <a:rPr lang="en-US" dirty="0" smtClean="0"/>
-              <a:t>7.2</a:t>
+              <a:t>  - name: </a:t>
+            </a:r>
+            <a:r>
+              <a:rPr lang="en-US" dirty="0" smtClean="0"/>
+              <a:t>centos-7.3</a:t>
             </a:r>
             <a:endParaRPr lang="en-US" dirty="0"/>
           </a:p>
@@ -23966,13 +22555,13 @@
   <p:clrMapOvr>
     <a:masterClrMapping/>
   </p:clrMapOvr>
-  <p:transition xmlns:p14="http://schemas.microsoft.com/office/powerpoint/2010/main" spd="med">
+  <p:transition spd="med">
     <p:fade/>
   </p:transition>
   <p:timing>
     <p:tnLst>
       <p:par>
-        <p:cTn xmlns:p14="http://schemas.microsoft.com/office/powerpoint/2010/main" id="1" dur="indefinite" restart="never" nodeType="tmRoot"/>
+        <p:cTn id="1" dur="indefinite" restart="never" nodeType="tmRoot"/>
       </p:par>
     </p:tnLst>
   </p:timing>
@@ -24119,7 +22708,7 @@
           <a:p>
             <a:r>
               <a:rPr lang="en-US" dirty="0" smtClean="0"/>
-              <a:t>  - name: centos-7.2</a:t>
+              <a:t>  - name: centos-7.3</a:t>
             </a:r>
             <a:endParaRPr lang="en-US" dirty="0"/>
           </a:p>
@@ -24248,13 +22837,13 @@
   <p:clrMapOvr>
     <a:masterClrMapping/>
   </p:clrMapOvr>
-  <p:transition xmlns:p14="http://schemas.microsoft.com/office/powerpoint/2010/main" spd="med">
+  <p:transition spd="med">
     <p:fade/>
   </p:transition>
   <p:timing>
     <p:tnLst>
       <p:par>
-        <p:cTn xmlns:p14="http://schemas.microsoft.com/office/powerpoint/2010/main" id="1" dur="indefinite" restart="never" nodeType="tmRoot"/>
+        <p:cTn id="1" dur="indefinite" restart="never" nodeType="tmRoot"/>
       </p:par>
     </p:tnLst>
   </p:timing>
@@ -24409,13 +22998,13 @@
   <p:clrMapOvr>
     <a:masterClrMapping/>
   </p:clrMapOvr>
-  <p:transition xmlns:p14="http://schemas.microsoft.com/office/powerpoint/2010/main" spd="med">
+  <p:transition spd="med">
     <p:fade/>
   </p:transition>
   <p:timing>
     <p:tnLst>
       <p:par>
-        <p:cTn xmlns:p14="http://schemas.microsoft.com/office/powerpoint/2010/main" id="1" dur="indefinite" restart="never" nodeType="tmRoot"/>
+        <p:cTn id="1" dur="indefinite" restart="never" nodeType="tmRoot"/>
       </p:par>
     </p:tnLst>
   </p:timing>
@@ -24558,11 +23147,11 @@
           <a:p>
             <a:r>
               <a:rPr lang="en-US" dirty="0"/>
-              <a:t>  - name: centos-</a:t>
-            </a:r>
-            <a:r>
-              <a:rPr lang="en-US" dirty="0" smtClean="0"/>
-              <a:t>7.2</a:t>
+              <a:t>  - name: </a:t>
+            </a:r>
+            <a:r>
+              <a:rPr lang="en-US" dirty="0" smtClean="0"/>
+              <a:t>centos-7.3</a:t>
             </a:r>
             <a:endParaRPr lang="en-US" dirty="0"/>
           </a:p>
@@ -24673,13 +23262,13 @@
   <p:clrMapOvr>
     <a:masterClrMapping/>
   </p:clrMapOvr>
-  <p:transition xmlns:p14="http://schemas.microsoft.com/office/powerpoint/2010/main" spd="med">
+  <p:transition spd="med">
     <p:fade/>
   </p:transition>
   <p:timing>
     <p:tnLst>
       <p:par>
-        <p:cTn xmlns:p14="http://schemas.microsoft.com/office/powerpoint/2010/main" id="1" dur="indefinite" restart="never" nodeType="tmRoot"/>
+        <p:cTn id="1" dur="indefinite" restart="never" nodeType="tmRoot"/>
       </p:par>
     </p:tnLst>
   </p:timing>
@@ -24822,11 +23411,11 @@
           <a:p>
             <a:r>
               <a:rPr lang="en-US" dirty="0"/>
-              <a:t>  - name: centos-</a:t>
-            </a:r>
-            <a:r>
-              <a:rPr lang="en-US" dirty="0" smtClean="0"/>
-              <a:t>7.2</a:t>
+              <a:t>  - name: </a:t>
+            </a:r>
+            <a:r>
+              <a:rPr lang="en-US" dirty="0" smtClean="0"/>
+              <a:t>centos-7.3</a:t>
             </a:r>
             <a:endParaRPr lang="en-US" dirty="0"/>
           </a:p>
@@ -24937,13 +23526,13 @@
   <p:clrMapOvr>
     <a:masterClrMapping/>
   </p:clrMapOvr>
-  <p:transition xmlns:p14="http://schemas.microsoft.com/office/powerpoint/2010/main" spd="med">
+  <p:transition spd="med">
     <p:fade/>
   </p:transition>
   <p:timing>
     <p:tnLst>
       <p:par>
-        <p:cTn xmlns:p14="http://schemas.microsoft.com/office/powerpoint/2010/main" id="1" dur="indefinite" restart="never" nodeType="tmRoot"/>
+        <p:cTn id="1" dur="indefinite" restart="never" nodeType="tmRoot"/>
       </p:par>
     </p:tnLst>
   </p:timing>
@@ -25024,8 +23613,13 @@
           <a:p>
             <a:r>
               <a:rPr lang="en-US" dirty="0"/>
-              <a:t>  - name: centos-7.2</a:t>
-            </a:r>
+              <a:t>  - name: </a:t>
+            </a:r>
+            <a:r>
+              <a:rPr lang="en-US" dirty="0" smtClean="0"/>
+              <a:t>centos-7.3</a:t>
+            </a:r>
+            <a:endParaRPr lang="en-US" dirty="0"/>
           </a:p>
           <a:p>
             <a:endParaRPr lang="en-US" dirty="0"/>
@@ -25093,8 +23687,13 @@
           <a:p>
             <a:r>
               <a:rPr lang="en-US" dirty="0"/>
-              <a:t>        - test/recipes</a:t>
-            </a:r>
+              <a:t>        - </a:t>
+            </a:r>
+            <a:r>
+              <a:rPr lang="en-US" dirty="0" smtClean="0"/>
+              <a:t>test/smoke/default</a:t>
+            </a:r>
+            <a:endParaRPr lang="en-US" dirty="0"/>
           </a:p>
           <a:p>
             <a:r>
@@ -25214,13 +23813,13 @@
   <p:clrMapOvr>
     <a:masterClrMapping/>
   </p:clrMapOvr>
-  <p:transition xmlns:p14="http://schemas.microsoft.com/office/powerpoint/2010/main" spd="med">
+  <p:transition spd="med">
     <p:fade/>
   </p:transition>
   <p:timing>
     <p:tnLst>
       <p:par>
-        <p:cTn xmlns:p14="http://schemas.microsoft.com/office/powerpoint/2010/main" id="1" dur="indefinite" restart="never" nodeType="tmRoot"/>
+        <p:cTn id="1" dur="indefinite" restart="never" nodeType="tmRoot"/>
       </p:par>
     </p:tnLst>
   </p:timing>
@@ -25301,8 +23900,13 @@
           <a:p>
             <a:r>
               <a:rPr lang="en-US" dirty="0"/>
-              <a:t>  - name: centos-7.2</a:t>
-            </a:r>
+              <a:t>  - name: </a:t>
+            </a:r>
+            <a:r>
+              <a:rPr lang="en-US" dirty="0" smtClean="0"/>
+              <a:t>centos-7.3</a:t>
+            </a:r>
+            <a:endParaRPr lang="en-US" dirty="0"/>
           </a:p>
           <a:p>
             <a:endParaRPr lang="en-US" dirty="0"/>
@@ -25370,8 +23974,13 @@
           <a:p>
             <a:r>
               <a:rPr lang="en-US" dirty="0"/>
-              <a:t>        - test/recipes</a:t>
-            </a:r>
+              <a:t>        - </a:t>
+            </a:r>
+            <a:r>
+              <a:rPr lang="en-US" dirty="0" smtClean="0"/>
+              <a:t>test/smoke/default</a:t>
+            </a:r>
+            <a:endParaRPr lang="en-US" dirty="0"/>
           </a:p>
           <a:p>
             <a:r>
@@ -25548,13 +24157,13 @@
   <p:clrMapOvr>
     <a:masterClrMapping/>
   </p:clrMapOvr>
-  <p:transition xmlns:p14="http://schemas.microsoft.com/office/powerpoint/2010/main" spd="med">
+  <p:transition spd="med">
     <p:fade/>
   </p:transition>
   <p:timing>
     <p:tnLst>
       <p:par>
-        <p:cTn xmlns:p14="http://schemas.microsoft.com/office/powerpoint/2010/main" id="1" dur="indefinite" restart="never" nodeType="tmRoot"/>
+        <p:cTn id="1" dur="indefinite" restart="never" nodeType="tmRoot"/>
       </p:par>
     </p:tnLst>
   </p:timing>
@@ -25635,8 +24244,13 @@
           <a:p>
             <a:r>
               <a:rPr lang="en-US" dirty="0"/>
-              <a:t>  - name: centos-7.2</a:t>
-            </a:r>
+              <a:t>  - name: </a:t>
+            </a:r>
+            <a:r>
+              <a:rPr lang="en-US" dirty="0" smtClean="0"/>
+              <a:t>centos-7.3</a:t>
+            </a:r>
+            <a:endParaRPr lang="en-US" dirty="0"/>
           </a:p>
           <a:p>
             <a:endParaRPr lang="en-US" dirty="0"/>
@@ -25704,8 +24318,13 @@
           <a:p>
             <a:r>
               <a:rPr lang="en-US" dirty="0"/>
-              <a:t>        - test/recipes</a:t>
-            </a:r>
+              <a:t>        - </a:t>
+            </a:r>
+            <a:r>
+              <a:rPr lang="en-US" dirty="0" smtClean="0"/>
+              <a:t>test/smoke/default</a:t>
+            </a:r>
+            <a:endParaRPr lang="en-US" dirty="0"/>
           </a:p>
           <a:p>
             <a:r>
@@ -25825,13 +24444,13 @@
   <p:clrMapOvr>
     <a:masterClrMapping/>
   </p:clrMapOvr>
-  <p:transition xmlns:p14="http://schemas.microsoft.com/office/powerpoint/2010/main" spd="med">
+  <p:transition spd="med">
     <p:fade/>
   </p:transition>
   <p:timing>
     <p:tnLst>
       <p:par>
-        <p:cTn xmlns:p14="http://schemas.microsoft.com/office/powerpoint/2010/main" id="1" dur="indefinite" restart="never" nodeType="tmRoot"/>
+        <p:cTn id="1" dur="indefinite" restart="never" nodeType="tmRoot"/>
       </p:par>
     </p:tnLst>
   </p:timing>
@@ -25976,11 +24595,11 @@
           <a:p>
             <a:r>
               <a:rPr lang="en-US" dirty="0"/>
-              <a:t>  - name: centos-</a:t>
-            </a:r>
-            <a:r>
-              <a:rPr lang="en-US" dirty="0" smtClean="0"/>
-              <a:t>7.2</a:t>
+              <a:t>  - name: </a:t>
+            </a:r>
+            <a:r>
+              <a:rPr lang="en-US" dirty="0" smtClean="0"/>
+              <a:t>centos-7.3</a:t>
             </a:r>
             <a:endParaRPr lang="en-US" dirty="0"/>
           </a:p>
@@ -26121,13 +24740,13 @@
   <p:clrMapOvr>
     <a:masterClrMapping/>
   </p:clrMapOvr>
-  <p:transition xmlns:p14="http://schemas.microsoft.com/office/powerpoint/2010/main" spd="med">
+  <p:transition spd="med">
     <p:fade/>
   </p:transition>
   <p:timing>
     <p:tnLst>
       <p:par>
-        <p:cTn xmlns:p14="http://schemas.microsoft.com/office/powerpoint/2010/main" id="1" dur="indefinite" restart="never" nodeType="tmRoot"/>
+        <p:cTn id="1" dur="indefinite" restart="never" nodeType="tmRoot"/>
       </p:par>
     </p:tnLst>
   </p:timing>
@@ -26413,13 +25032,13 @@
   <p:clrMapOvr>
     <a:masterClrMapping/>
   </p:clrMapOvr>
-  <p:transition xmlns:p14="http://schemas.microsoft.com/office/powerpoint/2010/main" spd="med">
+  <p:transition spd="med">
     <p:fade/>
   </p:transition>
   <p:timing>
     <p:tnLst>
       <p:par>
-        <p:cTn xmlns:p14="http://schemas.microsoft.com/office/powerpoint/2010/main" id="1" dur="indefinite" restart="never" nodeType="tmRoot"/>
+        <p:cTn id="1" dur="indefinite" restart="never" nodeType="tmRoot"/>
       </p:par>
     </p:tnLst>
   </p:timing>
@@ -26566,13 +25185,13 @@
   <p:clrMapOvr>
     <a:masterClrMapping/>
   </p:clrMapOvr>
-  <p:transition xmlns:p14="http://schemas.microsoft.com/office/powerpoint/2010/main" spd="med">
+  <p:transition spd="med">
     <p:fade/>
   </p:transition>
   <p:timing>
     <p:tnLst>
       <p:par>
-        <p:cTn xmlns:p14="http://schemas.microsoft.com/office/powerpoint/2010/main" id="1" dur="indefinite" restart="never" nodeType="tmRoot"/>
+        <p:cTn id="1" dur="indefinite" restart="never" nodeType="tmRoot"/>
       </p:par>
     </p:tnLst>
   </p:timing>
@@ -26744,13 +25363,13 @@
   <p:clrMapOvr>
     <a:masterClrMapping/>
   </p:clrMapOvr>
-  <p:transition xmlns:p14="http://schemas.microsoft.com/office/powerpoint/2010/main" spd="med">
+  <p:transition spd="med">
     <p:fade/>
   </p:transition>
   <p:timing>
     <p:tnLst>
       <p:par>
-        <p:cTn xmlns:p14="http://schemas.microsoft.com/office/powerpoint/2010/main" id="1" dur="indefinite" restart="never" nodeType="tmRoot"/>
+        <p:cTn id="1" dur="indefinite" restart="never" nodeType="tmRoot"/>
       </p:par>
     </p:tnLst>
   </p:timing>
@@ -27234,13 +25853,13 @@
   <p:clrMapOvr>
     <a:masterClrMapping/>
   </p:clrMapOvr>
-  <p:transition xmlns:p14="http://schemas.microsoft.com/office/powerpoint/2010/main" spd="med">
+  <p:transition spd="med">
     <p:fade/>
   </p:transition>
   <p:timing>
     <p:tnLst>
       <p:par>
-        <p:cTn xmlns:p14="http://schemas.microsoft.com/office/powerpoint/2010/main" id="1" dur="indefinite" restart="never" nodeType="tmRoot"/>
+        <p:cTn id="1" dur="indefinite" restart="never" nodeType="tmRoot"/>
       </p:par>
     </p:tnLst>
   </p:timing>
@@ -27338,13 +25957,13 @@
   <p:clrMapOvr>
     <a:masterClrMapping/>
   </p:clrMapOvr>
-  <p:transition xmlns:p14="http://schemas.microsoft.com/office/powerpoint/2010/main" spd="med">
+  <p:transition spd="med">
     <p:fade/>
   </p:transition>
   <p:timing>
     <p:tnLst>
       <p:par>
-        <p:cTn xmlns:p14="http://schemas.microsoft.com/office/powerpoint/2010/main" id="1" dur="indefinite" restart="never" nodeType="tmRoot"/>
+        <p:cTn id="1" dur="indefinite" restart="never" nodeType="tmRoot"/>
       </p:par>
     </p:tnLst>
   </p:timing>
@@ -28139,13 +26758,13 @@
   <p:clrMapOvr>
     <a:masterClrMapping/>
   </p:clrMapOvr>
-  <p:transition xmlns:p14="http://schemas.microsoft.com/office/powerpoint/2010/main" spd="med">
+  <p:transition spd="med">
     <p:fade/>
   </p:transition>
   <p:timing>
     <p:tnLst>
       <p:par>
-        <p:cTn xmlns:p14="http://schemas.microsoft.com/office/powerpoint/2010/main" id="1" dur="indefinite" restart="never" nodeType="tmRoot"/>
+        <p:cTn id="1" dur="indefinite" restart="never" nodeType="tmRoot"/>
       </p:par>
     </p:tnLst>
   </p:timing>
@@ -29108,13 +27727,13 @@
   <p:clrMapOvr>
     <a:masterClrMapping/>
   </p:clrMapOvr>
-  <p:transition xmlns:p14="http://schemas.microsoft.com/office/powerpoint/2010/main" spd="med">
+  <p:transition spd="med">
     <p:fade/>
   </p:transition>
   <p:timing>
     <p:tnLst>
       <p:par>
-        <p:cTn xmlns:p14="http://schemas.microsoft.com/office/powerpoint/2010/main" id="1" dur="indefinite" restart="never" nodeType="tmRoot"/>
+        <p:cTn id="1" dur="indefinite" restart="never" nodeType="tmRoot"/>
       </p:par>
     </p:tnLst>
   </p:timing>
@@ -29354,13 +27973,13 @@
   <p:clrMapOvr>
     <a:masterClrMapping/>
   </p:clrMapOvr>
-  <p:transition xmlns:p14="http://schemas.microsoft.com/office/powerpoint/2010/main" spd="med">
+  <p:transition spd="med">
     <p:fade/>
   </p:transition>
   <p:timing>
     <p:tnLst>
       <p:par>
-        <p:cTn xmlns:p14="http://schemas.microsoft.com/office/powerpoint/2010/main" id="1" dur="indefinite" restart="never" nodeType="tmRoot"/>
+        <p:cTn id="1" dur="indefinite" restart="never" nodeType="tmRoot"/>
       </p:par>
     </p:tnLst>
   </p:timing>
@@ -29427,11 +28046,15 @@
             </a:r>
             <a:r>
               <a:rPr lang="en-US" dirty="0"/>
-              <a:t>login: Thu Feb 18 21:21:39 2016 </a:t>
-            </a:r>
-            <a:r>
-              <a:rPr lang="en-US" dirty="0" smtClean="0"/>
-              <a:t>from 172.17.42.1</a:t>
+              <a:t>login: Thu Feb 18 21:21:39 </a:t>
+            </a:r>
+            <a:r>
+              <a:rPr lang="is-IS" dirty="0" smtClean="0"/>
+              <a:t>2017</a:t>
+            </a:r>
+            <a:r>
+              <a:rPr lang="en-US" dirty="0" smtClean="0"/>
+              <a:t> from 172.17.42.1</a:t>
             </a:r>
           </a:p>
           <a:p>
@@ -29526,13 +28149,13 @@
   <p:clrMapOvr>
     <a:masterClrMapping/>
   </p:clrMapOvr>
-  <p:transition xmlns:p14="http://schemas.microsoft.com/office/powerpoint/2010/main" spd="med">
+  <p:transition spd="med">
     <p:fade/>
   </p:transition>
   <p:timing>
     <p:tnLst>
       <p:par>
-        <p:cTn xmlns:p14="http://schemas.microsoft.com/office/powerpoint/2010/main" id="1" dur="indefinite" restart="never" nodeType="tmRoot"/>
+        <p:cTn id="1" dur="indefinite" restart="never" nodeType="tmRoot"/>
       </p:par>
     </p:tnLst>
   </p:timing>
@@ -29690,13 +28313,13 @@
   <p:clrMapOvr>
     <a:masterClrMapping/>
   </p:clrMapOvr>
-  <p:transition xmlns:p14="http://schemas.microsoft.com/office/powerpoint/2010/main" spd="med">
+  <p:transition spd="med">
     <p:fade/>
   </p:transition>
   <p:timing>
     <p:tnLst>
       <p:par>
-        <p:cTn xmlns:p14="http://schemas.microsoft.com/office/powerpoint/2010/main" id="1" dur="indefinite" restart="never" nodeType="tmRoot"/>
+        <p:cTn id="1" dur="indefinite" restart="never" nodeType="tmRoot"/>
       </p:par>
     </p:tnLst>
   </p:timing>
@@ -30080,13 +28703,13 @@
   <p:clrMapOvr>
     <a:masterClrMapping/>
   </p:clrMapOvr>
-  <p:transition xmlns:p14="http://schemas.microsoft.com/office/powerpoint/2010/main" spd="med">
+  <p:transition spd="med">
     <p:fade/>
   </p:transition>
   <p:timing>
     <p:tnLst>
       <p:par>
-        <p:cTn xmlns:p14="http://schemas.microsoft.com/office/powerpoint/2010/main" id="1" dur="indefinite" restart="never" nodeType="tmRoot"/>
+        <p:cTn id="1" dur="indefinite" restart="never" nodeType="tmRoot"/>
       </p:par>
     </p:tnLst>
   </p:timing>
@@ -30162,15 +28785,23 @@
             </a:r>
             <a:r>
               <a:rPr lang="en-US" dirty="0"/>
-              <a:t>`/home/chef/</a:t>
-            </a:r>
-            <a:r>
-              <a:rPr lang="en-US" dirty="0" err="1"/>
+              <a:t>`/</a:t>
+            </a:r>
+            <a:r>
+              <a:rPr lang="en-US" dirty="0" smtClean="0"/>
+              <a:t>home/chef/</a:t>
+            </a:r>
+            <a:r>
+              <a:rPr lang="en-US" dirty="0" err="1" smtClean="0"/>
               <a:t>httpd</a:t>
             </a:r>
             <a:r>
+              <a:rPr lang="en-US" dirty="0" smtClean="0"/>
+              <a:t>/test/smoke/default</a:t>
+            </a:r>
+            <a:r>
               <a:rPr lang="en-US" dirty="0"/>
-              <a:t>/test/recipes/default` for testing</a:t>
+              <a:t>` for testing</a:t>
             </a:r>
           </a:p>
           <a:p>
@@ -30314,13 +28945,13 @@
   <p:clrMapOvr>
     <a:masterClrMapping/>
   </p:clrMapOvr>
-  <p:transition xmlns:p14="http://schemas.microsoft.com/office/powerpoint/2010/main" spd="med">
+  <p:transition spd="med">
     <p:fade/>
   </p:transition>
   <p:timing>
     <p:tnLst>
       <p:par>
-        <p:cTn xmlns:p14="http://schemas.microsoft.com/office/powerpoint/2010/main" id="1" dur="indefinite" restart="never" nodeType="tmRoot"/>
+        <p:cTn id="1" dur="indefinite" restart="never" nodeType="tmRoot"/>
       </p:par>
     </p:tnLst>
   </p:timing>
@@ -30662,13 +29293,13 @@
   <p:clrMapOvr>
     <a:masterClrMapping/>
   </p:clrMapOvr>
-  <p:transition xmlns:p14="http://schemas.microsoft.com/office/powerpoint/2010/main" spd="med">
+  <p:transition spd="med">
     <p:fade/>
   </p:transition>
   <p:timing>
     <p:tnLst>
       <p:par>
-        <p:cTn xmlns:p14="http://schemas.microsoft.com/office/powerpoint/2010/main" id="1" dur="indefinite" restart="never" nodeType="tmRoot"/>
+        <p:cTn id="1" dur="indefinite" restart="never" nodeType="tmRoot"/>
       </p:par>
     </p:tnLst>
   </p:timing>
@@ -31533,13 +30164,13 @@
   <p:clrMapOvr>
     <a:masterClrMapping/>
   </p:clrMapOvr>
-  <p:transition xmlns:p14="http://schemas.microsoft.com/office/powerpoint/2010/main" spd="med">
+  <p:transition spd="med">
     <p:fade/>
   </p:transition>
   <p:timing>
     <p:tnLst>
       <p:par>
-        <p:cTn xmlns:p14="http://schemas.microsoft.com/office/powerpoint/2010/main" id="1" dur="indefinite" restart="never" nodeType="tmRoot"/>
+        <p:cTn id="1" dur="indefinite" restart="never" nodeType="tmRoot"/>
       </p:par>
     </p:tnLst>
   </p:timing>
@@ -31809,13 +30440,13 @@
   <p:clrMapOvr>
     <a:masterClrMapping/>
   </p:clrMapOvr>
-  <p:transition xmlns:p14="http://schemas.microsoft.com/office/powerpoint/2010/main" spd="med">
+  <p:transition spd="med">
     <p:fade/>
   </p:transition>
   <p:timing>
     <p:tnLst>
       <p:par>
-        <p:cTn xmlns:p14="http://schemas.microsoft.com/office/powerpoint/2010/main" id="1" dur="indefinite" restart="never" nodeType="tmRoot"/>
+        <p:cTn id="1" dur="indefinite" restart="never" nodeType="tmRoot"/>
       </p:par>
     </p:tnLst>
   </p:timing>
@@ -31939,13 +30570,13 @@
   <p:clrMapOvr>
     <a:masterClrMapping/>
   </p:clrMapOvr>
-  <p:transition xmlns:p14="http://schemas.microsoft.com/office/powerpoint/2010/main" spd="med">
+  <p:transition spd="med">
     <p:fade/>
   </p:transition>
   <p:timing>
     <p:tnLst>
       <p:par>
-        <p:cTn xmlns:p14="http://schemas.microsoft.com/office/powerpoint/2010/main" id="1" dur="indefinite" restart="never" nodeType="tmRoot"/>
+        <p:cTn id="1" dur="indefinite" restart="never" nodeType="tmRoot"/>
       </p:par>
     </p:tnLst>
   </p:timing>
@@ -32093,13 +30724,13 @@
   <p:clrMapOvr>
     <a:masterClrMapping/>
   </p:clrMapOvr>
-  <p:transition xmlns:p14="http://schemas.microsoft.com/office/powerpoint/2010/main" spd="med">
+  <p:transition spd="med">
     <p:fade/>
   </p:transition>
   <p:timing>
     <p:tnLst>
       <p:par>
-        <p:cTn xmlns:p14="http://schemas.microsoft.com/office/powerpoint/2010/main" id="1" dur="indefinite" restart="never" nodeType="tmRoot"/>
+        <p:cTn id="1" dur="indefinite" restart="never" nodeType="tmRoot"/>
       </p:par>
     </p:tnLst>
   </p:timing>
@@ -32193,8 +30824,16 @@
           </a:p>
           <a:p>
             <a:r>
+              <a:rPr lang="en-US"/>
+              <a:t># </a:t>
+            </a:r>
+            <a:r>
+              <a:rPr lang="en-US" smtClean="0"/>
+              <a:t>Copyright (c) 2017 </a:t>
+            </a:r>
+            <a:r>
               <a:rPr lang="en-US" dirty="0"/>
-              <a:t># Copyright (c) 2015 The Authors, All Rights Reserved.</a:t>
+              <a:t>The Authors, All Rights Reserved.</a:t>
             </a:r>
           </a:p>
           <a:p>
@@ -32355,13 +30994,13 @@
   <p:clrMapOvr>
     <a:masterClrMapping/>
   </p:clrMapOvr>
-  <p:transition xmlns:p14="http://schemas.microsoft.com/office/powerpoint/2010/main" spd="med">
+  <p:transition spd="med">
     <p:fade/>
   </p:transition>
   <p:timing>
     <p:tnLst>
       <p:par>
-        <p:cTn xmlns:p14="http://schemas.microsoft.com/office/powerpoint/2010/main" id="1" dur="indefinite" restart="never" nodeType="tmRoot"/>
+        <p:cTn id="1" dur="indefinite" restart="never" nodeType="tmRoot"/>
       </p:par>
     </p:tnLst>
   </p:timing>
@@ -32661,13 +31300,13 @@
   <p:clrMapOvr>
     <a:masterClrMapping/>
   </p:clrMapOvr>
-  <p:transition xmlns:p14="http://schemas.microsoft.com/office/powerpoint/2010/main" spd="med">
+  <p:transition spd="med">
     <p:fade/>
   </p:transition>
   <p:timing>
     <p:tnLst>
       <p:par>
-        <p:cTn xmlns:p14="http://schemas.microsoft.com/office/powerpoint/2010/main" id="1" dur="indefinite" restart="never" nodeType="tmRoot"/>
+        <p:cTn id="1" dur="indefinite" restart="never" nodeType="tmRoot"/>
       </p:par>
     </p:tnLst>
   </p:timing>
@@ -32815,13 +31454,13 @@
   <p:clrMapOvr>
     <a:masterClrMapping/>
   </p:clrMapOvr>
-  <p:transition xmlns:p14="http://schemas.microsoft.com/office/powerpoint/2010/main" spd="med">
+  <p:transition spd="med">
     <p:fade/>
   </p:transition>
   <p:timing>
     <p:tnLst>
       <p:par>
-        <p:cTn xmlns:p14="http://schemas.microsoft.com/office/powerpoint/2010/main" id="1" dur="indefinite" restart="never" nodeType="tmRoot"/>
+        <p:cTn id="1" dur="indefinite" restart="never" nodeType="tmRoot"/>
       </p:par>
     </p:tnLst>
   </p:timing>
@@ -32882,10 +31521,18 @@
                   <a:schemeClr val="accent5"/>
                 </a:solidFill>
               </a:rPr>
-              <a:t>       Use `/home/chef/</a:t>
-            </a:r>
-            <a:r>
-              <a:rPr lang="en-US" dirty="0" err="1">
+              <a:t>       Use `/</a:t>
+            </a:r>
+            <a:r>
+              <a:rPr lang="en-US" dirty="0" smtClean="0">
+                <a:solidFill>
+                  <a:schemeClr val="accent5"/>
+                </a:solidFill>
+              </a:rPr>
+              <a:t>home/chef/</a:t>
+            </a:r>
+            <a:r>
+              <a:rPr lang="en-US" dirty="0" err="1" smtClean="0">
                 <a:solidFill>
                   <a:schemeClr val="accent5"/>
                 </a:solidFill>
@@ -32893,12 +31540,20 @@
               <a:t>httpd</a:t>
             </a:r>
             <a:r>
+              <a:rPr lang="en-US" dirty="0" smtClean="0">
+                <a:solidFill>
+                  <a:schemeClr val="accent5"/>
+                </a:solidFill>
+              </a:rPr>
+              <a:t>/test/smoke/default</a:t>
+            </a:r>
+            <a:r>
               <a:rPr lang="en-US" dirty="0">
                 <a:solidFill>
                   <a:schemeClr val="accent5"/>
                 </a:solidFill>
               </a:rPr>
-              <a:t>/test/recipes/default` for testing</a:t>
+              <a:t>` for testing</a:t>
             </a:r>
           </a:p>
           <a:p>
@@ -33123,13 +31778,13 @@
   <p:clrMapOvr>
     <a:masterClrMapping/>
   </p:clrMapOvr>
-  <p:transition xmlns:p14="http://schemas.microsoft.com/office/powerpoint/2010/main" spd="med">
+  <p:transition spd="med">
     <p:fade/>
   </p:transition>
   <p:timing>
     <p:tnLst>
       <p:par>
-        <p:cTn xmlns:p14="http://schemas.microsoft.com/office/powerpoint/2010/main" id="1" dur="indefinite" restart="never" nodeType="tmRoot"/>
+        <p:cTn id="1" dur="indefinite" restart="never" nodeType="tmRoot"/>
       </p:par>
     </p:tnLst>
   </p:timing>
@@ -33277,13 +31932,13 @@
   <p:clrMapOvr>
     <a:masterClrMapping/>
   </p:clrMapOvr>
-  <p:transition xmlns:p14="http://schemas.microsoft.com/office/powerpoint/2010/main" spd="med">
+  <p:transition spd="med">
     <p:fade/>
   </p:transition>
   <p:timing>
     <p:tnLst>
       <p:par>
-        <p:cTn xmlns:p14="http://schemas.microsoft.com/office/powerpoint/2010/main" id="1" dur="indefinite" restart="never" nodeType="tmRoot"/>
+        <p:cTn id="1" dur="indefinite" restart="never" nodeType="tmRoot"/>
       </p:par>
     </p:tnLst>
   </p:timing>
@@ -33382,13 +32037,13 @@
   <p:clrMapOvr>
     <a:masterClrMapping/>
   </p:clrMapOvr>
-  <p:transition xmlns:p14="http://schemas.microsoft.com/office/powerpoint/2010/main" spd="med">
+  <p:transition spd="med">
     <p:fade/>
   </p:transition>
   <p:timing>
     <p:tnLst>
       <p:par>
-        <p:cTn xmlns:p14="http://schemas.microsoft.com/office/powerpoint/2010/main" id="1" dur="indefinite" restart="never" nodeType="tmRoot"/>
+        <p:cTn id="1" dur="indefinite" restart="never" nodeType="tmRoot"/>
       </p:par>
     </p:tnLst>
   </p:timing>
@@ -33470,13 +32125,13 @@
   <p:clrMapOvr>
     <a:masterClrMapping/>
   </p:clrMapOvr>
-  <p:transition xmlns:p14="http://schemas.microsoft.com/office/powerpoint/2010/main" spd="med">
+  <p:transition spd="med">
     <p:fade/>
   </p:transition>
   <p:timing>
     <p:tnLst>
       <p:par>
-        <p:cTn xmlns:p14="http://schemas.microsoft.com/office/powerpoint/2010/main" id="1" dur="indefinite" restart="never" nodeType="tmRoot"/>
+        <p:cTn id="1" dur="indefinite" restart="never" nodeType="tmRoot"/>
       </p:par>
     </p:tnLst>
   </p:timing>
@@ -33648,13 +32303,13 @@
   <p:clrMapOvr>
     <a:masterClrMapping/>
   </p:clrMapOvr>
-  <p:transition xmlns:p14="http://schemas.microsoft.com/office/powerpoint/2010/main" spd="med">
+  <p:transition spd="med">
     <p:fade/>
   </p:transition>
   <p:timing>
     <p:tnLst>
       <p:par>
-        <p:cTn xmlns:p14="http://schemas.microsoft.com/office/powerpoint/2010/main" id="1" dur="indefinite" restart="never" nodeType="tmRoot"/>
+        <p:cTn id="1" dur="indefinite" restart="never" nodeType="tmRoot"/>
       </p:par>
     </p:tnLst>
   </p:timing>
@@ -33688,13 +32343,13 @@
   <p:clrMapOvr>
     <a:masterClrMapping/>
   </p:clrMapOvr>
-  <p:transition xmlns:p14="http://schemas.microsoft.com/office/powerpoint/2010/main" spd="med">
+  <p:transition spd="med">
     <p:fade/>
   </p:transition>
   <p:timing>
     <p:tnLst>
       <p:par>
-        <p:cTn xmlns:p14="http://schemas.microsoft.com/office/powerpoint/2010/main" id="1" dur="indefinite" restart="never" nodeType="tmRoot"/>
+        <p:cTn id="1" dur="indefinite" restart="never" nodeType="tmRoot"/>
       </p:par>
     </p:tnLst>
   </p:timing>
@@ -33820,13 +32475,13 @@
   <p:clrMapOvr>
     <a:masterClrMapping/>
   </p:clrMapOvr>
-  <p:transition xmlns:p14="http://schemas.microsoft.com/office/powerpoint/2010/main" spd="med">
+  <p:transition spd="med">
     <p:fade/>
   </p:transition>
   <p:timing>
     <p:tnLst>
       <p:par>
-        <p:cTn xmlns:p14="http://schemas.microsoft.com/office/powerpoint/2010/main" id="1" dur="indefinite" restart="never" nodeType="tmRoot"/>
+        <p:cTn id="1" dur="indefinite" restart="never" nodeType="tmRoot"/>
       </p:par>
     </p:tnLst>
   </p:timing>
@@ -33930,13 +32585,13 @@
   <p:clrMapOvr>
     <a:masterClrMapping/>
   </p:clrMapOvr>
-  <p:transition xmlns:p14="http://schemas.microsoft.com/office/powerpoint/2010/main" spd="med">
+  <p:transition spd="med">
     <p:fade/>
   </p:transition>
   <p:timing>
     <p:tnLst>
       <p:par>
-        <p:cTn xmlns:p14="http://schemas.microsoft.com/office/powerpoint/2010/main" id="1" dur="indefinite" restart="never" nodeType="tmRoot"/>
+        <p:cTn id="1" dur="indefinite" restart="never" nodeType="tmRoot"/>
       </p:par>
     </p:tnLst>
   </p:timing>
@@ -34088,13 +32743,13 @@
   <p:clrMapOvr>
     <a:masterClrMapping/>
   </p:clrMapOvr>
-  <p:transition xmlns:p14="http://schemas.microsoft.com/office/powerpoint/2010/main" spd="med">
+  <p:transition spd="med">
     <p:fade/>
   </p:transition>
   <p:timing>
     <p:tnLst>
       <p:par>
-        <p:cTn xmlns:p14="http://schemas.microsoft.com/office/powerpoint/2010/main" id="1" dur="indefinite" restart="never" nodeType="tmRoot"/>
+        <p:cTn id="1" dur="indefinite" restart="never" nodeType="tmRoot"/>
       </p:par>
     </p:tnLst>
   </p:timing>
@@ -34214,13 +32869,13 @@
   <p:clrMapOvr>
     <a:masterClrMapping/>
   </p:clrMapOvr>
-  <p:transition xmlns:p14="http://schemas.microsoft.com/office/powerpoint/2010/main" spd="med">
+  <p:transition spd="med">
     <p:fade/>
   </p:transition>
   <p:timing>
     <p:tnLst>
       <p:par>
-        <p:cTn xmlns:p14="http://schemas.microsoft.com/office/powerpoint/2010/main" id="1" dur="indefinite" restart="never" nodeType="tmRoot"/>
+        <p:cTn id="1" dur="indefinite" restart="never" nodeType="tmRoot"/>
       </p:par>
     </p:tnLst>
   </p:timing>
@@ -34603,7 +33258,7 @@
   <a:extraClrSchemeLst/>
   <a:extLst>
     <a:ext uri="{05A4C25C-085E-4340-85A3-A5531E510DB2}">
-      <thm15:themeFamily xmlns:thm15="http://schemas.microsoft.com/office/thememl/2012/main" xmlns="" name="Chef-TemplateComps_v09-16x9-Light.potx" id="{078CEFDB-FA7A-4E36-9964-13EF367585CB}" vid="{8B87B0F3-7308-43D5-8388-E1B49EA02652}"/>
+      <thm15:themeFamily xmlns:thm15="http://schemas.microsoft.com/office/thememl/2012/main" name="Chef-TemplateComps_v09-16x9-Light.potx" id="{078CEFDB-FA7A-4E36-9964-13EF367585CB}" vid="{8B87B0F3-7308-43D5-8388-E1B49EA02652}"/>
     </a:ext>
   </a:extLst>
 </a:theme>
@@ -34985,7 +33640,7 @@
   <a:extraClrSchemeLst/>
   <a:extLst>
     <a:ext uri="{05A4C25C-085E-4340-85A3-A5531E510DB2}">
-      <thm15:themeFamily xmlns:thm15="http://schemas.microsoft.com/office/thememl/2012/main" xmlns="" name="Chef-TemplateComps_v09-16x9-Light.potx" id="{078CEFDB-FA7A-4E36-9964-13EF367585CB}" vid="{8B87B0F3-7308-43D5-8388-E1B49EA02652}"/>
+      <thm15:themeFamily xmlns:thm15="http://schemas.microsoft.com/office/thememl/2012/main" name="Chef-TemplateComps_v09-16x9-Light.potx" id="{078CEFDB-FA7A-4E36-9964-13EF367585CB}" vid="{8B87B0F3-7308-43D5-8388-E1B49EA02652}"/>
     </a:ext>
   </a:extLst>
 </a:theme>
